--- a/webpayment.resources/docs/pullmode.pptx
+++ b/webpayment.resources/docs/pullmode.pptx
@@ -2483,6 +2483,100 @@
           <a:chExt cx="0" cy="0"/>
         </a:xfrm>
       </p:grpSpPr>
+      <p:cxnSp>
+        <p:nvCxnSpPr>
+          <p:cNvPr id="108" name="Straight Connector 107"/>
+          <p:cNvCxnSpPr/>
+          <p:nvPr/>
+        </p:nvCxnSpPr>
+        <p:spPr>
+          <a:xfrm flipH="1">
+            <a:off x="2800257" y="809837"/>
+            <a:ext cx="3073" cy="11115728"/>
+          </a:xfrm>
+          <a:prstGeom prst="line">
+            <a:avLst/>
+          </a:prstGeom>
+          <a:ln w="25400"/>
+        </p:spPr>
+        <p:style>
+          <a:lnRef idx="1">
+            <a:schemeClr val="accent1"/>
+          </a:lnRef>
+          <a:fillRef idx="0">
+            <a:schemeClr val="accent1"/>
+          </a:fillRef>
+          <a:effectRef idx="0">
+            <a:schemeClr val="accent1"/>
+          </a:effectRef>
+          <a:fontRef idx="minor">
+            <a:schemeClr val="tx1"/>
+          </a:fontRef>
+        </p:style>
+      </p:cxnSp>
+      <p:sp>
+        <p:nvSpPr>
+          <p:cNvPr id="99" name="TextBox 98"/>
+          <p:cNvSpPr txBox="1"/>
+          <p:nvPr/>
+        </p:nvSpPr>
+        <p:spPr>
+          <a:xfrm>
+            <a:off x="1649245" y="7673826"/>
+            <a:ext cx="1837872" cy="221018"/>
+          </a:xfrm>
+          <a:prstGeom prst="rect">
+            <a:avLst/>
+          </a:prstGeom>
+          <a:solidFill>
+            <a:schemeClr val="bg1"/>
+          </a:solidFill>
+        </p:spPr>
+        <p:txBody>
+          <a:bodyPr wrap="square" lIns="36000" tIns="18000" rIns="36000" bIns="18000" rtlCol="0" anchor="ctr" anchorCtr="1">
+            <a:spAutoFit/>
+          </a:bodyPr>
+          <a:lstStyle/>
+          <a:p>
+            <a:pPr algn="ctr"/>
+            <a:r>
+              <a:rPr lang="en-US" sz="1200" b="1" dirty="0" smtClean="0">
+                <a:latin typeface="Arial" panose="020B0604020202020204" pitchFamily="34" charset="0"/>
+                <a:cs typeface="Arial" panose="020B0604020202020204" pitchFamily="34" charset="0"/>
+                <a:sym typeface="Wingdings"/>
+              </a:rPr>
+              <a:t></a:t>
+            </a:r>
+            <a:r>
+              <a:rPr lang="en-US" sz="1000" dirty="0" smtClean="0">
+                <a:solidFill>
+                  <a:schemeClr val="accent1"/>
+                </a:solidFill>
+                <a:latin typeface="Arial" panose="020B0604020202020204" pitchFamily="34" charset="0"/>
+                <a:cs typeface="Arial" panose="020B0604020202020204" pitchFamily="34" charset="0"/>
+              </a:rPr>
+              <a:t> </a:t>
+            </a:r>
+            <a:r>
+              <a:rPr lang="en-US" sz="1000" dirty="0" err="1" smtClean="0">
+                <a:solidFill>
+                  <a:schemeClr val="accent1"/>
+                </a:solidFill>
+                <a:latin typeface="Arial" panose="020B0604020202020204" pitchFamily="34" charset="0"/>
+                <a:cs typeface="Arial" panose="020B0604020202020204" pitchFamily="34" charset="0"/>
+              </a:rPr>
+              <a:t>PayerPullAuthReq</a:t>
+            </a:r>
+            <a:endParaRPr lang="en-US" sz="1000" dirty="0">
+              <a:solidFill>
+                <a:schemeClr val="accent1"/>
+              </a:solidFill>
+              <a:latin typeface="Arial" panose="020B0604020202020204" pitchFamily="34" charset="0"/>
+              <a:cs typeface="Arial" panose="020B0604020202020204" pitchFamily="34" charset="0"/>
+            </a:endParaRPr>
+          </a:p>
+        </p:txBody>
+      </p:sp>
       <p:cxnSp>
         <p:nvCxnSpPr>
           <p:cNvPr id="42" name="Straight Connector 41"/>
@@ -10865,7 +10959,7 @@
         <p:spPr>
           <a:xfrm>
             <a:off x="1379646" y="11412889"/>
-            <a:ext cx="1038766" cy="6653"/>
+            <a:ext cx="1422000" cy="6653"/>
           </a:xfrm>
           <a:prstGeom prst="straightConnector1">
             <a:avLst/>
@@ -10895,45 +10989,14 @@
       </p:cxnSp>
       <p:cxnSp>
         <p:nvCxnSpPr>
-          <p:cNvPr id="108" name="Straight Connector 107"/>
-          <p:cNvCxnSpPr/>
-          <p:nvPr/>
-        </p:nvCxnSpPr>
-        <p:spPr>
-          <a:xfrm flipH="1">
-            <a:off x="2800257" y="809837"/>
-            <a:ext cx="3073" cy="11115728"/>
-          </a:xfrm>
-          <a:prstGeom prst="line">
-            <a:avLst/>
-          </a:prstGeom>
-          <a:ln w="25400"/>
-        </p:spPr>
-        <p:style>
-          <a:lnRef idx="1">
-            <a:schemeClr val="accent1"/>
-          </a:lnRef>
-          <a:fillRef idx="0">
-            <a:schemeClr val="accent1"/>
-          </a:fillRef>
-          <a:effectRef idx="0">
-            <a:schemeClr val="accent1"/>
-          </a:effectRef>
-          <a:fontRef idx="minor">
-            <a:schemeClr val="tx1"/>
-          </a:fontRef>
-        </p:style>
-      </p:cxnSp>
-      <p:cxnSp>
-        <p:nvCxnSpPr>
           <p:cNvPr id="86" name="Straight Arrow Connector 85"/>
           <p:cNvCxnSpPr/>
           <p:nvPr/>
         </p:nvCxnSpPr>
         <p:spPr>
           <a:xfrm>
-            <a:off x="1360755" y="8393906"/>
-            <a:ext cx="1057161" cy="2758"/>
+            <a:off x="1360754" y="8242164"/>
+            <a:ext cx="1422000" cy="2758"/>
           </a:xfrm>
           <a:prstGeom prst="straightConnector1">
             <a:avLst/>
@@ -10968,8 +11031,8 @@
         </p:nvSpPr>
         <p:spPr>
           <a:xfrm>
-            <a:off x="1229029" y="7958624"/>
-            <a:ext cx="133217" cy="432000"/>
+            <a:off x="1229029" y="7886161"/>
+            <a:ext cx="133217" cy="360000"/>
           </a:xfrm>
           <a:custGeom>
             <a:avLst/>
@@ -11208,7 +11271,7 @@
         </p:nvCxnSpPr>
         <p:spPr>
           <a:xfrm flipH="1">
-            <a:off x="1375017" y="7963510"/>
+            <a:off x="1375017" y="7891047"/>
             <a:ext cx="3111227" cy="0"/>
           </a:xfrm>
           <a:prstGeom prst="straightConnector1">
@@ -11513,8 +11576,8 @@
         </p:nvCxnSpPr>
         <p:spPr>
           <a:xfrm>
-            <a:off x="4973891" y="1800987"/>
-            <a:ext cx="0" cy="9545247"/>
+            <a:off x="4973891" y="1800986"/>
+            <a:ext cx="0" cy="9612000"/>
           </a:xfrm>
           <a:prstGeom prst="line">
             <a:avLst/>
@@ -12586,8 +12649,8 @@
         </p:nvSpPr>
         <p:spPr>
           <a:xfrm>
-            <a:off x="4486244" y="7773733"/>
-            <a:ext cx="2133092" cy="453020"/>
+            <a:off x="4486244" y="7701270"/>
+            <a:ext cx="2133092" cy="378836"/>
           </a:xfrm>
           <a:prstGeom prst="rect">
             <a:avLst/>
@@ -12643,7 +12706,7 @@
         </p:nvSpPr>
         <p:spPr>
           <a:xfrm>
-            <a:off x="4486244" y="7778861"/>
+            <a:off x="4486244" y="7706398"/>
             <a:ext cx="2235716" cy="373708"/>
           </a:xfrm>
           <a:prstGeom prst="rect">
@@ -12701,7 +12764,7 @@
         </p:nvSpPr>
         <p:spPr>
           <a:xfrm>
-            <a:off x="5239959" y="8733616"/>
+            <a:off x="5239959" y="8465914"/>
             <a:ext cx="2650879" cy="276999"/>
           </a:xfrm>
           <a:prstGeom prst="rect">
@@ -12738,51 +12801,6 @@
           </a:p>
         </p:txBody>
       </p:sp>
-      <p:sp>
-        <p:nvSpPr>
-          <p:cNvPr id="99" name="TextBox 98"/>
-          <p:cNvSpPr txBox="1"/>
-          <p:nvPr/>
-        </p:nvSpPr>
-        <p:spPr>
-          <a:xfrm>
-            <a:off x="1412590" y="7642105"/>
-            <a:ext cx="1593876" cy="190240"/>
-          </a:xfrm>
-          <a:prstGeom prst="rect">
-            <a:avLst/>
-          </a:prstGeom>
-          <a:solidFill>
-            <a:schemeClr val="bg1"/>
-          </a:solidFill>
-        </p:spPr>
-        <p:txBody>
-          <a:bodyPr wrap="square" lIns="36000" tIns="18000" rIns="36000" bIns="18000" rtlCol="0" anchor="ctr" anchorCtr="1">
-            <a:spAutoFit/>
-          </a:bodyPr>
-          <a:lstStyle/>
-          <a:p>
-            <a:r>
-              <a:rPr lang="en-US" sz="1000" dirty="0" err="1" smtClean="0">
-                <a:latin typeface="Arial" panose="020B0604020202020204" pitchFamily="34" charset="0"/>
-                <a:cs typeface="Arial" panose="020B0604020202020204" pitchFamily="34" charset="0"/>
-              </a:rPr>
-              <a:t>postMessage</a:t>
-            </a:r>
-            <a:r>
-              <a:rPr lang="en-US" sz="1000" dirty="0" smtClean="0">
-                <a:latin typeface="Arial" panose="020B0604020202020204" pitchFamily="34" charset="0"/>
-                <a:cs typeface="Arial" panose="020B0604020202020204" pitchFamily="34" charset="0"/>
-              </a:rPr>
-              <a:t>(Authorize)</a:t>
-            </a:r>
-            <a:endParaRPr lang="en-US" sz="1000" dirty="0">
-              <a:latin typeface="Arial" panose="020B0604020202020204" pitchFamily="34" charset="0"/>
-              <a:cs typeface="Arial" panose="020B0604020202020204" pitchFamily="34" charset="0"/>
-            </a:endParaRPr>
-          </a:p>
-        </p:txBody>
-      </p:sp>
       <p:cxnSp>
         <p:nvCxnSpPr>
           <p:cNvPr id="106" name="Straight Arrow Connector 105"/>
@@ -12791,8 +12809,8 @@
         </p:nvCxnSpPr>
         <p:spPr>
           <a:xfrm flipH="1">
-            <a:off x="2454512" y="10266114"/>
-            <a:ext cx="5054346" cy="0"/>
+            <a:off x="2827580" y="10183570"/>
+            <a:ext cx="3960000" cy="0"/>
           </a:xfrm>
           <a:prstGeom prst="straightConnector1">
             <a:avLst/>
@@ -12819,484 +12837,310 @@
           </a:fontRef>
         </p:style>
       </p:cxnSp>
-      <p:grpSp>
-        <p:nvGrpSpPr>
-          <p:cNvPr id="25" name="Group 24"/>
-          <p:cNvGrpSpPr/>
+      <p:sp>
+        <p:nvSpPr>
+          <p:cNvPr id="26" name="Rectangle 25"/>
+          <p:cNvSpPr/>
           <p:nvPr/>
-        </p:nvGrpSpPr>
-        <p:grpSpPr>
+        </p:nvSpPr>
+        <p:spPr>
           <a:xfrm>
-            <a:off x="6580336" y="9350915"/>
-            <a:ext cx="1946367" cy="2283351"/>
-            <a:chOff x="4437111" y="3445770"/>
-            <a:chExt cx="1948397" cy="2060069"/>
+            <a:off x="6580336" y="9041978"/>
+            <a:ext cx="1946367" cy="2615751"/>
           </a:xfrm>
-          <a:effectLst>
-            <a:outerShdw blurRad="50800" dist="38100" dir="2700000" algn="tl" rotWithShape="0">
-              <a:prstClr val="black">
-                <a:alpha val="40000"/>
-              </a:prstClr>
-            </a:outerShdw>
-          </a:effectLst>
-        </p:grpSpPr>
-        <p:sp>
-          <p:nvSpPr>
-            <p:cNvPr id="26" name="Rectangle 25"/>
-            <p:cNvSpPr/>
-            <p:nvPr/>
-          </p:nvSpPr>
-          <p:spPr>
-            <a:xfrm>
-              <a:off x="4437111" y="3445770"/>
-              <a:ext cx="1948397" cy="2060069"/>
-            </a:xfrm>
-            <a:prstGeom prst="rect">
-              <a:avLst/>
-            </a:prstGeom>
+          <a:prstGeom prst="rect">
+            <a:avLst/>
+          </a:prstGeom>
+          <a:solidFill>
+            <a:schemeClr val="accent3">
+              <a:lumMod val="20000"/>
+              <a:lumOff val="80000"/>
+            </a:schemeClr>
+          </a:solidFill>
+          <a:ln w="15875">
             <a:solidFill>
-              <a:schemeClr val="accent3">
-                <a:lumMod val="20000"/>
-                <a:lumOff val="80000"/>
-              </a:schemeClr>
+              <a:srgbClr val="FF0000"/>
             </a:solidFill>
-            <a:ln w="15875">
-              <a:solidFill>
-                <a:srgbClr val="FF0000"/>
-              </a:solidFill>
-            </a:ln>
-          </p:spPr>
-          <p:style>
-            <a:lnRef idx="2">
-              <a:schemeClr val="accent1">
-                <a:shade val="50000"/>
-              </a:schemeClr>
-            </a:lnRef>
-            <a:fillRef idx="1">
-              <a:schemeClr val="accent1"/>
-            </a:fillRef>
-            <a:effectRef idx="0">
-              <a:schemeClr val="accent1"/>
-            </a:effectRef>
-            <a:fontRef idx="minor">
-              <a:schemeClr val="lt1"/>
-            </a:fontRef>
-          </p:style>
-          <p:txBody>
-            <a:bodyPr rtlCol="0" anchor="ctr"/>
-            <a:lstStyle/>
-            <a:p>
-              <a:endParaRPr lang="en-US" dirty="0"/>
-            </a:p>
-          </p:txBody>
-        </p:sp>
-        <p:sp>
-          <p:nvSpPr>
-            <p:cNvPr id="27" name="TextBox 26"/>
-            <p:cNvSpPr txBox="1"/>
-            <p:nvPr/>
-          </p:nvSpPr>
-          <p:spPr>
-            <a:xfrm>
-              <a:off x="4437112" y="4644008"/>
-              <a:ext cx="1877791" cy="511249"/>
-            </a:xfrm>
-            <a:prstGeom prst="rect">
-              <a:avLst/>
-            </a:prstGeom>
-            <a:noFill/>
-          </p:spPr>
-          <p:txBody>
-            <a:bodyPr wrap="none" rtlCol="0">
-              <a:spAutoFit/>
-            </a:bodyPr>
-            <a:lstStyle/>
-            <a:p>
-              <a:r>
-                <a:rPr lang="en-US" sz="800" dirty="0" err="1" smtClean="0">
-                  <a:latin typeface="Arial" panose="020B0604020202020204" pitchFamily="34" charset="0"/>
-                  <a:cs typeface="Arial" panose="020B0604020202020204" pitchFamily="34" charset="0"/>
-                </a:rPr>
-                <a:t>CardType</a:t>
-              </a:r>
-              <a:r>
-                <a:rPr lang="en-US" sz="800" dirty="0" smtClean="0">
-                  <a:latin typeface="Arial" panose="020B0604020202020204" pitchFamily="34" charset="0"/>
-                  <a:cs typeface="Arial" panose="020B0604020202020204" pitchFamily="34" charset="0"/>
-                </a:rPr>
-                <a:t> (Selected)</a:t>
-              </a:r>
-              <a:br>
-                <a:rPr lang="en-US" sz="800" dirty="0" smtClean="0">
-                  <a:latin typeface="Arial" panose="020B0604020202020204" pitchFamily="34" charset="0"/>
-                  <a:cs typeface="Arial" panose="020B0604020202020204" pitchFamily="34" charset="0"/>
-                </a:rPr>
-              </a:br>
-              <a:r>
-                <a:rPr lang="en-US" sz="800" dirty="0" err="1" smtClean="0">
-                  <a:latin typeface="Arial" panose="020B0604020202020204" pitchFamily="34" charset="0"/>
-                  <a:cs typeface="Arial" panose="020B0604020202020204" pitchFamily="34" charset="0"/>
-                </a:rPr>
-                <a:t>PaymentToken</a:t>
-              </a:r>
-              <a:r>
-                <a:rPr lang="en-US" sz="800" dirty="0" smtClean="0">
-                  <a:latin typeface="Arial" panose="020B0604020202020204" pitchFamily="34" charset="0"/>
-                  <a:cs typeface="Arial" panose="020B0604020202020204" pitchFamily="34" charset="0"/>
-                </a:rPr>
-                <a:t> (</a:t>
-              </a:r>
-              <a:r>
-                <a:rPr lang="en-US" sz="800" i="1" dirty="0" smtClean="0">
-                  <a:latin typeface="Arial" panose="020B0604020202020204" pitchFamily="34" charset="0"/>
-                  <a:cs typeface="Arial" panose="020B0604020202020204" pitchFamily="34" charset="0"/>
-                </a:rPr>
-                <a:t>Tokenized</a:t>
-              </a:r>
-              <a:r>
-                <a:rPr lang="en-US" sz="800" dirty="0" smtClean="0">
-                  <a:latin typeface="Arial" panose="020B0604020202020204" pitchFamily="34" charset="0"/>
-                  <a:cs typeface="Arial" panose="020B0604020202020204" pitchFamily="34" charset="0"/>
-                </a:rPr>
-                <a:t> PAN)</a:t>
-              </a:r>
-            </a:p>
-            <a:p>
-              <a:r>
-                <a:rPr lang="en-US" sz="800" dirty="0" err="1" smtClean="0">
-                  <a:latin typeface="Arial" panose="020B0604020202020204" pitchFamily="34" charset="0"/>
-                  <a:cs typeface="Arial" panose="020B0604020202020204" pitchFamily="34" charset="0"/>
-                </a:rPr>
-                <a:t>ReferencePAN</a:t>
-              </a:r>
-              <a:r>
-                <a:rPr lang="en-US" sz="800" dirty="0" smtClean="0">
-                  <a:latin typeface="Arial" panose="020B0604020202020204" pitchFamily="34" charset="0"/>
-                  <a:cs typeface="Arial" panose="020B0604020202020204" pitchFamily="34" charset="0"/>
-                </a:rPr>
-                <a:t> (Last 4 digits of PAN)</a:t>
-              </a:r>
-              <a:br>
-                <a:rPr lang="en-US" sz="800" dirty="0" smtClean="0">
-                  <a:latin typeface="Arial" panose="020B0604020202020204" pitchFamily="34" charset="0"/>
-                  <a:cs typeface="Arial" panose="020B0604020202020204" pitchFamily="34" charset="0"/>
-                </a:rPr>
-              </a:br>
-              <a:r>
-                <a:rPr lang="en-US" sz="800" dirty="0" err="1" smtClean="0">
-                  <a:latin typeface="Arial" panose="020B0604020202020204" pitchFamily="34" charset="0"/>
-                  <a:cs typeface="Arial" panose="020B0604020202020204" pitchFamily="34" charset="0"/>
-                </a:rPr>
-                <a:t>TransactionID</a:t>
-              </a:r>
-              <a:r>
-                <a:rPr lang="en-US" sz="800" dirty="0" smtClean="0">
-                  <a:latin typeface="Arial" panose="020B0604020202020204" pitchFamily="34" charset="0"/>
-                  <a:cs typeface="Arial" panose="020B0604020202020204" pitchFamily="34" charset="0"/>
-                </a:rPr>
-                <a:t> </a:t>
-              </a:r>
-              <a:r>
-                <a:rPr lang="en-US" sz="800" dirty="0">
-                  <a:latin typeface="Arial" panose="020B0604020202020204" pitchFamily="34" charset="0"/>
-                  <a:cs typeface="Arial" panose="020B0604020202020204" pitchFamily="34" charset="0"/>
-                </a:rPr>
-                <a:t>(Payment Provider)</a:t>
-              </a:r>
-            </a:p>
-            <a:p>
-              <a:r>
-                <a:rPr lang="en-US" sz="800" dirty="0" err="1" smtClean="0">
-                  <a:latin typeface="Arial" panose="020B0604020202020204" pitchFamily="34" charset="0"/>
-                  <a:cs typeface="Arial" panose="020B0604020202020204" pitchFamily="34" charset="0"/>
-                </a:rPr>
-                <a:t>DateTime</a:t>
-              </a:r>
-              <a:r>
-                <a:rPr lang="en-US" sz="800" dirty="0" smtClean="0">
-                  <a:latin typeface="Arial" panose="020B0604020202020204" pitchFamily="34" charset="0"/>
-                  <a:cs typeface="Arial" panose="020B0604020202020204" pitchFamily="34" charset="0"/>
-                </a:rPr>
-                <a:t> (Payment Provider)</a:t>
-              </a:r>
-              <a:endParaRPr lang="en-US" sz="800" dirty="0">
-                <a:latin typeface="Arial" panose="020B0604020202020204" pitchFamily="34" charset="0"/>
-                <a:cs typeface="Arial" panose="020B0604020202020204" pitchFamily="34" charset="0"/>
-              </a:endParaRPr>
-            </a:p>
-            <a:p>
-              <a:pPr>
-                <a:spcBef>
-                  <a:spcPts val="600"/>
-                </a:spcBef>
-              </a:pPr>
-              <a:r>
-                <a:rPr lang="en-US" sz="800" b="1" dirty="0" smtClean="0">
-                  <a:latin typeface="Arial" panose="020B0604020202020204" pitchFamily="34" charset="0"/>
-                  <a:cs typeface="Arial" panose="020B0604020202020204" pitchFamily="34" charset="0"/>
-                </a:rPr>
-                <a:t>Signature</a:t>
-              </a:r>
-              <a:r>
-                <a:rPr lang="en-US" sz="800" dirty="0" smtClean="0">
-                  <a:latin typeface="Arial" panose="020B0604020202020204" pitchFamily="34" charset="0"/>
-                  <a:cs typeface="Arial" panose="020B0604020202020204" pitchFamily="34" charset="0"/>
-                </a:rPr>
-                <a:t> (Payment Provider)</a:t>
-              </a:r>
-              <a:endParaRPr lang="en-US" sz="800" dirty="0">
-                <a:latin typeface="Arial" panose="020B0604020202020204" pitchFamily="34" charset="0"/>
-                <a:cs typeface="Arial" panose="020B0604020202020204" pitchFamily="34" charset="0"/>
-              </a:endParaRPr>
-            </a:p>
-          </p:txBody>
-        </p:sp>
-        <p:grpSp>
-          <p:nvGrpSpPr>
-            <p:cNvPr id="28" name="Group 27"/>
-            <p:cNvGrpSpPr/>
-            <p:nvPr/>
-          </p:nvGrpSpPr>
-          <p:grpSpPr>
-            <a:xfrm>
-              <a:off x="4545124" y="3707904"/>
-              <a:ext cx="1281652" cy="907941"/>
-              <a:chOff x="1988840" y="1331640"/>
-              <a:chExt cx="1281652" cy="907941"/>
-            </a:xfrm>
-          </p:grpSpPr>
-          <p:sp>
-            <p:nvSpPr>
-              <p:cNvPr id="30" name="Rectangle 29"/>
-              <p:cNvSpPr/>
-              <p:nvPr/>
-            </p:nvSpPr>
-            <p:spPr>
-              <a:xfrm>
-                <a:off x="1988840" y="1331641"/>
-                <a:ext cx="1281652" cy="907940"/>
-              </a:xfrm>
-              <a:prstGeom prst="rect">
-                <a:avLst/>
-              </a:prstGeom>
-              <a:solidFill>
-                <a:srgbClr val="FEFEDE"/>
-              </a:solidFill>
-              <a:ln w="15875">
-                <a:solidFill>
-                  <a:srgbClr val="FF0000"/>
-                </a:solidFill>
-              </a:ln>
-            </p:spPr>
-            <p:style>
-              <a:lnRef idx="2">
-                <a:schemeClr val="accent1">
-                  <a:shade val="50000"/>
-                </a:schemeClr>
-              </a:lnRef>
-              <a:fillRef idx="1">
-                <a:schemeClr val="accent1"/>
-              </a:fillRef>
-              <a:effectRef idx="0">
-                <a:schemeClr val="accent1"/>
-              </a:effectRef>
-              <a:fontRef idx="minor">
-                <a:schemeClr val="lt1"/>
-              </a:fontRef>
-            </p:style>
-            <p:txBody>
-              <a:bodyPr rtlCol="0" anchor="ctr"/>
-              <a:lstStyle/>
-              <a:p>
-                <a:endParaRPr lang="en-US" dirty="0"/>
-              </a:p>
-            </p:txBody>
-          </p:sp>
-          <p:sp>
-            <p:nvSpPr>
-              <p:cNvPr id="31" name="TextBox 30"/>
-              <p:cNvSpPr txBox="1"/>
-              <p:nvPr/>
-            </p:nvSpPr>
-            <p:spPr>
-              <a:xfrm>
-                <a:off x="1988840" y="1331640"/>
-                <a:ext cx="1154082" cy="511249"/>
-              </a:xfrm>
-              <a:prstGeom prst="rect">
-                <a:avLst/>
-              </a:prstGeom>
-              <a:noFill/>
-              <a:ln w="19050">
-                <a:noFill/>
-              </a:ln>
-            </p:spPr>
-            <p:txBody>
-              <a:bodyPr wrap="none" rtlCol="0">
-                <a:spAutoFit/>
-              </a:bodyPr>
-              <a:lstStyle/>
-              <a:p>
-                <a:r>
-                  <a:rPr lang="en-US" sz="800" dirty="0" err="1" smtClean="0">
-                    <a:latin typeface="Arial" panose="020B0604020202020204" pitchFamily="34" charset="0"/>
-                    <a:cs typeface="Arial" panose="020B0604020202020204" pitchFamily="34" charset="0"/>
-                  </a:rPr>
-                  <a:t>CommonName</a:t>
-                </a:r>
-                <a:r>
-                  <a:rPr lang="en-US" sz="800" dirty="0" smtClean="0">
-                    <a:latin typeface="Arial" panose="020B0604020202020204" pitchFamily="34" charset="0"/>
-                    <a:cs typeface="Arial" panose="020B0604020202020204" pitchFamily="34" charset="0"/>
-                  </a:rPr>
-                  <a:t/>
-                </a:r>
-                <a:br>
-                  <a:rPr lang="en-US" sz="800" dirty="0" smtClean="0">
-                    <a:latin typeface="Arial" panose="020B0604020202020204" pitchFamily="34" charset="0"/>
-                    <a:cs typeface="Arial" panose="020B0604020202020204" pitchFamily="34" charset="0"/>
-                  </a:rPr>
-                </a:br>
-                <a:r>
-                  <a:rPr lang="en-US" sz="800" dirty="0" smtClean="0">
-                    <a:latin typeface="Arial" panose="020B0604020202020204" pitchFamily="34" charset="0"/>
-                    <a:cs typeface="Arial" panose="020B0604020202020204" pitchFamily="34" charset="0"/>
-                  </a:rPr>
-                  <a:t>Amount</a:t>
-                </a:r>
-                <a:br>
-                  <a:rPr lang="en-US" sz="800" dirty="0" smtClean="0">
-                    <a:latin typeface="Arial" panose="020B0604020202020204" pitchFamily="34" charset="0"/>
-                    <a:cs typeface="Arial" panose="020B0604020202020204" pitchFamily="34" charset="0"/>
-                  </a:rPr>
-                </a:br>
-                <a:r>
-                  <a:rPr lang="en-US" sz="800" dirty="0" smtClean="0">
-                    <a:latin typeface="Arial" panose="020B0604020202020204" pitchFamily="34" charset="0"/>
-                    <a:cs typeface="Arial" panose="020B0604020202020204" pitchFamily="34" charset="0"/>
-                  </a:rPr>
-                  <a:t>Currency</a:t>
-                </a:r>
-                <a:br>
-                  <a:rPr lang="en-US" sz="800" dirty="0" smtClean="0">
-                    <a:latin typeface="Arial" panose="020B0604020202020204" pitchFamily="34" charset="0"/>
-                    <a:cs typeface="Arial" panose="020B0604020202020204" pitchFamily="34" charset="0"/>
-                  </a:rPr>
-                </a:br>
-                <a:r>
-                  <a:rPr lang="en-US" sz="800" dirty="0" err="1">
-                    <a:latin typeface="Arial" panose="020B0604020202020204" pitchFamily="34" charset="0"/>
-                    <a:cs typeface="Arial" panose="020B0604020202020204" pitchFamily="34" charset="0"/>
-                  </a:rPr>
-                  <a:t>ReferenceID</a:t>
-                </a:r>
-                <a:r>
-                  <a:rPr lang="en-US" sz="800" dirty="0">
-                    <a:latin typeface="Arial" panose="020B0604020202020204" pitchFamily="34" charset="0"/>
-                    <a:cs typeface="Arial" panose="020B0604020202020204" pitchFamily="34" charset="0"/>
-                  </a:rPr>
-                  <a:t> (</a:t>
-                </a:r>
-                <a:r>
-                  <a:rPr lang="en-US" sz="800" dirty="0" smtClean="0">
-                    <a:latin typeface="Arial" panose="020B0604020202020204" pitchFamily="34" charset="0"/>
-                    <a:cs typeface="Arial" panose="020B0604020202020204" pitchFamily="34" charset="0"/>
-                  </a:rPr>
-                  <a:t>Payee)</a:t>
-                </a:r>
-              </a:p>
-              <a:p>
-                <a:r>
-                  <a:rPr lang="en-US" sz="800" dirty="0" err="1" smtClean="0">
-                    <a:latin typeface="Arial" panose="020B0604020202020204" pitchFamily="34" charset="0"/>
-                    <a:cs typeface="Arial" panose="020B0604020202020204" pitchFamily="34" charset="0"/>
-                  </a:rPr>
-                  <a:t>DateTime</a:t>
-                </a:r>
-                <a:r>
-                  <a:rPr lang="en-US" sz="800" dirty="0" smtClean="0">
-                    <a:latin typeface="Arial" panose="020B0604020202020204" pitchFamily="34" charset="0"/>
-                    <a:cs typeface="Arial" panose="020B0604020202020204" pitchFamily="34" charset="0"/>
-                  </a:rPr>
-                  <a:t> (Payee)</a:t>
-                </a:r>
-                <a:endParaRPr lang="en-US" sz="800" dirty="0">
-                  <a:latin typeface="Arial" panose="020B0604020202020204" pitchFamily="34" charset="0"/>
-                  <a:cs typeface="Arial" panose="020B0604020202020204" pitchFamily="34" charset="0"/>
-                </a:endParaRPr>
-              </a:p>
-              <a:p>
-                <a:pPr>
-                  <a:spcBef>
-                    <a:spcPts val="600"/>
-                  </a:spcBef>
-                </a:pPr>
-                <a:r>
-                  <a:rPr lang="en-US" sz="800" b="1" dirty="0" smtClean="0">
-                    <a:latin typeface="Arial" panose="020B0604020202020204" pitchFamily="34" charset="0"/>
-                    <a:cs typeface="Arial" panose="020B0604020202020204" pitchFamily="34" charset="0"/>
-                  </a:rPr>
-                  <a:t>Signature</a:t>
-                </a:r>
-                <a:r>
-                  <a:rPr lang="en-US" sz="800" dirty="0" smtClean="0">
-                    <a:latin typeface="Arial" panose="020B0604020202020204" pitchFamily="34" charset="0"/>
-                    <a:cs typeface="Arial" panose="020B0604020202020204" pitchFamily="34" charset="0"/>
-                  </a:rPr>
-                  <a:t> (Payee)</a:t>
-                </a:r>
-                <a:endParaRPr lang="en-US" sz="800" dirty="0">
-                  <a:latin typeface="Arial" panose="020B0604020202020204" pitchFamily="34" charset="0"/>
-                  <a:cs typeface="Arial" panose="020B0604020202020204" pitchFamily="34" charset="0"/>
-                </a:endParaRPr>
-              </a:p>
-            </p:txBody>
-          </p:sp>
-        </p:grpSp>
-        <p:sp>
-          <p:nvSpPr>
-            <p:cNvPr id="29" name="TextBox 28"/>
-            <p:cNvSpPr txBox="1"/>
-            <p:nvPr/>
-          </p:nvSpPr>
-          <p:spPr>
-            <a:xfrm>
-              <a:off x="4437112" y="3491880"/>
-              <a:ext cx="1006452" cy="121314"/>
-            </a:xfrm>
-            <a:prstGeom prst="rect">
-              <a:avLst/>
-            </a:prstGeom>
-            <a:noFill/>
-          </p:spPr>
-          <p:txBody>
-            <a:bodyPr wrap="none" rtlCol="0">
-              <a:spAutoFit/>
-            </a:bodyPr>
-            <a:lstStyle/>
-            <a:p>
-              <a:r>
-                <a:rPr lang="en-US" sz="800" dirty="0" err="1" smtClean="0">
-                  <a:latin typeface="Arial" panose="020B0604020202020204" pitchFamily="34" charset="0"/>
-                  <a:cs typeface="Arial" panose="020B0604020202020204" pitchFamily="34" charset="0"/>
-                </a:rPr>
-                <a:t>PaymentRequest</a:t>
-              </a:r>
-              <a:r>
-                <a:rPr lang="en-US" sz="800" dirty="0" smtClean="0">
-                  <a:latin typeface="Arial" panose="020B0604020202020204" pitchFamily="34" charset="0"/>
-                  <a:cs typeface="Arial" panose="020B0604020202020204" pitchFamily="34" charset="0"/>
-                </a:rPr>
-                <a:t>:</a:t>
-              </a:r>
-              <a:endParaRPr lang="en-US" sz="800" dirty="0">
-                <a:latin typeface="Arial" panose="020B0604020202020204" pitchFamily="34" charset="0"/>
-                <a:cs typeface="Arial" panose="020B0604020202020204" pitchFamily="34" charset="0"/>
-              </a:endParaRPr>
-            </a:p>
-          </p:txBody>
-        </p:sp>
-      </p:grpSp>
+          </a:ln>
+        </p:spPr>
+        <p:style>
+          <a:lnRef idx="2">
+            <a:schemeClr val="accent1">
+              <a:shade val="50000"/>
+            </a:schemeClr>
+          </a:lnRef>
+          <a:fillRef idx="1">
+            <a:schemeClr val="accent1"/>
+          </a:fillRef>
+          <a:effectRef idx="0">
+            <a:schemeClr val="accent1"/>
+          </a:effectRef>
+          <a:fontRef idx="minor">
+            <a:schemeClr val="lt1"/>
+          </a:fontRef>
+        </p:style>
+        <p:txBody>
+          <a:bodyPr rtlCol="0" anchor="ctr"/>
+          <a:lstStyle/>
+          <a:p>
+            <a:endParaRPr lang="en-US" dirty="0"/>
+          </a:p>
+        </p:txBody>
+      </p:sp>
+      <p:sp>
+        <p:nvSpPr>
+          <p:cNvPr id="27" name="TextBox 26"/>
+          <p:cNvSpPr txBox="1"/>
+          <p:nvPr/>
+        </p:nvSpPr>
+        <p:spPr>
+          <a:xfrm>
+            <a:off x="6578083" y="10503567"/>
+            <a:ext cx="1887055" cy="1115690"/>
+          </a:xfrm>
+          <a:prstGeom prst="rect">
+            <a:avLst/>
+          </a:prstGeom>
+          <a:noFill/>
+        </p:spPr>
+        <p:txBody>
+          <a:bodyPr wrap="none" rtlCol="0">
+            <a:spAutoFit/>
+          </a:bodyPr>
+          <a:lstStyle/>
+          <a:p>
+            <a:r>
+              <a:rPr lang="en-US" sz="800" dirty="0" err="1" smtClean="0">
+                <a:latin typeface="Arial" panose="020B0604020202020204" pitchFamily="34" charset="0"/>
+                <a:cs typeface="Arial" panose="020B0604020202020204" pitchFamily="34" charset="0"/>
+              </a:rPr>
+              <a:t>CardType</a:t>
+            </a:r>
+            <a:r>
+              <a:rPr lang="en-US" sz="800" dirty="0" smtClean="0">
+                <a:latin typeface="Arial" panose="020B0604020202020204" pitchFamily="34" charset="0"/>
+                <a:cs typeface="Arial" panose="020B0604020202020204" pitchFamily="34" charset="0"/>
+              </a:rPr>
+              <a:t> (Selected)</a:t>
+            </a:r>
+            <a:br>
+              <a:rPr lang="en-US" sz="800" dirty="0" smtClean="0">
+                <a:latin typeface="Arial" panose="020B0604020202020204" pitchFamily="34" charset="0"/>
+                <a:cs typeface="Arial" panose="020B0604020202020204" pitchFamily="34" charset="0"/>
+              </a:rPr>
+            </a:br>
+            <a:r>
+              <a:rPr lang="en-US" sz="800" dirty="0" err="1" smtClean="0">
+                <a:latin typeface="Arial" panose="020B0604020202020204" pitchFamily="34" charset="0"/>
+                <a:cs typeface="Arial" panose="020B0604020202020204" pitchFamily="34" charset="0"/>
+              </a:rPr>
+              <a:t>CardReference</a:t>
+            </a:r>
+            <a:r>
+              <a:rPr lang="en-US" sz="800" dirty="0" smtClean="0">
+                <a:latin typeface="Arial" panose="020B0604020202020204" pitchFamily="34" charset="0"/>
+                <a:cs typeface="Arial" panose="020B0604020202020204" pitchFamily="34" charset="0"/>
+              </a:rPr>
+              <a:t> (Last </a:t>
+            </a:r>
+            <a:r>
+              <a:rPr lang="en-US" sz="800" dirty="0" smtClean="0">
+                <a:latin typeface="Arial" panose="020B0604020202020204" pitchFamily="34" charset="0"/>
+                <a:cs typeface="Arial" panose="020B0604020202020204" pitchFamily="34" charset="0"/>
+              </a:rPr>
+              <a:t>4 digits of PAN</a:t>
+            </a:r>
+            <a:r>
+              <a:rPr lang="en-US" sz="800" dirty="0" smtClean="0">
+                <a:latin typeface="Arial" panose="020B0604020202020204" pitchFamily="34" charset="0"/>
+                <a:cs typeface="Arial" panose="020B0604020202020204" pitchFamily="34" charset="0"/>
+              </a:rPr>
+              <a:t>)</a:t>
+            </a:r>
+          </a:p>
+          <a:p>
+            <a:r>
+              <a:rPr lang="en-US" sz="800" dirty="0" err="1">
+                <a:latin typeface="Arial" panose="020B0604020202020204" pitchFamily="34" charset="0"/>
+                <a:cs typeface="Arial" panose="020B0604020202020204" pitchFamily="34" charset="0"/>
+              </a:rPr>
+              <a:t>PaymentToken</a:t>
+            </a:r>
+            <a:r>
+              <a:rPr lang="en-US" sz="800" dirty="0">
+                <a:latin typeface="Arial" panose="020B0604020202020204" pitchFamily="34" charset="0"/>
+                <a:cs typeface="Arial" panose="020B0604020202020204" pitchFamily="34" charset="0"/>
+              </a:rPr>
+              <a:t> (</a:t>
+            </a:r>
+            <a:r>
+              <a:rPr lang="en-US" sz="800" i="1" dirty="0">
+                <a:latin typeface="Arial" panose="020B0604020202020204" pitchFamily="34" charset="0"/>
+                <a:cs typeface="Arial" panose="020B0604020202020204" pitchFamily="34" charset="0"/>
+              </a:rPr>
+              <a:t>Tokenized</a:t>
+            </a:r>
+            <a:r>
+              <a:rPr lang="en-US" sz="800" dirty="0">
+                <a:latin typeface="Arial" panose="020B0604020202020204" pitchFamily="34" charset="0"/>
+                <a:cs typeface="Arial" panose="020B0604020202020204" pitchFamily="34" charset="0"/>
+              </a:rPr>
+              <a:t> PAN)</a:t>
+            </a:r>
+          </a:p>
+          <a:p>
+            <a:r>
+              <a:rPr lang="en-US" sz="800" dirty="0" err="1" smtClean="0">
+                <a:latin typeface="Arial" panose="020B0604020202020204" pitchFamily="34" charset="0"/>
+                <a:cs typeface="Arial" panose="020B0604020202020204" pitchFamily="34" charset="0"/>
+              </a:rPr>
+              <a:t>Reference</a:t>
+            </a:r>
+            <a:r>
+              <a:rPr lang="en-US" sz="800" dirty="0" err="1" smtClean="0">
+                <a:latin typeface="Arial" panose="020B0604020202020204" pitchFamily="34" charset="0"/>
+                <a:cs typeface="Arial" panose="020B0604020202020204" pitchFamily="34" charset="0"/>
+              </a:rPr>
+              <a:t>ID</a:t>
+            </a:r>
+            <a:r>
+              <a:rPr lang="en-US" sz="800" dirty="0" smtClean="0">
+                <a:latin typeface="Arial" panose="020B0604020202020204" pitchFamily="34" charset="0"/>
+                <a:cs typeface="Arial" panose="020B0604020202020204" pitchFamily="34" charset="0"/>
+              </a:rPr>
+              <a:t> </a:t>
+            </a:r>
+            <a:r>
+              <a:rPr lang="en-US" sz="800" dirty="0">
+                <a:latin typeface="Arial" panose="020B0604020202020204" pitchFamily="34" charset="0"/>
+                <a:cs typeface="Arial" panose="020B0604020202020204" pitchFamily="34" charset="0"/>
+              </a:rPr>
+              <a:t>(Payment Provider</a:t>
+            </a:r>
+            <a:r>
+              <a:rPr lang="en-US" sz="800" dirty="0" smtClean="0">
+                <a:latin typeface="Arial" panose="020B0604020202020204" pitchFamily="34" charset="0"/>
+                <a:cs typeface="Arial" panose="020B0604020202020204" pitchFamily="34" charset="0"/>
+              </a:rPr>
+              <a:t>)</a:t>
+            </a:r>
+          </a:p>
+          <a:p>
+            <a:r>
+              <a:rPr lang="en-US" sz="800" dirty="0" err="1" smtClean="0">
+                <a:latin typeface="Arial" panose="020B0604020202020204" pitchFamily="34" charset="0"/>
+                <a:cs typeface="Arial" panose="020B0604020202020204" pitchFamily="34" charset="0"/>
+              </a:rPr>
+              <a:t>SoftwareID</a:t>
+            </a:r>
+            <a:endParaRPr lang="en-US" sz="800" dirty="0" smtClean="0">
+              <a:latin typeface="Arial" panose="020B0604020202020204" pitchFamily="34" charset="0"/>
+              <a:cs typeface="Arial" panose="020B0604020202020204" pitchFamily="34" charset="0"/>
+            </a:endParaRPr>
+          </a:p>
+          <a:p>
+            <a:r>
+              <a:rPr lang="en-US" sz="800" dirty="0" err="1" smtClean="0">
+                <a:latin typeface="Arial" panose="020B0604020202020204" pitchFamily="34" charset="0"/>
+                <a:cs typeface="Arial" panose="020B0604020202020204" pitchFamily="34" charset="0"/>
+              </a:rPr>
+              <a:t>SoftwareVersion</a:t>
+            </a:r>
+            <a:endParaRPr lang="en-US" sz="800" dirty="0">
+              <a:latin typeface="Arial" panose="020B0604020202020204" pitchFamily="34" charset="0"/>
+              <a:cs typeface="Arial" panose="020B0604020202020204" pitchFamily="34" charset="0"/>
+            </a:endParaRPr>
+          </a:p>
+          <a:p>
+            <a:r>
+              <a:rPr lang="en-US" sz="800" dirty="0" err="1" smtClean="0">
+                <a:latin typeface="Arial" panose="020B0604020202020204" pitchFamily="34" charset="0"/>
+                <a:cs typeface="Arial" panose="020B0604020202020204" pitchFamily="34" charset="0"/>
+              </a:rPr>
+              <a:t>DateTime</a:t>
+            </a:r>
+            <a:r>
+              <a:rPr lang="en-US" sz="800" dirty="0" smtClean="0">
+                <a:latin typeface="Arial" panose="020B0604020202020204" pitchFamily="34" charset="0"/>
+                <a:cs typeface="Arial" panose="020B0604020202020204" pitchFamily="34" charset="0"/>
+              </a:rPr>
+              <a:t> (Payment Provider)</a:t>
+            </a:r>
+            <a:endParaRPr lang="en-US" sz="800" dirty="0">
+              <a:latin typeface="Arial" panose="020B0604020202020204" pitchFamily="34" charset="0"/>
+              <a:cs typeface="Arial" panose="020B0604020202020204" pitchFamily="34" charset="0"/>
+            </a:endParaRPr>
+          </a:p>
+          <a:p>
+            <a:pPr>
+              <a:spcBef>
+                <a:spcPts val="300"/>
+              </a:spcBef>
+            </a:pPr>
+            <a:r>
+              <a:rPr lang="en-US" sz="800" b="1" dirty="0" smtClean="0">
+                <a:latin typeface="Arial" panose="020B0604020202020204" pitchFamily="34" charset="0"/>
+                <a:cs typeface="Arial" panose="020B0604020202020204" pitchFamily="34" charset="0"/>
+              </a:rPr>
+              <a:t>Signature</a:t>
+            </a:r>
+            <a:r>
+              <a:rPr lang="en-US" sz="800" dirty="0" smtClean="0">
+                <a:latin typeface="Arial" panose="020B0604020202020204" pitchFamily="34" charset="0"/>
+                <a:cs typeface="Arial" panose="020B0604020202020204" pitchFamily="34" charset="0"/>
+              </a:rPr>
+              <a:t> (Payment Provider)</a:t>
+            </a:r>
+            <a:endParaRPr lang="en-US" sz="800" dirty="0">
+              <a:latin typeface="Arial" panose="020B0604020202020204" pitchFamily="34" charset="0"/>
+              <a:cs typeface="Arial" panose="020B0604020202020204" pitchFamily="34" charset="0"/>
+            </a:endParaRPr>
+          </a:p>
+        </p:txBody>
+      </p:sp>
+      <p:sp>
+        <p:nvSpPr>
+          <p:cNvPr id="29" name="TextBox 28"/>
+          <p:cNvSpPr txBox="1"/>
+          <p:nvPr/>
+        </p:nvSpPr>
+        <p:spPr>
+          <a:xfrm>
+            <a:off x="6580337" y="9060934"/>
+            <a:ext cx="1005403" cy="134463"/>
+          </a:xfrm>
+          <a:prstGeom prst="rect">
+            <a:avLst/>
+          </a:prstGeom>
+          <a:noFill/>
+        </p:spPr>
+        <p:txBody>
+          <a:bodyPr wrap="none" rtlCol="0">
+            <a:spAutoFit/>
+          </a:bodyPr>
+          <a:lstStyle/>
+          <a:p>
+            <a:r>
+              <a:rPr lang="en-US" sz="800" dirty="0" err="1" smtClean="0">
+                <a:latin typeface="Arial" panose="020B0604020202020204" pitchFamily="34" charset="0"/>
+                <a:cs typeface="Arial" panose="020B0604020202020204" pitchFamily="34" charset="0"/>
+              </a:rPr>
+              <a:t>PaymentRequest</a:t>
+            </a:r>
+            <a:r>
+              <a:rPr lang="en-US" sz="800" dirty="0" smtClean="0">
+                <a:latin typeface="Arial" panose="020B0604020202020204" pitchFamily="34" charset="0"/>
+                <a:cs typeface="Arial" panose="020B0604020202020204" pitchFamily="34" charset="0"/>
+              </a:rPr>
+              <a:t>:</a:t>
+            </a:r>
+            <a:endParaRPr lang="en-US" sz="800" dirty="0">
+              <a:latin typeface="Arial" panose="020B0604020202020204" pitchFamily="34" charset="0"/>
+              <a:cs typeface="Arial" panose="020B0604020202020204" pitchFamily="34" charset="0"/>
+            </a:endParaRPr>
+          </a:p>
+        </p:txBody>
+      </p:sp>
       <p:sp>
         <p:nvSpPr>
           <p:cNvPr id="111" name="TextBox 110"/>
@@ -13378,7 +13222,7 @@
         </p:nvSpPr>
         <p:spPr>
           <a:xfrm>
-            <a:off x="2446184" y="9988618"/>
+            <a:off x="2446184" y="9906074"/>
             <a:ext cx="2538940" cy="276999"/>
           </a:xfrm>
           <a:prstGeom prst="rect">
@@ -13609,7 +13453,7 @@
         </p:nvCxnSpPr>
         <p:spPr>
           <a:xfrm>
-            <a:off x="3513567" y="9041978"/>
+            <a:off x="3513567" y="8774276"/>
             <a:ext cx="4666128" cy="0"/>
           </a:xfrm>
           <a:prstGeom prst="straightConnector1">
@@ -13639,16 +13483,16 @@
       </p:cxnSp>
       <p:grpSp>
         <p:nvGrpSpPr>
-          <p:cNvPr id="4" name="Group 3"/>
+          <p:cNvPr id="3" name="Group 2"/>
           <p:cNvGrpSpPr/>
           <p:nvPr/>
         </p:nvGrpSpPr>
         <p:grpSpPr>
           <a:xfrm>
-            <a:off x="2136415" y="8753946"/>
-            <a:ext cx="2168417" cy="1059605"/>
-            <a:chOff x="2257308" y="4287470"/>
-            <a:chExt cx="2242684" cy="914793"/>
+            <a:off x="2136415" y="8539080"/>
+            <a:ext cx="2168417" cy="1145889"/>
+            <a:chOff x="2136415" y="8753947"/>
+            <a:chExt cx="2168417" cy="1170844"/>
           </a:xfrm>
         </p:grpSpPr>
         <p:sp>
@@ -13659,8 +13503,8 @@
           </p:nvSpPr>
           <p:spPr>
             <a:xfrm>
-              <a:off x="2267744" y="4287470"/>
-              <a:ext cx="2232248" cy="914793"/>
+              <a:off x="2146505" y="8753947"/>
+              <a:ext cx="2158327" cy="1170844"/>
             </a:xfrm>
             <a:prstGeom prst="rect">
               <a:avLst/>
@@ -13716,8 +13560,8 @@
           </p:nvSpPr>
           <p:spPr>
             <a:xfrm>
-              <a:off x="2257308" y="4294464"/>
-              <a:ext cx="2153950" cy="511249"/>
+              <a:off x="2136415" y="8762048"/>
+              <a:ext cx="2090637" cy="1154162"/>
             </a:xfrm>
             <a:prstGeom prst="rect">
               <a:avLst/>
@@ -13731,6 +13575,26 @@
             <a:lstStyle/>
             <a:p>
               <a:r>
+                <a:rPr lang="en-US" sz="800" dirty="0" err="1">
+                  <a:latin typeface="Arial" panose="020B0604020202020204" pitchFamily="34" charset="0"/>
+                  <a:cs typeface="Arial" panose="020B0604020202020204" pitchFamily="34" charset="0"/>
+                </a:rPr>
+                <a:t>AuthData</a:t>
+              </a:r>
+              <a:r>
+                <a:rPr lang="en-US" sz="800" dirty="0">
+                  <a:latin typeface="Arial" panose="020B0604020202020204" pitchFamily="34" charset="0"/>
+                  <a:cs typeface="Arial" panose="020B0604020202020204" pitchFamily="34" charset="0"/>
+                </a:rPr>
+                <a:t> (Encrypted authorized request) </a:t>
+              </a:r>
+              <a:endParaRPr lang="en-US" sz="800" dirty="0" smtClean="0">
+                <a:latin typeface="Arial" panose="020B0604020202020204" pitchFamily="34" charset="0"/>
+                <a:cs typeface="Arial" panose="020B0604020202020204" pitchFamily="34" charset="0"/>
+              </a:endParaRPr>
+            </a:p>
+            <a:p>
+              <a:r>
                 <a:rPr lang="en-US" sz="800" dirty="0" err="1" smtClean="0">
                   <a:latin typeface="Arial" panose="020B0604020202020204" pitchFamily="34" charset="0"/>
                   <a:cs typeface="Arial" panose="020B0604020202020204" pitchFamily="34" charset="0"/>
@@ -13742,7 +13606,14 @@
                   <a:latin typeface="Arial" panose="020B0604020202020204" pitchFamily="34" charset="0"/>
                   <a:cs typeface="Arial" panose="020B0604020202020204" pitchFamily="34" charset="0"/>
                 </a:rPr>
-                <a:t> (Of original signed </a:t>
+                <a:t> </a:t>
+              </a:r>
+              <a:r>
+                <a:rPr lang="en-US" sz="800" dirty="0" smtClean="0">
+                  <a:latin typeface="Arial" panose="020B0604020202020204" pitchFamily="34" charset="0"/>
+                  <a:cs typeface="Arial" panose="020B0604020202020204" pitchFamily="34" charset="0"/>
+                </a:rPr>
+                <a:t>(Of original signed </a:t>
               </a:r>
               <a:r>
                 <a:rPr lang="en-US" sz="800" dirty="0">
@@ -13761,22 +13632,6 @@
             </a:p>
             <a:p>
               <a:r>
-                <a:rPr lang="en-US" sz="800" dirty="0" err="1">
-                  <a:latin typeface="Arial" panose="020B0604020202020204" pitchFamily="34" charset="0"/>
-                  <a:cs typeface="Arial" panose="020B0604020202020204" pitchFamily="34" charset="0"/>
-                </a:rPr>
-                <a:t>AuthData</a:t>
-              </a:r>
-              <a:r>
-                <a:rPr lang="en-US" sz="800" dirty="0">
-                  <a:latin typeface="Arial" panose="020B0604020202020204" pitchFamily="34" charset="0"/>
-                  <a:cs typeface="Arial" panose="020B0604020202020204" pitchFamily="34" charset="0"/>
-                </a:rPr>
-                <a:t> (Encrypted authorized request)</a:t>
-              </a:r>
-            </a:p>
-            <a:p>
-              <a:r>
                 <a:rPr lang="en-US" sz="800" dirty="0" err="1" smtClean="0">
                   <a:latin typeface="Arial" panose="020B0604020202020204" pitchFamily="34" charset="0"/>
                   <a:cs typeface="Arial" panose="020B0604020202020204" pitchFamily="34" charset="0"/>
@@ -13788,7 +13643,14 @@
                   <a:latin typeface="Arial" panose="020B0604020202020204" pitchFamily="34" charset="0"/>
                   <a:cs typeface="Arial" panose="020B0604020202020204" pitchFamily="34" charset="0"/>
                 </a:rPr>
-                <a:t> (</a:t>
+                <a:t> </a:t>
+              </a:r>
+              <a:r>
+                <a:rPr lang="en-US" sz="800" dirty="0" smtClean="0">
+                  <a:latin typeface="Arial" panose="020B0604020202020204" pitchFamily="34" charset="0"/>
+                  <a:cs typeface="Arial" panose="020B0604020202020204" pitchFamily="34" charset="0"/>
+                </a:rPr>
+                <a:t>(</a:t>
               </a:r>
               <a:r>
                 <a:rPr lang="en-US" sz="800" dirty="0">
@@ -13811,7 +13673,14 @@
                   <a:latin typeface="Arial" panose="020B0604020202020204" pitchFamily="34" charset="0"/>
                   <a:cs typeface="Arial" panose="020B0604020202020204" pitchFamily="34" charset="0"/>
                 </a:rPr>
-                <a:t>TransactionID</a:t>
+                <a:t>Reference</a:t>
+              </a:r>
+              <a:r>
+                <a:rPr lang="en-US" sz="800" dirty="0" err="1" smtClean="0">
+                  <a:latin typeface="Arial" panose="020B0604020202020204" pitchFamily="34" charset="0"/>
+                  <a:cs typeface="Arial" panose="020B0604020202020204" pitchFamily="34" charset="0"/>
+                </a:rPr>
+                <a:t>ID</a:t>
               </a:r>
               <a:r>
                 <a:rPr lang="en-US" sz="800" dirty="0" smtClean="0">
@@ -13825,8 +13694,41 @@
                   <a:latin typeface="Arial" panose="020B0604020202020204" pitchFamily="34" charset="0"/>
                   <a:cs typeface="Arial" panose="020B0604020202020204" pitchFamily="34" charset="0"/>
                 </a:rPr>
-                <a:t>(Payee)</a:t>
+                <a:t>(</a:t>
               </a:r>
+              <a:r>
+                <a:rPr lang="en-US" sz="800" dirty="0" smtClean="0">
+                  <a:latin typeface="Arial" panose="020B0604020202020204" pitchFamily="34" charset="0"/>
+                  <a:cs typeface="Arial" panose="020B0604020202020204" pitchFamily="34" charset="0"/>
+                </a:rPr>
+                <a:t>Payee copy )</a:t>
+              </a:r>
+            </a:p>
+            <a:p>
+              <a:r>
+                <a:rPr lang="en-US" sz="800" dirty="0" err="1" smtClean="0">
+                  <a:latin typeface="Arial" panose="020B0604020202020204" pitchFamily="34" charset="0"/>
+                  <a:cs typeface="Arial" panose="020B0604020202020204" pitchFamily="34" charset="0"/>
+                </a:rPr>
+                <a:t>SoftwareID</a:t>
+              </a:r>
+              <a:endParaRPr lang="en-US" sz="800" dirty="0" smtClean="0">
+                <a:latin typeface="Arial" panose="020B0604020202020204" pitchFamily="34" charset="0"/>
+                <a:cs typeface="Arial" panose="020B0604020202020204" pitchFamily="34" charset="0"/>
+              </a:endParaRPr>
+            </a:p>
+            <a:p>
+              <a:r>
+                <a:rPr lang="en-US" sz="800" dirty="0" err="1" smtClean="0">
+                  <a:latin typeface="Arial" panose="020B0604020202020204" pitchFamily="34" charset="0"/>
+                  <a:cs typeface="Arial" panose="020B0604020202020204" pitchFamily="34" charset="0"/>
+                </a:rPr>
+                <a:t>SoftwareVersion</a:t>
+              </a:r>
+              <a:endParaRPr lang="en-US" sz="800" dirty="0">
+                <a:latin typeface="Arial" panose="020B0604020202020204" pitchFamily="34" charset="0"/>
+                <a:cs typeface="Arial" panose="020B0604020202020204" pitchFamily="34" charset="0"/>
+              </a:endParaRPr>
             </a:p>
             <a:p>
               <a:r>
@@ -13854,7 +13756,7 @@
             <a:p>
               <a:pPr>
                 <a:spcBef>
-                  <a:spcPts val="600"/>
+                  <a:spcPts val="300"/>
                 </a:spcBef>
               </a:pPr>
               <a:r>
@@ -13887,7 +13789,7 @@
         </p:nvSpPr>
         <p:spPr>
           <a:xfrm>
-            <a:off x="1429670" y="8071777"/>
+            <a:off x="1429670" y="7998324"/>
             <a:ext cx="1494975" cy="246221"/>
           </a:xfrm>
           <a:prstGeom prst="rect">
@@ -14006,52 +13908,8 @@
         </p:nvSpPr>
         <p:spPr>
           <a:xfrm>
-            <a:off x="4923945" y="1732950"/>
+            <a:off x="4921563" y="1744860"/>
             <a:ext cx="108000" cy="108000"/>
-          </a:xfrm>
-          <a:prstGeom prst="ellipse">
-            <a:avLst/>
-          </a:prstGeom>
-          <a:solidFill>
-            <a:schemeClr val="bg1"/>
-          </a:solidFill>
-          <a:ln w="9525"/>
-        </p:spPr>
-        <p:style>
-          <a:lnRef idx="2">
-            <a:schemeClr val="accent1">
-              <a:shade val="50000"/>
-            </a:schemeClr>
-          </a:lnRef>
-          <a:fillRef idx="1">
-            <a:schemeClr val="accent1"/>
-          </a:fillRef>
-          <a:effectRef idx="0">
-            <a:schemeClr val="accent1"/>
-          </a:effectRef>
-          <a:fontRef idx="minor">
-            <a:schemeClr val="lt1"/>
-          </a:fontRef>
-        </p:style>
-        <p:txBody>
-          <a:bodyPr rtlCol="0" anchor="ctr"/>
-          <a:lstStyle/>
-          <a:p>
-            <a:pPr algn="ctr"/>
-            <a:endParaRPr lang="en-US"/>
-          </a:p>
-        </p:txBody>
-      </p:sp>
-      <p:sp>
-        <p:nvSpPr>
-          <p:cNvPr id="119" name="Oval 118"/>
-          <p:cNvSpPr/>
-          <p:nvPr/>
-        </p:nvSpPr>
-        <p:spPr>
-          <a:xfrm>
-            <a:off x="4937957" y="11722423"/>
-            <a:ext cx="71925" cy="127867"/>
           </a:xfrm>
           <a:prstGeom prst="ellipse">
             <a:avLst/>
@@ -14490,111 +14348,88 @@
           </p:txBody>
         </p:sp>
       </p:grpSp>
-      <p:grpSp>
-        <p:nvGrpSpPr>
-          <p:cNvPr id="38" name="Group 37"/>
-          <p:cNvGrpSpPr/>
+      <p:sp>
+        <p:nvSpPr>
+          <p:cNvPr id="37" name="Oval 36"/>
+          <p:cNvSpPr/>
           <p:nvPr/>
-        </p:nvGrpSpPr>
-        <p:grpSpPr>
+        </p:nvSpPr>
+        <p:spPr>
           <a:xfrm>
-            <a:off x="3358659" y="6685645"/>
+            <a:off x="3510686" y="6841634"/>
+            <a:ext cx="100012" cy="179013"/>
+          </a:xfrm>
+          <a:prstGeom prst="ellipse">
+            <a:avLst/>
+          </a:prstGeom>
+          <a:solidFill>
+            <a:schemeClr val="bg1"/>
+          </a:solidFill>
+          <a:ln>
+            <a:noFill/>
+          </a:ln>
+        </p:spPr>
+        <p:style>
+          <a:lnRef idx="2">
+            <a:schemeClr val="accent1">
+              <a:shade val="50000"/>
+            </a:schemeClr>
+          </a:lnRef>
+          <a:fillRef idx="1">
+            <a:schemeClr val="accent1"/>
+          </a:fillRef>
+          <a:effectRef idx="0">
+            <a:schemeClr val="accent1"/>
+          </a:effectRef>
+          <a:fontRef idx="minor">
+            <a:schemeClr val="lt1"/>
+          </a:fontRef>
+        </p:style>
+        <p:txBody>
+          <a:bodyPr rtlCol="0" anchor="ctr"/>
+          <a:lstStyle/>
+          <a:p>
+            <a:pPr algn="ctr"/>
+            <a:endParaRPr lang="en-US"/>
+          </a:p>
+        </p:txBody>
+      </p:sp>
+      <p:sp>
+        <p:nvSpPr>
+          <p:cNvPr id="78" name="TextBox 77"/>
+          <p:cNvSpPr txBox="1"/>
+          <p:nvPr/>
+        </p:nvSpPr>
+        <p:spPr>
+          <a:xfrm>
+            <a:off x="3243122" y="7169770"/>
             <a:ext cx="503531" cy="491930"/>
-            <a:chOff x="6228184" y="3686705"/>
-            <a:chExt cx="504056" cy="276999"/>
           </a:xfrm>
-        </p:grpSpPr>
-        <p:sp>
-          <p:nvSpPr>
-            <p:cNvPr id="37" name="Oval 36"/>
-            <p:cNvSpPr/>
-            <p:nvPr/>
-          </p:nvSpPr>
-          <p:spPr>
-            <a:xfrm>
-              <a:off x="6380370" y="3774540"/>
-              <a:ext cx="100116" cy="100800"/>
-            </a:xfrm>
-            <a:prstGeom prst="ellipse">
-              <a:avLst/>
-            </a:prstGeom>
-            <a:solidFill>
-              <a:schemeClr val="bg1"/>
-            </a:solidFill>
-            <a:ln>
-              <a:noFill/>
-            </a:ln>
-          </p:spPr>
-          <p:style>
-            <a:lnRef idx="2">
-              <a:schemeClr val="accent1">
-                <a:shade val="50000"/>
-              </a:schemeClr>
-            </a:lnRef>
-            <a:fillRef idx="1">
-              <a:schemeClr val="accent1"/>
-            </a:fillRef>
-            <a:effectRef idx="0">
-              <a:schemeClr val="accent1"/>
-            </a:effectRef>
-            <a:fontRef idx="minor">
-              <a:schemeClr val="lt1"/>
-            </a:fontRef>
-          </p:style>
-          <p:txBody>
-            <a:bodyPr rtlCol="0" anchor="ctr"/>
-            <a:lstStyle/>
-            <a:p>
-              <a:pPr algn="ctr"/>
-              <a:endParaRPr lang="en-US"/>
-            </a:p>
-          </p:txBody>
-        </p:sp>
-        <p:sp>
-          <p:nvSpPr>
-            <p:cNvPr id="78" name="TextBox 77"/>
-            <p:cNvSpPr txBox="1"/>
-            <p:nvPr/>
-          </p:nvSpPr>
-          <p:spPr>
-            <a:xfrm>
-              <a:off x="6228184" y="3686705"/>
-              <a:ext cx="504056" cy="276999"/>
-            </a:xfrm>
-            <a:prstGeom prst="rect">
-              <a:avLst/>
-            </a:prstGeom>
-            <a:noFill/>
-          </p:spPr>
-          <p:txBody>
-            <a:bodyPr wrap="square" rtlCol="0">
-              <a:noAutofit/>
-            </a:bodyPr>
-            <a:lstStyle/>
-            <a:p>
-              <a:r>
-                <a:rPr lang="en-US" sz="1200" dirty="0">
-                  <a:latin typeface="Arial" panose="020B0604020202020204" pitchFamily="34" charset="0"/>
-                  <a:cs typeface="Arial" panose="020B0604020202020204" pitchFamily="34" charset="0"/>
-                </a:rPr>
-                <a:t> </a:t>
-              </a:r>
-              <a:r>
-                <a:rPr lang="en-US" sz="1200" b="1" dirty="0" smtClean="0">
-                  <a:latin typeface="Arial" panose="020B0604020202020204" pitchFamily="34" charset="0"/>
-                  <a:cs typeface="Arial" panose="020B0604020202020204" pitchFamily="34" charset="0"/>
-                  <a:sym typeface="Wingdings"/>
-                </a:rPr>
-                <a:t></a:t>
-              </a:r>
-              <a:endParaRPr lang="en-US" sz="1200" b="1" dirty="0">
-                <a:latin typeface="Arial" panose="020B0604020202020204" pitchFamily="34" charset="0"/>
-                <a:cs typeface="Arial" panose="020B0604020202020204" pitchFamily="34" charset="0"/>
-              </a:endParaRPr>
-            </a:p>
-          </p:txBody>
-        </p:sp>
-      </p:grpSp>
+          <a:prstGeom prst="rect">
+            <a:avLst/>
+          </a:prstGeom>
+          <a:noFill/>
+        </p:spPr>
+        <p:txBody>
+          <a:bodyPr wrap="square" rtlCol="0">
+            <a:noAutofit/>
+          </a:bodyPr>
+          <a:lstStyle/>
+          <a:p>
+            <a:r>
+              <a:rPr lang="en-US" sz="1200" dirty="0">
+                <a:latin typeface="Arial" panose="020B0604020202020204" pitchFamily="34" charset="0"/>
+                <a:cs typeface="Arial" panose="020B0604020202020204" pitchFamily="34" charset="0"/>
+              </a:rPr>
+              <a:t> </a:t>
+            </a:r>
+            <a:endParaRPr lang="en-US" sz="1200" b="1" dirty="0">
+              <a:latin typeface="Arial" panose="020B0604020202020204" pitchFamily="34" charset="0"/>
+              <a:cs typeface="Arial" panose="020B0604020202020204" pitchFamily="34" charset="0"/>
+            </a:endParaRPr>
+          </a:p>
+        </p:txBody>
+      </p:sp>
       <p:grpSp>
         <p:nvGrpSpPr>
           <p:cNvPr id="35" name="Group 34"/>
@@ -14789,7 +14624,7 @@
         <p:spPr>
           <a:xfrm>
             <a:off x="3068232" y="1606102"/>
-            <a:ext cx="1590179" cy="195814"/>
+            <a:ext cx="1578958" cy="226591"/>
           </a:xfrm>
           <a:prstGeom prst="rect">
             <a:avLst/>
@@ -14803,13 +14638,27 @@
           <a:lstStyle/>
           <a:p>
             <a:r>
-              <a:rPr lang="en-US" sz="800" dirty="0" smtClean="0">
-                <a:latin typeface="Arial" panose="020B0604020202020204" pitchFamily="34" charset="0"/>
-                <a:cs typeface="Arial" panose="020B0604020202020204" pitchFamily="34" charset="0"/>
-              </a:rPr>
-              <a:t>Also invokes the Payment Agent…</a:t>
-            </a:r>
-            <a:endParaRPr lang="en-US" sz="800" dirty="0">
+              <a:rPr lang="en-US" sz="1000" dirty="0" smtClean="0">
+                <a:latin typeface="Arial" panose="020B0604020202020204" pitchFamily="34" charset="0"/>
+                <a:cs typeface="Arial" panose="020B0604020202020204" pitchFamily="34" charset="0"/>
+              </a:rPr>
+              <a:t>Starts</a:t>
+            </a:r>
+            <a:r>
+              <a:rPr lang="en-US" sz="1000" dirty="0" smtClean="0">
+                <a:latin typeface="Arial" panose="020B0604020202020204" pitchFamily="34" charset="0"/>
+                <a:cs typeface="Arial" panose="020B0604020202020204" pitchFamily="34" charset="0"/>
+              </a:rPr>
+              <a:t> </a:t>
+            </a:r>
+            <a:r>
+              <a:rPr lang="en-US" sz="1000" dirty="0" smtClean="0">
+                <a:latin typeface="Arial" panose="020B0604020202020204" pitchFamily="34" charset="0"/>
+                <a:cs typeface="Arial" panose="020B0604020202020204" pitchFamily="34" charset="0"/>
+              </a:rPr>
+              <a:t>the Payment Agent…</a:t>
+            </a:r>
+            <a:endParaRPr lang="en-US" sz="1000" dirty="0">
               <a:latin typeface="Arial" panose="020B0604020202020204" pitchFamily="34" charset="0"/>
               <a:cs typeface="Arial" panose="020B0604020202020204" pitchFamily="34" charset="0"/>
             </a:endParaRPr>
@@ -15497,14 +15346,7 @@
                 <a:latin typeface="Arial" panose="020B0604020202020204" pitchFamily="34" charset="0"/>
                 <a:cs typeface="Arial" panose="020B0604020202020204" pitchFamily="34" charset="0"/>
               </a:rPr>
-              <a:t> </a:t>
-            </a:r>
-            <a:r>
-              <a:rPr lang="en-US" sz="800" dirty="0" smtClean="0">
-                <a:latin typeface="Arial" panose="020B0604020202020204" pitchFamily="34" charset="0"/>
-                <a:cs typeface="Arial" panose="020B0604020202020204" pitchFamily="34" charset="0"/>
-              </a:rPr>
-              <a:t>◄</a:t>
+              <a:t> ◄</a:t>
             </a:r>
             <a:br>
               <a:rPr lang="en-US" sz="800" dirty="0" smtClean="0">
@@ -15524,14 +15366,7 @@
                 <a:latin typeface="Arial" panose="020B0604020202020204" pitchFamily="34" charset="0"/>
                 <a:cs typeface="Arial" panose="020B0604020202020204" pitchFamily="34" charset="0"/>
               </a:rPr>
-              <a:t> (Client</a:t>
-            </a:r>
-            <a:r>
-              <a:rPr lang="en-US" sz="800" dirty="0" smtClean="0">
-                <a:latin typeface="Arial" panose="020B0604020202020204" pitchFamily="34" charset="0"/>
-                <a:cs typeface="Arial" panose="020B0604020202020204" pitchFamily="34" charset="0"/>
-              </a:rPr>
-              <a:t>)</a:t>
+              <a:t> (Client)</a:t>
             </a:r>
           </a:p>
           <a:p>
@@ -15987,8 +15822,8 @@
         </p:nvSpPr>
         <p:spPr>
           <a:xfrm>
-            <a:off x="397815" y="5339373"/>
-            <a:ext cx="785046" cy="246221"/>
+            <a:off x="352836" y="5339373"/>
+            <a:ext cx="974041" cy="246221"/>
           </a:xfrm>
           <a:prstGeom prst="rect">
             <a:avLst/>
@@ -16006,14 +15841,7 @@
                 <a:latin typeface="Arial" panose="020B0604020202020204" pitchFamily="34" charset="0"/>
                 <a:cs typeface="Arial" panose="020B0604020202020204" pitchFamily="34" charset="0"/>
               </a:rPr>
-              <a:t>“</a:t>
-            </a:r>
-            <a:r>
-              <a:rPr lang="en-US" sz="1000" dirty="0" smtClean="0">
-                <a:latin typeface="Arial" panose="020B0604020202020204" pitchFamily="34" charset="0"/>
-                <a:cs typeface="Arial" panose="020B0604020202020204" pitchFamily="34" charset="0"/>
-              </a:rPr>
-              <a:t>Accept</a:t>
+              <a:t>“User Accept</a:t>
             </a:r>
             <a:r>
               <a:rPr lang="en-US" sz="1000" dirty="0" smtClean="0">
@@ -16037,7 +15865,7 @@
         </p:nvSpPr>
         <p:spPr>
           <a:xfrm>
-            <a:off x="3692193" y="7879978"/>
+            <a:off x="3692193" y="7807515"/>
             <a:ext cx="442996" cy="153888"/>
           </a:xfrm>
           <a:prstGeom prst="rect">
@@ -16095,6 +15923,358 @@
                   <a:lumOff val="35000"/>
                 </a:schemeClr>
               </a:solidFill>
+              <a:latin typeface="Arial" panose="020B0604020202020204" pitchFamily="34" charset="0"/>
+              <a:cs typeface="Arial" panose="020B0604020202020204" pitchFamily="34" charset="0"/>
+            </a:endParaRPr>
+          </a:p>
+        </p:txBody>
+      </p:sp>
+      <p:grpSp>
+        <p:nvGrpSpPr>
+          <p:cNvPr id="117" name="Group 116"/>
+          <p:cNvGrpSpPr/>
+          <p:nvPr/>
+        </p:nvGrpSpPr>
+        <p:grpSpPr>
+          <a:xfrm>
+            <a:off x="6702433" y="9298482"/>
+            <a:ext cx="1286438" cy="1183656"/>
+            <a:chOff x="713027" y="4336594"/>
+            <a:chExt cx="1286438" cy="1183656"/>
+          </a:xfrm>
+        </p:grpSpPr>
+        <p:sp>
+          <p:nvSpPr>
+            <p:cNvPr id="118" name="Rectangle 117"/>
+            <p:cNvSpPr/>
+            <p:nvPr/>
+          </p:nvSpPr>
+          <p:spPr>
+            <a:xfrm>
+              <a:off x="713027" y="4336594"/>
+              <a:ext cx="1286438" cy="1183656"/>
+            </a:xfrm>
+            <a:prstGeom prst="rect">
+              <a:avLst/>
+            </a:prstGeom>
+            <a:solidFill>
+              <a:srgbClr val="FEFEDE"/>
+            </a:solidFill>
+            <a:ln w="15875">
+              <a:solidFill>
+                <a:srgbClr val="FF0000"/>
+              </a:solidFill>
+            </a:ln>
+          </p:spPr>
+          <p:style>
+            <a:lnRef idx="2">
+              <a:schemeClr val="accent1">
+                <a:shade val="50000"/>
+              </a:schemeClr>
+            </a:lnRef>
+            <a:fillRef idx="1">
+              <a:schemeClr val="accent1"/>
+            </a:fillRef>
+            <a:effectRef idx="0">
+              <a:schemeClr val="accent1"/>
+            </a:effectRef>
+            <a:fontRef idx="minor">
+              <a:schemeClr val="lt1"/>
+            </a:fontRef>
+          </p:style>
+          <p:txBody>
+            <a:bodyPr rtlCol="0" anchor="ctr"/>
+            <a:lstStyle/>
+            <a:p>
+              <a:endParaRPr lang="en-US" dirty="0"/>
+            </a:p>
+          </p:txBody>
+        </p:sp>
+        <p:sp>
+          <p:nvSpPr>
+            <p:cNvPr id="120" name="TextBox 119"/>
+            <p:cNvSpPr txBox="1"/>
+            <p:nvPr/>
+          </p:nvSpPr>
+          <p:spPr>
+            <a:xfrm>
+              <a:off x="713027" y="4368122"/>
+              <a:ext cx="1152880" cy="1115690"/>
+            </a:xfrm>
+            <a:prstGeom prst="rect">
+              <a:avLst/>
+            </a:prstGeom>
+            <a:noFill/>
+          </p:spPr>
+          <p:txBody>
+            <a:bodyPr wrap="none" rtlCol="0">
+              <a:spAutoFit/>
+            </a:bodyPr>
+            <a:lstStyle/>
+            <a:p>
+              <a:r>
+                <a:rPr lang="en-US" sz="800" dirty="0">
+                  <a:latin typeface="Arial" panose="020B0604020202020204" pitchFamily="34" charset="0"/>
+                  <a:cs typeface="Arial" panose="020B0604020202020204" pitchFamily="34" charset="0"/>
+                </a:rPr>
+                <a:t>P</a:t>
+              </a:r>
+              <a:r>
+                <a:rPr lang="en-US" sz="800" dirty="0" smtClean="0">
+                  <a:latin typeface="Arial" panose="020B0604020202020204" pitchFamily="34" charset="0"/>
+                  <a:cs typeface="Arial" panose="020B0604020202020204" pitchFamily="34" charset="0"/>
+                </a:rPr>
+                <a:t>ayee</a:t>
+              </a:r>
+              <a:br>
+                <a:rPr lang="en-US" sz="800" dirty="0" smtClean="0">
+                  <a:latin typeface="Arial" panose="020B0604020202020204" pitchFamily="34" charset="0"/>
+                  <a:cs typeface="Arial" panose="020B0604020202020204" pitchFamily="34" charset="0"/>
+                </a:rPr>
+              </a:br>
+              <a:r>
+                <a:rPr lang="en-US" sz="800" dirty="0">
+                  <a:latin typeface="Arial" panose="020B0604020202020204" pitchFamily="34" charset="0"/>
+                  <a:cs typeface="Arial" panose="020B0604020202020204" pitchFamily="34" charset="0"/>
+                </a:rPr>
+                <a:t>A</a:t>
+              </a:r>
+              <a:r>
+                <a:rPr lang="en-US" sz="800" dirty="0" smtClean="0">
+                  <a:latin typeface="Arial" panose="020B0604020202020204" pitchFamily="34" charset="0"/>
+                  <a:cs typeface="Arial" panose="020B0604020202020204" pitchFamily="34" charset="0"/>
+                </a:rPr>
+                <a:t>mount</a:t>
+              </a:r>
+              <a:br>
+                <a:rPr lang="en-US" sz="800" dirty="0" smtClean="0">
+                  <a:latin typeface="Arial" panose="020B0604020202020204" pitchFamily="34" charset="0"/>
+                  <a:cs typeface="Arial" panose="020B0604020202020204" pitchFamily="34" charset="0"/>
+                </a:rPr>
+              </a:br>
+              <a:r>
+                <a:rPr lang="en-US" sz="800" dirty="0">
+                  <a:latin typeface="Arial" panose="020B0604020202020204" pitchFamily="34" charset="0"/>
+                  <a:cs typeface="Arial" panose="020B0604020202020204" pitchFamily="34" charset="0"/>
+                </a:rPr>
+                <a:t>C</a:t>
+              </a:r>
+              <a:r>
+                <a:rPr lang="en-US" sz="800" dirty="0" smtClean="0">
+                  <a:latin typeface="Arial" panose="020B0604020202020204" pitchFamily="34" charset="0"/>
+                  <a:cs typeface="Arial" panose="020B0604020202020204" pitchFamily="34" charset="0"/>
+                </a:rPr>
+                <a:t>urrency</a:t>
+              </a:r>
+              <a:br>
+                <a:rPr lang="en-US" sz="800" dirty="0" smtClean="0">
+                  <a:latin typeface="Arial" panose="020B0604020202020204" pitchFamily="34" charset="0"/>
+                  <a:cs typeface="Arial" panose="020B0604020202020204" pitchFamily="34" charset="0"/>
+                </a:rPr>
+              </a:br>
+              <a:r>
+                <a:rPr lang="en-US" sz="800" dirty="0" err="1" smtClean="0">
+                  <a:latin typeface="Arial" panose="020B0604020202020204" pitchFamily="34" charset="0"/>
+                  <a:cs typeface="Arial" panose="020B0604020202020204" pitchFamily="34" charset="0"/>
+                </a:rPr>
+                <a:t>ReferenceID</a:t>
+              </a:r>
+              <a:r>
+                <a:rPr lang="en-US" sz="800" dirty="0" smtClean="0">
+                  <a:latin typeface="Arial" panose="020B0604020202020204" pitchFamily="34" charset="0"/>
+                  <a:cs typeface="Arial" panose="020B0604020202020204" pitchFamily="34" charset="0"/>
+                </a:rPr>
+                <a:t> (Payee)</a:t>
+              </a:r>
+            </a:p>
+            <a:p>
+              <a:r>
+                <a:rPr lang="en-US" sz="800" dirty="0" err="1" smtClean="0">
+                  <a:latin typeface="Arial" panose="020B0604020202020204" pitchFamily="34" charset="0"/>
+                  <a:cs typeface="Arial" panose="020B0604020202020204" pitchFamily="34" charset="0"/>
+                </a:rPr>
+                <a:t>DateTime</a:t>
+              </a:r>
+              <a:r>
+                <a:rPr lang="en-US" sz="800" dirty="0" smtClean="0">
+                  <a:latin typeface="Arial" panose="020B0604020202020204" pitchFamily="34" charset="0"/>
+                  <a:cs typeface="Arial" panose="020B0604020202020204" pitchFamily="34" charset="0"/>
+                </a:rPr>
+                <a:t> (Payee)</a:t>
+              </a:r>
+            </a:p>
+            <a:p>
+              <a:r>
+                <a:rPr lang="en-US" sz="800" dirty="0" err="1" smtClean="0">
+                  <a:latin typeface="Arial" panose="020B0604020202020204" pitchFamily="34" charset="0"/>
+                  <a:cs typeface="Arial" panose="020B0604020202020204" pitchFamily="34" charset="0"/>
+                </a:rPr>
+                <a:t>SoftwareID</a:t>
+              </a:r>
+              <a:endParaRPr lang="en-US" sz="800" dirty="0" smtClean="0">
+                <a:latin typeface="Arial" panose="020B0604020202020204" pitchFamily="34" charset="0"/>
+                <a:cs typeface="Arial" panose="020B0604020202020204" pitchFamily="34" charset="0"/>
+              </a:endParaRPr>
+            </a:p>
+            <a:p>
+              <a:r>
+                <a:rPr lang="en-US" sz="800" dirty="0" err="1" smtClean="0">
+                  <a:latin typeface="Arial" panose="020B0604020202020204" pitchFamily="34" charset="0"/>
+                  <a:cs typeface="Arial" panose="020B0604020202020204" pitchFamily="34" charset="0"/>
+                </a:rPr>
+                <a:t>SoftwareVersion</a:t>
+              </a:r>
+              <a:endParaRPr lang="en-US" sz="800" dirty="0">
+                <a:latin typeface="Arial" panose="020B0604020202020204" pitchFamily="34" charset="0"/>
+                <a:cs typeface="Arial" panose="020B0604020202020204" pitchFamily="34" charset="0"/>
+              </a:endParaRPr>
+            </a:p>
+            <a:p>
+              <a:pPr>
+                <a:spcBef>
+                  <a:spcPts val="300"/>
+                </a:spcBef>
+              </a:pPr>
+              <a:r>
+                <a:rPr lang="en-US" sz="800" b="1" dirty="0" smtClean="0">
+                  <a:latin typeface="Arial" panose="020B0604020202020204" pitchFamily="34" charset="0"/>
+                  <a:cs typeface="Arial" panose="020B0604020202020204" pitchFamily="34" charset="0"/>
+                </a:rPr>
+                <a:t>Signature</a:t>
+              </a:r>
+              <a:r>
+                <a:rPr lang="en-US" sz="800" dirty="0" smtClean="0">
+                  <a:latin typeface="Arial" panose="020B0604020202020204" pitchFamily="34" charset="0"/>
+                  <a:cs typeface="Arial" panose="020B0604020202020204" pitchFamily="34" charset="0"/>
+                </a:rPr>
+                <a:t> (Payee)</a:t>
+              </a:r>
+              <a:endParaRPr lang="en-US" sz="800" dirty="0">
+                <a:latin typeface="Arial" panose="020B0604020202020204" pitchFamily="34" charset="0"/>
+                <a:cs typeface="Arial" panose="020B0604020202020204" pitchFamily="34" charset="0"/>
+              </a:endParaRPr>
+            </a:p>
+          </p:txBody>
+        </p:sp>
+      </p:grpSp>
+      <p:cxnSp>
+        <p:nvCxnSpPr>
+          <p:cNvPr id="124" name="Straight Connector 123"/>
+          <p:cNvCxnSpPr/>
+          <p:nvPr/>
+        </p:nvCxnSpPr>
+        <p:spPr>
+          <a:xfrm flipV="1">
+            <a:off x="2812843" y="11419721"/>
+            <a:ext cx="2139504" cy="903"/>
+          </a:xfrm>
+          <a:prstGeom prst="line">
+            <a:avLst/>
+          </a:prstGeom>
+          <a:ln w="6350">
+            <a:solidFill>
+              <a:schemeClr val="tx1"/>
+            </a:solidFill>
+            <a:prstDash val="lgDash"/>
+            <a:tailEnd type="none" w="sm" len="sm"/>
+          </a:ln>
+        </p:spPr>
+        <p:style>
+          <a:lnRef idx="1">
+            <a:schemeClr val="accent1"/>
+          </a:lnRef>
+          <a:fillRef idx="0">
+            <a:schemeClr val="accent1"/>
+          </a:fillRef>
+          <a:effectRef idx="0">
+            <a:schemeClr val="accent1"/>
+          </a:effectRef>
+          <a:fontRef idx="minor">
+            <a:schemeClr val="tx1"/>
+          </a:fontRef>
+        </p:style>
+      </p:cxnSp>
+      <p:sp>
+        <p:nvSpPr>
+          <p:cNvPr id="130" name="Oval 129"/>
+          <p:cNvSpPr/>
+          <p:nvPr/>
+        </p:nvSpPr>
+        <p:spPr>
+          <a:xfrm>
+            <a:off x="4919891" y="11365433"/>
+            <a:ext cx="108000" cy="108000"/>
+          </a:xfrm>
+          <a:prstGeom prst="ellipse">
+            <a:avLst/>
+          </a:prstGeom>
+          <a:solidFill>
+            <a:schemeClr val="bg1"/>
+          </a:solidFill>
+          <a:ln w="9525"/>
+        </p:spPr>
+        <p:style>
+          <a:lnRef idx="2">
+            <a:schemeClr val="accent1">
+              <a:shade val="50000"/>
+            </a:schemeClr>
+          </a:lnRef>
+          <a:fillRef idx="1">
+            <a:schemeClr val="accent1"/>
+          </a:fillRef>
+          <a:effectRef idx="0">
+            <a:schemeClr val="accent1"/>
+          </a:effectRef>
+          <a:fontRef idx="minor">
+            <a:schemeClr val="lt1"/>
+          </a:fontRef>
+        </p:style>
+        <p:txBody>
+          <a:bodyPr rtlCol="0" anchor="ctr"/>
+          <a:lstStyle/>
+          <a:p>
+            <a:pPr algn="ctr"/>
+            <a:endParaRPr lang="en-US"/>
+          </a:p>
+        </p:txBody>
+      </p:sp>
+      <p:sp>
+        <p:nvSpPr>
+          <p:cNvPr id="131" name="TextBox 130"/>
+          <p:cNvSpPr txBox="1"/>
+          <p:nvPr/>
+        </p:nvSpPr>
+        <p:spPr>
+          <a:xfrm>
+            <a:off x="2983061" y="11191651"/>
+            <a:ext cx="1885131" cy="226591"/>
+          </a:xfrm>
+          <a:prstGeom prst="rect">
+            <a:avLst/>
+          </a:prstGeom>
+          <a:noFill/>
+        </p:spPr>
+        <p:txBody>
+          <a:bodyPr wrap="none" lIns="0" tIns="36000" rIns="0" bIns="36000" rtlCol="0">
+            <a:spAutoFit/>
+          </a:bodyPr>
+          <a:lstStyle/>
+          <a:p>
+            <a:r>
+              <a:rPr lang="en-US" sz="1000" dirty="0" smtClean="0">
+                <a:latin typeface="Arial" panose="020B0604020202020204" pitchFamily="34" charset="0"/>
+                <a:cs typeface="Arial" panose="020B0604020202020204" pitchFamily="34" charset="0"/>
+              </a:rPr>
+              <a:t>Terminates </a:t>
+            </a:r>
+            <a:r>
+              <a:rPr lang="en-US" sz="1000" dirty="0" smtClean="0">
+                <a:latin typeface="Arial" panose="020B0604020202020204" pitchFamily="34" charset="0"/>
+                <a:cs typeface="Arial" panose="020B0604020202020204" pitchFamily="34" charset="0"/>
+              </a:rPr>
+              <a:t>the Payment Agent…</a:t>
+            </a:r>
+            <a:endParaRPr lang="en-US" sz="1000" dirty="0">
               <a:latin typeface="Arial" panose="020B0604020202020204" pitchFamily="34" charset="0"/>
               <a:cs typeface="Arial" panose="020B0604020202020204" pitchFamily="34" charset="0"/>
             </a:endParaRPr>

--- a/webpayment.resources/docs/pullmode.pptx
+++ b/webpayment.resources/docs/pullmode.pptx
@@ -2491,8 +2491,8 @@
         </p:nvCxnSpPr>
         <p:spPr>
           <a:xfrm flipH="1">
-            <a:off x="2800257" y="809837"/>
-            <a:ext cx="3073" cy="11115728"/>
+            <a:off x="2800257" y="818698"/>
+            <a:ext cx="3073" cy="11016000"/>
           </a:xfrm>
           <a:prstGeom prst="line">
             <a:avLst/>
@@ -2522,15 +2522,13 @@
         </p:nvSpPr>
         <p:spPr>
           <a:xfrm>
-            <a:off x="1649245" y="7673826"/>
+            <a:off x="2657357" y="7659501"/>
             <a:ext cx="1837872" cy="221018"/>
           </a:xfrm>
           <a:prstGeom prst="rect">
             <a:avLst/>
           </a:prstGeom>
-          <a:solidFill>
-            <a:schemeClr val="bg1"/>
-          </a:solidFill>
+          <a:noFill/>
         </p:spPr>
         <p:txBody>
           <a:bodyPr wrap="square" lIns="36000" tIns="18000" rIns="36000" bIns="18000" rtlCol="0" anchor="ctr" anchorCtr="1">
@@ -2545,17 +2543,7 @@
                 <a:cs typeface="Arial" panose="020B0604020202020204" pitchFamily="34" charset="0"/>
                 <a:sym typeface="Wingdings"/>
               </a:rPr>
-              <a:t></a:t>
-            </a:r>
-            <a:r>
-              <a:rPr lang="en-US" sz="1000" dirty="0" smtClean="0">
-                <a:solidFill>
-                  <a:schemeClr val="accent1"/>
-                </a:solidFill>
-                <a:latin typeface="Arial" panose="020B0604020202020204" pitchFamily="34" charset="0"/>
-                <a:cs typeface="Arial" panose="020B0604020202020204" pitchFamily="34" charset="0"/>
-              </a:rPr>
-              <a:t> </a:t>
+              <a:t> </a:t>
             </a:r>
             <a:r>
               <a:rPr lang="en-US" sz="1000" dirty="0" err="1" smtClean="0">
@@ -2585,7 +2573,7 @@
         </p:nvCxnSpPr>
         <p:spPr>
           <a:xfrm flipV="1">
-            <a:off x="2821686" y="1798464"/>
+            <a:off x="2821686" y="1797273"/>
             <a:ext cx="2139504" cy="903"/>
           </a:xfrm>
           <a:prstGeom prst="line">
@@ -2696,8 +2684,8 @@
         </p:nvSpPr>
         <p:spPr>
           <a:xfrm>
-            <a:off x="4995865" y="3105600"/>
-            <a:ext cx="2066837" cy="3439937"/>
+            <a:off x="4995865" y="3428901"/>
+            <a:ext cx="2066837" cy="3102343"/>
           </a:xfrm>
           <a:custGeom>
             <a:avLst/>
@@ -10958,8 +10946,8 @@
         </p:nvCxnSpPr>
         <p:spPr>
           <a:xfrm>
-            <a:off x="1379646" y="11412889"/>
-            <a:ext cx="1422000" cy="6653"/>
+            <a:off x="1369219" y="11419284"/>
+            <a:ext cx="1432427" cy="258"/>
           </a:xfrm>
           <a:prstGeom prst="straightConnector1">
             <a:avLst/>
@@ -10995,7 +10983,7 @@
         </p:nvCxnSpPr>
         <p:spPr>
           <a:xfrm>
-            <a:off x="1360754" y="8242164"/>
+            <a:off x="1360754" y="8175482"/>
             <a:ext cx="1422000" cy="2758"/>
           </a:xfrm>
           <a:prstGeom prst="straightConnector1">
@@ -11032,7 +11020,7 @@
         <p:spPr>
           <a:xfrm>
             <a:off x="1229029" y="7886161"/>
-            <a:ext cx="133217" cy="360000"/>
+            <a:ext cx="133217" cy="288000"/>
           </a:xfrm>
           <a:custGeom>
             <a:avLst/>
@@ -11545,8 +11533,8 @@
         </p:nvCxnSpPr>
         <p:spPr>
           <a:xfrm>
-            <a:off x="1355577" y="829710"/>
-            <a:ext cx="718" cy="11110656"/>
+            <a:off x="1355577" y="818698"/>
+            <a:ext cx="718" cy="11016000"/>
           </a:xfrm>
           <a:prstGeom prst="line">
             <a:avLst/>
@@ -11607,8 +11595,8 @@
         </p:nvCxnSpPr>
         <p:spPr>
           <a:xfrm>
-            <a:off x="8192010" y="837360"/>
-            <a:ext cx="7976" cy="11124400"/>
+            <a:off x="8192010" y="818698"/>
+            <a:ext cx="7976" cy="11016000"/>
           </a:xfrm>
           <a:prstGeom prst="line">
             <a:avLst/>
@@ -11902,7 +11890,14 @@
                 <a:latin typeface="Arial" panose="020B0604020202020204" pitchFamily="34" charset="0"/>
                 <a:cs typeface="Arial" panose="020B0604020202020204" pitchFamily="34" charset="0"/>
               </a:rPr>
-              <a:t>“Checkout”</a:t>
+              <a:t>“</a:t>
+            </a:r>
+            <a:r>
+              <a:rPr lang="en-US" sz="1000" dirty="0" smtClean="0">
+                <a:latin typeface="Arial" panose="020B0604020202020204" pitchFamily="34" charset="0"/>
+                <a:cs typeface="Arial" panose="020B0604020202020204" pitchFamily="34" charset="0"/>
+              </a:rPr>
+              <a:t>Checkout”</a:t>
             </a:r>
             <a:endParaRPr lang="en-US" sz="1000" dirty="0">
               <a:latin typeface="Arial" panose="020B0604020202020204" pitchFamily="34" charset="0"/>
@@ -11919,8 +11914,8 @@
         </p:nvSpPr>
         <p:spPr>
           <a:xfrm>
-            <a:off x="1542901" y="2772410"/>
-            <a:ext cx="1181734" cy="257369"/>
+            <a:off x="3055069" y="2772409"/>
+            <a:ext cx="1125629" cy="257369"/>
           </a:xfrm>
           <a:prstGeom prst="rect">
             <a:avLst/>
@@ -11941,18 +11936,10 @@
                 <a:cs typeface="Arial" panose="020B0604020202020204" pitchFamily="34" charset="0"/>
                 <a:sym typeface="Wingdings"/>
               </a:rPr>
-              <a:t></a:t>
-            </a:r>
-            <a:r>
-              <a:rPr lang="en-US" sz="1000" dirty="0" smtClean="0">
-                <a:latin typeface="Arial" panose="020B0604020202020204" pitchFamily="34" charset="0"/>
-                <a:cs typeface="Arial" panose="020B0604020202020204" pitchFamily="34" charset="0"/>
-                <a:sym typeface="Wingdings"/>
-              </a:rPr>
-              <a:t> </a:t>
-            </a:r>
-            <a:r>
-              <a:rPr lang="en-US" sz="1000" dirty="0" err="1" smtClean="0">
+              <a:t></a:t>
+            </a:r>
+            <a:r>
+              <a:rPr lang="en-US" sz="1200" b="1" dirty="0" smtClean="0">
                 <a:solidFill>
                   <a:schemeClr val="accent1"/>
                 </a:solidFill>
@@ -11960,7 +11947,18 @@
                 <a:cs typeface="Arial" panose="020B0604020202020204" pitchFamily="34" charset="0"/>
                 <a:sym typeface="Wingdings"/>
               </a:rPr>
-              <a:t>WalletIsReady</a:t>
+              <a:t> </a:t>
+            </a:r>
+            <a:r>
+              <a:rPr lang="en-US" sz="1000" smtClean="0">
+                <a:solidFill>
+                  <a:schemeClr val="accent1"/>
+                </a:solidFill>
+                <a:latin typeface="Arial" panose="020B0604020202020204" pitchFamily="34" charset="0"/>
+                <a:cs typeface="Arial" panose="020B0604020202020204" pitchFamily="34" charset="0"/>
+                <a:sym typeface="Wingdings"/>
+              </a:rPr>
+              <a:t>WalletReady</a:t>
             </a:r>
             <a:endParaRPr lang="en-US" sz="1000" dirty="0">
               <a:solidFill>
@@ -12016,7 +12014,7 @@
         </p:nvSpPr>
         <p:spPr>
           <a:xfrm>
-            <a:off x="3703141" y="3446491"/>
+            <a:off x="2983061" y="3446491"/>
             <a:ext cx="1088760" cy="257369"/>
           </a:xfrm>
           <a:prstGeom prst="rect">
@@ -12041,7 +12039,7 @@
               <a:t>InvokeWallet</a:t>
             </a:r>
             <a:r>
-              <a:rPr lang="en-US" sz="1000" dirty="0" smtClean="0">
+              <a:rPr lang="en-US" sz="1200" b="1" dirty="0" smtClean="0">
                 <a:solidFill>
                   <a:schemeClr val="accent1"/>
                 </a:solidFill>
@@ -12056,12 +12054,9 @@
                 <a:cs typeface="Arial" panose="020B0604020202020204" pitchFamily="34" charset="0"/>
                 <a:sym typeface="Wingdings"/>
               </a:rPr>
-              <a:t></a:t>
-            </a:r>
-            <a:endParaRPr lang="en-US" sz="1200" dirty="0">
-              <a:solidFill>
-                <a:schemeClr val="accent1"/>
-              </a:solidFill>
+              <a:t></a:t>
+            </a:r>
+            <a:endParaRPr lang="en-US" sz="1200" b="1" dirty="0">
               <a:latin typeface="Arial" panose="020B0604020202020204" pitchFamily="34" charset="0"/>
               <a:cs typeface="Arial" panose="020B0604020202020204" pitchFamily="34" charset="0"/>
             </a:endParaRPr>
@@ -12070,16 +12065,16 @@
       </p:sp>
       <p:grpSp>
         <p:nvGrpSpPr>
-          <p:cNvPr id="69" name="Group 68"/>
+          <p:cNvPr id="10" name="Group 9"/>
           <p:cNvGrpSpPr/>
           <p:nvPr/>
         </p:nvGrpSpPr>
         <p:grpSpPr>
           <a:xfrm>
-            <a:off x="606797" y="3311246"/>
-            <a:ext cx="1530119" cy="1806512"/>
-            <a:chOff x="600123" y="3843888"/>
-            <a:chExt cx="1530119" cy="1806512"/>
+            <a:off x="588846" y="3444546"/>
+            <a:ext cx="1530119" cy="1636992"/>
+            <a:chOff x="588846" y="3311246"/>
+            <a:chExt cx="1530119" cy="1636992"/>
           </a:xfrm>
         </p:grpSpPr>
         <p:sp>
@@ -12090,8 +12085,8 @@
           </p:nvSpPr>
           <p:spPr>
             <a:xfrm>
-              <a:off x="600123" y="3844391"/>
-              <a:ext cx="1530119" cy="1806009"/>
+              <a:off x="588846" y="3311711"/>
+              <a:ext cx="1530119" cy="1636527"/>
             </a:xfrm>
             <a:prstGeom prst="rect">
               <a:avLst/>
@@ -12147,8 +12142,8 @@
           </p:nvSpPr>
           <p:spPr>
             <a:xfrm>
-              <a:off x="600124" y="3843888"/>
-              <a:ext cx="1491114" cy="461665"/>
+              <a:off x="606798" y="3311246"/>
+              <a:ext cx="1479892" cy="427111"/>
             </a:xfrm>
             <a:prstGeom prst="rect">
               <a:avLst/>
@@ -12162,43 +12157,78 @@
             <a:lstStyle/>
             <a:p>
               <a:r>
+                <a:rPr lang="en-US" sz="800" dirty="0" err="1">
+                  <a:latin typeface="Arial" panose="020B0604020202020204" pitchFamily="34" charset="0"/>
+                  <a:cs typeface="Arial" panose="020B0604020202020204" pitchFamily="34" charset="0"/>
+                </a:rPr>
+                <a:t>a</a:t>
+              </a:r>
+              <a:r>
                 <a:rPr lang="en-US" sz="800" dirty="0" err="1" smtClean="0">
                   <a:latin typeface="Arial" panose="020B0604020202020204" pitchFamily="34" charset="0"/>
                   <a:cs typeface="Arial" panose="020B0604020202020204" pitchFamily="34" charset="0"/>
                 </a:rPr>
-                <a:t>AcceptedCardTypes</a:t>
+                <a:t>cceptedCardTypes</a:t>
               </a:r>
               <a:r>
                 <a:rPr lang="en-US" sz="800" dirty="0" smtClean="0">
                   <a:latin typeface="Arial" panose="020B0604020202020204" pitchFamily="34" charset="0"/>
                   <a:cs typeface="Arial" panose="020B0604020202020204" pitchFamily="34" charset="0"/>
                 </a:rPr>
-                <a:t> (List of)</a:t>
-              </a:r>
-            </a:p>
-            <a:p>
-              <a:r>
-                <a:rPr lang="en-US" sz="800" dirty="0" err="1" smtClean="0">
-                  <a:latin typeface="Arial" panose="020B0604020202020204" pitchFamily="34" charset="0"/>
-                  <a:cs typeface="Arial" panose="020B0604020202020204" pitchFamily="34" charset="0"/>
-                </a:rPr>
-                <a:t>PullPayment</a:t>
+                <a:t> </a:t>
               </a:r>
               <a:r>
                 <a:rPr lang="en-US" sz="800" dirty="0" smtClean="0">
                   <a:latin typeface="Arial" panose="020B0604020202020204" pitchFamily="34" charset="0"/>
                   <a:cs typeface="Arial" panose="020B0604020202020204" pitchFamily="34" charset="0"/>
                 </a:rPr>
-                <a:t> (=true)</a:t>
+                <a:t>(List of)</a:t>
               </a:r>
             </a:p>
             <a:p>
+              <a:r>
+                <a:rPr lang="en-US" sz="800" dirty="0" err="1">
+                  <a:latin typeface="Arial" panose="020B0604020202020204" pitchFamily="34" charset="0"/>
+                  <a:cs typeface="Arial" panose="020B0604020202020204" pitchFamily="34" charset="0"/>
+                </a:rPr>
+                <a:t>p</a:t>
+              </a:r>
               <a:r>
                 <a:rPr lang="en-US" sz="800" dirty="0" err="1" smtClean="0">
                   <a:latin typeface="Arial" panose="020B0604020202020204" pitchFamily="34" charset="0"/>
                   <a:cs typeface="Arial" panose="020B0604020202020204" pitchFamily="34" charset="0"/>
                 </a:rPr>
-                <a:t>PaymentRequest</a:t>
+                <a:t>ullPayment</a:t>
+              </a:r>
+              <a:r>
+                <a:rPr lang="en-US" sz="800" dirty="0" smtClean="0">
+                  <a:latin typeface="Arial" panose="020B0604020202020204" pitchFamily="34" charset="0"/>
+                  <a:cs typeface="Arial" panose="020B0604020202020204" pitchFamily="34" charset="0"/>
+                </a:rPr>
+                <a:t> </a:t>
+              </a:r>
+              <a:r>
+                <a:rPr lang="en-US" sz="800" dirty="0" smtClean="0">
+                  <a:latin typeface="Arial" panose="020B0604020202020204" pitchFamily="34" charset="0"/>
+                  <a:cs typeface="Arial" panose="020B0604020202020204" pitchFamily="34" charset="0"/>
+                </a:rPr>
+                <a:t>(=true)</a:t>
+              </a:r>
+            </a:p>
+            <a:p>
+              <a:r>
+                <a:rPr lang="en-US" sz="800" dirty="0" err="1">
+                  <a:latin typeface="Arial" panose="020B0604020202020204" pitchFamily="34" charset="0"/>
+                  <a:cs typeface="Arial" panose="020B0604020202020204" pitchFamily="34" charset="0"/>
+                </a:rPr>
+                <a:t>p</a:t>
+              </a:r>
+              <a:r>
+                <a:rPr lang="en-US" sz="800" dirty="0" err="1" smtClean="0">
+                  <a:latin typeface="Arial" panose="020B0604020202020204" pitchFamily="34" charset="0"/>
+                  <a:cs typeface="Arial" panose="020B0604020202020204" pitchFamily="34" charset="0"/>
+                </a:rPr>
+                <a:t>aymentRequest</a:t>
               </a:r>
               <a:r>
                 <a:rPr lang="en-US" sz="800" dirty="0" smtClean="0">
@@ -12216,16 +12246,16 @@
         </p:sp>
         <p:grpSp>
           <p:nvGrpSpPr>
-            <p:cNvPr id="67" name="Group 66"/>
+            <p:cNvPr id="9" name="Group 8"/>
             <p:cNvGrpSpPr/>
             <p:nvPr/>
           </p:nvGrpSpPr>
           <p:grpSpPr>
             <a:xfrm>
-              <a:off x="713027" y="4336594"/>
-              <a:ext cx="1286438" cy="1183656"/>
-              <a:chOff x="713027" y="4336594"/>
-              <a:chExt cx="1286438" cy="1183656"/>
+              <a:off x="719701" y="3795068"/>
+              <a:ext cx="1286438" cy="1030500"/>
+              <a:chOff x="719701" y="3795068"/>
+              <a:chExt cx="1286438" cy="1030500"/>
             </a:xfrm>
           </p:grpSpPr>
           <p:sp>
@@ -12236,8 +12266,8 @@
             </p:nvSpPr>
             <p:spPr>
               <a:xfrm>
-                <a:off x="713027" y="4336594"/>
-                <a:ext cx="1286438" cy="1183656"/>
+                <a:off x="719701" y="3795068"/>
+                <a:ext cx="1286438" cy="1030500"/>
               </a:xfrm>
               <a:prstGeom prst="rect">
                 <a:avLst/>
@@ -12283,8 +12313,8 @@
             </p:nvSpPr>
             <p:spPr>
               <a:xfrm>
-                <a:off x="713027" y="4368122"/>
-                <a:ext cx="1152880" cy="1115690"/>
+                <a:off x="719701" y="3805574"/>
+                <a:ext cx="1133644" cy="992579"/>
               </a:xfrm>
               <a:prstGeom prst="rect">
                 <a:avLst/>
@@ -12302,7 +12332,7 @@
                     <a:latin typeface="Arial" panose="020B0604020202020204" pitchFamily="34" charset="0"/>
                     <a:cs typeface="Arial" panose="020B0604020202020204" pitchFamily="34" charset="0"/>
                   </a:rPr>
-                  <a:t>P</a:t>
+                  <a:t>p</a:t>
                 </a:r>
                 <a:r>
                   <a:rPr lang="en-US" sz="800" dirty="0" smtClean="0">
@@ -12310,6 +12340,13 @@
                     <a:cs typeface="Arial" panose="020B0604020202020204" pitchFamily="34" charset="0"/>
                   </a:rPr>
                   <a:t>ayee</a:t>
+                </a:r>
+                <a:r>
+                  <a:rPr lang="en-US" sz="800" dirty="0" smtClean="0">
+                    <a:latin typeface="Arial" panose="020B0604020202020204" pitchFamily="34" charset="0"/>
+                    <a:cs typeface="Arial" panose="020B0604020202020204" pitchFamily="34" charset="0"/>
+                  </a:rPr>
+                  <a:t/>
                 </a:r>
                 <a:br>
                   <a:rPr lang="en-US" sz="800" dirty="0" smtClean="0">
@@ -12322,7 +12359,7 @@
                     <a:latin typeface="Arial" panose="020B0604020202020204" pitchFamily="34" charset="0"/>
                     <a:cs typeface="Arial" panose="020B0604020202020204" pitchFamily="34" charset="0"/>
                   </a:rPr>
-                  <a:t>A</a:t>
+                  <a:t>a</a:t>
                 </a:r>
                 <a:r>
                   <a:rPr lang="en-US" sz="800" dirty="0" smtClean="0">
@@ -12330,6 +12367,13 @@
                     <a:cs typeface="Arial" panose="020B0604020202020204" pitchFamily="34" charset="0"/>
                   </a:rPr>
                   <a:t>mount</a:t>
+                </a:r>
+                <a:r>
+                  <a:rPr lang="en-US" sz="800" dirty="0" smtClean="0">
+                    <a:latin typeface="Arial" panose="020B0604020202020204" pitchFamily="34" charset="0"/>
+                    <a:cs typeface="Arial" panose="020B0604020202020204" pitchFamily="34" charset="0"/>
+                  </a:rPr>
+                  <a:t/>
                 </a:r>
                 <a:br>
                   <a:rPr lang="en-US" sz="800" dirty="0" smtClean="0">
@@ -12342,7 +12386,7 @@
                     <a:latin typeface="Arial" panose="020B0604020202020204" pitchFamily="34" charset="0"/>
                     <a:cs typeface="Arial" panose="020B0604020202020204" pitchFamily="34" charset="0"/>
                   </a:rPr>
-                  <a:t>C</a:t>
+                  <a:t>c</a:t>
                 </a:r>
                 <a:r>
                   <a:rPr lang="en-US" sz="800" dirty="0" smtClean="0">
@@ -12350,6 +12394,13 @@
                     <a:cs typeface="Arial" panose="020B0604020202020204" pitchFamily="34" charset="0"/>
                   </a:rPr>
                   <a:t>urrency</a:t>
+                </a:r>
+                <a:r>
+                  <a:rPr lang="en-US" sz="800" dirty="0" smtClean="0">
+                    <a:latin typeface="Arial" panose="020B0604020202020204" pitchFamily="34" charset="0"/>
+                    <a:cs typeface="Arial" panose="020B0604020202020204" pitchFamily="34" charset="0"/>
+                  </a:rPr>
+                  <a:t/>
                 </a:r>
                 <a:br>
                   <a:rPr lang="en-US" sz="800" dirty="0" smtClean="0">
@@ -12362,54 +12413,76 @@
                     <a:latin typeface="Arial" panose="020B0604020202020204" pitchFamily="34" charset="0"/>
                     <a:cs typeface="Arial" panose="020B0604020202020204" pitchFamily="34" charset="0"/>
                   </a:rPr>
-                  <a:t>ReferenceID</a:t>
+                  <a:t>r</a:t>
+                </a:r>
+                <a:r>
+                  <a:rPr lang="en-US" sz="800" dirty="0" err="1" smtClean="0">
+                    <a:latin typeface="Arial" panose="020B0604020202020204" pitchFamily="34" charset="0"/>
+                    <a:cs typeface="Arial" panose="020B0604020202020204" pitchFamily="34" charset="0"/>
+                  </a:rPr>
+                  <a:t>eferenceId</a:t>
                 </a:r>
                 <a:r>
                   <a:rPr lang="en-US" sz="800" dirty="0" smtClean="0">
                     <a:latin typeface="Arial" panose="020B0604020202020204" pitchFamily="34" charset="0"/>
                     <a:cs typeface="Arial" panose="020B0604020202020204" pitchFamily="34" charset="0"/>
                   </a:rPr>
-                  <a:t> (Payee)</a:t>
-                </a:r>
-              </a:p>
-              <a:p>
-                <a:r>
-                  <a:rPr lang="en-US" sz="800" dirty="0" err="1" smtClean="0">
-                    <a:latin typeface="Arial" panose="020B0604020202020204" pitchFamily="34" charset="0"/>
-                    <a:cs typeface="Arial" panose="020B0604020202020204" pitchFamily="34" charset="0"/>
-                  </a:rPr>
-                  <a:t>DateTime</a:t>
+                  <a:t> </a:t>
                 </a:r>
                 <a:r>
                   <a:rPr lang="en-US" sz="800" dirty="0" smtClean="0">
                     <a:latin typeface="Arial" panose="020B0604020202020204" pitchFamily="34" charset="0"/>
                     <a:cs typeface="Arial" panose="020B0604020202020204" pitchFamily="34" charset="0"/>
                   </a:rPr>
-                  <a:t> (Payee)</a:t>
+                  <a:t>(Payee)</a:t>
                 </a:r>
               </a:p>
               <a:p>
+                <a:r>
+                  <a:rPr lang="en-US" sz="800" dirty="0" err="1">
+                    <a:latin typeface="Arial" panose="020B0604020202020204" pitchFamily="34" charset="0"/>
+                    <a:cs typeface="Arial" panose="020B0604020202020204" pitchFamily="34" charset="0"/>
+                  </a:rPr>
+                  <a:t>d</a:t>
+                </a:r>
                 <a:r>
                   <a:rPr lang="en-US" sz="800" dirty="0" err="1" smtClean="0">
                     <a:latin typeface="Arial" panose="020B0604020202020204" pitchFamily="34" charset="0"/>
                     <a:cs typeface="Arial" panose="020B0604020202020204" pitchFamily="34" charset="0"/>
                   </a:rPr>
-                  <a:t>SoftwareID</a:t>
+                  <a:t>ateTime</a:t>
                 </a:r>
-                <a:endParaRPr lang="en-US" sz="800" dirty="0" smtClean="0">
-                  <a:latin typeface="Arial" panose="020B0604020202020204" pitchFamily="34" charset="0"/>
-                  <a:cs typeface="Arial" panose="020B0604020202020204" pitchFamily="34" charset="0"/>
-                </a:endParaRPr>
+                <a:r>
+                  <a:rPr lang="en-US" sz="800" dirty="0" smtClean="0">
+                    <a:latin typeface="Arial" panose="020B0604020202020204" pitchFamily="34" charset="0"/>
+                    <a:cs typeface="Arial" panose="020B0604020202020204" pitchFamily="34" charset="0"/>
+                  </a:rPr>
+                  <a:t> </a:t>
+                </a:r>
+                <a:r>
+                  <a:rPr lang="en-US" sz="800" dirty="0" smtClean="0">
+                    <a:latin typeface="Arial" panose="020B0604020202020204" pitchFamily="34" charset="0"/>
+                    <a:cs typeface="Arial" panose="020B0604020202020204" pitchFamily="34" charset="0"/>
+                  </a:rPr>
+                  <a:t>(Payee)</a:t>
+                </a:r>
               </a:p>
               <a:p>
                 <a:r>
-                  <a:rPr lang="en-US" sz="800" dirty="0" err="1" smtClean="0">
+                  <a:rPr lang="en-US" sz="800" dirty="0" smtClean="0">
                     <a:latin typeface="Arial" panose="020B0604020202020204" pitchFamily="34" charset="0"/>
                     <a:cs typeface="Arial" panose="020B0604020202020204" pitchFamily="34" charset="0"/>
                   </a:rPr>
-                  <a:t>SoftwareVersion</a:t>
+                  <a:t>S</a:t>
                 </a:r>
-                <a:endParaRPr lang="en-US" sz="800" dirty="0">
+                <a:r>
+                  <a:rPr lang="en-US" sz="800" dirty="0" smtClean="0">
+                    <a:latin typeface="Arial" panose="020B0604020202020204" pitchFamily="34" charset="0"/>
+                    <a:cs typeface="Arial" panose="020B0604020202020204" pitchFamily="34" charset="0"/>
+                  </a:rPr>
+                  <a:t>oftware {}</a:t>
+                </a:r>
+                <a:endParaRPr lang="en-US" sz="800" dirty="0" smtClean="0">
                   <a:latin typeface="Arial" panose="020B0604020202020204" pitchFamily="34" charset="0"/>
                   <a:cs typeface="Arial" panose="020B0604020202020204" pitchFamily="34" charset="0"/>
                 </a:endParaRPr>
@@ -12425,14 +12498,21 @@
                     <a:latin typeface="Arial" panose="020B0604020202020204" pitchFamily="34" charset="0"/>
                     <a:cs typeface="Arial" panose="020B0604020202020204" pitchFamily="34" charset="0"/>
                   </a:rPr>
-                  <a:t>Signature</a:t>
+                  <a:t>signature</a:t>
                 </a:r>
                 <a:r>
                   <a:rPr lang="en-US" sz="800" dirty="0" smtClean="0">
                     <a:latin typeface="Arial" panose="020B0604020202020204" pitchFamily="34" charset="0"/>
                     <a:cs typeface="Arial" panose="020B0604020202020204" pitchFamily="34" charset="0"/>
                   </a:rPr>
-                  <a:t> (Payee)</a:t>
+                  <a:t> {} (</a:t>
+                </a:r>
+                <a:r>
+                  <a:rPr lang="en-US" sz="800" dirty="0" smtClean="0">
+                    <a:latin typeface="Arial" panose="020B0604020202020204" pitchFamily="34" charset="0"/>
+                    <a:cs typeface="Arial" panose="020B0604020202020204" pitchFamily="34" charset="0"/>
+                  </a:rPr>
+                  <a:t>Payee)</a:t>
                 </a:r>
                 <a:endParaRPr lang="en-US" sz="800" dirty="0">
                   <a:latin typeface="Arial" panose="020B0604020202020204" pitchFamily="34" charset="0"/>
@@ -12641,166 +12721,164 @@
           </a:p>
         </p:txBody>
       </p:sp>
-      <p:sp>
-        <p:nvSpPr>
-          <p:cNvPr id="12" name="Rectangle 11"/>
-          <p:cNvSpPr/>
+      <p:grpSp>
+        <p:nvGrpSpPr>
+          <p:cNvPr id="4" name="Group 3"/>
+          <p:cNvGrpSpPr/>
           <p:nvPr/>
-        </p:nvSpPr>
-        <p:spPr>
+        </p:nvGrpSpPr>
+        <p:grpSpPr>
           <a:xfrm>
-            <a:off x="4486244" y="7701270"/>
-            <a:ext cx="2133092" cy="378836"/>
+            <a:off x="4360737" y="7701270"/>
+            <a:ext cx="2235716" cy="378836"/>
+            <a:chOff x="4486244" y="7701270"/>
+            <a:chExt cx="2235716" cy="378836"/>
           </a:xfrm>
-          <a:prstGeom prst="rect">
-            <a:avLst/>
-          </a:prstGeom>
-          <a:solidFill>
-            <a:schemeClr val="bg1"/>
-          </a:solidFill>
-          <a:ln w="15875">
+        </p:grpSpPr>
+        <p:sp>
+          <p:nvSpPr>
+            <p:cNvPr id="12" name="Rectangle 11"/>
+            <p:cNvSpPr/>
+            <p:nvPr/>
+          </p:nvSpPr>
+          <p:spPr>
+            <a:xfrm>
+              <a:off x="4486244" y="7701270"/>
+              <a:ext cx="2133092" cy="378836"/>
+            </a:xfrm>
+            <a:prstGeom prst="rect">
+              <a:avLst/>
+            </a:prstGeom>
             <a:solidFill>
-              <a:schemeClr val="bg1">
-                <a:lumMod val="50000"/>
+              <a:schemeClr val="bg1"/>
+            </a:solidFill>
+            <a:ln w="15875">
+              <a:solidFill>
+                <a:schemeClr val="bg1">
+                  <a:lumMod val="50000"/>
+                </a:schemeClr>
+              </a:solidFill>
+            </a:ln>
+            <a:effectLst>
+              <a:outerShdw blurRad="50800" dist="38100" dir="2700000" algn="tl" rotWithShape="0">
+                <a:prstClr val="black">
+                  <a:alpha val="40000"/>
+                </a:prstClr>
+              </a:outerShdw>
+            </a:effectLst>
+          </p:spPr>
+          <p:style>
+            <a:lnRef idx="2">
+              <a:schemeClr val="accent1">
+                <a:shade val="50000"/>
               </a:schemeClr>
-            </a:solidFill>
-          </a:ln>
-          <a:effectLst>
-            <a:outerShdw blurRad="50800" dist="38100" dir="2700000" algn="tl" rotWithShape="0">
-              <a:prstClr val="black">
-                <a:alpha val="40000"/>
-              </a:prstClr>
-            </a:outerShdw>
-          </a:effectLst>
-        </p:spPr>
-        <p:style>
-          <a:lnRef idx="2">
-            <a:schemeClr val="accent1">
-              <a:shade val="50000"/>
-            </a:schemeClr>
-          </a:lnRef>
-          <a:fillRef idx="1">
-            <a:schemeClr val="accent1"/>
-          </a:fillRef>
-          <a:effectRef idx="0">
-            <a:schemeClr val="accent1"/>
-          </a:effectRef>
-          <a:fontRef idx="minor">
-            <a:schemeClr val="lt1"/>
-          </a:fontRef>
-        </p:style>
-        <p:txBody>
-          <a:bodyPr rtlCol="0" anchor="ctr"/>
-          <a:lstStyle/>
-          <a:p>
-            <a:pPr algn="ctr"/>
-            <a:endParaRPr lang="en-US"/>
-          </a:p>
-        </p:txBody>
-      </p:sp>
-      <p:sp>
-        <p:nvSpPr>
-          <p:cNvPr id="13" name="TextBox 12"/>
-          <p:cNvSpPr txBox="1"/>
-          <p:nvPr/>
-        </p:nvSpPr>
-        <p:spPr>
-          <a:xfrm>
-            <a:off x="4486244" y="7706398"/>
-            <a:ext cx="2235716" cy="373708"/>
-          </a:xfrm>
-          <a:prstGeom prst="rect">
-            <a:avLst/>
-          </a:prstGeom>
-          <a:noFill/>
-          <a:ln w="19050">
+            </a:lnRef>
+            <a:fillRef idx="1">
+              <a:schemeClr val="accent1"/>
+            </a:fillRef>
+            <a:effectRef idx="0">
+              <a:schemeClr val="accent1"/>
+            </a:effectRef>
+            <a:fontRef idx="minor">
+              <a:schemeClr val="lt1"/>
+            </a:fontRef>
+          </p:style>
+          <p:txBody>
+            <a:bodyPr rtlCol="0" anchor="ctr"/>
+            <a:lstStyle/>
+            <a:p>
+              <a:pPr algn="ctr"/>
+              <a:endParaRPr lang="en-US"/>
+            </a:p>
+          </p:txBody>
+        </p:sp>
+        <p:sp>
+          <p:nvSpPr>
+            <p:cNvPr id="13" name="TextBox 12"/>
+            <p:cNvSpPr txBox="1"/>
+            <p:nvPr/>
+          </p:nvSpPr>
+          <p:spPr>
+            <a:xfrm>
+              <a:off x="4486244" y="7706398"/>
+              <a:ext cx="2235716" cy="338554"/>
+            </a:xfrm>
+            <a:prstGeom prst="rect">
+              <a:avLst/>
+            </a:prstGeom>
             <a:noFill/>
-          </a:ln>
-        </p:spPr>
-        <p:txBody>
-          <a:bodyPr wrap="square" rtlCol="0">
-            <a:spAutoFit/>
-          </a:bodyPr>
-          <a:lstStyle/>
-          <a:p>
-            <a:r>
-              <a:rPr lang="en-US" sz="800" dirty="0" err="1" smtClean="0">
-                <a:latin typeface="Arial" panose="020B0604020202020204" pitchFamily="34" charset="0"/>
-                <a:cs typeface="Arial" panose="020B0604020202020204" pitchFamily="34" charset="0"/>
-              </a:rPr>
-              <a:t>AuthURL</a:t>
-            </a:r>
-            <a:r>
-              <a:rPr lang="en-US" sz="800" dirty="0" smtClean="0">
-                <a:latin typeface="Arial" panose="020B0604020202020204" pitchFamily="34" charset="0"/>
-                <a:cs typeface="Arial" panose="020B0604020202020204" pitchFamily="34" charset="0"/>
-              </a:rPr>
-              <a:t> (To Payment Provider) ◄</a:t>
-            </a:r>
-          </a:p>
-          <a:p>
-            <a:r>
-              <a:rPr lang="en-US" sz="800" dirty="0" err="1" smtClean="0">
-                <a:latin typeface="Arial" panose="020B0604020202020204" pitchFamily="34" charset="0"/>
-                <a:cs typeface="Arial" panose="020B0604020202020204" pitchFamily="34" charset="0"/>
-              </a:rPr>
-              <a:t>AuthData</a:t>
-            </a:r>
-            <a:r>
-              <a:rPr lang="en-US" sz="800" dirty="0" smtClean="0">
-                <a:latin typeface="Arial" panose="020B0604020202020204" pitchFamily="34" charset="0"/>
-                <a:cs typeface="Arial" panose="020B0604020202020204" pitchFamily="34" charset="0"/>
-              </a:rPr>
-              <a:t> (Encrypted authorized request)</a:t>
-            </a:r>
-          </a:p>
-        </p:txBody>
-      </p:sp>
-      <p:sp>
-        <p:nvSpPr>
-          <p:cNvPr id="98" name="TextBox 97"/>
-          <p:cNvSpPr txBox="1"/>
-          <p:nvPr/>
-        </p:nvSpPr>
-        <p:spPr>
-          <a:xfrm>
-            <a:off x="5239959" y="8465914"/>
-            <a:ext cx="2650879" cy="276999"/>
-          </a:xfrm>
-          <a:prstGeom prst="rect">
-            <a:avLst/>
-          </a:prstGeom>
-          <a:noFill/>
-        </p:spPr>
-        <p:txBody>
-          <a:bodyPr wrap="square" rtlCol="0">
-            <a:spAutoFit/>
-          </a:bodyPr>
-          <a:lstStyle/>
-          <a:p>
-            <a:pPr algn="ctr"/>
-            <a:r>
-              <a:rPr lang="en-US" sz="1200" b="1" dirty="0">
-                <a:latin typeface="Arial" panose="020B0604020202020204" pitchFamily="34" charset="0"/>
-                <a:cs typeface="Arial" panose="020B0604020202020204" pitchFamily="34" charset="0"/>
-                <a:sym typeface="Wingdings"/>
-              </a:rPr>
-              <a:t></a:t>
-            </a:r>
-            <a:r>
-              <a:rPr lang="en-US" sz="1000" dirty="0" smtClean="0">
-                <a:latin typeface="Arial" panose="020B0604020202020204" pitchFamily="34" charset="0"/>
-                <a:cs typeface="Arial" panose="020B0604020202020204" pitchFamily="34" charset="0"/>
-              </a:rPr>
-              <a:t> HTTP POST to Payment Provider URL</a:t>
-            </a:r>
-            <a:endParaRPr lang="en-US" sz="1200" dirty="0">
-              <a:latin typeface="Arial" panose="020B0604020202020204" pitchFamily="34" charset="0"/>
-              <a:cs typeface="Arial" panose="020B0604020202020204" pitchFamily="34" charset="0"/>
-            </a:endParaRPr>
-          </a:p>
-        </p:txBody>
-      </p:sp>
+            <a:ln w="19050">
+              <a:noFill/>
+            </a:ln>
+          </p:spPr>
+          <p:txBody>
+            <a:bodyPr wrap="square" rtlCol="0">
+              <a:spAutoFit/>
+            </a:bodyPr>
+            <a:lstStyle/>
+            <a:p>
+              <a:r>
+                <a:rPr lang="en-US" sz="800" dirty="0" err="1">
+                  <a:latin typeface="Arial" panose="020B0604020202020204" pitchFamily="34" charset="0"/>
+                  <a:cs typeface="Arial" panose="020B0604020202020204" pitchFamily="34" charset="0"/>
+                </a:rPr>
+                <a:t>a</a:t>
+              </a:r>
+              <a:r>
+                <a:rPr lang="en-US" sz="800" dirty="0" err="1" smtClean="0">
+                  <a:latin typeface="Arial" panose="020B0604020202020204" pitchFamily="34" charset="0"/>
+                  <a:cs typeface="Arial" panose="020B0604020202020204" pitchFamily="34" charset="0"/>
+                </a:rPr>
+                <a:t>uthURL</a:t>
+              </a:r>
+              <a:r>
+                <a:rPr lang="en-US" sz="800" dirty="0" smtClean="0">
+                  <a:latin typeface="Arial" panose="020B0604020202020204" pitchFamily="34" charset="0"/>
+                  <a:cs typeface="Arial" panose="020B0604020202020204" pitchFamily="34" charset="0"/>
+                </a:rPr>
+                <a:t> </a:t>
+              </a:r>
+              <a:r>
+                <a:rPr lang="en-US" sz="800" dirty="0" smtClean="0">
+                  <a:latin typeface="Arial" panose="020B0604020202020204" pitchFamily="34" charset="0"/>
+                  <a:cs typeface="Arial" panose="020B0604020202020204" pitchFamily="34" charset="0"/>
+                </a:rPr>
+                <a:t>(To Payment Provider) ◄</a:t>
+              </a:r>
+            </a:p>
+            <a:p>
+              <a:r>
+                <a:rPr lang="en-US" sz="800" dirty="0" err="1">
+                  <a:latin typeface="Arial" panose="020B0604020202020204" pitchFamily="34" charset="0"/>
+                  <a:cs typeface="Arial" panose="020B0604020202020204" pitchFamily="34" charset="0"/>
+                </a:rPr>
+                <a:t>a</a:t>
+              </a:r>
+              <a:r>
+                <a:rPr lang="en-US" sz="800" dirty="0" err="1" smtClean="0">
+                  <a:latin typeface="Arial" panose="020B0604020202020204" pitchFamily="34" charset="0"/>
+                  <a:cs typeface="Arial" panose="020B0604020202020204" pitchFamily="34" charset="0"/>
+                </a:rPr>
+                <a:t>uthData</a:t>
+              </a:r>
+              <a:r>
+                <a:rPr lang="en-US" sz="800" dirty="0" smtClean="0">
+                  <a:latin typeface="Arial" panose="020B0604020202020204" pitchFamily="34" charset="0"/>
+                  <a:cs typeface="Arial" panose="020B0604020202020204" pitchFamily="34" charset="0"/>
+                </a:rPr>
+                <a:t> </a:t>
+              </a:r>
+              <a:r>
+                <a:rPr lang="en-US" sz="800" dirty="0" smtClean="0">
+                  <a:latin typeface="Arial" panose="020B0604020202020204" pitchFamily="34" charset="0"/>
+                  <a:cs typeface="Arial" panose="020B0604020202020204" pitchFamily="34" charset="0"/>
+                </a:rPr>
+                <a:t>(Encrypted authorized request)</a:t>
+              </a:r>
+            </a:p>
+          </p:txBody>
+        </p:sp>
+      </p:grpSp>
       <p:cxnSp>
         <p:nvCxnSpPr>
           <p:cNvPr id="106" name="Straight Arrow Connector 105"/>
@@ -12839,317 +12917,13 @@
       </p:cxnSp>
       <p:sp>
         <p:nvSpPr>
-          <p:cNvPr id="26" name="Rectangle 25"/>
-          <p:cNvSpPr/>
-          <p:nvPr/>
-        </p:nvSpPr>
-        <p:spPr>
-          <a:xfrm>
-            <a:off x="6580336" y="9041978"/>
-            <a:ext cx="1946367" cy="2615751"/>
-          </a:xfrm>
-          <a:prstGeom prst="rect">
-            <a:avLst/>
-          </a:prstGeom>
-          <a:solidFill>
-            <a:schemeClr val="accent3">
-              <a:lumMod val="20000"/>
-              <a:lumOff val="80000"/>
-            </a:schemeClr>
-          </a:solidFill>
-          <a:ln w="15875">
-            <a:solidFill>
-              <a:srgbClr val="FF0000"/>
-            </a:solidFill>
-          </a:ln>
-        </p:spPr>
-        <p:style>
-          <a:lnRef idx="2">
-            <a:schemeClr val="accent1">
-              <a:shade val="50000"/>
-            </a:schemeClr>
-          </a:lnRef>
-          <a:fillRef idx="1">
-            <a:schemeClr val="accent1"/>
-          </a:fillRef>
-          <a:effectRef idx="0">
-            <a:schemeClr val="accent1"/>
-          </a:effectRef>
-          <a:fontRef idx="minor">
-            <a:schemeClr val="lt1"/>
-          </a:fontRef>
-        </p:style>
-        <p:txBody>
-          <a:bodyPr rtlCol="0" anchor="ctr"/>
-          <a:lstStyle/>
-          <a:p>
-            <a:endParaRPr lang="en-US" dirty="0"/>
-          </a:p>
-        </p:txBody>
-      </p:sp>
-      <p:sp>
-        <p:nvSpPr>
-          <p:cNvPr id="27" name="TextBox 26"/>
-          <p:cNvSpPr txBox="1"/>
-          <p:nvPr/>
-        </p:nvSpPr>
-        <p:spPr>
-          <a:xfrm>
-            <a:off x="6578083" y="10503567"/>
-            <a:ext cx="1887055" cy="1115690"/>
-          </a:xfrm>
-          <a:prstGeom prst="rect">
-            <a:avLst/>
-          </a:prstGeom>
-          <a:noFill/>
-        </p:spPr>
-        <p:txBody>
-          <a:bodyPr wrap="none" rtlCol="0">
-            <a:spAutoFit/>
-          </a:bodyPr>
-          <a:lstStyle/>
-          <a:p>
-            <a:r>
-              <a:rPr lang="en-US" sz="800" dirty="0" err="1" smtClean="0">
-                <a:latin typeface="Arial" panose="020B0604020202020204" pitchFamily="34" charset="0"/>
-                <a:cs typeface="Arial" panose="020B0604020202020204" pitchFamily="34" charset="0"/>
-              </a:rPr>
-              <a:t>CardType</a:t>
-            </a:r>
-            <a:r>
-              <a:rPr lang="en-US" sz="800" dirty="0" smtClean="0">
-                <a:latin typeface="Arial" panose="020B0604020202020204" pitchFamily="34" charset="0"/>
-                <a:cs typeface="Arial" panose="020B0604020202020204" pitchFamily="34" charset="0"/>
-              </a:rPr>
-              <a:t> (Selected)</a:t>
-            </a:r>
-            <a:br>
-              <a:rPr lang="en-US" sz="800" dirty="0" smtClean="0">
-                <a:latin typeface="Arial" panose="020B0604020202020204" pitchFamily="34" charset="0"/>
-                <a:cs typeface="Arial" panose="020B0604020202020204" pitchFamily="34" charset="0"/>
-              </a:rPr>
-            </a:br>
-            <a:r>
-              <a:rPr lang="en-US" sz="800" dirty="0" err="1" smtClean="0">
-                <a:latin typeface="Arial" panose="020B0604020202020204" pitchFamily="34" charset="0"/>
-                <a:cs typeface="Arial" panose="020B0604020202020204" pitchFamily="34" charset="0"/>
-              </a:rPr>
-              <a:t>CardReference</a:t>
-            </a:r>
-            <a:r>
-              <a:rPr lang="en-US" sz="800" dirty="0" smtClean="0">
-                <a:latin typeface="Arial" panose="020B0604020202020204" pitchFamily="34" charset="0"/>
-                <a:cs typeface="Arial" panose="020B0604020202020204" pitchFamily="34" charset="0"/>
-              </a:rPr>
-              <a:t> (Last </a:t>
-            </a:r>
-            <a:r>
-              <a:rPr lang="en-US" sz="800" dirty="0" smtClean="0">
-                <a:latin typeface="Arial" panose="020B0604020202020204" pitchFamily="34" charset="0"/>
-                <a:cs typeface="Arial" panose="020B0604020202020204" pitchFamily="34" charset="0"/>
-              </a:rPr>
-              <a:t>4 digits of PAN</a:t>
-            </a:r>
-            <a:r>
-              <a:rPr lang="en-US" sz="800" dirty="0" smtClean="0">
-                <a:latin typeface="Arial" panose="020B0604020202020204" pitchFamily="34" charset="0"/>
-                <a:cs typeface="Arial" panose="020B0604020202020204" pitchFamily="34" charset="0"/>
-              </a:rPr>
-              <a:t>)</a:t>
-            </a:r>
-          </a:p>
-          <a:p>
-            <a:r>
-              <a:rPr lang="en-US" sz="800" dirty="0" err="1">
-                <a:latin typeface="Arial" panose="020B0604020202020204" pitchFamily="34" charset="0"/>
-                <a:cs typeface="Arial" panose="020B0604020202020204" pitchFamily="34" charset="0"/>
-              </a:rPr>
-              <a:t>PaymentToken</a:t>
-            </a:r>
-            <a:r>
-              <a:rPr lang="en-US" sz="800" dirty="0">
-                <a:latin typeface="Arial" panose="020B0604020202020204" pitchFamily="34" charset="0"/>
-                <a:cs typeface="Arial" panose="020B0604020202020204" pitchFamily="34" charset="0"/>
-              </a:rPr>
-              <a:t> (</a:t>
-            </a:r>
-            <a:r>
-              <a:rPr lang="en-US" sz="800" i="1" dirty="0">
-                <a:latin typeface="Arial" panose="020B0604020202020204" pitchFamily="34" charset="0"/>
-                <a:cs typeface="Arial" panose="020B0604020202020204" pitchFamily="34" charset="0"/>
-              </a:rPr>
-              <a:t>Tokenized</a:t>
-            </a:r>
-            <a:r>
-              <a:rPr lang="en-US" sz="800" dirty="0">
-                <a:latin typeface="Arial" panose="020B0604020202020204" pitchFamily="34" charset="0"/>
-                <a:cs typeface="Arial" panose="020B0604020202020204" pitchFamily="34" charset="0"/>
-              </a:rPr>
-              <a:t> PAN)</a:t>
-            </a:r>
-          </a:p>
-          <a:p>
-            <a:r>
-              <a:rPr lang="en-US" sz="800" dirty="0" err="1" smtClean="0">
-                <a:latin typeface="Arial" panose="020B0604020202020204" pitchFamily="34" charset="0"/>
-                <a:cs typeface="Arial" panose="020B0604020202020204" pitchFamily="34" charset="0"/>
-              </a:rPr>
-              <a:t>Reference</a:t>
-            </a:r>
-            <a:r>
-              <a:rPr lang="en-US" sz="800" dirty="0" err="1" smtClean="0">
-                <a:latin typeface="Arial" panose="020B0604020202020204" pitchFamily="34" charset="0"/>
-                <a:cs typeface="Arial" panose="020B0604020202020204" pitchFamily="34" charset="0"/>
-              </a:rPr>
-              <a:t>ID</a:t>
-            </a:r>
-            <a:r>
-              <a:rPr lang="en-US" sz="800" dirty="0" smtClean="0">
-                <a:latin typeface="Arial" panose="020B0604020202020204" pitchFamily="34" charset="0"/>
-                <a:cs typeface="Arial" panose="020B0604020202020204" pitchFamily="34" charset="0"/>
-              </a:rPr>
-              <a:t> </a:t>
-            </a:r>
-            <a:r>
-              <a:rPr lang="en-US" sz="800" dirty="0">
-                <a:latin typeface="Arial" panose="020B0604020202020204" pitchFamily="34" charset="0"/>
-                <a:cs typeface="Arial" panose="020B0604020202020204" pitchFamily="34" charset="0"/>
-              </a:rPr>
-              <a:t>(Payment Provider</a:t>
-            </a:r>
-            <a:r>
-              <a:rPr lang="en-US" sz="800" dirty="0" smtClean="0">
-                <a:latin typeface="Arial" panose="020B0604020202020204" pitchFamily="34" charset="0"/>
-                <a:cs typeface="Arial" panose="020B0604020202020204" pitchFamily="34" charset="0"/>
-              </a:rPr>
-              <a:t>)</a:t>
-            </a:r>
-          </a:p>
-          <a:p>
-            <a:r>
-              <a:rPr lang="en-US" sz="800" dirty="0" err="1" smtClean="0">
-                <a:latin typeface="Arial" panose="020B0604020202020204" pitchFamily="34" charset="0"/>
-                <a:cs typeface="Arial" panose="020B0604020202020204" pitchFamily="34" charset="0"/>
-              </a:rPr>
-              <a:t>SoftwareID</a:t>
-            </a:r>
-            <a:endParaRPr lang="en-US" sz="800" dirty="0" smtClean="0">
-              <a:latin typeface="Arial" panose="020B0604020202020204" pitchFamily="34" charset="0"/>
-              <a:cs typeface="Arial" panose="020B0604020202020204" pitchFamily="34" charset="0"/>
-            </a:endParaRPr>
-          </a:p>
-          <a:p>
-            <a:r>
-              <a:rPr lang="en-US" sz="800" dirty="0" err="1" smtClean="0">
-                <a:latin typeface="Arial" panose="020B0604020202020204" pitchFamily="34" charset="0"/>
-                <a:cs typeface="Arial" panose="020B0604020202020204" pitchFamily="34" charset="0"/>
-              </a:rPr>
-              <a:t>SoftwareVersion</a:t>
-            </a:r>
-            <a:endParaRPr lang="en-US" sz="800" dirty="0">
-              <a:latin typeface="Arial" panose="020B0604020202020204" pitchFamily="34" charset="0"/>
-              <a:cs typeface="Arial" panose="020B0604020202020204" pitchFamily="34" charset="0"/>
-            </a:endParaRPr>
-          </a:p>
-          <a:p>
-            <a:r>
-              <a:rPr lang="en-US" sz="800" dirty="0" err="1" smtClean="0">
-                <a:latin typeface="Arial" panose="020B0604020202020204" pitchFamily="34" charset="0"/>
-                <a:cs typeface="Arial" panose="020B0604020202020204" pitchFamily="34" charset="0"/>
-              </a:rPr>
-              <a:t>DateTime</a:t>
-            </a:r>
-            <a:r>
-              <a:rPr lang="en-US" sz="800" dirty="0" smtClean="0">
-                <a:latin typeface="Arial" panose="020B0604020202020204" pitchFamily="34" charset="0"/>
-                <a:cs typeface="Arial" panose="020B0604020202020204" pitchFamily="34" charset="0"/>
-              </a:rPr>
-              <a:t> (Payment Provider)</a:t>
-            </a:r>
-            <a:endParaRPr lang="en-US" sz="800" dirty="0">
-              <a:latin typeface="Arial" panose="020B0604020202020204" pitchFamily="34" charset="0"/>
-              <a:cs typeface="Arial" panose="020B0604020202020204" pitchFamily="34" charset="0"/>
-            </a:endParaRPr>
-          </a:p>
-          <a:p>
-            <a:pPr>
-              <a:spcBef>
-                <a:spcPts val="300"/>
-              </a:spcBef>
-            </a:pPr>
-            <a:r>
-              <a:rPr lang="en-US" sz="800" b="1" dirty="0" smtClean="0">
-                <a:latin typeface="Arial" panose="020B0604020202020204" pitchFamily="34" charset="0"/>
-                <a:cs typeface="Arial" panose="020B0604020202020204" pitchFamily="34" charset="0"/>
-              </a:rPr>
-              <a:t>Signature</a:t>
-            </a:r>
-            <a:r>
-              <a:rPr lang="en-US" sz="800" dirty="0" smtClean="0">
-                <a:latin typeface="Arial" panose="020B0604020202020204" pitchFamily="34" charset="0"/>
-                <a:cs typeface="Arial" panose="020B0604020202020204" pitchFamily="34" charset="0"/>
-              </a:rPr>
-              <a:t> (Payment Provider)</a:t>
-            </a:r>
-            <a:endParaRPr lang="en-US" sz="800" dirty="0">
-              <a:latin typeface="Arial" panose="020B0604020202020204" pitchFamily="34" charset="0"/>
-              <a:cs typeface="Arial" panose="020B0604020202020204" pitchFamily="34" charset="0"/>
-            </a:endParaRPr>
-          </a:p>
-        </p:txBody>
-      </p:sp>
-      <p:sp>
-        <p:nvSpPr>
-          <p:cNvPr id="29" name="TextBox 28"/>
-          <p:cNvSpPr txBox="1"/>
-          <p:nvPr/>
-        </p:nvSpPr>
-        <p:spPr>
-          <a:xfrm>
-            <a:off x="6580337" y="9060934"/>
-            <a:ext cx="1005403" cy="134463"/>
-          </a:xfrm>
-          <a:prstGeom prst="rect">
-            <a:avLst/>
-          </a:prstGeom>
-          <a:noFill/>
-        </p:spPr>
-        <p:txBody>
-          <a:bodyPr wrap="none" rtlCol="0">
-            <a:spAutoFit/>
-          </a:bodyPr>
-          <a:lstStyle/>
-          <a:p>
-            <a:r>
-              <a:rPr lang="en-US" sz="800" dirty="0" err="1" smtClean="0">
-                <a:latin typeface="Arial" panose="020B0604020202020204" pitchFamily="34" charset="0"/>
-                <a:cs typeface="Arial" panose="020B0604020202020204" pitchFamily="34" charset="0"/>
-              </a:rPr>
-              <a:t>PaymentRequest</a:t>
-            </a:r>
-            <a:r>
-              <a:rPr lang="en-US" sz="800" dirty="0" smtClean="0">
-                <a:latin typeface="Arial" panose="020B0604020202020204" pitchFamily="34" charset="0"/>
-                <a:cs typeface="Arial" panose="020B0604020202020204" pitchFamily="34" charset="0"/>
-              </a:rPr>
-              <a:t>:</a:t>
-            </a:r>
-            <a:endParaRPr lang="en-US" sz="800" dirty="0">
-              <a:latin typeface="Arial" panose="020B0604020202020204" pitchFamily="34" charset="0"/>
-              <a:cs typeface="Arial" panose="020B0604020202020204" pitchFamily="34" charset="0"/>
-            </a:endParaRPr>
-          </a:p>
-        </p:txBody>
-      </p:sp>
-      <p:sp>
-        <p:nvSpPr>
           <p:cNvPr id="111" name="TextBox 110"/>
           <p:cNvSpPr txBox="1"/>
           <p:nvPr/>
         </p:nvSpPr>
         <p:spPr>
           <a:xfrm>
-            <a:off x="2924646" y="6161658"/>
+            <a:off x="2924646" y="6137838"/>
             <a:ext cx="1858615" cy="190240"/>
           </a:xfrm>
           <a:prstGeom prst="rect">
@@ -13186,8 +12960,8 @@
         </p:nvSpPr>
         <p:spPr>
           <a:xfrm>
-            <a:off x="1492304" y="10986194"/>
-            <a:ext cx="863196" cy="246221"/>
+            <a:off x="1429671" y="11166668"/>
+            <a:ext cx="1294964" cy="276999"/>
           </a:xfrm>
           <a:prstGeom prst="rect">
             <a:avLst/>
@@ -13200,12 +12974,36 @@
           </a:bodyPr>
           <a:lstStyle/>
           <a:p>
+            <a:pPr algn="ctr"/>
+            <a:r>
+              <a:rPr lang="en-US" sz="1200" b="1" dirty="0">
+                <a:latin typeface="Arial" panose="020B0604020202020204" pitchFamily="34" charset="0"/>
+                <a:cs typeface="Arial" panose="020B0604020202020204" pitchFamily="34" charset="0"/>
+                <a:sym typeface="Wingdings"/>
+              </a:rPr>
+              <a:t></a:t>
+            </a:r>
+            <a:r>
+              <a:rPr lang="en-US" sz="1200" dirty="0" smtClean="0">
+                <a:latin typeface="Arial" panose="020B0604020202020204" pitchFamily="34" charset="0"/>
+                <a:cs typeface="Arial" panose="020B0604020202020204" pitchFamily="34" charset="0"/>
+                <a:sym typeface="Wingdings"/>
+              </a:rPr>
+              <a:t> </a:t>
+            </a:r>
             <a:r>
               <a:rPr lang="en-US" sz="1000" dirty="0" smtClean="0">
                 <a:latin typeface="Arial" panose="020B0604020202020204" pitchFamily="34" charset="0"/>
                 <a:cs typeface="Arial" panose="020B0604020202020204" pitchFamily="34" charset="0"/>
               </a:rPr>
-              <a:t>Result page</a:t>
+              <a:t>Result </a:t>
+            </a:r>
+            <a:r>
+              <a:rPr lang="en-US" sz="1000" dirty="0" smtClean="0">
+                <a:latin typeface="Arial" panose="020B0604020202020204" pitchFamily="34" charset="0"/>
+                <a:cs typeface="Arial" panose="020B0604020202020204" pitchFamily="34" charset="0"/>
+              </a:rPr>
+              <a:t>page</a:t>
             </a:r>
             <a:endParaRPr lang="en-US" sz="1000" dirty="0">
               <a:latin typeface="Arial" panose="020B0604020202020204" pitchFamily="34" charset="0"/>
@@ -13222,35 +13020,48 @@
         </p:nvSpPr>
         <p:spPr>
           <a:xfrm>
-            <a:off x="2446184" y="9906074"/>
-            <a:ext cx="2538940" cy="276999"/>
+            <a:off x="2995373" y="9972521"/>
+            <a:ext cx="1701354" cy="184666"/>
           </a:xfrm>
           <a:prstGeom prst="rect">
             <a:avLst/>
           </a:prstGeom>
           <a:noFill/>
+          <a:ln>
+            <a:noFill/>
+          </a:ln>
         </p:spPr>
         <p:txBody>
-          <a:bodyPr wrap="square" rtlCol="0">
+          <a:bodyPr wrap="none" lIns="36000" tIns="0" rIns="36000" bIns="0" rtlCol="0" anchor="ctr" anchorCtr="1">
             <a:spAutoFit/>
           </a:bodyPr>
           <a:lstStyle/>
           <a:p>
             <a:pPr algn="ctr"/>
             <a:r>
-              <a:rPr lang="en-US" sz="1200" b="1" dirty="0" smtClean="0">
+              <a:rPr lang="en-US" sz="1200" b="1" dirty="0">
                 <a:latin typeface="Arial" panose="020B0604020202020204" pitchFamily="34" charset="0"/>
                 <a:cs typeface="Arial" panose="020B0604020202020204" pitchFamily="34" charset="0"/>
                 <a:sym typeface="Wingdings"/>
               </a:rPr>
-              <a:t></a:t>
+              <a:t> </a:t>
+            </a:r>
+            <a:r>
+              <a:rPr lang="en-US" sz="1000" dirty="0" err="1" smtClean="0">
+                <a:solidFill>
+                  <a:schemeClr val="accent1"/>
+                </a:solidFill>
+                <a:latin typeface="Arial" panose="020B0604020202020204" pitchFamily="34" charset="0"/>
+                <a:cs typeface="Arial" panose="020B0604020202020204" pitchFamily="34" charset="0"/>
+              </a:rPr>
+              <a:t>ProviderGenericAuthRes</a:t>
             </a:r>
             <a:r>
               <a:rPr lang="en-US" sz="1000" dirty="0" smtClean="0">
                 <a:latin typeface="Arial" panose="020B0604020202020204" pitchFamily="34" charset="0"/>
                 <a:cs typeface="Arial" panose="020B0604020202020204" pitchFamily="34" charset="0"/>
               </a:rPr>
-              <a:t> Returned HTTP response</a:t>
+              <a:t> </a:t>
             </a:r>
             <a:endParaRPr lang="en-US" sz="1000" dirty="0">
               <a:latin typeface="Arial" panose="020B0604020202020204" pitchFamily="34" charset="0"/>
@@ -13339,8 +13150,8 @@
         </p:nvCxnSpPr>
         <p:spPr>
           <a:xfrm>
-            <a:off x="296724" y="905074"/>
-            <a:ext cx="0" cy="11050046"/>
+            <a:off x="296724" y="890698"/>
+            <a:ext cx="0" cy="10944000"/>
           </a:xfrm>
           <a:prstGeom prst="line">
             <a:avLst/>
@@ -13362,89 +13173,6 @@
           </a:fontRef>
         </p:style>
       </p:cxnSp>
-      <p:sp>
-        <p:nvSpPr>
-          <p:cNvPr id="77" name="TextBox 76"/>
-          <p:cNvSpPr txBox="1"/>
-          <p:nvPr/>
-        </p:nvSpPr>
-        <p:spPr>
-          <a:xfrm>
-            <a:off x="3706611" y="4738548"/>
-            <a:ext cx="503531" cy="276999"/>
-          </a:xfrm>
-          <a:prstGeom prst="rect">
-            <a:avLst/>
-          </a:prstGeom>
-          <a:noFill/>
-        </p:spPr>
-        <p:txBody>
-          <a:bodyPr wrap="square" rtlCol="0">
-            <a:spAutoFit/>
-          </a:bodyPr>
-          <a:lstStyle/>
-          <a:p>
-            <a:pPr algn="r"/>
-            <a:r>
-              <a:rPr lang="en-US" sz="1200" b="1" dirty="0" smtClean="0">
-                <a:latin typeface="Arial" panose="020B0604020202020204" pitchFamily="34" charset="0"/>
-                <a:cs typeface="Arial" panose="020B0604020202020204" pitchFamily="34" charset="0"/>
-                <a:sym typeface="Wingdings"/>
-              </a:rPr>
-              <a:t></a:t>
-            </a:r>
-            <a:endParaRPr lang="en-US" sz="1200" b="1" dirty="0">
-              <a:latin typeface="Arial" panose="020B0604020202020204" pitchFamily="34" charset="0"/>
-              <a:cs typeface="Arial" panose="020B0604020202020204" pitchFamily="34" charset="0"/>
-            </a:endParaRPr>
-          </a:p>
-        </p:txBody>
-      </p:sp>
-      <p:sp>
-        <p:nvSpPr>
-          <p:cNvPr id="79" name="TextBox 78"/>
-          <p:cNvSpPr txBox="1"/>
-          <p:nvPr/>
-        </p:nvSpPr>
-        <p:spPr>
-          <a:xfrm>
-            <a:off x="852046" y="11166922"/>
-            <a:ext cx="503531" cy="276999"/>
-          </a:xfrm>
-          <a:prstGeom prst="rect">
-            <a:avLst/>
-          </a:prstGeom>
-          <a:noFill/>
-        </p:spPr>
-        <p:txBody>
-          <a:bodyPr wrap="square" rtlCol="0">
-            <a:spAutoFit/>
-          </a:bodyPr>
-          <a:lstStyle/>
-          <a:p>
-            <a:pPr algn="r"/>
-            <a:r>
-              <a:rPr lang="en-US" sz="1200" dirty="0">
-                <a:latin typeface="Arial" panose="020B0604020202020204" pitchFamily="34" charset="0"/>
-                <a:cs typeface="Arial" panose="020B0604020202020204" pitchFamily="34" charset="0"/>
-              </a:rPr>
-              <a:t> </a:t>
-            </a:r>
-            <a:r>
-              <a:rPr lang="en-US" sz="1200" b="1" dirty="0" smtClean="0">
-                <a:latin typeface="Arial" panose="020B0604020202020204" pitchFamily="34" charset="0"/>
-                <a:cs typeface="Arial" panose="020B0604020202020204" pitchFamily="34" charset="0"/>
-                <a:sym typeface="Wingdings"/>
-              </a:rPr>
-              <a:t></a:t>
-            </a:r>
-            <a:endParaRPr lang="en-US" sz="1200" b="1" dirty="0">
-              <a:latin typeface="Arial" panose="020B0604020202020204" pitchFamily="34" charset="0"/>
-              <a:cs typeface="Arial" panose="020B0604020202020204" pitchFamily="34" charset="0"/>
-            </a:endParaRPr>
-          </a:p>
-        </p:txBody>
-      </p:sp>
       <p:cxnSp>
         <p:nvCxnSpPr>
           <p:cNvPr id="85" name="Straight Arrow Connector 84"/>
@@ -13453,7 +13181,7 @@
         </p:nvCxnSpPr>
         <p:spPr>
           <a:xfrm>
-            <a:off x="3513567" y="8774276"/>
+            <a:off x="3513567" y="8824455"/>
             <a:ext cx="4666128" cy="0"/>
           </a:xfrm>
           <a:prstGeom prst="straightConnector1">
@@ -13481,306 +13209,310 @@
           </a:fontRef>
         </p:style>
       </p:cxnSp>
-      <p:grpSp>
-        <p:nvGrpSpPr>
-          <p:cNvPr id="3" name="Group 2"/>
-          <p:cNvGrpSpPr/>
+      <p:sp>
+        <p:nvSpPr>
+          <p:cNvPr id="23" name="Rectangle 22"/>
+          <p:cNvSpPr/>
           <p:nvPr/>
-        </p:nvGrpSpPr>
-        <p:grpSpPr>
+        </p:nvSpPr>
+        <p:spPr>
           <a:xfrm>
-            <a:off x="2136415" y="8539080"/>
-            <a:ext cx="2168417" cy="1145889"/>
-            <a:chOff x="2136415" y="8753947"/>
-            <a:chExt cx="2168417" cy="1170844"/>
+            <a:off x="2146505" y="8589260"/>
+            <a:ext cx="2158327" cy="1028782"/>
           </a:xfrm>
-        </p:grpSpPr>
-        <p:sp>
-          <p:nvSpPr>
-            <p:cNvPr id="23" name="Rectangle 22"/>
-            <p:cNvSpPr/>
-            <p:nvPr/>
-          </p:nvSpPr>
-          <p:spPr>
-            <a:xfrm>
-              <a:off x="2146505" y="8753947"/>
-              <a:ext cx="2158327" cy="1170844"/>
-            </a:xfrm>
-            <a:prstGeom prst="rect">
-              <a:avLst/>
-            </a:prstGeom>
+          <a:prstGeom prst="rect">
+            <a:avLst/>
+          </a:prstGeom>
+          <a:solidFill>
+            <a:srgbClr val="FEFFE7"/>
+          </a:solidFill>
+          <a:ln w="15875">
             <a:solidFill>
-              <a:schemeClr val="accent6">
-                <a:lumMod val="20000"/>
-                <a:lumOff val="80000"/>
-              </a:schemeClr>
+              <a:srgbClr val="FF0000"/>
             </a:solidFill>
-            <a:ln w="15875">
-              <a:solidFill>
-                <a:srgbClr val="FF0000"/>
-              </a:solidFill>
-            </a:ln>
-            <a:effectLst>
-              <a:outerShdw blurRad="50800" dist="38100" dir="2700000" algn="tl" rotWithShape="0">
-                <a:prstClr val="black">
-                  <a:alpha val="40000"/>
-                </a:prstClr>
-              </a:outerShdw>
-            </a:effectLst>
-          </p:spPr>
-          <p:style>
-            <a:lnRef idx="2">
-              <a:schemeClr val="accent1">
-                <a:shade val="50000"/>
-              </a:schemeClr>
-            </a:lnRef>
-            <a:fillRef idx="1">
-              <a:schemeClr val="accent1"/>
-            </a:fillRef>
-            <a:effectRef idx="0">
-              <a:schemeClr val="accent1"/>
-            </a:effectRef>
-            <a:fontRef idx="minor">
-              <a:schemeClr val="lt1"/>
-            </a:fontRef>
-          </p:style>
-          <p:txBody>
-            <a:bodyPr rtlCol="0" anchor="ctr"/>
-            <a:lstStyle/>
-            <a:p>
-              <a:endParaRPr lang="en-US" dirty="0"/>
-            </a:p>
-          </p:txBody>
-        </p:sp>
-        <p:sp>
-          <p:nvSpPr>
-            <p:cNvPr id="24" name="TextBox 23"/>
-            <p:cNvSpPr txBox="1"/>
-            <p:nvPr/>
-          </p:nvSpPr>
-          <p:spPr>
-            <a:xfrm>
-              <a:off x="2136415" y="8762048"/>
-              <a:ext cx="2090637" cy="1154162"/>
-            </a:xfrm>
-            <a:prstGeom prst="rect">
-              <a:avLst/>
-            </a:prstGeom>
-            <a:noFill/>
-          </p:spPr>
-          <p:txBody>
-            <a:bodyPr wrap="none" rtlCol="0">
-              <a:spAutoFit/>
-            </a:bodyPr>
-            <a:lstStyle/>
-            <a:p>
-              <a:r>
-                <a:rPr lang="en-US" sz="800" dirty="0" err="1">
-                  <a:latin typeface="Arial" panose="020B0604020202020204" pitchFamily="34" charset="0"/>
-                  <a:cs typeface="Arial" panose="020B0604020202020204" pitchFamily="34" charset="0"/>
-                </a:rPr>
-                <a:t>AuthData</a:t>
-              </a:r>
-              <a:r>
-                <a:rPr lang="en-US" sz="800" dirty="0">
-                  <a:latin typeface="Arial" panose="020B0604020202020204" pitchFamily="34" charset="0"/>
-                  <a:cs typeface="Arial" panose="020B0604020202020204" pitchFamily="34" charset="0"/>
-                </a:rPr>
-                <a:t> (Encrypted authorized request) </a:t>
-              </a:r>
-              <a:endParaRPr lang="en-US" sz="800" dirty="0" smtClean="0">
-                <a:latin typeface="Arial" panose="020B0604020202020204" pitchFamily="34" charset="0"/>
-                <a:cs typeface="Arial" panose="020B0604020202020204" pitchFamily="34" charset="0"/>
-              </a:endParaRPr>
-            </a:p>
-            <a:p>
-              <a:r>
-                <a:rPr lang="en-US" sz="800" dirty="0" err="1" smtClean="0">
-                  <a:latin typeface="Arial" panose="020B0604020202020204" pitchFamily="34" charset="0"/>
-                  <a:cs typeface="Arial" panose="020B0604020202020204" pitchFamily="34" charset="0"/>
-                </a:rPr>
-                <a:t>RequestHash</a:t>
-              </a:r>
-              <a:r>
-                <a:rPr lang="en-US" sz="800" dirty="0" smtClean="0">
-                  <a:latin typeface="Arial" panose="020B0604020202020204" pitchFamily="34" charset="0"/>
-                  <a:cs typeface="Arial" panose="020B0604020202020204" pitchFamily="34" charset="0"/>
-                </a:rPr>
-                <a:t> </a:t>
-              </a:r>
-              <a:r>
-                <a:rPr lang="en-US" sz="800" dirty="0" smtClean="0">
-                  <a:latin typeface="Arial" panose="020B0604020202020204" pitchFamily="34" charset="0"/>
-                  <a:cs typeface="Arial" panose="020B0604020202020204" pitchFamily="34" charset="0"/>
-                </a:rPr>
-                <a:t>(Of original signed </a:t>
-              </a:r>
-              <a:r>
-                <a:rPr lang="en-US" sz="800" dirty="0">
-                  <a:latin typeface="Arial" panose="020B0604020202020204" pitchFamily="34" charset="0"/>
-                  <a:cs typeface="Arial" panose="020B0604020202020204" pitchFamily="34" charset="0"/>
-                </a:rPr>
-                <a:t>r</a:t>
-              </a:r>
-              <a:r>
-                <a:rPr lang="en-US" sz="800" dirty="0" smtClean="0">
-                  <a:latin typeface="Arial" panose="020B0604020202020204" pitchFamily="34" charset="0"/>
-                  <a:cs typeface="Arial" panose="020B0604020202020204" pitchFamily="34" charset="0"/>
-                </a:rPr>
-                <a:t>equest)</a:t>
-              </a:r>
-            </a:p>
-            <a:p>
-              <a:r>
-                <a:rPr lang="en-US" sz="800" dirty="0" err="1" smtClean="0">
-                  <a:latin typeface="Arial" panose="020B0604020202020204" pitchFamily="34" charset="0"/>
-                  <a:cs typeface="Arial" panose="020B0604020202020204" pitchFamily="34" charset="0"/>
-                </a:rPr>
-                <a:t>ClientIPAddress</a:t>
-              </a:r>
-              <a:r>
-                <a:rPr lang="en-US" sz="800" dirty="0" smtClean="0">
-                  <a:latin typeface="Arial" panose="020B0604020202020204" pitchFamily="34" charset="0"/>
-                  <a:cs typeface="Arial" panose="020B0604020202020204" pitchFamily="34" charset="0"/>
-                </a:rPr>
-                <a:t> </a:t>
-              </a:r>
-              <a:r>
-                <a:rPr lang="en-US" sz="800" dirty="0" smtClean="0">
-                  <a:latin typeface="Arial" panose="020B0604020202020204" pitchFamily="34" charset="0"/>
-                  <a:cs typeface="Arial" panose="020B0604020202020204" pitchFamily="34" charset="0"/>
-                </a:rPr>
-                <a:t>(</a:t>
-              </a:r>
-              <a:r>
-                <a:rPr lang="en-US" sz="800" dirty="0">
-                  <a:latin typeface="Arial" panose="020B0604020202020204" pitchFamily="34" charset="0"/>
-                  <a:cs typeface="Arial" panose="020B0604020202020204" pitchFamily="34" charset="0"/>
-                </a:rPr>
-                <a:t>F</a:t>
-              </a:r>
-              <a:r>
-                <a:rPr lang="en-US" sz="800" dirty="0" smtClean="0">
-                  <a:latin typeface="Arial" panose="020B0604020202020204" pitchFamily="34" charset="0"/>
-                  <a:cs typeface="Arial" panose="020B0604020202020204" pitchFamily="34" charset="0"/>
-                </a:rPr>
-                <a:t>or security purposes)</a:t>
-              </a:r>
-            </a:p>
-            <a:p>
-              <a:r>
-                <a:rPr lang="en-US" sz="800" dirty="0" err="1" smtClean="0">
-                  <a:latin typeface="Arial" panose="020B0604020202020204" pitchFamily="34" charset="0"/>
-                  <a:cs typeface="Arial" panose="020B0604020202020204" pitchFamily="34" charset="0"/>
-                </a:rPr>
-                <a:t>Reference</a:t>
-              </a:r>
-              <a:r>
-                <a:rPr lang="en-US" sz="800" dirty="0" err="1" smtClean="0">
-                  <a:latin typeface="Arial" panose="020B0604020202020204" pitchFamily="34" charset="0"/>
-                  <a:cs typeface="Arial" panose="020B0604020202020204" pitchFamily="34" charset="0"/>
-                </a:rPr>
-                <a:t>ID</a:t>
-              </a:r>
-              <a:r>
-                <a:rPr lang="en-US" sz="800" dirty="0" smtClean="0">
-                  <a:latin typeface="Arial" panose="020B0604020202020204" pitchFamily="34" charset="0"/>
-                  <a:cs typeface="Arial" panose="020B0604020202020204" pitchFamily="34" charset="0"/>
-                </a:rPr>
-                <a:t> </a:t>
-              </a:r>
-              <a:r>
-                <a:rPr lang="en-US" sz="800" dirty="0">
-                  <a:latin typeface="Arial" panose="020B0604020202020204" pitchFamily="34" charset="0"/>
-                  <a:cs typeface="Arial" panose="020B0604020202020204" pitchFamily="34" charset="0"/>
-                </a:rPr>
-                <a:t>(</a:t>
-              </a:r>
-              <a:r>
-                <a:rPr lang="en-US" sz="800" dirty="0" smtClean="0">
-                  <a:latin typeface="Arial" panose="020B0604020202020204" pitchFamily="34" charset="0"/>
-                  <a:cs typeface="Arial" panose="020B0604020202020204" pitchFamily="34" charset="0"/>
-                </a:rPr>
-                <a:t>Payee copy )</a:t>
-              </a:r>
-            </a:p>
-            <a:p>
-              <a:r>
-                <a:rPr lang="en-US" sz="800" dirty="0" err="1" smtClean="0">
-                  <a:latin typeface="Arial" panose="020B0604020202020204" pitchFamily="34" charset="0"/>
-                  <a:cs typeface="Arial" panose="020B0604020202020204" pitchFamily="34" charset="0"/>
-                </a:rPr>
-                <a:t>SoftwareID</a:t>
-              </a:r>
-              <a:endParaRPr lang="en-US" sz="800" dirty="0" smtClean="0">
-                <a:latin typeface="Arial" panose="020B0604020202020204" pitchFamily="34" charset="0"/>
-                <a:cs typeface="Arial" panose="020B0604020202020204" pitchFamily="34" charset="0"/>
-              </a:endParaRPr>
-            </a:p>
-            <a:p>
-              <a:r>
-                <a:rPr lang="en-US" sz="800" dirty="0" err="1" smtClean="0">
-                  <a:latin typeface="Arial" panose="020B0604020202020204" pitchFamily="34" charset="0"/>
-                  <a:cs typeface="Arial" panose="020B0604020202020204" pitchFamily="34" charset="0"/>
-                </a:rPr>
-                <a:t>SoftwareVersion</a:t>
-              </a:r>
-              <a:endParaRPr lang="en-US" sz="800" dirty="0">
-                <a:latin typeface="Arial" panose="020B0604020202020204" pitchFamily="34" charset="0"/>
-                <a:cs typeface="Arial" panose="020B0604020202020204" pitchFamily="34" charset="0"/>
-              </a:endParaRPr>
-            </a:p>
-            <a:p>
-              <a:r>
-                <a:rPr lang="en-US" sz="800" dirty="0" err="1" smtClean="0">
-                  <a:latin typeface="Arial" panose="020B0604020202020204" pitchFamily="34" charset="0"/>
-                  <a:cs typeface="Arial" panose="020B0604020202020204" pitchFamily="34" charset="0"/>
-                </a:rPr>
-                <a:t>DateTime</a:t>
-              </a:r>
-              <a:r>
-                <a:rPr lang="en-US" sz="800" dirty="0" smtClean="0">
-                  <a:latin typeface="Arial" panose="020B0604020202020204" pitchFamily="34" charset="0"/>
-                  <a:cs typeface="Arial" panose="020B0604020202020204" pitchFamily="34" charset="0"/>
-                </a:rPr>
-                <a:t> </a:t>
-              </a:r>
-              <a:r>
-                <a:rPr lang="en-US" sz="800" dirty="0">
-                  <a:latin typeface="Arial" panose="020B0604020202020204" pitchFamily="34" charset="0"/>
-                  <a:cs typeface="Arial" panose="020B0604020202020204" pitchFamily="34" charset="0"/>
-                </a:rPr>
-                <a:t>(Payee)</a:t>
-              </a:r>
-            </a:p>
-            <a:p>
-              <a:pPr>
-                <a:spcBef>
-                  <a:spcPts val="300"/>
-                </a:spcBef>
-              </a:pPr>
-              <a:r>
-                <a:rPr lang="en-US" sz="800" b="1" dirty="0" smtClean="0">
-                  <a:latin typeface="Arial" panose="020B0604020202020204" pitchFamily="34" charset="0"/>
-                  <a:cs typeface="Arial" panose="020B0604020202020204" pitchFamily="34" charset="0"/>
-                </a:rPr>
-                <a:t>Signature</a:t>
-              </a:r>
-              <a:r>
-                <a:rPr lang="en-US" sz="800" dirty="0" smtClean="0">
-                  <a:latin typeface="Arial" panose="020B0604020202020204" pitchFamily="34" charset="0"/>
-                  <a:cs typeface="Arial" panose="020B0604020202020204" pitchFamily="34" charset="0"/>
-                </a:rPr>
-                <a:t> (Payee)</a:t>
-              </a:r>
-              <a:endParaRPr lang="en-US" sz="800" dirty="0">
-                <a:latin typeface="Arial" panose="020B0604020202020204" pitchFamily="34" charset="0"/>
-                <a:cs typeface="Arial" panose="020B0604020202020204" pitchFamily="34" charset="0"/>
-              </a:endParaRPr>
-            </a:p>
-          </p:txBody>
-        </p:sp>
-      </p:grpSp>
+          </a:ln>
+          <a:effectLst>
+            <a:outerShdw blurRad="50800" dist="38100" dir="2700000" algn="tl" rotWithShape="0">
+              <a:prstClr val="black">
+                <a:alpha val="40000"/>
+              </a:prstClr>
+            </a:outerShdw>
+          </a:effectLst>
+        </p:spPr>
+        <p:style>
+          <a:lnRef idx="2">
+            <a:schemeClr val="accent1">
+              <a:shade val="50000"/>
+            </a:schemeClr>
+          </a:lnRef>
+          <a:fillRef idx="1">
+            <a:schemeClr val="accent1"/>
+          </a:fillRef>
+          <a:effectRef idx="0">
+            <a:schemeClr val="accent1"/>
+          </a:effectRef>
+          <a:fontRef idx="minor">
+            <a:schemeClr val="lt1"/>
+          </a:fontRef>
+        </p:style>
+        <p:txBody>
+          <a:bodyPr rtlCol="0" anchor="ctr"/>
+          <a:lstStyle/>
+          <a:p>
+            <a:endParaRPr lang="en-US" dirty="0"/>
+          </a:p>
+        </p:txBody>
+      </p:sp>
+      <p:sp>
+        <p:nvSpPr>
+          <p:cNvPr id="24" name="TextBox 23"/>
+          <p:cNvSpPr txBox="1"/>
+          <p:nvPr/>
+        </p:nvSpPr>
+        <p:spPr>
+          <a:xfrm>
+            <a:off x="2136415" y="8597187"/>
+            <a:ext cx="2138727" cy="992579"/>
+          </a:xfrm>
+          <a:prstGeom prst="rect">
+            <a:avLst/>
+          </a:prstGeom>
+          <a:noFill/>
+        </p:spPr>
+        <p:txBody>
+          <a:bodyPr wrap="none" rtlCol="0">
+            <a:spAutoFit/>
+          </a:bodyPr>
+          <a:lstStyle/>
+          <a:p>
+            <a:r>
+              <a:rPr lang="en-US" sz="800" dirty="0" err="1">
+                <a:latin typeface="Arial" panose="020B0604020202020204" pitchFamily="34" charset="0"/>
+                <a:cs typeface="Arial" panose="020B0604020202020204" pitchFamily="34" charset="0"/>
+              </a:rPr>
+              <a:t>a</a:t>
+            </a:r>
+            <a:r>
+              <a:rPr lang="en-US" sz="800" dirty="0" err="1" smtClean="0">
+                <a:latin typeface="Arial" panose="020B0604020202020204" pitchFamily="34" charset="0"/>
+                <a:cs typeface="Arial" panose="020B0604020202020204" pitchFamily="34" charset="0"/>
+              </a:rPr>
+              <a:t>uthData</a:t>
+            </a:r>
+            <a:r>
+              <a:rPr lang="en-US" sz="800" dirty="0" smtClean="0">
+                <a:latin typeface="Arial" panose="020B0604020202020204" pitchFamily="34" charset="0"/>
+                <a:cs typeface="Arial" panose="020B0604020202020204" pitchFamily="34" charset="0"/>
+              </a:rPr>
+              <a:t> </a:t>
+            </a:r>
+            <a:r>
+              <a:rPr lang="en-US" sz="800" dirty="0">
+                <a:latin typeface="Arial" panose="020B0604020202020204" pitchFamily="34" charset="0"/>
+                <a:cs typeface="Arial" panose="020B0604020202020204" pitchFamily="34" charset="0"/>
+              </a:rPr>
+              <a:t>(Encrypted authorized request) </a:t>
+            </a:r>
+            <a:endParaRPr lang="en-US" sz="800" dirty="0" smtClean="0">
+              <a:latin typeface="Arial" panose="020B0604020202020204" pitchFamily="34" charset="0"/>
+              <a:cs typeface="Arial" panose="020B0604020202020204" pitchFamily="34" charset="0"/>
+            </a:endParaRPr>
+          </a:p>
+          <a:p>
+            <a:r>
+              <a:rPr lang="en-US" sz="800" dirty="0" err="1">
+                <a:latin typeface="Arial" panose="020B0604020202020204" pitchFamily="34" charset="0"/>
+                <a:cs typeface="Arial" panose="020B0604020202020204" pitchFamily="34" charset="0"/>
+              </a:rPr>
+              <a:t>r</a:t>
+            </a:r>
+            <a:r>
+              <a:rPr lang="en-US" sz="800" dirty="0" err="1" smtClean="0">
+                <a:latin typeface="Arial" panose="020B0604020202020204" pitchFamily="34" charset="0"/>
+                <a:cs typeface="Arial" panose="020B0604020202020204" pitchFamily="34" charset="0"/>
+              </a:rPr>
+              <a:t>equestHash</a:t>
+            </a:r>
+            <a:r>
+              <a:rPr lang="en-US" sz="800" dirty="0" smtClean="0">
+                <a:latin typeface="Arial" panose="020B0604020202020204" pitchFamily="34" charset="0"/>
+                <a:cs typeface="Arial" panose="020B0604020202020204" pitchFamily="34" charset="0"/>
+              </a:rPr>
+              <a:t> {} </a:t>
+            </a:r>
+            <a:r>
+              <a:rPr lang="en-US" sz="800" dirty="0" smtClean="0">
+                <a:latin typeface="Arial" panose="020B0604020202020204" pitchFamily="34" charset="0"/>
+                <a:cs typeface="Arial" panose="020B0604020202020204" pitchFamily="34" charset="0"/>
+              </a:rPr>
+              <a:t>(Of original signed </a:t>
+            </a:r>
+            <a:r>
+              <a:rPr lang="en-US" sz="800" dirty="0">
+                <a:latin typeface="Arial" panose="020B0604020202020204" pitchFamily="34" charset="0"/>
+                <a:cs typeface="Arial" panose="020B0604020202020204" pitchFamily="34" charset="0"/>
+              </a:rPr>
+              <a:t>r</a:t>
+            </a:r>
+            <a:r>
+              <a:rPr lang="en-US" sz="800" dirty="0" smtClean="0">
+                <a:latin typeface="Arial" panose="020B0604020202020204" pitchFamily="34" charset="0"/>
+                <a:cs typeface="Arial" panose="020B0604020202020204" pitchFamily="34" charset="0"/>
+              </a:rPr>
+              <a:t>equest)</a:t>
+            </a:r>
+          </a:p>
+          <a:p>
+            <a:r>
+              <a:rPr lang="en-US" sz="800" dirty="0" err="1" smtClean="0">
+                <a:latin typeface="Arial" panose="020B0604020202020204" pitchFamily="34" charset="0"/>
+                <a:cs typeface="Arial" panose="020B0604020202020204" pitchFamily="34" charset="0"/>
+              </a:rPr>
+              <a:t>c</a:t>
+            </a:r>
+            <a:r>
+              <a:rPr lang="en-US" sz="800" dirty="0" err="1" smtClean="0">
+                <a:latin typeface="Arial" panose="020B0604020202020204" pitchFamily="34" charset="0"/>
+                <a:cs typeface="Arial" panose="020B0604020202020204" pitchFamily="34" charset="0"/>
+              </a:rPr>
+              <a:t>lientIpAddress</a:t>
+            </a:r>
+            <a:r>
+              <a:rPr lang="en-US" sz="800" dirty="0" smtClean="0">
+                <a:latin typeface="Arial" panose="020B0604020202020204" pitchFamily="34" charset="0"/>
+                <a:cs typeface="Arial" panose="020B0604020202020204" pitchFamily="34" charset="0"/>
+              </a:rPr>
+              <a:t> </a:t>
+            </a:r>
+            <a:r>
+              <a:rPr lang="en-US" sz="800" dirty="0" smtClean="0">
+                <a:latin typeface="Arial" panose="020B0604020202020204" pitchFamily="34" charset="0"/>
+                <a:cs typeface="Arial" panose="020B0604020202020204" pitchFamily="34" charset="0"/>
+              </a:rPr>
+              <a:t>(</a:t>
+            </a:r>
+            <a:r>
+              <a:rPr lang="en-US" sz="800" dirty="0">
+                <a:latin typeface="Arial" panose="020B0604020202020204" pitchFamily="34" charset="0"/>
+                <a:cs typeface="Arial" panose="020B0604020202020204" pitchFamily="34" charset="0"/>
+              </a:rPr>
+              <a:t>F</a:t>
+            </a:r>
+            <a:r>
+              <a:rPr lang="en-US" sz="800" dirty="0" smtClean="0">
+                <a:latin typeface="Arial" panose="020B0604020202020204" pitchFamily="34" charset="0"/>
+                <a:cs typeface="Arial" panose="020B0604020202020204" pitchFamily="34" charset="0"/>
+              </a:rPr>
+              <a:t>or security purposes)</a:t>
+            </a:r>
+          </a:p>
+          <a:p>
+            <a:r>
+              <a:rPr lang="en-US" sz="800" dirty="0" err="1" smtClean="0">
+                <a:latin typeface="Arial" panose="020B0604020202020204" pitchFamily="34" charset="0"/>
+                <a:cs typeface="Arial" panose="020B0604020202020204" pitchFamily="34" charset="0"/>
+              </a:rPr>
+              <a:t>r</a:t>
+            </a:r>
+            <a:r>
+              <a:rPr lang="en-US" sz="800" dirty="0" err="1" smtClean="0">
+                <a:latin typeface="Arial" panose="020B0604020202020204" pitchFamily="34" charset="0"/>
+                <a:cs typeface="Arial" panose="020B0604020202020204" pitchFamily="34" charset="0"/>
+              </a:rPr>
+              <a:t>eferenceId</a:t>
+            </a:r>
+            <a:r>
+              <a:rPr lang="en-US" sz="800" dirty="0" smtClean="0">
+                <a:latin typeface="Arial" panose="020B0604020202020204" pitchFamily="34" charset="0"/>
+                <a:cs typeface="Arial" panose="020B0604020202020204" pitchFamily="34" charset="0"/>
+              </a:rPr>
+              <a:t> </a:t>
+            </a:r>
+            <a:r>
+              <a:rPr lang="en-US" sz="800" dirty="0">
+                <a:latin typeface="Arial" panose="020B0604020202020204" pitchFamily="34" charset="0"/>
+                <a:cs typeface="Arial" panose="020B0604020202020204" pitchFamily="34" charset="0"/>
+              </a:rPr>
+              <a:t>(</a:t>
+            </a:r>
+            <a:r>
+              <a:rPr lang="en-US" sz="800" dirty="0" smtClean="0">
+                <a:latin typeface="Arial" panose="020B0604020202020204" pitchFamily="34" charset="0"/>
+                <a:cs typeface="Arial" panose="020B0604020202020204" pitchFamily="34" charset="0"/>
+              </a:rPr>
+              <a:t>Payee copy )</a:t>
+            </a:r>
+          </a:p>
+          <a:p>
+            <a:r>
+              <a:rPr lang="en-US" sz="800" dirty="0" err="1">
+                <a:latin typeface="Arial" panose="020B0604020202020204" pitchFamily="34" charset="0"/>
+                <a:cs typeface="Arial" panose="020B0604020202020204" pitchFamily="34" charset="0"/>
+              </a:rPr>
+              <a:t>dateTime</a:t>
+            </a:r>
+            <a:r>
+              <a:rPr lang="en-US" sz="800" dirty="0">
+                <a:latin typeface="Arial" panose="020B0604020202020204" pitchFamily="34" charset="0"/>
+                <a:cs typeface="Arial" panose="020B0604020202020204" pitchFamily="34" charset="0"/>
+              </a:rPr>
+              <a:t> (Payee)</a:t>
+            </a:r>
+          </a:p>
+          <a:p>
+            <a:r>
+              <a:rPr lang="en-US" sz="800" dirty="0" smtClean="0">
+                <a:latin typeface="Arial" panose="020B0604020202020204" pitchFamily="34" charset="0"/>
+                <a:cs typeface="Arial" panose="020B0604020202020204" pitchFamily="34" charset="0"/>
+              </a:rPr>
+              <a:t>S</a:t>
+            </a:r>
+            <a:r>
+              <a:rPr lang="en-US" sz="800" dirty="0" smtClean="0">
+                <a:latin typeface="Arial" panose="020B0604020202020204" pitchFamily="34" charset="0"/>
+                <a:cs typeface="Arial" panose="020B0604020202020204" pitchFamily="34" charset="0"/>
+              </a:rPr>
+              <a:t>oftware {}</a:t>
+            </a:r>
+            <a:endParaRPr lang="en-US" sz="800" dirty="0" smtClean="0">
+              <a:latin typeface="Arial" panose="020B0604020202020204" pitchFamily="34" charset="0"/>
+              <a:cs typeface="Arial" panose="020B0604020202020204" pitchFamily="34" charset="0"/>
+            </a:endParaRPr>
+          </a:p>
+          <a:p>
+            <a:pPr>
+              <a:spcBef>
+                <a:spcPts val="300"/>
+              </a:spcBef>
+            </a:pPr>
+            <a:r>
+              <a:rPr lang="en-US" sz="800" b="1" dirty="0" smtClean="0">
+                <a:latin typeface="Arial" panose="020B0604020202020204" pitchFamily="34" charset="0"/>
+                <a:cs typeface="Arial" panose="020B0604020202020204" pitchFamily="34" charset="0"/>
+              </a:rPr>
+              <a:t>signature</a:t>
+            </a:r>
+            <a:r>
+              <a:rPr lang="en-US" sz="800" dirty="0" smtClean="0">
+                <a:latin typeface="Arial" panose="020B0604020202020204" pitchFamily="34" charset="0"/>
+                <a:cs typeface="Arial" panose="020B0604020202020204" pitchFamily="34" charset="0"/>
+              </a:rPr>
+              <a:t> {} (</a:t>
+            </a:r>
+            <a:r>
+              <a:rPr lang="en-US" sz="800" dirty="0" smtClean="0">
+                <a:latin typeface="Arial" panose="020B0604020202020204" pitchFamily="34" charset="0"/>
+                <a:cs typeface="Arial" panose="020B0604020202020204" pitchFamily="34" charset="0"/>
+              </a:rPr>
+              <a:t>Payee)</a:t>
+            </a:r>
+            <a:endParaRPr lang="en-US" sz="800" dirty="0">
+              <a:latin typeface="Arial" panose="020B0604020202020204" pitchFamily="34" charset="0"/>
+              <a:cs typeface="Arial" panose="020B0604020202020204" pitchFamily="34" charset="0"/>
+            </a:endParaRPr>
+          </a:p>
+        </p:txBody>
+      </p:sp>
       <p:sp>
         <p:nvSpPr>
           <p:cNvPr id="87" name="TextBox 86"/>
@@ -13789,16 +13521,23 @@
         </p:nvSpPr>
         <p:spPr>
           <a:xfrm>
-            <a:off x="1429670" y="7998324"/>
-            <a:ext cx="1494975" cy="246221"/>
+            <a:off x="1489555" y="8101328"/>
+            <a:ext cx="1125877" cy="153888"/>
           </a:xfrm>
           <a:prstGeom prst="rect">
             <a:avLst/>
           </a:prstGeom>
-          <a:noFill/>
+          <a:solidFill>
+            <a:schemeClr val="bg1"/>
+          </a:solidFill>
+          <a:ln w="3175">
+            <a:solidFill>
+              <a:schemeClr val="tx1"/>
+            </a:solidFill>
+          </a:ln>
         </p:spPr>
         <p:txBody>
-          <a:bodyPr wrap="square" rtlCol="0">
+          <a:bodyPr wrap="none" lIns="36000" tIns="0" rIns="36000" bIns="0" rtlCol="0">
             <a:spAutoFit/>
           </a:bodyPr>
           <a:lstStyle/>
@@ -13808,7 +13547,21 @@
                 <a:latin typeface="Arial" panose="020B0604020202020204" pitchFamily="34" charset="0"/>
                 <a:cs typeface="Arial" panose="020B0604020202020204" pitchFamily="34" charset="0"/>
               </a:rPr>
-              <a:t>HTTP FORM POST</a:t>
+              <a:t>HTTP </a:t>
+            </a:r>
+            <a:r>
+              <a:rPr lang="en-US" sz="1000" dirty="0" smtClean="0">
+                <a:latin typeface="Arial" panose="020B0604020202020204" pitchFamily="34" charset="0"/>
+                <a:cs typeface="Arial" panose="020B0604020202020204" pitchFamily="34" charset="0"/>
+              </a:rPr>
+              <a:t>Form </a:t>
+            </a:r>
+            <a:r>
+              <a:rPr lang="en-US" sz="1000" dirty="0" smtClean="0">
+                <a:latin typeface="Arial" panose="020B0604020202020204" pitchFamily="34" charset="0"/>
+                <a:cs typeface="Arial" panose="020B0604020202020204" pitchFamily="34" charset="0"/>
+              </a:rPr>
+              <a:t>POST</a:t>
             </a:r>
             <a:endParaRPr lang="en-US" sz="1000" dirty="0">
               <a:latin typeface="Arial" panose="020B0604020202020204" pitchFamily="34" charset="0"/>
@@ -13952,8 +13705,8 @@
         </p:nvSpPr>
         <p:spPr>
           <a:xfrm>
-            <a:off x="1577169" y="1541998"/>
-            <a:ext cx="993862" cy="257369"/>
+            <a:off x="1573161" y="1541998"/>
+            <a:ext cx="1001877" cy="257369"/>
           </a:xfrm>
           <a:prstGeom prst="rect">
             <a:avLst/>
@@ -13968,20 +13721,12 @@
           <a:p>
             <a:pPr algn="ctr"/>
             <a:r>
-              <a:rPr lang="en-US" sz="1200" b="1" dirty="0" smtClean="0">
+              <a:rPr lang="en-US" sz="1200" b="1" dirty="0">
                 <a:latin typeface="Arial" panose="020B0604020202020204" pitchFamily="34" charset="0"/>
                 <a:cs typeface="Arial" panose="020B0604020202020204" pitchFamily="34" charset="0"/>
                 <a:sym typeface="Wingdings"/>
               </a:rPr>
-              <a:t></a:t>
-            </a:r>
-            <a:r>
-              <a:rPr lang="en-US" sz="1000" b="1" dirty="0" smtClean="0">
-                <a:latin typeface="Arial" panose="020B0604020202020204" pitchFamily="34" charset="0"/>
-                <a:cs typeface="Arial" panose="020B0604020202020204" pitchFamily="34" charset="0"/>
-                <a:sym typeface="Wingdings"/>
-              </a:rPr>
-              <a:t> </a:t>
+              <a:t> </a:t>
             </a:r>
             <a:r>
               <a:rPr lang="en-US" sz="1000" dirty="0" smtClean="0">
@@ -14214,8 +13959,8 @@
         </p:nvSpPr>
         <p:spPr>
           <a:xfrm>
-            <a:off x="3034466" y="11955120"/>
-            <a:ext cx="3023585" cy="246221"/>
+            <a:off x="3678547" y="11711587"/>
+            <a:ext cx="2050561" cy="246221"/>
           </a:xfrm>
           <a:prstGeom prst="rect">
             <a:avLst/>
@@ -14229,18 +13974,25 @@
           <a:lstStyle/>
           <a:p>
             <a:r>
-              <a:rPr lang="en-US" sz="1000" dirty="0" err="1" smtClean="0">
-                <a:latin typeface="Arial" panose="020B0604020202020204" pitchFamily="34" charset="0"/>
-                <a:cs typeface="Arial" panose="020B0604020202020204" pitchFamily="34" charset="0"/>
-              </a:rPr>
-              <a:t>WebCrypto</a:t>
-            </a:r>
-            <a:r>
               <a:rPr lang="en-US" sz="1000" dirty="0" smtClean="0">
                 <a:latin typeface="Arial" panose="020B0604020202020204" pitchFamily="34" charset="0"/>
                 <a:cs typeface="Arial" panose="020B0604020202020204" pitchFamily="34" charset="0"/>
               </a:rPr>
-              <a:t>++ Payment Application State Diagram</a:t>
+              <a:t>“Pull”</a:t>
+            </a:r>
+            <a:r>
+              <a:rPr lang="en-US" sz="1000" dirty="0" smtClean="0">
+                <a:latin typeface="Arial" panose="020B0604020202020204" pitchFamily="34" charset="0"/>
+                <a:cs typeface="Arial" panose="020B0604020202020204" pitchFamily="34" charset="0"/>
+              </a:rPr>
+              <a:t> Web Payment Application</a:t>
+            </a:r>
+            <a:r>
+              <a:rPr lang="en-US" sz="1000" dirty="0" smtClean="0">
+                <a:latin typeface="Arial" panose="020B0604020202020204" pitchFamily="34" charset="0"/>
+                <a:cs typeface="Arial" panose="020B0604020202020204" pitchFamily="34" charset="0"/>
+              </a:rPr>
+              <a:t> </a:t>
             </a:r>
             <a:endParaRPr lang="en-US" sz="1000" dirty="0">
               <a:latin typeface="Arial" panose="020B0604020202020204" pitchFamily="34" charset="0"/>
@@ -14249,105 +14001,6 @@
           </a:p>
         </p:txBody>
       </p:sp>
-      <p:grpSp>
-        <p:nvGrpSpPr>
-          <p:cNvPr id="33" name="Group 32"/>
-          <p:cNvGrpSpPr/>
-          <p:nvPr/>
-        </p:nvGrpSpPr>
-        <p:grpSpPr>
-          <a:xfrm>
-            <a:off x="6120556" y="1221951"/>
-            <a:ext cx="503531" cy="491930"/>
-            <a:chOff x="5259375" y="1187224"/>
-            <a:chExt cx="504056" cy="276999"/>
-          </a:xfrm>
-        </p:grpSpPr>
-        <p:sp>
-          <p:nvSpPr>
-            <p:cNvPr id="22" name="Oval 21"/>
-            <p:cNvSpPr/>
-            <p:nvPr/>
-          </p:nvSpPr>
-          <p:spPr>
-            <a:xfrm>
-              <a:off x="5551320" y="1275592"/>
-              <a:ext cx="100800" cy="100800"/>
-            </a:xfrm>
-            <a:prstGeom prst="ellipse">
-              <a:avLst/>
-            </a:prstGeom>
-            <a:solidFill>
-              <a:schemeClr val="bg1"/>
-            </a:solidFill>
-            <a:ln>
-              <a:noFill/>
-            </a:ln>
-          </p:spPr>
-          <p:style>
-            <a:lnRef idx="2">
-              <a:schemeClr val="accent1">
-                <a:shade val="50000"/>
-              </a:schemeClr>
-            </a:lnRef>
-            <a:fillRef idx="1">
-              <a:schemeClr val="accent1"/>
-            </a:fillRef>
-            <a:effectRef idx="0">
-              <a:schemeClr val="accent1"/>
-            </a:effectRef>
-            <a:fontRef idx="minor">
-              <a:schemeClr val="lt1"/>
-            </a:fontRef>
-          </p:style>
-          <p:txBody>
-            <a:bodyPr rtlCol="0" anchor="ctr"/>
-            <a:lstStyle/>
-            <a:p>
-              <a:pPr algn="ctr"/>
-              <a:endParaRPr lang="en-US"/>
-            </a:p>
-          </p:txBody>
-        </p:sp>
-        <p:sp>
-          <p:nvSpPr>
-            <p:cNvPr id="125" name="TextBox 124"/>
-            <p:cNvSpPr txBox="1"/>
-            <p:nvPr/>
-          </p:nvSpPr>
-          <p:spPr>
-            <a:xfrm>
-              <a:off x="5259375" y="1187224"/>
-              <a:ext cx="504056" cy="276999"/>
-            </a:xfrm>
-            <a:prstGeom prst="rect">
-              <a:avLst/>
-            </a:prstGeom>
-            <a:noFill/>
-          </p:spPr>
-          <p:txBody>
-            <a:bodyPr wrap="square" rtlCol="0">
-              <a:noAutofit/>
-            </a:bodyPr>
-            <a:lstStyle/>
-            <a:p>
-              <a:pPr algn="r"/>
-              <a:r>
-                <a:rPr lang="en-US" sz="1200" b="1" dirty="0" smtClean="0">
-                  <a:latin typeface="Arial" panose="020B0604020202020204" pitchFamily="34" charset="0"/>
-                  <a:cs typeface="Arial" panose="020B0604020202020204" pitchFamily="34" charset="0"/>
-                  <a:sym typeface="Wingdings"/>
-                </a:rPr>
-                <a:t></a:t>
-              </a:r>
-              <a:endParaRPr lang="en-US" sz="1200" b="1" dirty="0">
-                <a:latin typeface="Arial" panose="020B0604020202020204" pitchFamily="34" charset="0"/>
-                <a:cs typeface="Arial" panose="020B0604020202020204" pitchFamily="34" charset="0"/>
-              </a:endParaRPr>
-            </a:p>
-          </p:txBody>
-        </p:sp>
-      </p:grpSp>
       <p:sp>
         <p:nvSpPr>
           <p:cNvPr id="37" name="Oval 36"/>
@@ -14396,148 +14049,13 @@
       </p:sp>
       <p:sp>
         <p:nvSpPr>
-          <p:cNvPr id="78" name="TextBox 77"/>
-          <p:cNvSpPr txBox="1"/>
-          <p:nvPr/>
-        </p:nvSpPr>
-        <p:spPr>
-          <a:xfrm>
-            <a:off x="3243122" y="7169770"/>
-            <a:ext cx="503531" cy="491930"/>
-          </a:xfrm>
-          <a:prstGeom prst="rect">
-            <a:avLst/>
-          </a:prstGeom>
-          <a:noFill/>
-        </p:spPr>
-        <p:txBody>
-          <a:bodyPr wrap="square" rtlCol="0">
-            <a:noAutofit/>
-          </a:bodyPr>
-          <a:lstStyle/>
-          <a:p>
-            <a:r>
-              <a:rPr lang="en-US" sz="1200" dirty="0">
-                <a:latin typeface="Arial" panose="020B0604020202020204" pitchFamily="34" charset="0"/>
-                <a:cs typeface="Arial" panose="020B0604020202020204" pitchFamily="34" charset="0"/>
-              </a:rPr>
-              <a:t> </a:t>
-            </a:r>
-            <a:endParaRPr lang="en-US" sz="1200" b="1" dirty="0">
-              <a:latin typeface="Arial" panose="020B0604020202020204" pitchFamily="34" charset="0"/>
-              <a:cs typeface="Arial" panose="020B0604020202020204" pitchFamily="34" charset="0"/>
-            </a:endParaRPr>
-          </a:p>
-        </p:txBody>
-      </p:sp>
-      <p:grpSp>
-        <p:nvGrpSpPr>
-          <p:cNvPr id="35" name="Group 34"/>
-          <p:cNvGrpSpPr/>
-          <p:nvPr/>
-        </p:nvGrpSpPr>
-        <p:grpSpPr>
-          <a:xfrm>
-            <a:off x="7859313" y="6514795"/>
-            <a:ext cx="1193717" cy="882071"/>
-            <a:chOff x="5658415" y="3023494"/>
-            <a:chExt cx="2112847" cy="496682"/>
-          </a:xfrm>
-        </p:grpSpPr>
-        <p:sp>
-          <p:nvSpPr>
-            <p:cNvPr id="34" name="Oval 33"/>
-            <p:cNvSpPr/>
-            <p:nvPr/>
-          </p:nvSpPr>
-          <p:spPr>
-            <a:xfrm>
-              <a:off x="5658415" y="3023494"/>
-              <a:ext cx="100800" cy="100800"/>
-            </a:xfrm>
-            <a:prstGeom prst="ellipse">
-              <a:avLst/>
-            </a:prstGeom>
-            <a:solidFill>
-              <a:schemeClr val="bg1"/>
-            </a:solidFill>
-            <a:ln>
-              <a:noFill/>
-            </a:ln>
-          </p:spPr>
-          <p:style>
-            <a:lnRef idx="2">
-              <a:schemeClr val="accent1">
-                <a:shade val="50000"/>
-              </a:schemeClr>
-            </a:lnRef>
-            <a:fillRef idx="1">
-              <a:schemeClr val="accent1"/>
-            </a:fillRef>
-            <a:effectRef idx="0">
-              <a:schemeClr val="accent1"/>
-            </a:effectRef>
-            <a:fontRef idx="minor">
-              <a:schemeClr val="lt1"/>
-            </a:fontRef>
-          </p:style>
-          <p:txBody>
-            <a:bodyPr rtlCol="0" anchor="ctr"/>
-            <a:lstStyle/>
-            <a:p>
-              <a:pPr algn="ctr"/>
-              <a:endParaRPr lang="en-US"/>
-            </a:p>
-          </p:txBody>
-        </p:sp>
-        <p:sp>
-          <p:nvSpPr>
-            <p:cNvPr id="126" name="TextBox 125"/>
-            <p:cNvSpPr txBox="1"/>
-            <p:nvPr/>
-          </p:nvSpPr>
-          <p:spPr>
-            <a:xfrm>
-              <a:off x="7267206" y="3243177"/>
-              <a:ext cx="504056" cy="276999"/>
-            </a:xfrm>
-            <a:prstGeom prst="rect">
-              <a:avLst/>
-            </a:prstGeom>
-            <a:noFill/>
-          </p:spPr>
-          <p:txBody>
-            <a:bodyPr wrap="square" rtlCol="0">
-              <a:noAutofit/>
-            </a:bodyPr>
-            <a:lstStyle/>
-            <a:p>
-              <a:pPr algn="r"/>
-              <a:r>
-                <a:rPr lang="en-US" sz="1200" b="1" dirty="0" smtClean="0">
-                  <a:latin typeface="Arial" panose="020B0604020202020204" pitchFamily="34" charset="0"/>
-                  <a:cs typeface="Arial" panose="020B0604020202020204" pitchFamily="34" charset="0"/>
-                  <a:sym typeface="Wingdings"/>
-                </a:rPr>
-                <a:t></a:t>
-              </a:r>
-              <a:endParaRPr lang="en-US" sz="1200" b="1" dirty="0">
-                <a:latin typeface="Arial" panose="020B0604020202020204" pitchFamily="34" charset="0"/>
-                <a:cs typeface="Arial" panose="020B0604020202020204" pitchFamily="34" charset="0"/>
-              </a:endParaRPr>
-            </a:p>
-          </p:txBody>
-        </p:sp>
-      </p:grpSp>
-      <p:sp>
-        <p:nvSpPr>
           <p:cNvPr id="14" name="TextBox 13"/>
           <p:cNvSpPr txBox="1"/>
           <p:nvPr/>
         </p:nvSpPr>
         <p:spPr>
           <a:xfrm>
-            <a:off x="6173769" y="6273953"/>
+            <a:off x="6173769" y="6271571"/>
             <a:ext cx="1777844" cy="510778"/>
           </a:xfrm>
           <a:prstGeom prst="roundRect">
@@ -14623,8 +14141,8 @@
         </p:nvSpPr>
         <p:spPr>
           <a:xfrm>
-            <a:off x="3068232" y="1606102"/>
-            <a:ext cx="1578958" cy="226591"/>
+            <a:off x="3115824" y="1604563"/>
+            <a:ext cx="1523421" cy="153888"/>
           </a:xfrm>
           <a:prstGeom prst="rect">
             <a:avLst/>
@@ -14632,7 +14150,7 @@
           <a:noFill/>
         </p:spPr>
         <p:txBody>
-          <a:bodyPr wrap="none" lIns="0" tIns="36000" rIns="0" bIns="36000" rtlCol="0">
+          <a:bodyPr wrap="none" lIns="36000" tIns="0" rIns="36000" bIns="0" rtlCol="0">
             <a:spAutoFit/>
           </a:bodyPr>
           <a:lstStyle/>
@@ -14642,26 +14160,15 @@
                 <a:latin typeface="Arial" panose="020B0604020202020204" pitchFamily="34" charset="0"/>
                 <a:cs typeface="Arial" panose="020B0604020202020204" pitchFamily="34" charset="0"/>
               </a:rPr>
-              <a:t>Starts</a:t>
+              <a:t>Starts the Payment </a:t>
             </a:r>
             <a:r>
               <a:rPr lang="en-US" sz="1000" dirty="0" smtClean="0">
                 <a:latin typeface="Arial" panose="020B0604020202020204" pitchFamily="34" charset="0"/>
                 <a:cs typeface="Arial" panose="020B0604020202020204" pitchFamily="34" charset="0"/>
               </a:rPr>
-              <a:t> </a:t>
-            </a:r>
-            <a:r>
-              <a:rPr lang="en-US" sz="1000" dirty="0" smtClean="0">
-                <a:latin typeface="Arial" panose="020B0604020202020204" pitchFamily="34" charset="0"/>
-                <a:cs typeface="Arial" panose="020B0604020202020204" pitchFamily="34" charset="0"/>
-              </a:rPr>
-              <a:t>the Payment Agent…</a:t>
-            </a:r>
-            <a:endParaRPr lang="en-US" sz="1000" dirty="0">
-              <a:latin typeface="Arial" panose="020B0604020202020204" pitchFamily="34" charset="0"/>
-              <a:cs typeface="Arial" panose="020B0604020202020204" pitchFamily="34" charset="0"/>
-            </a:endParaRPr>
+              <a:t>Agent</a:t>
+            </a:r>
           </a:p>
         </p:txBody>
       </p:sp>
@@ -14766,16 +14273,23 @@
         </p:nvSpPr>
         <p:spPr>
           <a:xfrm>
-            <a:off x="1561510" y="1121098"/>
-            <a:ext cx="1016304" cy="246221"/>
+            <a:off x="1525159" y="1265114"/>
+            <a:ext cx="1089007" cy="153888"/>
           </a:xfrm>
           <a:prstGeom prst="rect">
             <a:avLst/>
           </a:prstGeom>
-          <a:noFill/>
+          <a:solidFill>
+            <a:schemeClr val="bg1"/>
+          </a:solidFill>
+          <a:ln w="3175">
+            <a:solidFill>
+              <a:schemeClr val="tx1"/>
+            </a:solidFill>
+          </a:ln>
         </p:spPr>
         <p:txBody>
-          <a:bodyPr wrap="none" lIns="0" rIns="0" rtlCol="0" anchor="ctr" anchorCtr="1">
+          <a:bodyPr wrap="none" lIns="36000" tIns="0" rIns="36000" bIns="0" rtlCol="0" anchor="ctr" anchorCtr="1">
             <a:spAutoFit/>
           </a:bodyPr>
           <a:lstStyle/>
@@ -14890,7 +14404,7 @@
         </p:nvSpPr>
         <p:spPr>
           <a:xfrm>
-            <a:off x="4387349" y="4001418"/>
+            <a:off x="4387349" y="4073426"/>
             <a:ext cx="1188000" cy="540000"/>
           </a:xfrm>
           <a:prstGeom prst="roundRect">
@@ -14996,14 +14510,16 @@
         </p:nvSpPr>
         <p:spPr>
           <a:xfrm>
-            <a:off x="3044121" y="2953895"/>
+            <a:off x="1891993" y="2953895"/>
             <a:ext cx="442996" cy="153888"/>
           </a:xfrm>
           <a:prstGeom prst="rect">
             <a:avLst/>
           </a:prstGeom>
           <a:solidFill>
-            <a:srgbClr val="FDE6D3"/>
+            <a:schemeClr val="accent3">
+              <a:lumMod val="50000"/>
+            </a:schemeClr>
           </a:solidFill>
           <a:ln w="3175">
             <a:solidFill>
@@ -15037,10 +14553,7 @@
             <a:r>
               <a:rPr lang="en-US" sz="1000" dirty="0" smtClean="0">
                 <a:solidFill>
-                  <a:schemeClr val="tx1">
-                    <a:lumMod val="65000"/>
-                    <a:lumOff val="35000"/>
-                  </a:schemeClr>
+                  <a:schemeClr val="bg1"/>
                 </a:solidFill>
                 <a:latin typeface="Arial" panose="020B0604020202020204" pitchFamily="34" charset="0"/>
                 <a:cs typeface="Arial" panose="020B0604020202020204" pitchFamily="34" charset="0"/>
@@ -15049,10 +14562,7 @@
             </a:r>
             <a:endParaRPr lang="en-US" sz="1000" dirty="0">
               <a:solidFill>
-                <a:schemeClr val="tx1">
-                  <a:lumMod val="65000"/>
-                  <a:lumOff val="35000"/>
-                </a:schemeClr>
+                <a:schemeClr val="bg1"/>
               </a:solidFill>
               <a:latin typeface="Arial" panose="020B0604020202020204" pitchFamily="34" charset="0"/>
               <a:cs typeface="Arial" panose="020B0604020202020204" pitchFamily="34" charset="0"/>
@@ -15068,14 +14578,16 @@
         </p:nvSpPr>
         <p:spPr>
           <a:xfrm>
-            <a:off x="3044121" y="3631506"/>
+            <a:off x="4135189" y="3631506"/>
             <a:ext cx="442996" cy="153888"/>
           </a:xfrm>
           <a:prstGeom prst="rect">
             <a:avLst/>
           </a:prstGeom>
           <a:solidFill>
-            <a:srgbClr val="FDE6D3"/>
+            <a:schemeClr val="accent3">
+              <a:lumMod val="50000"/>
+            </a:schemeClr>
           </a:solidFill>
           <a:ln w="3175">
             <a:solidFill>
@@ -15109,10 +14621,7 @@
             <a:r>
               <a:rPr lang="en-US" sz="1000" dirty="0" smtClean="0">
                 <a:solidFill>
-                  <a:schemeClr val="tx1">
-                    <a:lumMod val="65000"/>
-                    <a:lumOff val="35000"/>
-                  </a:schemeClr>
+                  <a:schemeClr val="bg1"/>
                 </a:solidFill>
                 <a:latin typeface="Arial" panose="020B0604020202020204" pitchFamily="34" charset="0"/>
                 <a:cs typeface="Arial" panose="020B0604020202020204" pitchFamily="34" charset="0"/>
@@ -15121,10 +14630,7 @@
             </a:r>
             <a:endParaRPr lang="en-US" sz="1000" dirty="0">
               <a:solidFill>
-                <a:schemeClr val="tx1">
-                  <a:lumMod val="65000"/>
-                  <a:lumOff val="35000"/>
-                </a:schemeClr>
+                <a:schemeClr val="bg1"/>
               </a:solidFill>
               <a:latin typeface="Arial" panose="020B0604020202020204" pitchFamily="34" charset="0"/>
               <a:cs typeface="Arial" panose="020B0604020202020204" pitchFamily="34" charset="0"/>
@@ -15221,27 +14727,26 @@
       </p:sp>
       <p:sp>
         <p:nvSpPr>
-          <p:cNvPr id="5" name="Rectangle 4"/>
+          <p:cNvPr id="128" name="Rectangle 127"/>
           <p:cNvSpPr/>
           <p:nvPr/>
         </p:nvSpPr>
         <p:spPr>
           <a:xfrm>
-            <a:off x="6295428" y="3433774"/>
-            <a:ext cx="1530000" cy="2495245"/>
+            <a:off x="4648769" y="2910044"/>
+            <a:ext cx="651545" cy="251093"/>
           </a:xfrm>
           <a:prstGeom prst="rect">
             <a:avLst/>
           </a:prstGeom>
           <a:solidFill>
-            <a:schemeClr val="accent5">
-              <a:lumMod val="20000"/>
-              <a:lumOff val="80000"/>
-            </a:schemeClr>
+            <a:schemeClr val="bg1"/>
           </a:solidFill>
           <a:ln w="15875">
             <a:solidFill>
-              <a:srgbClr val="FF0000"/>
+              <a:schemeClr val="bg1">
+                <a:lumMod val="50000"/>
+              </a:schemeClr>
             </a:solidFill>
           </a:ln>
           <a:effectLst>
@@ -15272,164 +14777,51 @@
           <a:bodyPr rtlCol="0" anchor="ctr"/>
           <a:lstStyle/>
           <a:p>
-            <a:endParaRPr lang="en-US" dirty="0"/>
+            <a:pPr algn="ctr"/>
+            <a:endParaRPr lang="en-US"/>
           </a:p>
         </p:txBody>
       </p:sp>
       <p:sp>
         <p:nvSpPr>
-          <p:cNvPr id="6" name="TextBox 5"/>
+          <p:cNvPr id="129" name="TextBox 128"/>
           <p:cNvSpPr txBox="1"/>
           <p:nvPr/>
         </p:nvSpPr>
         <p:spPr>
           <a:xfrm>
-            <a:off x="6295429" y="4925374"/>
-            <a:ext cx="1410964" cy="992579"/>
+            <a:off x="4703828" y="2934035"/>
+            <a:ext cx="559679" cy="195814"/>
           </a:xfrm>
           <a:prstGeom prst="rect">
             <a:avLst/>
           </a:prstGeom>
           <a:noFill/>
+          <a:ln w="19050">
+            <a:noFill/>
+          </a:ln>
         </p:spPr>
         <p:txBody>
-          <a:bodyPr wrap="none" rtlCol="0">
+          <a:bodyPr wrap="square" lIns="0" tIns="36000" rIns="0" bIns="36000" rtlCol="0" anchor="ctr" anchorCtr="1">
             <a:spAutoFit/>
           </a:bodyPr>
           <a:lstStyle/>
           <a:p>
             <a:r>
-              <a:rPr lang="en-US" sz="800" dirty="0" err="1" smtClean="0">
-                <a:latin typeface="Arial" panose="020B0604020202020204" pitchFamily="34" charset="0"/>
-                <a:cs typeface="Arial" panose="020B0604020202020204" pitchFamily="34" charset="0"/>
-              </a:rPr>
-              <a:t>DomainName</a:t>
+              <a:rPr lang="en-US" sz="800" dirty="0">
+                <a:latin typeface="Arial" panose="020B0604020202020204" pitchFamily="34" charset="0"/>
+                <a:cs typeface="Arial" panose="020B0604020202020204" pitchFamily="34" charset="0"/>
+              </a:rPr>
+              <a:t>w</a:t>
             </a:r>
             <a:r>
               <a:rPr lang="en-US" sz="800" dirty="0" smtClean="0">
                 <a:latin typeface="Arial" panose="020B0604020202020204" pitchFamily="34" charset="0"/>
                 <a:cs typeface="Arial" panose="020B0604020202020204" pitchFamily="34" charset="0"/>
               </a:rPr>
-              <a:t> (Payee)</a:t>
-            </a:r>
-          </a:p>
-          <a:p>
-            <a:r>
-              <a:rPr lang="en-US" sz="800" dirty="0" err="1" smtClean="0">
-                <a:latin typeface="Arial" panose="020B0604020202020204" pitchFamily="34" charset="0"/>
-                <a:cs typeface="Arial" panose="020B0604020202020204" pitchFamily="34" charset="0"/>
-              </a:rPr>
-              <a:t>CardType</a:t>
-            </a:r>
-            <a:r>
-              <a:rPr lang="en-US" sz="800" dirty="0" smtClean="0">
-                <a:latin typeface="Arial" panose="020B0604020202020204" pitchFamily="34" charset="0"/>
-                <a:cs typeface="Arial" panose="020B0604020202020204" pitchFamily="34" charset="0"/>
-              </a:rPr>
-              <a:t> (Selected) ◄</a:t>
-            </a:r>
-            <a:br>
-              <a:rPr lang="en-US" sz="800" dirty="0" smtClean="0">
-                <a:latin typeface="Arial" panose="020B0604020202020204" pitchFamily="34" charset="0"/>
-                <a:cs typeface="Arial" panose="020B0604020202020204" pitchFamily="34" charset="0"/>
-              </a:rPr>
-            </a:br>
-            <a:r>
-              <a:rPr lang="en-US" sz="800" dirty="0" err="1" smtClean="0">
-                <a:latin typeface="Arial" panose="020B0604020202020204" pitchFamily="34" charset="0"/>
-                <a:cs typeface="Arial" panose="020B0604020202020204" pitchFamily="34" charset="0"/>
-              </a:rPr>
-              <a:t>CardNumber</a:t>
-            </a:r>
-            <a:r>
-              <a:rPr lang="en-US" sz="800" dirty="0" smtClean="0">
-                <a:latin typeface="Arial" panose="020B0604020202020204" pitchFamily="34" charset="0"/>
-                <a:cs typeface="Arial" panose="020B0604020202020204" pitchFamily="34" charset="0"/>
-              </a:rPr>
-              <a:t> ◄</a:t>
-            </a:r>
-            <a:br>
-              <a:rPr lang="en-US" sz="800" dirty="0" smtClean="0">
-                <a:latin typeface="Arial" panose="020B0604020202020204" pitchFamily="34" charset="0"/>
-                <a:cs typeface="Arial" panose="020B0604020202020204" pitchFamily="34" charset="0"/>
-              </a:rPr>
-            </a:br>
-            <a:r>
-              <a:rPr lang="en-US" sz="800" dirty="0" err="1" smtClean="0">
-                <a:latin typeface="Arial" panose="020B0604020202020204" pitchFamily="34" charset="0"/>
-                <a:cs typeface="Arial" panose="020B0604020202020204" pitchFamily="34" charset="0"/>
-              </a:rPr>
-              <a:t>DateTime</a:t>
-            </a:r>
-            <a:r>
-              <a:rPr lang="en-US" sz="800" dirty="0" smtClean="0">
-                <a:latin typeface="Arial" panose="020B0604020202020204" pitchFamily="34" charset="0"/>
-                <a:cs typeface="Arial" panose="020B0604020202020204" pitchFamily="34" charset="0"/>
-              </a:rPr>
-              <a:t> (Client)</a:t>
-            </a:r>
-          </a:p>
-          <a:p>
-            <a:r>
-              <a:rPr lang="en-US" sz="800" dirty="0" err="1" smtClean="0">
-                <a:latin typeface="Arial" panose="020B0604020202020204" pitchFamily="34" charset="0"/>
-                <a:cs typeface="Arial" panose="020B0604020202020204" pitchFamily="34" charset="0"/>
-              </a:rPr>
-              <a:t>SoftwareID</a:t>
+              <a:t>indow {}</a:t>
             </a:r>
             <a:endParaRPr lang="en-US" sz="800" dirty="0" smtClean="0">
-              <a:latin typeface="Arial" panose="020B0604020202020204" pitchFamily="34" charset="0"/>
-              <a:cs typeface="Arial" panose="020B0604020202020204" pitchFamily="34" charset="0"/>
-            </a:endParaRPr>
-          </a:p>
-          <a:p>
-            <a:r>
-              <a:rPr lang="en-US" sz="800" dirty="0" err="1" smtClean="0">
-                <a:latin typeface="Arial" panose="020B0604020202020204" pitchFamily="34" charset="0"/>
-                <a:cs typeface="Arial" panose="020B0604020202020204" pitchFamily="34" charset="0"/>
-              </a:rPr>
-              <a:t>SoftwareVersion</a:t>
-            </a:r>
-            <a:endParaRPr lang="en-US" sz="800" dirty="0">
-              <a:latin typeface="Arial" panose="020B0604020202020204" pitchFamily="34" charset="0"/>
-              <a:cs typeface="Arial" panose="020B0604020202020204" pitchFamily="34" charset="0"/>
-            </a:endParaRPr>
-          </a:p>
-          <a:p>
-            <a:pPr>
-              <a:spcBef>
-                <a:spcPts val="300"/>
-              </a:spcBef>
-            </a:pPr>
-            <a:r>
-              <a:rPr lang="en-US" sz="800" b="1" dirty="0" smtClean="0">
-                <a:latin typeface="Arial" panose="020B0604020202020204" pitchFamily="34" charset="0"/>
-                <a:cs typeface="Arial" panose="020B0604020202020204" pitchFamily="34" charset="0"/>
-              </a:rPr>
-              <a:t>Signature</a:t>
-            </a:r>
-            <a:r>
-              <a:rPr lang="en-US" sz="800" dirty="0" smtClean="0">
-                <a:latin typeface="Arial" panose="020B0604020202020204" pitchFamily="34" charset="0"/>
-                <a:cs typeface="Arial" panose="020B0604020202020204" pitchFamily="34" charset="0"/>
-              </a:rPr>
-              <a:t> (</a:t>
-            </a:r>
-            <a:r>
-              <a:rPr lang="en-US" sz="800" dirty="0" err="1" smtClean="0">
-                <a:latin typeface="Arial" panose="020B0604020202020204" pitchFamily="34" charset="0"/>
-                <a:cs typeface="Arial" panose="020B0604020202020204" pitchFamily="34" charset="0"/>
-              </a:rPr>
-              <a:t>CardHolder</a:t>
-            </a:r>
-            <a:r>
-              <a:rPr lang="en-US" sz="800" dirty="0" smtClean="0">
-                <a:latin typeface="Arial" panose="020B0604020202020204" pitchFamily="34" charset="0"/>
-                <a:cs typeface="Arial" panose="020B0604020202020204" pitchFamily="34" charset="0"/>
-              </a:rPr>
-              <a:t>) ◄</a:t>
-            </a:r>
-            <a:endParaRPr lang="en-US" sz="800" dirty="0">
               <a:latin typeface="Arial" panose="020B0604020202020204" pitchFamily="34" charset="0"/>
               <a:cs typeface="Arial" panose="020B0604020202020204" pitchFamily="34" charset="0"/>
             </a:endParaRPr>
@@ -15438,391 +14830,13 @@
       </p:sp>
       <p:sp>
         <p:nvSpPr>
-          <p:cNvPr id="8" name="TextBox 7"/>
-          <p:cNvSpPr txBox="1"/>
-          <p:nvPr/>
-        </p:nvSpPr>
-        <p:spPr>
-          <a:xfrm>
-            <a:off x="6295429" y="3453347"/>
-            <a:ext cx="1005403" cy="159844"/>
-          </a:xfrm>
-          <a:prstGeom prst="rect">
-            <a:avLst/>
-          </a:prstGeom>
-          <a:noFill/>
-        </p:spPr>
-        <p:txBody>
-          <a:bodyPr wrap="none" rtlCol="0">
-            <a:spAutoFit/>
-          </a:bodyPr>
-          <a:lstStyle/>
-          <a:p>
-            <a:r>
-              <a:rPr lang="en-US" sz="800" dirty="0" err="1" smtClean="0">
-                <a:latin typeface="Arial" panose="020B0604020202020204" pitchFamily="34" charset="0"/>
-                <a:cs typeface="Arial" panose="020B0604020202020204" pitchFamily="34" charset="0"/>
-              </a:rPr>
-              <a:t>PaymentRequest</a:t>
-            </a:r>
-            <a:r>
-              <a:rPr lang="en-US" sz="800" dirty="0" smtClean="0">
-                <a:latin typeface="Arial" panose="020B0604020202020204" pitchFamily="34" charset="0"/>
-                <a:cs typeface="Arial" panose="020B0604020202020204" pitchFamily="34" charset="0"/>
-              </a:rPr>
-              <a:t>:</a:t>
-            </a:r>
-            <a:endParaRPr lang="en-US" sz="800" dirty="0">
-              <a:latin typeface="Arial" panose="020B0604020202020204" pitchFamily="34" charset="0"/>
-              <a:cs typeface="Arial" panose="020B0604020202020204" pitchFamily="34" charset="0"/>
-            </a:endParaRPr>
-          </a:p>
-        </p:txBody>
-      </p:sp>
-      <p:grpSp>
-        <p:nvGrpSpPr>
-          <p:cNvPr id="121" name="Group 120"/>
-          <p:cNvGrpSpPr/>
-          <p:nvPr/>
-        </p:nvGrpSpPr>
-        <p:grpSpPr>
-          <a:xfrm>
-            <a:off x="6420393" y="3701238"/>
-            <a:ext cx="1286438" cy="1183656"/>
-            <a:chOff x="713027" y="4336594"/>
-            <a:chExt cx="1286438" cy="1183656"/>
-          </a:xfrm>
-        </p:grpSpPr>
-        <p:sp>
-          <p:nvSpPr>
-            <p:cNvPr id="122" name="Rectangle 121"/>
-            <p:cNvSpPr/>
-            <p:nvPr/>
-          </p:nvSpPr>
-          <p:spPr>
-            <a:xfrm>
-              <a:off x="713027" y="4336594"/>
-              <a:ext cx="1286438" cy="1183656"/>
-            </a:xfrm>
-            <a:prstGeom prst="rect">
-              <a:avLst/>
-            </a:prstGeom>
-            <a:solidFill>
-              <a:srgbClr val="FEFEDE"/>
-            </a:solidFill>
-            <a:ln w="15875">
-              <a:solidFill>
-                <a:srgbClr val="FF0000"/>
-              </a:solidFill>
-            </a:ln>
-          </p:spPr>
-          <p:style>
-            <a:lnRef idx="2">
-              <a:schemeClr val="accent1">
-                <a:shade val="50000"/>
-              </a:schemeClr>
-            </a:lnRef>
-            <a:fillRef idx="1">
-              <a:schemeClr val="accent1"/>
-            </a:fillRef>
-            <a:effectRef idx="0">
-              <a:schemeClr val="accent1"/>
-            </a:effectRef>
-            <a:fontRef idx="minor">
-              <a:schemeClr val="lt1"/>
-            </a:fontRef>
-          </p:style>
-          <p:txBody>
-            <a:bodyPr rtlCol="0" anchor="ctr"/>
-            <a:lstStyle/>
-            <a:p>
-              <a:endParaRPr lang="en-US" dirty="0"/>
-            </a:p>
-          </p:txBody>
-        </p:sp>
-        <p:sp>
-          <p:nvSpPr>
-            <p:cNvPr id="123" name="TextBox 122"/>
-            <p:cNvSpPr txBox="1"/>
-            <p:nvPr/>
-          </p:nvSpPr>
-          <p:spPr>
-            <a:xfrm>
-              <a:off x="713027" y="4368122"/>
-              <a:ext cx="1152880" cy="1115690"/>
-            </a:xfrm>
-            <a:prstGeom prst="rect">
-              <a:avLst/>
-            </a:prstGeom>
-            <a:noFill/>
-          </p:spPr>
-          <p:txBody>
-            <a:bodyPr wrap="none" rtlCol="0">
-              <a:spAutoFit/>
-            </a:bodyPr>
-            <a:lstStyle/>
-            <a:p>
-              <a:r>
-                <a:rPr lang="en-US" sz="800" dirty="0">
-                  <a:latin typeface="Arial" panose="020B0604020202020204" pitchFamily="34" charset="0"/>
-                  <a:cs typeface="Arial" panose="020B0604020202020204" pitchFamily="34" charset="0"/>
-                </a:rPr>
-                <a:t>P</a:t>
-              </a:r>
-              <a:r>
-                <a:rPr lang="en-US" sz="800" dirty="0" smtClean="0">
-                  <a:latin typeface="Arial" panose="020B0604020202020204" pitchFamily="34" charset="0"/>
-                  <a:cs typeface="Arial" panose="020B0604020202020204" pitchFamily="34" charset="0"/>
-                </a:rPr>
-                <a:t>ayee</a:t>
-              </a:r>
-              <a:br>
-                <a:rPr lang="en-US" sz="800" dirty="0" smtClean="0">
-                  <a:latin typeface="Arial" panose="020B0604020202020204" pitchFamily="34" charset="0"/>
-                  <a:cs typeface="Arial" panose="020B0604020202020204" pitchFamily="34" charset="0"/>
-                </a:rPr>
-              </a:br>
-              <a:r>
-                <a:rPr lang="en-US" sz="800" dirty="0">
-                  <a:latin typeface="Arial" panose="020B0604020202020204" pitchFamily="34" charset="0"/>
-                  <a:cs typeface="Arial" panose="020B0604020202020204" pitchFamily="34" charset="0"/>
-                </a:rPr>
-                <a:t>A</a:t>
-              </a:r>
-              <a:r>
-                <a:rPr lang="en-US" sz="800" dirty="0" smtClean="0">
-                  <a:latin typeface="Arial" panose="020B0604020202020204" pitchFamily="34" charset="0"/>
-                  <a:cs typeface="Arial" panose="020B0604020202020204" pitchFamily="34" charset="0"/>
-                </a:rPr>
-                <a:t>mount</a:t>
-              </a:r>
-              <a:br>
-                <a:rPr lang="en-US" sz="800" dirty="0" smtClean="0">
-                  <a:latin typeface="Arial" panose="020B0604020202020204" pitchFamily="34" charset="0"/>
-                  <a:cs typeface="Arial" panose="020B0604020202020204" pitchFamily="34" charset="0"/>
-                </a:rPr>
-              </a:br>
-              <a:r>
-                <a:rPr lang="en-US" sz="800" dirty="0">
-                  <a:latin typeface="Arial" panose="020B0604020202020204" pitchFamily="34" charset="0"/>
-                  <a:cs typeface="Arial" panose="020B0604020202020204" pitchFamily="34" charset="0"/>
-                </a:rPr>
-                <a:t>C</a:t>
-              </a:r>
-              <a:r>
-                <a:rPr lang="en-US" sz="800" dirty="0" smtClean="0">
-                  <a:latin typeface="Arial" panose="020B0604020202020204" pitchFamily="34" charset="0"/>
-                  <a:cs typeface="Arial" panose="020B0604020202020204" pitchFamily="34" charset="0"/>
-                </a:rPr>
-                <a:t>urrency</a:t>
-              </a:r>
-              <a:br>
-                <a:rPr lang="en-US" sz="800" dirty="0" smtClean="0">
-                  <a:latin typeface="Arial" panose="020B0604020202020204" pitchFamily="34" charset="0"/>
-                  <a:cs typeface="Arial" panose="020B0604020202020204" pitchFamily="34" charset="0"/>
-                </a:rPr>
-              </a:br>
-              <a:r>
-                <a:rPr lang="en-US" sz="800" dirty="0" err="1" smtClean="0">
-                  <a:latin typeface="Arial" panose="020B0604020202020204" pitchFamily="34" charset="0"/>
-                  <a:cs typeface="Arial" panose="020B0604020202020204" pitchFamily="34" charset="0"/>
-                </a:rPr>
-                <a:t>ReferenceID</a:t>
-              </a:r>
-              <a:r>
-                <a:rPr lang="en-US" sz="800" dirty="0" smtClean="0">
-                  <a:latin typeface="Arial" panose="020B0604020202020204" pitchFamily="34" charset="0"/>
-                  <a:cs typeface="Arial" panose="020B0604020202020204" pitchFamily="34" charset="0"/>
-                </a:rPr>
-                <a:t> (Payee)</a:t>
-              </a:r>
-            </a:p>
-            <a:p>
-              <a:r>
-                <a:rPr lang="en-US" sz="800" dirty="0" err="1" smtClean="0">
-                  <a:latin typeface="Arial" panose="020B0604020202020204" pitchFamily="34" charset="0"/>
-                  <a:cs typeface="Arial" panose="020B0604020202020204" pitchFamily="34" charset="0"/>
-                </a:rPr>
-                <a:t>DateTime</a:t>
-              </a:r>
-              <a:r>
-                <a:rPr lang="en-US" sz="800" dirty="0" smtClean="0">
-                  <a:latin typeface="Arial" panose="020B0604020202020204" pitchFamily="34" charset="0"/>
-                  <a:cs typeface="Arial" panose="020B0604020202020204" pitchFamily="34" charset="0"/>
-                </a:rPr>
-                <a:t> (Payee)</a:t>
-              </a:r>
-            </a:p>
-            <a:p>
-              <a:r>
-                <a:rPr lang="en-US" sz="800" dirty="0" err="1" smtClean="0">
-                  <a:latin typeface="Arial" panose="020B0604020202020204" pitchFamily="34" charset="0"/>
-                  <a:cs typeface="Arial" panose="020B0604020202020204" pitchFamily="34" charset="0"/>
-                </a:rPr>
-                <a:t>SoftwareID</a:t>
-              </a:r>
-              <a:endParaRPr lang="en-US" sz="800" dirty="0" smtClean="0">
-                <a:latin typeface="Arial" panose="020B0604020202020204" pitchFamily="34" charset="0"/>
-                <a:cs typeface="Arial" panose="020B0604020202020204" pitchFamily="34" charset="0"/>
-              </a:endParaRPr>
-            </a:p>
-            <a:p>
-              <a:r>
-                <a:rPr lang="en-US" sz="800" dirty="0" err="1" smtClean="0">
-                  <a:latin typeface="Arial" panose="020B0604020202020204" pitchFamily="34" charset="0"/>
-                  <a:cs typeface="Arial" panose="020B0604020202020204" pitchFamily="34" charset="0"/>
-                </a:rPr>
-                <a:t>SoftwareVersion</a:t>
-              </a:r>
-              <a:endParaRPr lang="en-US" sz="800" dirty="0">
-                <a:latin typeface="Arial" panose="020B0604020202020204" pitchFamily="34" charset="0"/>
-                <a:cs typeface="Arial" panose="020B0604020202020204" pitchFamily="34" charset="0"/>
-              </a:endParaRPr>
-            </a:p>
-            <a:p>
-              <a:pPr>
-                <a:spcBef>
-                  <a:spcPts val="300"/>
-                </a:spcBef>
-              </a:pPr>
-              <a:r>
-                <a:rPr lang="en-US" sz="800" b="1" dirty="0" smtClean="0">
-                  <a:latin typeface="Arial" panose="020B0604020202020204" pitchFamily="34" charset="0"/>
-                  <a:cs typeface="Arial" panose="020B0604020202020204" pitchFamily="34" charset="0"/>
-                </a:rPr>
-                <a:t>Signature</a:t>
-              </a:r>
-              <a:r>
-                <a:rPr lang="en-US" sz="800" dirty="0" smtClean="0">
-                  <a:latin typeface="Arial" panose="020B0604020202020204" pitchFamily="34" charset="0"/>
-                  <a:cs typeface="Arial" panose="020B0604020202020204" pitchFamily="34" charset="0"/>
-                </a:rPr>
-                <a:t> (Payee)</a:t>
-              </a:r>
-              <a:endParaRPr lang="en-US" sz="800" dirty="0">
-                <a:latin typeface="Arial" panose="020B0604020202020204" pitchFamily="34" charset="0"/>
-                <a:cs typeface="Arial" panose="020B0604020202020204" pitchFamily="34" charset="0"/>
-              </a:endParaRPr>
-            </a:p>
-          </p:txBody>
-        </p:sp>
-      </p:grpSp>
-      <p:grpSp>
-        <p:nvGrpSpPr>
-          <p:cNvPr id="94" name="Group 93"/>
-          <p:cNvGrpSpPr/>
-          <p:nvPr/>
-        </p:nvGrpSpPr>
-        <p:grpSpPr>
-          <a:xfrm>
-            <a:off x="4347741" y="2910044"/>
-            <a:ext cx="1257720" cy="251093"/>
-            <a:chOff x="4347741" y="2910044"/>
-            <a:chExt cx="1257720" cy="251093"/>
-          </a:xfrm>
-        </p:grpSpPr>
-        <p:sp>
-          <p:nvSpPr>
-            <p:cNvPr id="128" name="Rectangle 127"/>
-            <p:cNvSpPr/>
-            <p:nvPr/>
-          </p:nvSpPr>
-          <p:spPr>
-            <a:xfrm>
-              <a:off x="4347741" y="2910044"/>
-              <a:ext cx="1257720" cy="251093"/>
-            </a:xfrm>
-            <a:prstGeom prst="rect">
-              <a:avLst/>
-            </a:prstGeom>
-            <a:solidFill>
-              <a:schemeClr val="bg1"/>
-            </a:solidFill>
-            <a:ln w="15875">
-              <a:solidFill>
-                <a:schemeClr val="bg1">
-                  <a:lumMod val="50000"/>
-                </a:schemeClr>
-              </a:solidFill>
-            </a:ln>
-            <a:effectLst>
-              <a:outerShdw blurRad="50800" dist="38100" dir="2700000" algn="tl" rotWithShape="0">
-                <a:prstClr val="black">
-                  <a:alpha val="40000"/>
-                </a:prstClr>
-              </a:outerShdw>
-            </a:effectLst>
-          </p:spPr>
-          <p:style>
-            <a:lnRef idx="2">
-              <a:schemeClr val="accent1">
-                <a:shade val="50000"/>
-              </a:schemeClr>
-            </a:lnRef>
-            <a:fillRef idx="1">
-              <a:schemeClr val="accent1"/>
-            </a:fillRef>
-            <a:effectRef idx="0">
-              <a:schemeClr val="accent1"/>
-            </a:effectRef>
-            <a:fontRef idx="minor">
-              <a:schemeClr val="lt1"/>
-            </a:fontRef>
-          </p:style>
-          <p:txBody>
-            <a:bodyPr rtlCol="0" anchor="ctr"/>
-            <a:lstStyle/>
-            <a:p>
-              <a:pPr algn="ctr"/>
-              <a:endParaRPr lang="en-US"/>
-            </a:p>
-          </p:txBody>
-        </p:sp>
-        <p:sp>
-          <p:nvSpPr>
-            <p:cNvPr id="129" name="TextBox 128"/>
-            <p:cNvSpPr txBox="1"/>
-            <p:nvPr/>
-          </p:nvSpPr>
-          <p:spPr>
-            <a:xfrm>
-              <a:off x="4432747" y="2934035"/>
-              <a:ext cx="1109278" cy="195814"/>
-            </a:xfrm>
-            <a:prstGeom prst="rect">
-              <a:avLst/>
-            </a:prstGeom>
-            <a:noFill/>
-            <a:ln w="19050">
-              <a:noFill/>
-            </a:ln>
-          </p:spPr>
-          <p:txBody>
-            <a:bodyPr wrap="none" lIns="0" tIns="36000" rIns="0" bIns="36000" rtlCol="0" anchor="ctr" anchorCtr="1">
-              <a:spAutoFit/>
-            </a:bodyPr>
-            <a:lstStyle/>
-            <a:p>
-              <a:r>
-                <a:rPr lang="en-US" sz="800" dirty="0" smtClean="0">
-                  <a:latin typeface="Arial" panose="020B0604020202020204" pitchFamily="34" charset="0"/>
-                  <a:cs typeface="Arial" panose="020B0604020202020204" pitchFamily="34" charset="0"/>
-                </a:rPr>
-                <a:t>Window: (Width, Height)</a:t>
-              </a:r>
-            </a:p>
-          </p:txBody>
-        </p:sp>
-      </p:grpSp>
-      <p:sp>
-        <p:nvSpPr>
           <p:cNvPr id="109" name="TextBox 108"/>
           <p:cNvSpPr txBox="1"/>
           <p:nvPr/>
         </p:nvSpPr>
         <p:spPr>
           <a:xfrm>
-            <a:off x="352836" y="5339373"/>
+            <a:off x="352836" y="5297562"/>
             <a:ext cx="974041" cy="246221"/>
           </a:xfrm>
           <a:prstGeom prst="rect">
@@ -15841,14 +14855,7 @@
                 <a:latin typeface="Arial" panose="020B0604020202020204" pitchFamily="34" charset="0"/>
                 <a:cs typeface="Arial" panose="020B0604020202020204" pitchFamily="34" charset="0"/>
               </a:rPr>
-              <a:t>“User Accept</a:t>
-            </a:r>
-            <a:r>
-              <a:rPr lang="en-US" sz="1000" dirty="0" smtClean="0">
-                <a:latin typeface="Arial" panose="020B0604020202020204" pitchFamily="34" charset="0"/>
-                <a:cs typeface="Arial" panose="020B0604020202020204" pitchFamily="34" charset="0"/>
-              </a:rPr>
-              <a:t>”</a:t>
+              <a:t>“User Accept”</a:t>
             </a:r>
             <a:endParaRPr lang="en-US" sz="1000" dirty="0">
               <a:latin typeface="Arial" panose="020B0604020202020204" pitchFamily="34" charset="0"/>
@@ -15865,14 +14872,16 @@
         </p:nvSpPr>
         <p:spPr>
           <a:xfrm>
-            <a:off x="3692193" y="7807515"/>
+            <a:off x="1830933" y="7807515"/>
             <a:ext cx="442996" cy="153888"/>
           </a:xfrm>
           <a:prstGeom prst="rect">
             <a:avLst/>
           </a:prstGeom>
           <a:solidFill>
-            <a:srgbClr val="FDE6D3"/>
+            <a:schemeClr val="accent3">
+              <a:lumMod val="50000"/>
+            </a:schemeClr>
           </a:solidFill>
           <a:ln w="3175">
             <a:solidFill>
@@ -15906,10 +14915,7 @@
             <a:r>
               <a:rPr lang="en-US" sz="1000" dirty="0" smtClean="0">
                 <a:solidFill>
-                  <a:schemeClr val="tx1">
-                    <a:lumMod val="65000"/>
-                    <a:lumOff val="35000"/>
-                  </a:schemeClr>
+                  <a:schemeClr val="bg1"/>
                 </a:solidFill>
                 <a:latin typeface="Arial" panose="020B0604020202020204" pitchFamily="34" charset="0"/>
                 <a:cs typeface="Arial" panose="020B0604020202020204" pitchFamily="34" charset="0"/>
@@ -15918,10 +14924,7 @@
             </a:r>
             <a:endParaRPr lang="en-US" sz="1000" dirty="0">
               <a:solidFill>
-                <a:schemeClr val="tx1">
-                  <a:lumMod val="65000"/>
-                  <a:lumOff val="35000"/>
-                </a:schemeClr>
+                <a:schemeClr val="bg1"/>
               </a:solidFill>
               <a:latin typeface="Arial" panose="020B0604020202020204" pitchFamily="34" charset="0"/>
               <a:cs typeface="Arial" panose="020B0604020202020204" pitchFamily="34" charset="0"/>
@@ -15929,234 +14932,6 @@
           </a:p>
         </p:txBody>
       </p:sp>
-      <p:grpSp>
-        <p:nvGrpSpPr>
-          <p:cNvPr id="117" name="Group 116"/>
-          <p:cNvGrpSpPr/>
-          <p:nvPr/>
-        </p:nvGrpSpPr>
-        <p:grpSpPr>
-          <a:xfrm>
-            <a:off x="6702433" y="9298482"/>
-            <a:ext cx="1286438" cy="1183656"/>
-            <a:chOff x="713027" y="4336594"/>
-            <a:chExt cx="1286438" cy="1183656"/>
-          </a:xfrm>
-        </p:grpSpPr>
-        <p:sp>
-          <p:nvSpPr>
-            <p:cNvPr id="118" name="Rectangle 117"/>
-            <p:cNvSpPr/>
-            <p:nvPr/>
-          </p:nvSpPr>
-          <p:spPr>
-            <a:xfrm>
-              <a:off x="713027" y="4336594"/>
-              <a:ext cx="1286438" cy="1183656"/>
-            </a:xfrm>
-            <a:prstGeom prst="rect">
-              <a:avLst/>
-            </a:prstGeom>
-            <a:solidFill>
-              <a:srgbClr val="FEFEDE"/>
-            </a:solidFill>
-            <a:ln w="15875">
-              <a:solidFill>
-                <a:srgbClr val="FF0000"/>
-              </a:solidFill>
-            </a:ln>
-          </p:spPr>
-          <p:style>
-            <a:lnRef idx="2">
-              <a:schemeClr val="accent1">
-                <a:shade val="50000"/>
-              </a:schemeClr>
-            </a:lnRef>
-            <a:fillRef idx="1">
-              <a:schemeClr val="accent1"/>
-            </a:fillRef>
-            <a:effectRef idx="0">
-              <a:schemeClr val="accent1"/>
-            </a:effectRef>
-            <a:fontRef idx="minor">
-              <a:schemeClr val="lt1"/>
-            </a:fontRef>
-          </p:style>
-          <p:txBody>
-            <a:bodyPr rtlCol="0" anchor="ctr"/>
-            <a:lstStyle/>
-            <a:p>
-              <a:endParaRPr lang="en-US" dirty="0"/>
-            </a:p>
-          </p:txBody>
-        </p:sp>
-        <p:sp>
-          <p:nvSpPr>
-            <p:cNvPr id="120" name="TextBox 119"/>
-            <p:cNvSpPr txBox="1"/>
-            <p:nvPr/>
-          </p:nvSpPr>
-          <p:spPr>
-            <a:xfrm>
-              <a:off x="713027" y="4368122"/>
-              <a:ext cx="1152880" cy="1115690"/>
-            </a:xfrm>
-            <a:prstGeom prst="rect">
-              <a:avLst/>
-            </a:prstGeom>
-            <a:noFill/>
-          </p:spPr>
-          <p:txBody>
-            <a:bodyPr wrap="none" rtlCol="0">
-              <a:spAutoFit/>
-            </a:bodyPr>
-            <a:lstStyle/>
-            <a:p>
-              <a:r>
-                <a:rPr lang="en-US" sz="800" dirty="0">
-                  <a:latin typeface="Arial" panose="020B0604020202020204" pitchFamily="34" charset="0"/>
-                  <a:cs typeface="Arial" panose="020B0604020202020204" pitchFamily="34" charset="0"/>
-                </a:rPr>
-                <a:t>P</a:t>
-              </a:r>
-              <a:r>
-                <a:rPr lang="en-US" sz="800" dirty="0" smtClean="0">
-                  <a:latin typeface="Arial" panose="020B0604020202020204" pitchFamily="34" charset="0"/>
-                  <a:cs typeface="Arial" panose="020B0604020202020204" pitchFamily="34" charset="0"/>
-                </a:rPr>
-                <a:t>ayee</a:t>
-              </a:r>
-              <a:br>
-                <a:rPr lang="en-US" sz="800" dirty="0" smtClean="0">
-                  <a:latin typeface="Arial" panose="020B0604020202020204" pitchFamily="34" charset="0"/>
-                  <a:cs typeface="Arial" panose="020B0604020202020204" pitchFamily="34" charset="0"/>
-                </a:rPr>
-              </a:br>
-              <a:r>
-                <a:rPr lang="en-US" sz="800" dirty="0">
-                  <a:latin typeface="Arial" panose="020B0604020202020204" pitchFamily="34" charset="0"/>
-                  <a:cs typeface="Arial" panose="020B0604020202020204" pitchFamily="34" charset="0"/>
-                </a:rPr>
-                <a:t>A</a:t>
-              </a:r>
-              <a:r>
-                <a:rPr lang="en-US" sz="800" dirty="0" smtClean="0">
-                  <a:latin typeface="Arial" panose="020B0604020202020204" pitchFamily="34" charset="0"/>
-                  <a:cs typeface="Arial" panose="020B0604020202020204" pitchFamily="34" charset="0"/>
-                </a:rPr>
-                <a:t>mount</a:t>
-              </a:r>
-              <a:br>
-                <a:rPr lang="en-US" sz="800" dirty="0" smtClean="0">
-                  <a:latin typeface="Arial" panose="020B0604020202020204" pitchFamily="34" charset="0"/>
-                  <a:cs typeface="Arial" panose="020B0604020202020204" pitchFamily="34" charset="0"/>
-                </a:rPr>
-              </a:br>
-              <a:r>
-                <a:rPr lang="en-US" sz="800" dirty="0">
-                  <a:latin typeface="Arial" panose="020B0604020202020204" pitchFamily="34" charset="0"/>
-                  <a:cs typeface="Arial" panose="020B0604020202020204" pitchFamily="34" charset="0"/>
-                </a:rPr>
-                <a:t>C</a:t>
-              </a:r>
-              <a:r>
-                <a:rPr lang="en-US" sz="800" dirty="0" smtClean="0">
-                  <a:latin typeface="Arial" panose="020B0604020202020204" pitchFamily="34" charset="0"/>
-                  <a:cs typeface="Arial" panose="020B0604020202020204" pitchFamily="34" charset="0"/>
-                </a:rPr>
-                <a:t>urrency</a:t>
-              </a:r>
-              <a:br>
-                <a:rPr lang="en-US" sz="800" dirty="0" smtClean="0">
-                  <a:latin typeface="Arial" panose="020B0604020202020204" pitchFamily="34" charset="0"/>
-                  <a:cs typeface="Arial" panose="020B0604020202020204" pitchFamily="34" charset="0"/>
-                </a:rPr>
-              </a:br>
-              <a:r>
-                <a:rPr lang="en-US" sz="800" dirty="0" err="1" smtClean="0">
-                  <a:latin typeface="Arial" panose="020B0604020202020204" pitchFamily="34" charset="0"/>
-                  <a:cs typeface="Arial" panose="020B0604020202020204" pitchFamily="34" charset="0"/>
-                </a:rPr>
-                <a:t>ReferenceID</a:t>
-              </a:r>
-              <a:r>
-                <a:rPr lang="en-US" sz="800" dirty="0" smtClean="0">
-                  <a:latin typeface="Arial" panose="020B0604020202020204" pitchFamily="34" charset="0"/>
-                  <a:cs typeface="Arial" panose="020B0604020202020204" pitchFamily="34" charset="0"/>
-                </a:rPr>
-                <a:t> (Payee)</a:t>
-              </a:r>
-            </a:p>
-            <a:p>
-              <a:r>
-                <a:rPr lang="en-US" sz="800" dirty="0" err="1" smtClean="0">
-                  <a:latin typeface="Arial" panose="020B0604020202020204" pitchFamily="34" charset="0"/>
-                  <a:cs typeface="Arial" panose="020B0604020202020204" pitchFamily="34" charset="0"/>
-                </a:rPr>
-                <a:t>DateTime</a:t>
-              </a:r>
-              <a:r>
-                <a:rPr lang="en-US" sz="800" dirty="0" smtClean="0">
-                  <a:latin typeface="Arial" panose="020B0604020202020204" pitchFamily="34" charset="0"/>
-                  <a:cs typeface="Arial" panose="020B0604020202020204" pitchFamily="34" charset="0"/>
-                </a:rPr>
-                <a:t> (Payee)</a:t>
-              </a:r>
-            </a:p>
-            <a:p>
-              <a:r>
-                <a:rPr lang="en-US" sz="800" dirty="0" err="1" smtClean="0">
-                  <a:latin typeface="Arial" panose="020B0604020202020204" pitchFamily="34" charset="0"/>
-                  <a:cs typeface="Arial" panose="020B0604020202020204" pitchFamily="34" charset="0"/>
-                </a:rPr>
-                <a:t>SoftwareID</a:t>
-              </a:r>
-              <a:endParaRPr lang="en-US" sz="800" dirty="0" smtClean="0">
-                <a:latin typeface="Arial" panose="020B0604020202020204" pitchFamily="34" charset="0"/>
-                <a:cs typeface="Arial" panose="020B0604020202020204" pitchFamily="34" charset="0"/>
-              </a:endParaRPr>
-            </a:p>
-            <a:p>
-              <a:r>
-                <a:rPr lang="en-US" sz="800" dirty="0" err="1" smtClean="0">
-                  <a:latin typeface="Arial" panose="020B0604020202020204" pitchFamily="34" charset="0"/>
-                  <a:cs typeface="Arial" panose="020B0604020202020204" pitchFamily="34" charset="0"/>
-                </a:rPr>
-                <a:t>SoftwareVersion</a:t>
-              </a:r>
-              <a:endParaRPr lang="en-US" sz="800" dirty="0">
-                <a:latin typeface="Arial" panose="020B0604020202020204" pitchFamily="34" charset="0"/>
-                <a:cs typeface="Arial" panose="020B0604020202020204" pitchFamily="34" charset="0"/>
-              </a:endParaRPr>
-            </a:p>
-            <a:p>
-              <a:pPr>
-                <a:spcBef>
-                  <a:spcPts val="300"/>
-                </a:spcBef>
-              </a:pPr>
-              <a:r>
-                <a:rPr lang="en-US" sz="800" b="1" dirty="0" smtClean="0">
-                  <a:latin typeface="Arial" panose="020B0604020202020204" pitchFamily="34" charset="0"/>
-                  <a:cs typeface="Arial" panose="020B0604020202020204" pitchFamily="34" charset="0"/>
-                </a:rPr>
-                <a:t>Signature</a:t>
-              </a:r>
-              <a:r>
-                <a:rPr lang="en-US" sz="800" dirty="0" smtClean="0">
-                  <a:latin typeface="Arial" panose="020B0604020202020204" pitchFamily="34" charset="0"/>
-                  <a:cs typeface="Arial" panose="020B0604020202020204" pitchFamily="34" charset="0"/>
-                </a:rPr>
-                <a:t> (Payee)</a:t>
-              </a:r>
-              <a:endParaRPr lang="en-US" sz="800" dirty="0">
-                <a:latin typeface="Arial" panose="020B0604020202020204" pitchFamily="34" charset="0"/>
-                <a:cs typeface="Arial" panose="020B0604020202020204" pitchFamily="34" charset="0"/>
-              </a:endParaRPr>
-            </a:p>
-          </p:txBody>
-        </p:sp>
-      </p:grpSp>
       <p:cxnSp>
         <p:nvCxnSpPr>
           <p:cNvPr id="124" name="Straight Connector 123"/>
@@ -16165,7 +14940,7 @@
         </p:nvCxnSpPr>
         <p:spPr>
           <a:xfrm flipV="1">
-            <a:off x="2812843" y="11419721"/>
+            <a:off x="2812843" y="11418530"/>
             <a:ext cx="2139504" cy="903"/>
           </a:xfrm>
           <a:prstGeom prst="line">
@@ -16246,8 +15021,8 @@
         </p:nvSpPr>
         <p:spPr>
           <a:xfrm>
-            <a:off x="2983061" y="11191651"/>
-            <a:ext cx="1885131" cy="226591"/>
+            <a:off x="2983061" y="11233336"/>
+            <a:ext cx="1756891" cy="153888"/>
           </a:xfrm>
           <a:prstGeom prst="rect">
             <a:avLst/>
@@ -16255,7 +15030,7 @@
           <a:noFill/>
         </p:spPr>
         <p:txBody>
-          <a:bodyPr wrap="none" lIns="0" tIns="36000" rIns="0" bIns="36000" rtlCol="0">
+          <a:bodyPr wrap="none" lIns="0" tIns="0" rIns="0" bIns="0" rtlCol="0" anchor="ctr" anchorCtr="1">
             <a:spAutoFit/>
           </a:bodyPr>
           <a:lstStyle/>
@@ -16265,16 +15040,1532 @@
                 <a:latin typeface="Arial" panose="020B0604020202020204" pitchFamily="34" charset="0"/>
                 <a:cs typeface="Arial" panose="020B0604020202020204" pitchFamily="34" charset="0"/>
               </a:rPr>
-              <a:t>Terminates </a:t>
+              <a:t>Terminates the Payment </a:t>
             </a:r>
             <a:r>
               <a:rPr lang="en-US" sz="1000" dirty="0" smtClean="0">
                 <a:latin typeface="Arial" panose="020B0604020202020204" pitchFamily="34" charset="0"/>
                 <a:cs typeface="Arial" panose="020B0604020202020204" pitchFamily="34" charset="0"/>
               </a:rPr>
-              <a:t>the Payment Agent…</a:t>
+              <a:t>Agent</a:t>
             </a:r>
             <a:endParaRPr lang="en-US" sz="1000" dirty="0">
+              <a:latin typeface="Arial" panose="020B0604020202020204" pitchFamily="34" charset="0"/>
+              <a:cs typeface="Arial" panose="020B0604020202020204" pitchFamily="34" charset="0"/>
+            </a:endParaRPr>
+          </a:p>
+        </p:txBody>
+      </p:sp>
+      <p:grpSp>
+        <p:nvGrpSpPr>
+          <p:cNvPr id="15" name="Group 14"/>
+          <p:cNvGrpSpPr/>
+          <p:nvPr/>
+        </p:nvGrpSpPr>
+        <p:grpSpPr>
+          <a:xfrm>
+            <a:off x="6578083" y="9082607"/>
+            <a:ext cx="1948620" cy="2335635"/>
+            <a:chOff x="6578083" y="9041978"/>
+            <a:chExt cx="1948620" cy="2335635"/>
+          </a:xfrm>
+        </p:grpSpPr>
+        <p:sp>
+          <p:nvSpPr>
+            <p:cNvPr id="26" name="Rectangle 25"/>
+            <p:cNvSpPr/>
+            <p:nvPr/>
+          </p:nvSpPr>
+          <p:spPr>
+            <a:xfrm>
+              <a:off x="6580336" y="9041978"/>
+              <a:ext cx="1946367" cy="2335635"/>
+            </a:xfrm>
+            <a:prstGeom prst="rect">
+              <a:avLst/>
+            </a:prstGeom>
+            <a:solidFill>
+              <a:schemeClr val="accent3">
+                <a:lumMod val="20000"/>
+                <a:lumOff val="80000"/>
+              </a:schemeClr>
+            </a:solidFill>
+            <a:ln w="15875">
+              <a:solidFill>
+                <a:srgbClr val="FF0000"/>
+              </a:solidFill>
+            </a:ln>
+            <a:effectLst>
+              <a:outerShdw blurRad="50800" dist="38100" dir="2700000" algn="tl" rotWithShape="0">
+                <a:prstClr val="black">
+                  <a:alpha val="40000"/>
+                </a:prstClr>
+              </a:outerShdw>
+            </a:effectLst>
+          </p:spPr>
+          <p:style>
+            <a:lnRef idx="2">
+              <a:schemeClr val="accent1">
+                <a:shade val="50000"/>
+              </a:schemeClr>
+            </a:lnRef>
+            <a:fillRef idx="1">
+              <a:schemeClr val="accent1"/>
+            </a:fillRef>
+            <a:effectRef idx="0">
+              <a:schemeClr val="accent1"/>
+            </a:effectRef>
+            <a:fontRef idx="minor">
+              <a:schemeClr val="lt1"/>
+            </a:fontRef>
+          </p:style>
+          <p:txBody>
+            <a:bodyPr rtlCol="0" anchor="ctr"/>
+            <a:lstStyle/>
+            <a:p>
+              <a:endParaRPr lang="en-US" dirty="0"/>
+            </a:p>
+          </p:txBody>
+        </p:sp>
+        <p:sp>
+          <p:nvSpPr>
+            <p:cNvPr id="27" name="TextBox 26"/>
+            <p:cNvSpPr txBox="1"/>
+            <p:nvPr/>
+          </p:nvSpPr>
+          <p:spPr>
+            <a:xfrm>
+              <a:off x="6578083" y="10353655"/>
+              <a:ext cx="1864613" cy="992579"/>
+            </a:xfrm>
+            <a:prstGeom prst="rect">
+              <a:avLst/>
+            </a:prstGeom>
+            <a:noFill/>
+          </p:spPr>
+          <p:txBody>
+            <a:bodyPr wrap="none" rtlCol="0">
+              <a:spAutoFit/>
+            </a:bodyPr>
+            <a:lstStyle/>
+            <a:p>
+              <a:r>
+                <a:rPr lang="en-US" sz="800" dirty="0" err="1">
+                  <a:latin typeface="Arial" panose="020B0604020202020204" pitchFamily="34" charset="0"/>
+                  <a:cs typeface="Arial" panose="020B0604020202020204" pitchFamily="34" charset="0"/>
+                </a:rPr>
+                <a:t>c</a:t>
+              </a:r>
+              <a:r>
+                <a:rPr lang="en-US" sz="800" dirty="0" err="1" smtClean="0">
+                  <a:latin typeface="Arial" panose="020B0604020202020204" pitchFamily="34" charset="0"/>
+                  <a:cs typeface="Arial" panose="020B0604020202020204" pitchFamily="34" charset="0"/>
+                </a:rPr>
+                <a:t>ardType</a:t>
+              </a:r>
+              <a:r>
+                <a:rPr lang="en-US" sz="800" dirty="0" smtClean="0">
+                  <a:latin typeface="Arial" panose="020B0604020202020204" pitchFamily="34" charset="0"/>
+                  <a:cs typeface="Arial" panose="020B0604020202020204" pitchFamily="34" charset="0"/>
+                </a:rPr>
+                <a:t> </a:t>
+              </a:r>
+              <a:r>
+                <a:rPr lang="en-US" sz="800" dirty="0" smtClean="0">
+                  <a:latin typeface="Arial" panose="020B0604020202020204" pitchFamily="34" charset="0"/>
+                  <a:cs typeface="Arial" panose="020B0604020202020204" pitchFamily="34" charset="0"/>
+                </a:rPr>
+                <a:t>(Selected)</a:t>
+              </a:r>
+              <a:br>
+                <a:rPr lang="en-US" sz="800" dirty="0" smtClean="0">
+                  <a:latin typeface="Arial" panose="020B0604020202020204" pitchFamily="34" charset="0"/>
+                  <a:cs typeface="Arial" panose="020B0604020202020204" pitchFamily="34" charset="0"/>
+                </a:rPr>
+              </a:br>
+              <a:r>
+                <a:rPr lang="en-US" sz="800" dirty="0" err="1">
+                  <a:latin typeface="Arial" panose="020B0604020202020204" pitchFamily="34" charset="0"/>
+                  <a:cs typeface="Arial" panose="020B0604020202020204" pitchFamily="34" charset="0"/>
+                </a:rPr>
+                <a:t>c</a:t>
+              </a:r>
+              <a:r>
+                <a:rPr lang="en-US" sz="800" dirty="0" err="1" smtClean="0">
+                  <a:latin typeface="Arial" panose="020B0604020202020204" pitchFamily="34" charset="0"/>
+                  <a:cs typeface="Arial" panose="020B0604020202020204" pitchFamily="34" charset="0"/>
+                </a:rPr>
+                <a:t>ardReference</a:t>
+              </a:r>
+              <a:r>
+                <a:rPr lang="en-US" sz="800" dirty="0" smtClean="0">
+                  <a:latin typeface="Arial" panose="020B0604020202020204" pitchFamily="34" charset="0"/>
+                  <a:cs typeface="Arial" panose="020B0604020202020204" pitchFamily="34" charset="0"/>
+                </a:rPr>
+                <a:t> </a:t>
+              </a:r>
+              <a:r>
+                <a:rPr lang="en-US" sz="800" dirty="0" smtClean="0">
+                  <a:latin typeface="Arial" panose="020B0604020202020204" pitchFamily="34" charset="0"/>
+                  <a:cs typeface="Arial" panose="020B0604020202020204" pitchFamily="34" charset="0"/>
+                </a:rPr>
+                <a:t>(Last 4 digits of PAN)</a:t>
+              </a:r>
+            </a:p>
+            <a:p>
+              <a:r>
+                <a:rPr lang="en-US" sz="800" dirty="0" err="1">
+                  <a:latin typeface="Arial" panose="020B0604020202020204" pitchFamily="34" charset="0"/>
+                  <a:cs typeface="Arial" panose="020B0604020202020204" pitchFamily="34" charset="0"/>
+                </a:rPr>
+                <a:t>p</a:t>
+              </a:r>
+              <a:r>
+                <a:rPr lang="en-US" sz="800" dirty="0" err="1" smtClean="0">
+                  <a:latin typeface="Arial" panose="020B0604020202020204" pitchFamily="34" charset="0"/>
+                  <a:cs typeface="Arial" panose="020B0604020202020204" pitchFamily="34" charset="0"/>
+                </a:rPr>
+                <a:t>aymentToken</a:t>
+              </a:r>
+              <a:r>
+                <a:rPr lang="en-US" sz="800" dirty="0" smtClean="0">
+                  <a:latin typeface="Arial" panose="020B0604020202020204" pitchFamily="34" charset="0"/>
+                  <a:cs typeface="Arial" panose="020B0604020202020204" pitchFamily="34" charset="0"/>
+                </a:rPr>
+                <a:t> </a:t>
+              </a:r>
+              <a:r>
+                <a:rPr lang="en-US" sz="800" dirty="0">
+                  <a:latin typeface="Arial" panose="020B0604020202020204" pitchFamily="34" charset="0"/>
+                  <a:cs typeface="Arial" panose="020B0604020202020204" pitchFamily="34" charset="0"/>
+                </a:rPr>
+                <a:t>(</a:t>
+              </a:r>
+              <a:r>
+                <a:rPr lang="en-US" sz="800" i="1" dirty="0">
+                  <a:latin typeface="Arial" panose="020B0604020202020204" pitchFamily="34" charset="0"/>
+                  <a:cs typeface="Arial" panose="020B0604020202020204" pitchFamily="34" charset="0"/>
+                </a:rPr>
+                <a:t>Tokenized</a:t>
+              </a:r>
+              <a:r>
+                <a:rPr lang="en-US" sz="800" dirty="0">
+                  <a:latin typeface="Arial" panose="020B0604020202020204" pitchFamily="34" charset="0"/>
+                  <a:cs typeface="Arial" panose="020B0604020202020204" pitchFamily="34" charset="0"/>
+                </a:rPr>
+                <a:t> PAN)</a:t>
+              </a:r>
+            </a:p>
+            <a:p>
+              <a:r>
+                <a:rPr lang="en-US" sz="800" dirty="0" err="1" smtClean="0">
+                  <a:latin typeface="Arial" panose="020B0604020202020204" pitchFamily="34" charset="0"/>
+                  <a:cs typeface="Arial" panose="020B0604020202020204" pitchFamily="34" charset="0"/>
+                </a:rPr>
+                <a:t>r</a:t>
+              </a:r>
+              <a:r>
+                <a:rPr lang="en-US" sz="800" dirty="0" err="1" smtClean="0">
+                  <a:latin typeface="Arial" panose="020B0604020202020204" pitchFamily="34" charset="0"/>
+                  <a:cs typeface="Arial" panose="020B0604020202020204" pitchFamily="34" charset="0"/>
+                </a:rPr>
+                <a:t>eferenceId</a:t>
+              </a:r>
+              <a:r>
+                <a:rPr lang="en-US" sz="800" dirty="0" smtClean="0">
+                  <a:latin typeface="Arial" panose="020B0604020202020204" pitchFamily="34" charset="0"/>
+                  <a:cs typeface="Arial" panose="020B0604020202020204" pitchFamily="34" charset="0"/>
+                </a:rPr>
+                <a:t> </a:t>
+              </a:r>
+              <a:r>
+                <a:rPr lang="en-US" sz="800" dirty="0">
+                  <a:latin typeface="Arial" panose="020B0604020202020204" pitchFamily="34" charset="0"/>
+                  <a:cs typeface="Arial" panose="020B0604020202020204" pitchFamily="34" charset="0"/>
+                </a:rPr>
+                <a:t>(Payment Provider</a:t>
+              </a:r>
+              <a:r>
+                <a:rPr lang="en-US" sz="800" dirty="0" smtClean="0">
+                  <a:latin typeface="Arial" panose="020B0604020202020204" pitchFamily="34" charset="0"/>
+                  <a:cs typeface="Arial" panose="020B0604020202020204" pitchFamily="34" charset="0"/>
+                </a:rPr>
+                <a:t>)</a:t>
+              </a:r>
+            </a:p>
+            <a:p>
+              <a:r>
+                <a:rPr lang="en-US" sz="800" dirty="0" smtClean="0">
+                  <a:latin typeface="Arial" panose="020B0604020202020204" pitchFamily="34" charset="0"/>
+                  <a:cs typeface="Arial" panose="020B0604020202020204" pitchFamily="34" charset="0"/>
+                </a:rPr>
+                <a:t>S</a:t>
+              </a:r>
+              <a:r>
+                <a:rPr lang="en-US" sz="800" dirty="0" smtClean="0">
+                  <a:latin typeface="Arial" panose="020B0604020202020204" pitchFamily="34" charset="0"/>
+                  <a:cs typeface="Arial" panose="020B0604020202020204" pitchFamily="34" charset="0"/>
+                </a:rPr>
+                <a:t>oftware {}</a:t>
+              </a:r>
+              <a:endParaRPr lang="en-US" sz="800" dirty="0">
+                <a:latin typeface="Arial" panose="020B0604020202020204" pitchFamily="34" charset="0"/>
+                <a:cs typeface="Arial" panose="020B0604020202020204" pitchFamily="34" charset="0"/>
+              </a:endParaRPr>
+            </a:p>
+            <a:p>
+              <a:r>
+                <a:rPr lang="en-US" sz="800" dirty="0" err="1">
+                  <a:latin typeface="Arial" panose="020B0604020202020204" pitchFamily="34" charset="0"/>
+                  <a:cs typeface="Arial" panose="020B0604020202020204" pitchFamily="34" charset="0"/>
+                </a:rPr>
+                <a:t>d</a:t>
+              </a:r>
+              <a:r>
+                <a:rPr lang="en-US" sz="800" dirty="0" err="1" smtClean="0">
+                  <a:latin typeface="Arial" panose="020B0604020202020204" pitchFamily="34" charset="0"/>
+                  <a:cs typeface="Arial" panose="020B0604020202020204" pitchFamily="34" charset="0"/>
+                </a:rPr>
+                <a:t>ateTime</a:t>
+              </a:r>
+              <a:r>
+                <a:rPr lang="en-US" sz="800" dirty="0" smtClean="0">
+                  <a:latin typeface="Arial" panose="020B0604020202020204" pitchFamily="34" charset="0"/>
+                  <a:cs typeface="Arial" panose="020B0604020202020204" pitchFamily="34" charset="0"/>
+                </a:rPr>
+                <a:t> </a:t>
+              </a:r>
+              <a:r>
+                <a:rPr lang="en-US" sz="800" dirty="0" smtClean="0">
+                  <a:latin typeface="Arial" panose="020B0604020202020204" pitchFamily="34" charset="0"/>
+                  <a:cs typeface="Arial" panose="020B0604020202020204" pitchFamily="34" charset="0"/>
+                </a:rPr>
+                <a:t>(Payment Provider)</a:t>
+              </a:r>
+              <a:endParaRPr lang="en-US" sz="800" dirty="0">
+                <a:latin typeface="Arial" panose="020B0604020202020204" pitchFamily="34" charset="0"/>
+                <a:cs typeface="Arial" panose="020B0604020202020204" pitchFamily="34" charset="0"/>
+              </a:endParaRPr>
+            </a:p>
+            <a:p>
+              <a:pPr>
+                <a:spcBef>
+                  <a:spcPts val="300"/>
+                </a:spcBef>
+              </a:pPr>
+              <a:r>
+                <a:rPr lang="en-US" sz="800" b="1" dirty="0" smtClean="0">
+                  <a:latin typeface="Arial" panose="020B0604020202020204" pitchFamily="34" charset="0"/>
+                  <a:cs typeface="Arial" panose="020B0604020202020204" pitchFamily="34" charset="0"/>
+                </a:rPr>
+                <a:t>signature</a:t>
+              </a:r>
+              <a:r>
+                <a:rPr lang="en-US" sz="800" dirty="0" smtClean="0">
+                  <a:latin typeface="Arial" panose="020B0604020202020204" pitchFamily="34" charset="0"/>
+                  <a:cs typeface="Arial" panose="020B0604020202020204" pitchFamily="34" charset="0"/>
+                </a:rPr>
+                <a:t> {} (</a:t>
+              </a:r>
+              <a:r>
+                <a:rPr lang="en-US" sz="800" dirty="0" smtClean="0">
+                  <a:latin typeface="Arial" panose="020B0604020202020204" pitchFamily="34" charset="0"/>
+                  <a:cs typeface="Arial" panose="020B0604020202020204" pitchFamily="34" charset="0"/>
+                </a:rPr>
+                <a:t>Payment Provider)</a:t>
+              </a:r>
+              <a:endParaRPr lang="en-US" sz="800" dirty="0">
+                <a:latin typeface="Arial" panose="020B0604020202020204" pitchFamily="34" charset="0"/>
+                <a:cs typeface="Arial" panose="020B0604020202020204" pitchFamily="34" charset="0"/>
+              </a:endParaRPr>
+            </a:p>
+          </p:txBody>
+        </p:sp>
+        <p:sp>
+          <p:nvSpPr>
+            <p:cNvPr id="29" name="TextBox 28"/>
+            <p:cNvSpPr txBox="1"/>
+            <p:nvPr/>
+          </p:nvSpPr>
+          <p:spPr>
+            <a:xfrm>
+              <a:off x="6580337" y="9060934"/>
+              <a:ext cx="994183" cy="215444"/>
+            </a:xfrm>
+            <a:prstGeom prst="rect">
+              <a:avLst/>
+            </a:prstGeom>
+            <a:noFill/>
+          </p:spPr>
+          <p:txBody>
+            <a:bodyPr wrap="none" rtlCol="0">
+              <a:spAutoFit/>
+            </a:bodyPr>
+            <a:lstStyle/>
+            <a:p>
+              <a:r>
+                <a:rPr lang="en-US" sz="800" dirty="0" err="1">
+                  <a:latin typeface="Arial" panose="020B0604020202020204" pitchFamily="34" charset="0"/>
+                  <a:cs typeface="Arial" panose="020B0604020202020204" pitchFamily="34" charset="0"/>
+                </a:rPr>
+                <a:t>p</a:t>
+              </a:r>
+              <a:r>
+                <a:rPr lang="en-US" sz="800" dirty="0" err="1" smtClean="0">
+                  <a:latin typeface="Arial" panose="020B0604020202020204" pitchFamily="34" charset="0"/>
+                  <a:cs typeface="Arial" panose="020B0604020202020204" pitchFamily="34" charset="0"/>
+                </a:rPr>
+                <a:t>aymentRequest</a:t>
+              </a:r>
+              <a:r>
+                <a:rPr lang="en-US" sz="800" dirty="0" smtClean="0">
+                  <a:latin typeface="Arial" panose="020B0604020202020204" pitchFamily="34" charset="0"/>
+                  <a:cs typeface="Arial" panose="020B0604020202020204" pitchFamily="34" charset="0"/>
+                </a:rPr>
+                <a:t>:</a:t>
+              </a:r>
+              <a:endParaRPr lang="en-US" sz="800" dirty="0">
+                <a:latin typeface="Arial" panose="020B0604020202020204" pitchFamily="34" charset="0"/>
+                <a:cs typeface="Arial" panose="020B0604020202020204" pitchFamily="34" charset="0"/>
+              </a:endParaRPr>
+            </a:p>
+          </p:txBody>
+        </p:sp>
+        <p:grpSp>
+          <p:nvGrpSpPr>
+            <p:cNvPr id="119" name="Group 118"/>
+            <p:cNvGrpSpPr/>
+            <p:nvPr/>
+          </p:nvGrpSpPr>
+          <p:grpSpPr>
+            <a:xfrm>
+              <a:off x="6727477" y="9276378"/>
+              <a:ext cx="1286438" cy="1030500"/>
+              <a:chOff x="719701" y="3795068"/>
+              <a:chExt cx="1286438" cy="1030500"/>
+            </a:xfrm>
+          </p:grpSpPr>
+          <p:sp>
+            <p:nvSpPr>
+              <p:cNvPr id="132" name="Rectangle 131"/>
+              <p:cNvSpPr/>
+              <p:nvPr/>
+            </p:nvSpPr>
+            <p:spPr>
+              <a:xfrm>
+                <a:off x="719701" y="3795068"/>
+                <a:ext cx="1286438" cy="1030500"/>
+              </a:xfrm>
+              <a:prstGeom prst="rect">
+                <a:avLst/>
+              </a:prstGeom>
+              <a:solidFill>
+                <a:srgbClr val="FEFEDE"/>
+              </a:solidFill>
+              <a:ln w="15875">
+                <a:solidFill>
+                  <a:srgbClr val="FF0000"/>
+                </a:solidFill>
+              </a:ln>
+            </p:spPr>
+            <p:style>
+              <a:lnRef idx="2">
+                <a:schemeClr val="accent1">
+                  <a:shade val="50000"/>
+                </a:schemeClr>
+              </a:lnRef>
+              <a:fillRef idx="1">
+                <a:schemeClr val="accent1"/>
+              </a:fillRef>
+              <a:effectRef idx="0">
+                <a:schemeClr val="accent1"/>
+              </a:effectRef>
+              <a:fontRef idx="minor">
+                <a:schemeClr val="lt1"/>
+              </a:fontRef>
+            </p:style>
+            <p:txBody>
+              <a:bodyPr rtlCol="0" anchor="ctr"/>
+              <a:lstStyle/>
+              <a:p>
+                <a:endParaRPr lang="en-US" dirty="0"/>
+              </a:p>
+            </p:txBody>
+          </p:sp>
+          <p:sp>
+            <p:nvSpPr>
+              <p:cNvPr id="133" name="TextBox 132"/>
+              <p:cNvSpPr txBox="1"/>
+              <p:nvPr/>
+            </p:nvSpPr>
+            <p:spPr>
+              <a:xfrm>
+                <a:off x="719701" y="3805574"/>
+                <a:ext cx="1096775" cy="918288"/>
+              </a:xfrm>
+              <a:prstGeom prst="rect">
+                <a:avLst/>
+              </a:prstGeom>
+              <a:noFill/>
+            </p:spPr>
+            <p:txBody>
+              <a:bodyPr wrap="none" rtlCol="0">
+                <a:spAutoFit/>
+              </a:bodyPr>
+              <a:lstStyle/>
+              <a:p>
+                <a:r>
+                  <a:rPr lang="en-US" sz="800" dirty="0">
+                    <a:latin typeface="Arial" panose="020B0604020202020204" pitchFamily="34" charset="0"/>
+                    <a:cs typeface="Arial" panose="020B0604020202020204" pitchFamily="34" charset="0"/>
+                  </a:rPr>
+                  <a:t>p</a:t>
+                </a:r>
+                <a:r>
+                  <a:rPr lang="en-US" sz="800" dirty="0" smtClean="0">
+                    <a:latin typeface="Arial" panose="020B0604020202020204" pitchFamily="34" charset="0"/>
+                    <a:cs typeface="Arial" panose="020B0604020202020204" pitchFamily="34" charset="0"/>
+                  </a:rPr>
+                  <a:t>ayee</a:t>
+                </a:r>
+                <a:r>
+                  <a:rPr lang="en-US" sz="800" dirty="0" smtClean="0">
+                    <a:latin typeface="Arial" panose="020B0604020202020204" pitchFamily="34" charset="0"/>
+                    <a:cs typeface="Arial" panose="020B0604020202020204" pitchFamily="34" charset="0"/>
+                  </a:rPr>
+                  <a:t/>
+                </a:r>
+                <a:br>
+                  <a:rPr lang="en-US" sz="800" dirty="0" smtClean="0">
+                    <a:latin typeface="Arial" panose="020B0604020202020204" pitchFamily="34" charset="0"/>
+                    <a:cs typeface="Arial" panose="020B0604020202020204" pitchFamily="34" charset="0"/>
+                  </a:rPr>
+                </a:br>
+                <a:r>
+                  <a:rPr lang="en-US" sz="800" dirty="0">
+                    <a:latin typeface="Arial" panose="020B0604020202020204" pitchFamily="34" charset="0"/>
+                    <a:cs typeface="Arial" panose="020B0604020202020204" pitchFamily="34" charset="0"/>
+                  </a:rPr>
+                  <a:t>a</a:t>
+                </a:r>
+                <a:r>
+                  <a:rPr lang="en-US" sz="800" dirty="0" smtClean="0">
+                    <a:latin typeface="Arial" panose="020B0604020202020204" pitchFamily="34" charset="0"/>
+                    <a:cs typeface="Arial" panose="020B0604020202020204" pitchFamily="34" charset="0"/>
+                  </a:rPr>
+                  <a:t>mount</a:t>
+                </a:r>
+                <a:r>
+                  <a:rPr lang="en-US" sz="800" dirty="0" smtClean="0">
+                    <a:latin typeface="Arial" panose="020B0604020202020204" pitchFamily="34" charset="0"/>
+                    <a:cs typeface="Arial" panose="020B0604020202020204" pitchFamily="34" charset="0"/>
+                  </a:rPr>
+                  <a:t/>
+                </a:r>
+                <a:br>
+                  <a:rPr lang="en-US" sz="800" dirty="0" smtClean="0">
+                    <a:latin typeface="Arial" panose="020B0604020202020204" pitchFamily="34" charset="0"/>
+                    <a:cs typeface="Arial" panose="020B0604020202020204" pitchFamily="34" charset="0"/>
+                  </a:rPr>
+                </a:br>
+                <a:r>
+                  <a:rPr lang="en-US" sz="800" dirty="0">
+                    <a:latin typeface="Arial" panose="020B0604020202020204" pitchFamily="34" charset="0"/>
+                    <a:cs typeface="Arial" panose="020B0604020202020204" pitchFamily="34" charset="0"/>
+                  </a:rPr>
+                  <a:t>c</a:t>
+                </a:r>
+                <a:r>
+                  <a:rPr lang="en-US" sz="800" dirty="0" smtClean="0">
+                    <a:latin typeface="Arial" panose="020B0604020202020204" pitchFamily="34" charset="0"/>
+                    <a:cs typeface="Arial" panose="020B0604020202020204" pitchFamily="34" charset="0"/>
+                  </a:rPr>
+                  <a:t>urrency</a:t>
+                </a:r>
+                <a:r>
+                  <a:rPr lang="en-US" sz="800" dirty="0" smtClean="0">
+                    <a:latin typeface="Arial" panose="020B0604020202020204" pitchFamily="34" charset="0"/>
+                    <a:cs typeface="Arial" panose="020B0604020202020204" pitchFamily="34" charset="0"/>
+                  </a:rPr>
+                  <a:t/>
+                </a:r>
+                <a:br>
+                  <a:rPr lang="en-US" sz="800" dirty="0" smtClean="0">
+                    <a:latin typeface="Arial" panose="020B0604020202020204" pitchFamily="34" charset="0"/>
+                    <a:cs typeface="Arial" panose="020B0604020202020204" pitchFamily="34" charset="0"/>
+                  </a:rPr>
+                </a:br>
+                <a:r>
+                  <a:rPr lang="en-US" sz="800" dirty="0" err="1" smtClean="0">
+                    <a:latin typeface="Arial" panose="020B0604020202020204" pitchFamily="34" charset="0"/>
+                    <a:cs typeface="Arial" panose="020B0604020202020204" pitchFamily="34" charset="0"/>
+                  </a:rPr>
+                  <a:t>r</a:t>
+                </a:r>
+                <a:r>
+                  <a:rPr lang="en-US" sz="800" dirty="0" err="1" smtClean="0">
+                    <a:latin typeface="Arial" panose="020B0604020202020204" pitchFamily="34" charset="0"/>
+                    <a:cs typeface="Arial" panose="020B0604020202020204" pitchFamily="34" charset="0"/>
+                  </a:rPr>
+                  <a:t>eferenceId</a:t>
+                </a:r>
+                <a:r>
+                  <a:rPr lang="en-US" sz="800" dirty="0" smtClean="0">
+                    <a:latin typeface="Arial" panose="020B0604020202020204" pitchFamily="34" charset="0"/>
+                    <a:cs typeface="Arial" panose="020B0604020202020204" pitchFamily="34" charset="0"/>
+                  </a:rPr>
+                  <a:t> </a:t>
+                </a:r>
+                <a:r>
+                  <a:rPr lang="en-US" sz="800" dirty="0" smtClean="0">
+                    <a:latin typeface="Arial" panose="020B0604020202020204" pitchFamily="34" charset="0"/>
+                    <a:cs typeface="Arial" panose="020B0604020202020204" pitchFamily="34" charset="0"/>
+                  </a:rPr>
+                  <a:t>(Payee)</a:t>
+                </a:r>
+              </a:p>
+              <a:p>
+                <a:r>
+                  <a:rPr lang="en-US" sz="800" dirty="0" err="1">
+                    <a:latin typeface="Arial" panose="020B0604020202020204" pitchFamily="34" charset="0"/>
+                    <a:cs typeface="Arial" panose="020B0604020202020204" pitchFamily="34" charset="0"/>
+                  </a:rPr>
+                  <a:t>d</a:t>
+                </a:r>
+                <a:r>
+                  <a:rPr lang="en-US" sz="800" dirty="0" err="1" smtClean="0">
+                    <a:latin typeface="Arial" panose="020B0604020202020204" pitchFamily="34" charset="0"/>
+                    <a:cs typeface="Arial" panose="020B0604020202020204" pitchFamily="34" charset="0"/>
+                  </a:rPr>
+                  <a:t>ateTime</a:t>
+                </a:r>
+                <a:r>
+                  <a:rPr lang="en-US" sz="800" dirty="0" smtClean="0">
+                    <a:latin typeface="Arial" panose="020B0604020202020204" pitchFamily="34" charset="0"/>
+                    <a:cs typeface="Arial" panose="020B0604020202020204" pitchFamily="34" charset="0"/>
+                  </a:rPr>
+                  <a:t> </a:t>
+                </a:r>
+                <a:r>
+                  <a:rPr lang="en-US" sz="800" dirty="0" smtClean="0">
+                    <a:latin typeface="Arial" panose="020B0604020202020204" pitchFamily="34" charset="0"/>
+                    <a:cs typeface="Arial" panose="020B0604020202020204" pitchFamily="34" charset="0"/>
+                  </a:rPr>
+                  <a:t>(Payee)</a:t>
+                </a:r>
+              </a:p>
+              <a:p>
+                <a:r>
+                  <a:rPr lang="en-US" sz="800" dirty="0" smtClean="0">
+                    <a:latin typeface="Arial" panose="020B0604020202020204" pitchFamily="34" charset="0"/>
+                    <a:cs typeface="Arial" panose="020B0604020202020204" pitchFamily="34" charset="0"/>
+                  </a:rPr>
+                  <a:t>S</a:t>
+                </a:r>
+                <a:r>
+                  <a:rPr lang="en-US" sz="800" dirty="0" smtClean="0">
+                    <a:latin typeface="Arial" panose="020B0604020202020204" pitchFamily="34" charset="0"/>
+                    <a:cs typeface="Arial" panose="020B0604020202020204" pitchFamily="34" charset="0"/>
+                  </a:rPr>
+                  <a:t>oftware {}</a:t>
+                </a:r>
+                <a:endParaRPr lang="en-US" sz="800" dirty="0" smtClean="0">
+                  <a:latin typeface="Arial" panose="020B0604020202020204" pitchFamily="34" charset="0"/>
+                  <a:cs typeface="Arial" panose="020B0604020202020204" pitchFamily="34" charset="0"/>
+                </a:endParaRPr>
+              </a:p>
+              <a:p>
+                <a:pPr>
+                  <a:spcBef>
+                    <a:spcPts val="300"/>
+                  </a:spcBef>
+                </a:pPr>
+                <a:r>
+                  <a:rPr lang="en-US" sz="800" b="1" dirty="0" smtClean="0">
+                    <a:latin typeface="Arial" panose="020B0604020202020204" pitchFamily="34" charset="0"/>
+                    <a:cs typeface="Arial" panose="020B0604020202020204" pitchFamily="34" charset="0"/>
+                  </a:rPr>
+                  <a:t>signature</a:t>
+                </a:r>
+                <a:r>
+                  <a:rPr lang="en-US" sz="800" dirty="0" smtClean="0">
+                    <a:latin typeface="Arial" panose="020B0604020202020204" pitchFamily="34" charset="0"/>
+                    <a:cs typeface="Arial" panose="020B0604020202020204" pitchFamily="34" charset="0"/>
+                  </a:rPr>
+                  <a:t> </a:t>
+                </a:r>
+                <a:r>
+                  <a:rPr lang="en-US" sz="800" dirty="0" smtClean="0">
+                    <a:latin typeface="Arial" panose="020B0604020202020204" pitchFamily="34" charset="0"/>
+                    <a:cs typeface="Arial" panose="020B0604020202020204" pitchFamily="34" charset="0"/>
+                  </a:rPr>
+                  <a:t>(Payee)</a:t>
+                </a:r>
+                <a:endParaRPr lang="en-US" sz="800" dirty="0">
+                  <a:latin typeface="Arial" panose="020B0604020202020204" pitchFamily="34" charset="0"/>
+                  <a:cs typeface="Arial" panose="020B0604020202020204" pitchFamily="34" charset="0"/>
+                </a:endParaRPr>
+              </a:p>
+            </p:txBody>
+          </p:sp>
+        </p:grpSp>
+      </p:grpSp>
+      <p:grpSp>
+        <p:nvGrpSpPr>
+          <p:cNvPr id="11" name="Group 10"/>
+          <p:cNvGrpSpPr/>
+          <p:nvPr/>
+        </p:nvGrpSpPr>
+        <p:grpSpPr>
+          <a:xfrm>
+            <a:off x="6295428" y="3713386"/>
+            <a:ext cx="1530000" cy="2188356"/>
+            <a:chOff x="6295428" y="3433775"/>
+            <a:chExt cx="1530000" cy="2188356"/>
+          </a:xfrm>
+        </p:grpSpPr>
+        <p:sp>
+          <p:nvSpPr>
+            <p:cNvPr id="5" name="Rectangle 4"/>
+            <p:cNvSpPr/>
+            <p:nvPr/>
+          </p:nvSpPr>
+          <p:spPr>
+            <a:xfrm>
+              <a:off x="6295428" y="3433775"/>
+              <a:ext cx="1530000" cy="2188356"/>
+            </a:xfrm>
+            <a:prstGeom prst="rect">
+              <a:avLst/>
+            </a:prstGeom>
+            <a:solidFill>
+              <a:schemeClr val="accent5">
+                <a:lumMod val="20000"/>
+                <a:lumOff val="80000"/>
+              </a:schemeClr>
+            </a:solidFill>
+            <a:ln w="15875">
+              <a:solidFill>
+                <a:srgbClr val="FF0000"/>
+              </a:solidFill>
+            </a:ln>
+            <a:effectLst>
+              <a:outerShdw blurRad="50800" dist="38100" dir="2700000" algn="tl" rotWithShape="0">
+                <a:prstClr val="black">
+                  <a:alpha val="40000"/>
+                </a:prstClr>
+              </a:outerShdw>
+            </a:effectLst>
+          </p:spPr>
+          <p:style>
+            <a:lnRef idx="2">
+              <a:schemeClr val="accent1">
+                <a:shade val="50000"/>
+              </a:schemeClr>
+            </a:lnRef>
+            <a:fillRef idx="1">
+              <a:schemeClr val="accent1"/>
+            </a:fillRef>
+            <a:effectRef idx="0">
+              <a:schemeClr val="accent1"/>
+            </a:effectRef>
+            <a:fontRef idx="minor">
+              <a:schemeClr val="lt1"/>
+            </a:fontRef>
+          </p:style>
+          <p:txBody>
+            <a:bodyPr rtlCol="0" anchor="ctr"/>
+            <a:lstStyle/>
+            <a:p>
+              <a:endParaRPr lang="en-US" dirty="0"/>
+            </a:p>
+          </p:txBody>
+        </p:sp>
+        <p:sp>
+          <p:nvSpPr>
+            <p:cNvPr id="6" name="TextBox 5"/>
+            <p:cNvSpPr txBox="1"/>
+            <p:nvPr/>
+          </p:nvSpPr>
+          <p:spPr>
+            <a:xfrm>
+              <a:off x="6295429" y="4721498"/>
+              <a:ext cx="1495922" cy="869469"/>
+            </a:xfrm>
+            <a:prstGeom prst="rect">
+              <a:avLst/>
+            </a:prstGeom>
+            <a:noFill/>
+          </p:spPr>
+          <p:txBody>
+            <a:bodyPr wrap="none" rtlCol="0">
+              <a:spAutoFit/>
+            </a:bodyPr>
+            <a:lstStyle/>
+            <a:p>
+              <a:r>
+                <a:rPr lang="en-US" sz="800" dirty="0" err="1">
+                  <a:latin typeface="Arial" panose="020B0604020202020204" pitchFamily="34" charset="0"/>
+                  <a:cs typeface="Arial" panose="020B0604020202020204" pitchFamily="34" charset="0"/>
+                </a:rPr>
+                <a:t>d</a:t>
+              </a:r>
+              <a:r>
+                <a:rPr lang="en-US" sz="800" dirty="0" err="1" smtClean="0">
+                  <a:latin typeface="Arial" panose="020B0604020202020204" pitchFamily="34" charset="0"/>
+                  <a:cs typeface="Arial" panose="020B0604020202020204" pitchFamily="34" charset="0"/>
+                </a:rPr>
+                <a:t>omainName</a:t>
+              </a:r>
+              <a:r>
+                <a:rPr lang="en-US" sz="800" dirty="0" smtClean="0">
+                  <a:latin typeface="Arial" panose="020B0604020202020204" pitchFamily="34" charset="0"/>
+                  <a:cs typeface="Arial" panose="020B0604020202020204" pitchFamily="34" charset="0"/>
+                </a:rPr>
+                <a:t> </a:t>
+              </a:r>
+              <a:r>
+                <a:rPr lang="en-US" sz="800" dirty="0" smtClean="0">
+                  <a:latin typeface="Arial" panose="020B0604020202020204" pitchFamily="34" charset="0"/>
+                  <a:cs typeface="Arial" panose="020B0604020202020204" pitchFamily="34" charset="0"/>
+                </a:rPr>
+                <a:t>(Payee)</a:t>
+              </a:r>
+            </a:p>
+            <a:p>
+              <a:r>
+                <a:rPr lang="en-US" sz="800" dirty="0" err="1">
+                  <a:latin typeface="Arial" panose="020B0604020202020204" pitchFamily="34" charset="0"/>
+                  <a:cs typeface="Arial" panose="020B0604020202020204" pitchFamily="34" charset="0"/>
+                </a:rPr>
+                <a:t>c</a:t>
+              </a:r>
+              <a:r>
+                <a:rPr lang="en-US" sz="800" dirty="0" err="1" smtClean="0">
+                  <a:latin typeface="Arial" panose="020B0604020202020204" pitchFamily="34" charset="0"/>
+                  <a:cs typeface="Arial" panose="020B0604020202020204" pitchFamily="34" charset="0"/>
+                </a:rPr>
+                <a:t>ardType</a:t>
+              </a:r>
+              <a:r>
+                <a:rPr lang="en-US" sz="800" dirty="0" smtClean="0">
+                  <a:latin typeface="Arial" panose="020B0604020202020204" pitchFamily="34" charset="0"/>
+                  <a:cs typeface="Arial" panose="020B0604020202020204" pitchFamily="34" charset="0"/>
+                </a:rPr>
+                <a:t> </a:t>
+              </a:r>
+              <a:r>
+                <a:rPr lang="en-US" sz="800" dirty="0" smtClean="0">
+                  <a:latin typeface="Arial" panose="020B0604020202020204" pitchFamily="34" charset="0"/>
+                  <a:cs typeface="Arial" panose="020B0604020202020204" pitchFamily="34" charset="0"/>
+                </a:rPr>
+                <a:t>(Selected) ◄</a:t>
+              </a:r>
+              <a:br>
+                <a:rPr lang="en-US" sz="800" dirty="0" smtClean="0">
+                  <a:latin typeface="Arial" panose="020B0604020202020204" pitchFamily="34" charset="0"/>
+                  <a:cs typeface="Arial" panose="020B0604020202020204" pitchFamily="34" charset="0"/>
+                </a:rPr>
+              </a:br>
+              <a:r>
+                <a:rPr lang="en-US" sz="800" dirty="0" err="1">
+                  <a:latin typeface="Arial" panose="020B0604020202020204" pitchFamily="34" charset="0"/>
+                  <a:cs typeface="Arial" panose="020B0604020202020204" pitchFamily="34" charset="0"/>
+                </a:rPr>
+                <a:t>c</a:t>
+              </a:r>
+              <a:r>
+                <a:rPr lang="en-US" sz="800" dirty="0" err="1" smtClean="0">
+                  <a:latin typeface="Arial" panose="020B0604020202020204" pitchFamily="34" charset="0"/>
+                  <a:cs typeface="Arial" panose="020B0604020202020204" pitchFamily="34" charset="0"/>
+                </a:rPr>
+                <a:t>ardNumber</a:t>
+              </a:r>
+              <a:r>
+                <a:rPr lang="en-US" sz="800" dirty="0" smtClean="0">
+                  <a:latin typeface="Arial" panose="020B0604020202020204" pitchFamily="34" charset="0"/>
+                  <a:cs typeface="Arial" panose="020B0604020202020204" pitchFamily="34" charset="0"/>
+                </a:rPr>
+                <a:t> </a:t>
+              </a:r>
+              <a:r>
+                <a:rPr lang="en-US" sz="800" dirty="0" smtClean="0">
+                  <a:latin typeface="Arial" panose="020B0604020202020204" pitchFamily="34" charset="0"/>
+                  <a:cs typeface="Arial" panose="020B0604020202020204" pitchFamily="34" charset="0"/>
+                </a:rPr>
+                <a:t>◄</a:t>
+              </a:r>
+              <a:br>
+                <a:rPr lang="en-US" sz="800" dirty="0" smtClean="0">
+                  <a:latin typeface="Arial" panose="020B0604020202020204" pitchFamily="34" charset="0"/>
+                  <a:cs typeface="Arial" panose="020B0604020202020204" pitchFamily="34" charset="0"/>
+                </a:rPr>
+              </a:br>
+              <a:r>
+                <a:rPr lang="en-US" sz="800" dirty="0" err="1">
+                  <a:latin typeface="Arial" panose="020B0604020202020204" pitchFamily="34" charset="0"/>
+                  <a:cs typeface="Arial" panose="020B0604020202020204" pitchFamily="34" charset="0"/>
+                </a:rPr>
+                <a:t>d</a:t>
+              </a:r>
+              <a:r>
+                <a:rPr lang="en-US" sz="800" dirty="0" err="1" smtClean="0">
+                  <a:latin typeface="Arial" panose="020B0604020202020204" pitchFamily="34" charset="0"/>
+                  <a:cs typeface="Arial" panose="020B0604020202020204" pitchFamily="34" charset="0"/>
+                </a:rPr>
+                <a:t>ateTime</a:t>
+              </a:r>
+              <a:r>
+                <a:rPr lang="en-US" sz="800" dirty="0" smtClean="0">
+                  <a:latin typeface="Arial" panose="020B0604020202020204" pitchFamily="34" charset="0"/>
+                  <a:cs typeface="Arial" panose="020B0604020202020204" pitchFamily="34" charset="0"/>
+                </a:rPr>
+                <a:t> </a:t>
+              </a:r>
+              <a:r>
+                <a:rPr lang="en-US" sz="800" dirty="0" smtClean="0">
+                  <a:latin typeface="Arial" panose="020B0604020202020204" pitchFamily="34" charset="0"/>
+                  <a:cs typeface="Arial" panose="020B0604020202020204" pitchFamily="34" charset="0"/>
+                </a:rPr>
+                <a:t>(Client)</a:t>
+              </a:r>
+            </a:p>
+            <a:p>
+              <a:r>
+                <a:rPr lang="en-US" sz="800" dirty="0" smtClean="0">
+                  <a:latin typeface="Arial" panose="020B0604020202020204" pitchFamily="34" charset="0"/>
+                  <a:cs typeface="Arial" panose="020B0604020202020204" pitchFamily="34" charset="0"/>
+                </a:rPr>
+                <a:t>S</a:t>
+              </a:r>
+              <a:r>
+                <a:rPr lang="en-US" sz="800" dirty="0" smtClean="0">
+                  <a:latin typeface="Arial" panose="020B0604020202020204" pitchFamily="34" charset="0"/>
+                  <a:cs typeface="Arial" panose="020B0604020202020204" pitchFamily="34" charset="0"/>
+                </a:rPr>
+                <a:t>oftware {}</a:t>
+              </a:r>
+              <a:endParaRPr lang="en-US" sz="800" dirty="0">
+                <a:latin typeface="Arial" panose="020B0604020202020204" pitchFamily="34" charset="0"/>
+                <a:cs typeface="Arial" panose="020B0604020202020204" pitchFamily="34" charset="0"/>
+              </a:endParaRPr>
+            </a:p>
+            <a:p>
+              <a:pPr>
+                <a:spcBef>
+                  <a:spcPts val="300"/>
+                </a:spcBef>
+              </a:pPr>
+              <a:r>
+                <a:rPr lang="en-US" sz="800" b="1" dirty="0" smtClean="0">
+                  <a:latin typeface="Arial" panose="020B0604020202020204" pitchFamily="34" charset="0"/>
+                  <a:cs typeface="Arial" panose="020B0604020202020204" pitchFamily="34" charset="0"/>
+                </a:rPr>
+                <a:t>signature</a:t>
+              </a:r>
+              <a:r>
+                <a:rPr lang="en-US" sz="800" dirty="0" smtClean="0">
+                  <a:latin typeface="Arial" panose="020B0604020202020204" pitchFamily="34" charset="0"/>
+                  <a:cs typeface="Arial" panose="020B0604020202020204" pitchFamily="34" charset="0"/>
+                </a:rPr>
+                <a:t> {} (</a:t>
+              </a:r>
+              <a:r>
+                <a:rPr lang="en-US" sz="800" dirty="0" err="1" smtClean="0">
+                  <a:latin typeface="Arial" panose="020B0604020202020204" pitchFamily="34" charset="0"/>
+                  <a:cs typeface="Arial" panose="020B0604020202020204" pitchFamily="34" charset="0"/>
+                </a:rPr>
+                <a:t>CardHolder</a:t>
+              </a:r>
+              <a:r>
+                <a:rPr lang="en-US" sz="800" dirty="0" smtClean="0">
+                  <a:latin typeface="Arial" panose="020B0604020202020204" pitchFamily="34" charset="0"/>
+                  <a:cs typeface="Arial" panose="020B0604020202020204" pitchFamily="34" charset="0"/>
+                </a:rPr>
+                <a:t>) ◄</a:t>
+              </a:r>
+              <a:endParaRPr lang="en-US" sz="800" dirty="0">
+                <a:latin typeface="Arial" panose="020B0604020202020204" pitchFamily="34" charset="0"/>
+                <a:cs typeface="Arial" panose="020B0604020202020204" pitchFamily="34" charset="0"/>
+              </a:endParaRPr>
+            </a:p>
+          </p:txBody>
+        </p:sp>
+        <p:sp>
+          <p:nvSpPr>
+            <p:cNvPr id="8" name="TextBox 7"/>
+            <p:cNvSpPr txBox="1"/>
+            <p:nvPr/>
+          </p:nvSpPr>
+          <p:spPr>
+            <a:xfrm>
+              <a:off x="6295429" y="3453347"/>
+              <a:ext cx="994183" cy="215444"/>
+            </a:xfrm>
+            <a:prstGeom prst="rect">
+              <a:avLst/>
+            </a:prstGeom>
+            <a:noFill/>
+          </p:spPr>
+          <p:txBody>
+            <a:bodyPr wrap="none" rtlCol="0">
+              <a:spAutoFit/>
+            </a:bodyPr>
+            <a:lstStyle/>
+            <a:p>
+              <a:r>
+                <a:rPr lang="en-US" sz="800" dirty="0" err="1">
+                  <a:latin typeface="Arial" panose="020B0604020202020204" pitchFamily="34" charset="0"/>
+                  <a:cs typeface="Arial" panose="020B0604020202020204" pitchFamily="34" charset="0"/>
+                </a:rPr>
+                <a:t>p</a:t>
+              </a:r>
+              <a:r>
+                <a:rPr lang="en-US" sz="800" dirty="0" err="1" smtClean="0">
+                  <a:latin typeface="Arial" panose="020B0604020202020204" pitchFamily="34" charset="0"/>
+                  <a:cs typeface="Arial" panose="020B0604020202020204" pitchFamily="34" charset="0"/>
+                </a:rPr>
+                <a:t>aymentRequest</a:t>
+              </a:r>
+              <a:r>
+                <a:rPr lang="en-US" sz="800" dirty="0" smtClean="0">
+                  <a:latin typeface="Arial" panose="020B0604020202020204" pitchFamily="34" charset="0"/>
+                  <a:cs typeface="Arial" panose="020B0604020202020204" pitchFamily="34" charset="0"/>
+                </a:rPr>
+                <a:t>:</a:t>
+              </a:r>
+              <a:endParaRPr lang="en-US" sz="800" dirty="0">
+                <a:latin typeface="Arial" panose="020B0604020202020204" pitchFamily="34" charset="0"/>
+                <a:cs typeface="Arial" panose="020B0604020202020204" pitchFamily="34" charset="0"/>
+              </a:endParaRPr>
+            </a:p>
+          </p:txBody>
+        </p:sp>
+        <p:grpSp>
+          <p:nvGrpSpPr>
+            <p:cNvPr id="134" name="Group 133"/>
+            <p:cNvGrpSpPr/>
+            <p:nvPr/>
+          </p:nvGrpSpPr>
+          <p:grpSpPr>
+            <a:xfrm>
+              <a:off x="6419160" y="3675934"/>
+              <a:ext cx="1286438" cy="1030500"/>
+              <a:chOff x="719701" y="3795068"/>
+              <a:chExt cx="1286438" cy="1030500"/>
+            </a:xfrm>
+          </p:grpSpPr>
+          <p:sp>
+            <p:nvSpPr>
+              <p:cNvPr id="135" name="Rectangle 134"/>
+              <p:cNvSpPr/>
+              <p:nvPr/>
+            </p:nvSpPr>
+            <p:spPr>
+              <a:xfrm>
+                <a:off x="719701" y="3795068"/>
+                <a:ext cx="1286438" cy="1030500"/>
+              </a:xfrm>
+              <a:prstGeom prst="rect">
+                <a:avLst/>
+              </a:prstGeom>
+              <a:solidFill>
+                <a:srgbClr val="FEFEDE"/>
+              </a:solidFill>
+              <a:ln w="15875">
+                <a:solidFill>
+                  <a:srgbClr val="FF0000"/>
+                </a:solidFill>
+              </a:ln>
+            </p:spPr>
+            <p:style>
+              <a:lnRef idx="2">
+                <a:schemeClr val="accent1">
+                  <a:shade val="50000"/>
+                </a:schemeClr>
+              </a:lnRef>
+              <a:fillRef idx="1">
+                <a:schemeClr val="accent1"/>
+              </a:fillRef>
+              <a:effectRef idx="0">
+                <a:schemeClr val="accent1"/>
+              </a:effectRef>
+              <a:fontRef idx="minor">
+                <a:schemeClr val="lt1"/>
+              </a:fontRef>
+            </p:style>
+            <p:txBody>
+              <a:bodyPr rtlCol="0" anchor="ctr"/>
+              <a:lstStyle/>
+              <a:p>
+                <a:endParaRPr lang="en-US" dirty="0"/>
+              </a:p>
+            </p:txBody>
+          </p:sp>
+          <p:sp>
+            <p:nvSpPr>
+              <p:cNvPr id="136" name="TextBox 135"/>
+              <p:cNvSpPr txBox="1"/>
+              <p:nvPr/>
+            </p:nvSpPr>
+            <p:spPr>
+              <a:xfrm>
+                <a:off x="719701" y="3805574"/>
+                <a:ext cx="1133644" cy="992579"/>
+              </a:xfrm>
+              <a:prstGeom prst="rect">
+                <a:avLst/>
+              </a:prstGeom>
+              <a:noFill/>
+            </p:spPr>
+            <p:txBody>
+              <a:bodyPr wrap="none" rtlCol="0">
+                <a:spAutoFit/>
+              </a:bodyPr>
+              <a:lstStyle/>
+              <a:p>
+                <a:r>
+                  <a:rPr lang="en-US" sz="800" dirty="0">
+                    <a:latin typeface="Arial" panose="020B0604020202020204" pitchFamily="34" charset="0"/>
+                    <a:cs typeface="Arial" panose="020B0604020202020204" pitchFamily="34" charset="0"/>
+                  </a:rPr>
+                  <a:t>p</a:t>
+                </a:r>
+                <a:r>
+                  <a:rPr lang="en-US" sz="800" dirty="0" smtClean="0">
+                    <a:latin typeface="Arial" panose="020B0604020202020204" pitchFamily="34" charset="0"/>
+                    <a:cs typeface="Arial" panose="020B0604020202020204" pitchFamily="34" charset="0"/>
+                  </a:rPr>
+                  <a:t>ayee</a:t>
+                </a:r>
+                <a:r>
+                  <a:rPr lang="en-US" sz="800" dirty="0" smtClean="0">
+                    <a:latin typeface="Arial" panose="020B0604020202020204" pitchFamily="34" charset="0"/>
+                    <a:cs typeface="Arial" panose="020B0604020202020204" pitchFamily="34" charset="0"/>
+                  </a:rPr>
+                  <a:t/>
+                </a:r>
+                <a:br>
+                  <a:rPr lang="en-US" sz="800" dirty="0" smtClean="0">
+                    <a:latin typeface="Arial" panose="020B0604020202020204" pitchFamily="34" charset="0"/>
+                    <a:cs typeface="Arial" panose="020B0604020202020204" pitchFamily="34" charset="0"/>
+                  </a:rPr>
+                </a:br>
+                <a:r>
+                  <a:rPr lang="en-US" sz="800" dirty="0">
+                    <a:latin typeface="Arial" panose="020B0604020202020204" pitchFamily="34" charset="0"/>
+                    <a:cs typeface="Arial" panose="020B0604020202020204" pitchFamily="34" charset="0"/>
+                  </a:rPr>
+                  <a:t>a</a:t>
+                </a:r>
+                <a:r>
+                  <a:rPr lang="en-US" sz="800" dirty="0" smtClean="0">
+                    <a:latin typeface="Arial" panose="020B0604020202020204" pitchFamily="34" charset="0"/>
+                    <a:cs typeface="Arial" panose="020B0604020202020204" pitchFamily="34" charset="0"/>
+                  </a:rPr>
+                  <a:t>mount</a:t>
+                </a:r>
+                <a:r>
+                  <a:rPr lang="en-US" sz="800" dirty="0" smtClean="0">
+                    <a:latin typeface="Arial" panose="020B0604020202020204" pitchFamily="34" charset="0"/>
+                    <a:cs typeface="Arial" panose="020B0604020202020204" pitchFamily="34" charset="0"/>
+                  </a:rPr>
+                  <a:t/>
+                </a:r>
+                <a:br>
+                  <a:rPr lang="en-US" sz="800" dirty="0" smtClean="0">
+                    <a:latin typeface="Arial" panose="020B0604020202020204" pitchFamily="34" charset="0"/>
+                    <a:cs typeface="Arial" panose="020B0604020202020204" pitchFamily="34" charset="0"/>
+                  </a:rPr>
+                </a:br>
+                <a:r>
+                  <a:rPr lang="en-US" sz="800" dirty="0">
+                    <a:latin typeface="Arial" panose="020B0604020202020204" pitchFamily="34" charset="0"/>
+                    <a:cs typeface="Arial" panose="020B0604020202020204" pitchFamily="34" charset="0"/>
+                  </a:rPr>
+                  <a:t>c</a:t>
+                </a:r>
+                <a:r>
+                  <a:rPr lang="en-US" sz="800" dirty="0" smtClean="0">
+                    <a:latin typeface="Arial" panose="020B0604020202020204" pitchFamily="34" charset="0"/>
+                    <a:cs typeface="Arial" panose="020B0604020202020204" pitchFamily="34" charset="0"/>
+                  </a:rPr>
+                  <a:t>urrency</a:t>
+                </a:r>
+                <a:r>
+                  <a:rPr lang="en-US" sz="800" dirty="0" smtClean="0">
+                    <a:latin typeface="Arial" panose="020B0604020202020204" pitchFamily="34" charset="0"/>
+                    <a:cs typeface="Arial" panose="020B0604020202020204" pitchFamily="34" charset="0"/>
+                  </a:rPr>
+                  <a:t/>
+                </a:r>
+                <a:br>
+                  <a:rPr lang="en-US" sz="800" dirty="0" smtClean="0">
+                    <a:latin typeface="Arial" panose="020B0604020202020204" pitchFamily="34" charset="0"/>
+                    <a:cs typeface="Arial" panose="020B0604020202020204" pitchFamily="34" charset="0"/>
+                  </a:rPr>
+                </a:br>
+                <a:r>
+                  <a:rPr lang="en-US" sz="800" dirty="0" err="1" smtClean="0">
+                    <a:latin typeface="Arial" panose="020B0604020202020204" pitchFamily="34" charset="0"/>
+                    <a:cs typeface="Arial" panose="020B0604020202020204" pitchFamily="34" charset="0"/>
+                  </a:rPr>
+                  <a:t>r</a:t>
+                </a:r>
+                <a:r>
+                  <a:rPr lang="en-US" sz="800" dirty="0" err="1" smtClean="0">
+                    <a:latin typeface="Arial" panose="020B0604020202020204" pitchFamily="34" charset="0"/>
+                    <a:cs typeface="Arial" panose="020B0604020202020204" pitchFamily="34" charset="0"/>
+                  </a:rPr>
+                  <a:t>eferenceId</a:t>
+                </a:r>
+                <a:r>
+                  <a:rPr lang="en-US" sz="800" dirty="0" smtClean="0">
+                    <a:latin typeface="Arial" panose="020B0604020202020204" pitchFamily="34" charset="0"/>
+                    <a:cs typeface="Arial" panose="020B0604020202020204" pitchFamily="34" charset="0"/>
+                  </a:rPr>
+                  <a:t> </a:t>
+                </a:r>
+                <a:r>
+                  <a:rPr lang="en-US" sz="800" dirty="0" smtClean="0">
+                    <a:latin typeface="Arial" panose="020B0604020202020204" pitchFamily="34" charset="0"/>
+                    <a:cs typeface="Arial" panose="020B0604020202020204" pitchFamily="34" charset="0"/>
+                  </a:rPr>
+                  <a:t>(Payee)</a:t>
+                </a:r>
+              </a:p>
+              <a:p>
+                <a:r>
+                  <a:rPr lang="en-US" sz="800" dirty="0" err="1">
+                    <a:latin typeface="Arial" panose="020B0604020202020204" pitchFamily="34" charset="0"/>
+                    <a:cs typeface="Arial" panose="020B0604020202020204" pitchFamily="34" charset="0"/>
+                  </a:rPr>
+                  <a:t>d</a:t>
+                </a:r>
+                <a:r>
+                  <a:rPr lang="en-US" sz="800" dirty="0" err="1" smtClean="0">
+                    <a:latin typeface="Arial" panose="020B0604020202020204" pitchFamily="34" charset="0"/>
+                    <a:cs typeface="Arial" panose="020B0604020202020204" pitchFamily="34" charset="0"/>
+                  </a:rPr>
+                  <a:t>ateTime</a:t>
+                </a:r>
+                <a:r>
+                  <a:rPr lang="en-US" sz="800" dirty="0" smtClean="0">
+                    <a:latin typeface="Arial" panose="020B0604020202020204" pitchFamily="34" charset="0"/>
+                    <a:cs typeface="Arial" panose="020B0604020202020204" pitchFamily="34" charset="0"/>
+                  </a:rPr>
+                  <a:t> </a:t>
+                </a:r>
+                <a:r>
+                  <a:rPr lang="en-US" sz="800" dirty="0" smtClean="0">
+                    <a:latin typeface="Arial" panose="020B0604020202020204" pitchFamily="34" charset="0"/>
+                    <a:cs typeface="Arial" panose="020B0604020202020204" pitchFamily="34" charset="0"/>
+                  </a:rPr>
+                  <a:t>(Payee)</a:t>
+                </a:r>
+              </a:p>
+              <a:p>
+                <a:r>
+                  <a:rPr lang="en-US" sz="800" dirty="0" smtClean="0">
+                    <a:latin typeface="Arial" panose="020B0604020202020204" pitchFamily="34" charset="0"/>
+                    <a:cs typeface="Arial" panose="020B0604020202020204" pitchFamily="34" charset="0"/>
+                  </a:rPr>
+                  <a:t>S</a:t>
+                </a:r>
+                <a:r>
+                  <a:rPr lang="en-US" sz="800" dirty="0" smtClean="0">
+                    <a:latin typeface="Arial" panose="020B0604020202020204" pitchFamily="34" charset="0"/>
+                    <a:cs typeface="Arial" panose="020B0604020202020204" pitchFamily="34" charset="0"/>
+                  </a:rPr>
+                  <a:t>oftware {}</a:t>
+                </a:r>
+                <a:endParaRPr lang="en-US" sz="800" dirty="0" smtClean="0">
+                  <a:latin typeface="Arial" panose="020B0604020202020204" pitchFamily="34" charset="0"/>
+                  <a:cs typeface="Arial" panose="020B0604020202020204" pitchFamily="34" charset="0"/>
+                </a:endParaRPr>
+              </a:p>
+              <a:p>
+                <a:pPr>
+                  <a:spcBef>
+                    <a:spcPts val="300"/>
+                  </a:spcBef>
+                </a:pPr>
+                <a:r>
+                  <a:rPr lang="en-US" sz="800" b="1" dirty="0" smtClean="0">
+                    <a:latin typeface="Arial" panose="020B0604020202020204" pitchFamily="34" charset="0"/>
+                    <a:cs typeface="Arial" panose="020B0604020202020204" pitchFamily="34" charset="0"/>
+                  </a:rPr>
+                  <a:t>signature</a:t>
+                </a:r>
+                <a:r>
+                  <a:rPr lang="en-US" sz="800" dirty="0" smtClean="0">
+                    <a:latin typeface="Arial" panose="020B0604020202020204" pitchFamily="34" charset="0"/>
+                    <a:cs typeface="Arial" panose="020B0604020202020204" pitchFamily="34" charset="0"/>
+                  </a:rPr>
+                  <a:t> {} (</a:t>
+                </a:r>
+                <a:r>
+                  <a:rPr lang="en-US" sz="800" dirty="0" smtClean="0">
+                    <a:latin typeface="Arial" panose="020B0604020202020204" pitchFamily="34" charset="0"/>
+                    <a:cs typeface="Arial" panose="020B0604020202020204" pitchFamily="34" charset="0"/>
+                  </a:rPr>
+                  <a:t>Payee)</a:t>
+                </a:r>
+                <a:endParaRPr lang="en-US" sz="800" dirty="0">
+                  <a:latin typeface="Arial" panose="020B0604020202020204" pitchFamily="34" charset="0"/>
+                  <a:cs typeface="Arial" panose="020B0604020202020204" pitchFamily="34" charset="0"/>
+                </a:endParaRPr>
+              </a:p>
+            </p:txBody>
+          </p:sp>
+        </p:grpSp>
+      </p:grpSp>
+      <p:sp>
+        <p:nvSpPr>
+          <p:cNvPr id="137" name="TextBox 136"/>
+          <p:cNvSpPr txBox="1"/>
+          <p:nvPr/>
+        </p:nvSpPr>
+        <p:spPr>
+          <a:xfrm>
+            <a:off x="5071292" y="8551023"/>
+            <a:ext cx="1800201" cy="276999"/>
+          </a:xfrm>
+          <a:prstGeom prst="rect">
+            <a:avLst/>
+          </a:prstGeom>
+          <a:noFill/>
+        </p:spPr>
+        <p:txBody>
+          <a:bodyPr wrap="square" rtlCol="0">
+            <a:spAutoFit/>
+          </a:bodyPr>
+          <a:lstStyle/>
+          <a:p>
+            <a:pPr algn="ctr"/>
+            <a:r>
+              <a:rPr lang="en-US" sz="1000" dirty="0" err="1" smtClean="0">
+                <a:solidFill>
+                  <a:schemeClr val="accent1"/>
+                </a:solidFill>
+                <a:latin typeface="Arial" panose="020B0604020202020204" pitchFamily="34" charset="0"/>
+                <a:cs typeface="Arial" panose="020B0604020202020204" pitchFamily="34" charset="0"/>
+                <a:sym typeface="Wingdings"/>
+              </a:rPr>
+              <a:t>PayeePullAuthReq</a:t>
+            </a:r>
+            <a:r>
+              <a:rPr lang="en-US" sz="1200" b="1" dirty="0" smtClean="0">
+                <a:latin typeface="Arial" panose="020B0604020202020204" pitchFamily="34" charset="0"/>
+                <a:cs typeface="Arial" panose="020B0604020202020204" pitchFamily="34" charset="0"/>
+                <a:sym typeface="Wingdings"/>
+              </a:rPr>
+              <a:t> </a:t>
+            </a:r>
+            <a:r>
+              <a:rPr lang="en-US" sz="1000" dirty="0" smtClean="0">
+                <a:solidFill>
+                  <a:schemeClr val="accent1"/>
+                </a:solidFill>
+                <a:latin typeface="Arial" panose="020B0604020202020204" pitchFamily="34" charset="0"/>
+                <a:cs typeface="Arial" panose="020B0604020202020204" pitchFamily="34" charset="0"/>
+              </a:rPr>
+              <a:t> </a:t>
+            </a:r>
+            <a:endParaRPr lang="en-US" sz="1200" dirty="0">
+              <a:latin typeface="Arial" panose="020B0604020202020204" pitchFamily="34" charset="0"/>
+              <a:cs typeface="Arial" panose="020B0604020202020204" pitchFamily="34" charset="0"/>
+            </a:endParaRPr>
+          </a:p>
+        </p:txBody>
+      </p:sp>
+      <p:sp>
+        <p:nvSpPr>
+          <p:cNvPr id="138" name="TextBox 137"/>
+          <p:cNvSpPr txBox="1"/>
+          <p:nvPr/>
+        </p:nvSpPr>
+        <p:spPr>
+          <a:xfrm>
+            <a:off x="5343787" y="10102483"/>
+            <a:ext cx="967179" cy="153888"/>
+          </a:xfrm>
+          <a:prstGeom prst="rect">
+            <a:avLst/>
+          </a:prstGeom>
+          <a:solidFill>
+            <a:schemeClr val="bg1"/>
+          </a:solidFill>
+          <a:ln w="3175">
+            <a:solidFill>
+              <a:schemeClr val="tx1"/>
+            </a:solidFill>
+          </a:ln>
+        </p:spPr>
+        <p:txBody>
+          <a:bodyPr wrap="none" lIns="36000" tIns="0" rIns="36000" bIns="0" rtlCol="0">
+            <a:spAutoFit/>
+          </a:bodyPr>
+          <a:lstStyle/>
+          <a:p>
+            <a:pPr algn="ctr"/>
+            <a:r>
+              <a:rPr lang="en-US" sz="1000" dirty="0" smtClean="0">
+                <a:latin typeface="Arial" panose="020B0604020202020204" pitchFamily="34" charset="0"/>
+                <a:cs typeface="Arial" panose="020B0604020202020204" pitchFamily="34" charset="0"/>
+              </a:rPr>
+              <a:t>HTTP </a:t>
+            </a:r>
+            <a:r>
+              <a:rPr lang="en-US" sz="1000" dirty="0" smtClean="0">
+                <a:latin typeface="Arial" panose="020B0604020202020204" pitchFamily="34" charset="0"/>
+                <a:cs typeface="Arial" panose="020B0604020202020204" pitchFamily="34" charset="0"/>
+              </a:rPr>
+              <a:t>response</a:t>
+            </a:r>
+            <a:endParaRPr lang="en-US" sz="1000" dirty="0">
+              <a:latin typeface="Arial" panose="020B0604020202020204" pitchFamily="34" charset="0"/>
+              <a:cs typeface="Arial" panose="020B0604020202020204" pitchFamily="34" charset="0"/>
+            </a:endParaRPr>
+          </a:p>
+        </p:txBody>
+      </p:sp>
+      <p:sp>
+        <p:nvSpPr>
+          <p:cNvPr id="98" name="TextBox 97"/>
+          <p:cNvSpPr txBox="1"/>
+          <p:nvPr/>
+        </p:nvSpPr>
+        <p:spPr>
+          <a:xfrm>
+            <a:off x="7053490" y="8744074"/>
+            <a:ext cx="826115" cy="153888"/>
+          </a:xfrm>
+          <a:prstGeom prst="rect">
+            <a:avLst/>
+          </a:prstGeom>
+          <a:solidFill>
+            <a:schemeClr val="bg1"/>
+          </a:solidFill>
+          <a:ln w="3175">
+            <a:solidFill>
+              <a:schemeClr val="tx1"/>
+            </a:solidFill>
+          </a:ln>
+        </p:spPr>
+        <p:txBody>
+          <a:bodyPr wrap="none" lIns="36000" tIns="0" rIns="36000" bIns="0" rtlCol="0">
+            <a:spAutoFit/>
+          </a:bodyPr>
+          <a:lstStyle/>
+          <a:p>
+            <a:pPr algn="ctr"/>
+            <a:r>
+              <a:rPr lang="en-US" sz="1000" dirty="0" smtClean="0">
+                <a:latin typeface="Arial" panose="020B0604020202020204" pitchFamily="34" charset="0"/>
+                <a:cs typeface="Arial" panose="020B0604020202020204" pitchFamily="34" charset="0"/>
+              </a:rPr>
+              <a:t> </a:t>
+            </a:r>
+            <a:r>
+              <a:rPr lang="en-US" sz="1000" dirty="0" smtClean="0">
+                <a:latin typeface="Arial" panose="020B0604020202020204" pitchFamily="34" charset="0"/>
+                <a:cs typeface="Arial" panose="020B0604020202020204" pitchFamily="34" charset="0"/>
+              </a:rPr>
+              <a:t>HTTP </a:t>
+            </a:r>
+            <a:r>
+              <a:rPr lang="en-US" sz="1000" dirty="0" smtClean="0">
+                <a:latin typeface="Arial" panose="020B0604020202020204" pitchFamily="34" charset="0"/>
+                <a:cs typeface="Arial" panose="020B0604020202020204" pitchFamily="34" charset="0"/>
+              </a:rPr>
+              <a:t>POST</a:t>
+            </a:r>
+            <a:endParaRPr lang="en-US" sz="1200" dirty="0">
+              <a:latin typeface="Arial" panose="020B0604020202020204" pitchFamily="34" charset="0"/>
+              <a:cs typeface="Arial" panose="020B0604020202020204" pitchFamily="34" charset="0"/>
+            </a:endParaRPr>
+          </a:p>
+        </p:txBody>
+      </p:sp>
+      <p:sp>
+        <p:nvSpPr>
+          <p:cNvPr id="22" name="Oval 21"/>
+          <p:cNvSpPr/>
+          <p:nvPr/>
+        </p:nvSpPr>
+        <p:spPr>
+          <a:xfrm>
+            <a:off x="6443054" y="3373455"/>
+            <a:ext cx="100695" cy="179013"/>
+          </a:xfrm>
+          <a:prstGeom prst="ellipse">
+            <a:avLst/>
+          </a:prstGeom>
+          <a:solidFill>
+            <a:schemeClr val="bg1"/>
+          </a:solidFill>
+          <a:ln>
+            <a:noFill/>
+          </a:ln>
+        </p:spPr>
+        <p:style>
+          <a:lnRef idx="2">
+            <a:schemeClr val="accent1">
+              <a:shade val="50000"/>
+            </a:schemeClr>
+          </a:lnRef>
+          <a:fillRef idx="1">
+            <a:schemeClr val="accent1"/>
+          </a:fillRef>
+          <a:effectRef idx="0">
+            <a:schemeClr val="accent1"/>
+          </a:effectRef>
+          <a:fontRef idx="minor">
+            <a:schemeClr val="lt1"/>
+          </a:fontRef>
+        </p:style>
+        <p:txBody>
+          <a:bodyPr rtlCol="0" anchor="ctr"/>
+          <a:lstStyle/>
+          <a:p>
+            <a:pPr algn="ctr"/>
+            <a:endParaRPr lang="en-US"/>
+          </a:p>
+        </p:txBody>
+      </p:sp>
+      <p:sp>
+        <p:nvSpPr>
+          <p:cNvPr id="125" name="TextBox 124"/>
+          <p:cNvSpPr txBox="1"/>
+          <p:nvPr/>
+        </p:nvSpPr>
+        <p:spPr>
+          <a:xfrm>
+            <a:off x="6332945" y="3288798"/>
+            <a:ext cx="322524" cy="276999"/>
+          </a:xfrm>
+          <a:prstGeom prst="rect">
+            <a:avLst/>
+          </a:prstGeom>
+          <a:noFill/>
+        </p:spPr>
+        <p:txBody>
+          <a:bodyPr wrap="none" rtlCol="0" anchor="ctr" anchorCtr="1">
+            <a:spAutoFit/>
+          </a:bodyPr>
+          <a:lstStyle/>
+          <a:p>
+            <a:pPr algn="r"/>
+            <a:r>
+              <a:rPr lang="en-US" sz="1200" b="1" dirty="0" smtClean="0">
+                <a:latin typeface="Arial" panose="020B0604020202020204" pitchFamily="34" charset="0"/>
+                <a:cs typeface="Arial" panose="020B0604020202020204" pitchFamily="34" charset="0"/>
+                <a:sym typeface="Wingdings"/>
+              </a:rPr>
+              <a:t></a:t>
+            </a:r>
+            <a:endParaRPr lang="en-US" sz="1200" b="1" dirty="0">
               <a:latin typeface="Arial" panose="020B0604020202020204" pitchFamily="34" charset="0"/>
               <a:cs typeface="Arial" panose="020B0604020202020204" pitchFamily="34" charset="0"/>
             </a:endParaRPr>

--- a/webpayment.resources/docs/pullmode.pptx
+++ b/webpayment.resources/docs/pullmode.pptx
@@ -196,7 +196,7 @@
           <a:p>
             <a:fld id="{EC8C8056-B549-4FBF-9C23-C3E3767DB98D}" type="datetimeFigureOut">
               <a:rPr lang="en-US" smtClean="0"/>
-              <a:t>2015-08-09</a:t>
+              <a:t>2015-08-10</a:t>
             </a:fld>
             <a:endParaRPr lang="en-US"/>
           </a:p>
@@ -785,7 +785,7 @@
           <a:p>
             <a:fld id="{8294774E-34A0-4E55-BD26-0311BA5DE3B4}" type="datetimeFigureOut">
               <a:rPr lang="en-US" smtClean="0"/>
-              <a:t>2015-08-09</a:t>
+              <a:t>2015-08-10</a:t>
             </a:fld>
             <a:endParaRPr lang="en-US"/>
           </a:p>
@@ -1002,7 +1002,7 @@
           <a:p>
             <a:fld id="{8294774E-34A0-4E55-BD26-0311BA5DE3B4}" type="datetimeFigureOut">
               <a:rPr lang="en-US" smtClean="0"/>
-              <a:t>2015-08-09</a:t>
+              <a:t>2015-08-10</a:t>
             </a:fld>
             <a:endParaRPr lang="en-US"/>
           </a:p>
@@ -2684,8 +2684,8 @@
         </p:nvSpPr>
         <p:spPr>
           <a:xfrm>
-            <a:off x="4995865" y="3428901"/>
-            <a:ext cx="2066837" cy="3102343"/>
+            <a:off x="4995865" y="3173018"/>
+            <a:ext cx="2066837" cy="3358199"/>
           </a:xfrm>
           <a:custGeom>
             <a:avLst/>
@@ -10810,6 +10810,50 @@
               <a:gd name="connsiteY9" fmla="*/ 464395 h 464395"/>
               <a:gd name="connsiteX10" fmla="*/ 22 w 319080"/>
               <a:gd name="connsiteY10" fmla="*/ 463404 h 464395"/>
+              <a:gd name="connsiteX0" fmla="*/ 0 w 319080"/>
+              <a:gd name="connsiteY0" fmla="*/ 436722 h 464395"/>
+              <a:gd name="connsiteX1" fmla="*/ 103363 w 319080"/>
+              <a:gd name="connsiteY1" fmla="*/ 436618 h 464395"/>
+              <a:gd name="connsiteX2" fmla="*/ 142465 w 319080"/>
+              <a:gd name="connsiteY2" fmla="*/ 431378 h 464395"/>
+              <a:gd name="connsiteX3" fmla="*/ 146946 w 319080"/>
+              <a:gd name="connsiteY3" fmla="*/ 330192 h 464395"/>
+              <a:gd name="connsiteX4" fmla="*/ 146790 w 319080"/>
+              <a:gd name="connsiteY4" fmla="*/ 71269 h 464395"/>
+              <a:gd name="connsiteX5" fmla="*/ 151789 w 319080"/>
+              <a:gd name="connsiteY5" fmla="*/ 6768 h 464395"/>
+              <a:gd name="connsiteX6" fmla="*/ 233981 w 319080"/>
+              <a:gd name="connsiteY6" fmla="*/ 45 h 464395"/>
+              <a:gd name="connsiteX7" fmla="*/ 313469 w 319080"/>
+              <a:gd name="connsiteY7" fmla="*/ 5842 h 464395"/>
+              <a:gd name="connsiteX8" fmla="*/ 319080 w 319080"/>
+              <a:gd name="connsiteY8" fmla="*/ 90430 h 464395"/>
+              <a:gd name="connsiteX9" fmla="*/ 317892 w 319080"/>
+              <a:gd name="connsiteY9" fmla="*/ 464395 h 464395"/>
+              <a:gd name="connsiteX10" fmla="*/ 757 w 319080"/>
+              <a:gd name="connsiteY10" fmla="*/ 461763 h 464395"/>
+              <a:gd name="connsiteX0" fmla="*/ 0 w 319080"/>
+              <a:gd name="connsiteY0" fmla="*/ 436722 h 462754"/>
+              <a:gd name="connsiteX1" fmla="*/ 103363 w 319080"/>
+              <a:gd name="connsiteY1" fmla="*/ 436618 h 462754"/>
+              <a:gd name="connsiteX2" fmla="*/ 142465 w 319080"/>
+              <a:gd name="connsiteY2" fmla="*/ 431378 h 462754"/>
+              <a:gd name="connsiteX3" fmla="*/ 146946 w 319080"/>
+              <a:gd name="connsiteY3" fmla="*/ 330192 h 462754"/>
+              <a:gd name="connsiteX4" fmla="*/ 146790 w 319080"/>
+              <a:gd name="connsiteY4" fmla="*/ 71269 h 462754"/>
+              <a:gd name="connsiteX5" fmla="*/ 151789 w 319080"/>
+              <a:gd name="connsiteY5" fmla="*/ 6768 h 462754"/>
+              <a:gd name="connsiteX6" fmla="*/ 233981 w 319080"/>
+              <a:gd name="connsiteY6" fmla="*/ 45 h 462754"/>
+              <a:gd name="connsiteX7" fmla="*/ 313469 w 319080"/>
+              <a:gd name="connsiteY7" fmla="*/ 5842 h 462754"/>
+              <a:gd name="connsiteX8" fmla="*/ 319080 w 319080"/>
+              <a:gd name="connsiteY8" fmla="*/ 90430 h 462754"/>
+              <a:gd name="connsiteX9" fmla="*/ 317892 w 319080"/>
+              <a:gd name="connsiteY9" fmla="*/ 462754 h 462754"/>
+              <a:gd name="connsiteX10" fmla="*/ 757 w 319080"/>
+              <a:gd name="connsiteY10" fmla="*/ 461763 h 462754"/>
             </a:gdLst>
             <a:ahLst/>
             <a:cxnLst>
@@ -10849,7 +10893,7 @@
             </a:cxnLst>
             <a:rect l="l" t="t" r="r" b="b"/>
             <a:pathLst>
-              <a:path w="319080" h="464395">
+              <a:path w="319080" h="462754">
                 <a:moveTo>
                   <a:pt x="0" y="436722"/>
                 </a:moveTo>
@@ -10893,13 +10937,13 @@
                 </a:cubicBezTo>
                 <a:cubicBezTo>
                   <a:pt x="318434" y="317066"/>
-                  <a:pt x="318414" y="409753"/>
-                  <a:pt x="317892" y="464395"/>
+                  <a:pt x="318414" y="408112"/>
+                  <a:pt x="317892" y="462754"/>
                 </a:cubicBezTo>
                 <a:cubicBezTo>
-                  <a:pt x="186418" y="463411"/>
-                  <a:pt x="275569" y="463195"/>
-                  <a:pt x="22" y="463404"/>
+                  <a:pt x="186418" y="461770"/>
+                  <a:pt x="276304" y="461554"/>
+                  <a:pt x="757" y="461763"/>
                 </a:cubicBezTo>
               </a:path>
             </a:pathLst>
@@ -11870,7 +11914,7 @@
         </p:nvSpPr>
         <p:spPr>
           <a:xfrm>
-            <a:off x="415444" y="1140728"/>
+            <a:off x="420545" y="1140728"/>
             <a:ext cx="809837" cy="226591"/>
           </a:xfrm>
           <a:prstGeom prst="rect">
@@ -11890,14 +11934,7 @@
                 <a:latin typeface="Arial" panose="020B0604020202020204" pitchFamily="34" charset="0"/>
                 <a:cs typeface="Arial" panose="020B0604020202020204" pitchFamily="34" charset="0"/>
               </a:rPr>
-              <a:t>“</a:t>
-            </a:r>
-            <a:r>
-              <a:rPr lang="en-US" sz="1000" dirty="0" smtClean="0">
-                <a:latin typeface="Arial" panose="020B0604020202020204" pitchFamily="34" charset="0"/>
-                <a:cs typeface="Arial" panose="020B0604020202020204" pitchFamily="34" charset="0"/>
-              </a:rPr>
-              <a:t>Checkout”</a:t>
+              <a:t>“Checkout”</a:t>
             </a:r>
             <a:endParaRPr lang="en-US" sz="1000" dirty="0">
               <a:latin typeface="Arial" panose="020B0604020202020204" pitchFamily="34" charset="0"/>
@@ -11915,7 +11952,7 @@
         <p:spPr>
           <a:xfrm>
             <a:off x="3055069" y="2772409"/>
-            <a:ext cx="1125629" cy="257369"/>
+            <a:ext cx="1253869" cy="257369"/>
           </a:xfrm>
           <a:prstGeom prst="rect">
             <a:avLst/>
@@ -11950,7 +11987,7 @@
               <a:t> </a:t>
             </a:r>
             <a:r>
-              <a:rPr lang="en-US" sz="1000" smtClean="0">
+              <a:rPr lang="en-US" sz="1000" dirty="0" err="1" smtClean="0">
                 <a:solidFill>
                   <a:schemeClr val="accent1"/>
                 </a:solidFill>
@@ -11958,7 +11995,7 @@
                 <a:cs typeface="Arial" panose="020B0604020202020204" pitchFamily="34" charset="0"/>
                 <a:sym typeface="Wingdings"/>
               </a:rPr>
-              <a:t>WalletReady</a:t>
+              <a:t>WalletInitialized</a:t>
             </a:r>
             <a:endParaRPr lang="en-US" sz="1000" dirty="0">
               <a:solidFill>
@@ -12175,14 +12212,7 @@
                   <a:latin typeface="Arial" panose="020B0604020202020204" pitchFamily="34" charset="0"/>
                   <a:cs typeface="Arial" panose="020B0604020202020204" pitchFamily="34" charset="0"/>
                 </a:rPr>
-                <a:t> </a:t>
-              </a:r>
-              <a:r>
-                <a:rPr lang="en-US" sz="800" dirty="0" smtClean="0">
-                  <a:latin typeface="Arial" panose="020B0604020202020204" pitchFamily="34" charset="0"/>
-                  <a:cs typeface="Arial" panose="020B0604020202020204" pitchFamily="34" charset="0"/>
-                </a:rPr>
-                <a:t>(List of)</a:t>
+                <a:t> (List of)</a:t>
               </a:r>
             </a:p>
             <a:p>
@@ -12205,14 +12235,7 @@
                   <a:latin typeface="Arial" panose="020B0604020202020204" pitchFamily="34" charset="0"/>
                   <a:cs typeface="Arial" panose="020B0604020202020204" pitchFamily="34" charset="0"/>
                 </a:rPr>
-                <a:t> </a:t>
-              </a:r>
-              <a:r>
-                <a:rPr lang="en-US" sz="800" dirty="0" smtClean="0">
-                  <a:latin typeface="Arial" panose="020B0604020202020204" pitchFamily="34" charset="0"/>
-                  <a:cs typeface="Arial" panose="020B0604020202020204" pitchFamily="34" charset="0"/>
-                </a:rPr>
-                <a:t>(=true)</a:t>
+                <a:t> (=true)</a:t>
               </a:r>
             </a:p>
             <a:p>
@@ -12341,13 +12364,6 @@
                   </a:rPr>
                   <a:t>ayee</a:t>
                 </a:r>
-                <a:r>
-                  <a:rPr lang="en-US" sz="800" dirty="0" smtClean="0">
-                    <a:latin typeface="Arial" panose="020B0604020202020204" pitchFamily="34" charset="0"/>
-                    <a:cs typeface="Arial" panose="020B0604020202020204" pitchFamily="34" charset="0"/>
-                  </a:rPr>
-                  <a:t/>
-                </a:r>
                 <a:br>
                   <a:rPr lang="en-US" sz="800" dirty="0" smtClean="0">
                     <a:latin typeface="Arial" panose="020B0604020202020204" pitchFamily="34" charset="0"/>
@@ -12367,13 +12383,6 @@
                     <a:cs typeface="Arial" panose="020B0604020202020204" pitchFamily="34" charset="0"/>
                   </a:rPr>
                   <a:t>mount</a:t>
-                </a:r>
-                <a:r>
-                  <a:rPr lang="en-US" sz="800" dirty="0" smtClean="0">
-                    <a:latin typeface="Arial" panose="020B0604020202020204" pitchFamily="34" charset="0"/>
-                    <a:cs typeface="Arial" panose="020B0604020202020204" pitchFamily="34" charset="0"/>
-                  </a:rPr>
-                  <a:t/>
                 </a:r>
                 <a:br>
                   <a:rPr lang="en-US" sz="800" dirty="0" smtClean="0">
@@ -12395,13 +12404,6 @@
                   </a:rPr>
                   <a:t>urrency</a:t>
                 </a:r>
-                <a:r>
-                  <a:rPr lang="en-US" sz="800" dirty="0" smtClean="0">
-                    <a:latin typeface="Arial" panose="020B0604020202020204" pitchFamily="34" charset="0"/>
-                    <a:cs typeface="Arial" panose="020B0604020202020204" pitchFamily="34" charset="0"/>
-                  </a:rPr>
-                  <a:t/>
-                </a:r>
                 <a:br>
                   <a:rPr lang="en-US" sz="800" dirty="0" smtClean="0">
                     <a:latin typeface="Arial" panose="020B0604020202020204" pitchFamily="34" charset="0"/>
@@ -12413,28 +12415,14 @@
                     <a:latin typeface="Arial" panose="020B0604020202020204" pitchFamily="34" charset="0"/>
                     <a:cs typeface="Arial" panose="020B0604020202020204" pitchFamily="34" charset="0"/>
                   </a:rPr>
-                  <a:t>r</a:t>
-                </a:r>
-                <a:r>
-                  <a:rPr lang="en-US" sz="800" dirty="0" err="1" smtClean="0">
-                    <a:latin typeface="Arial" panose="020B0604020202020204" pitchFamily="34" charset="0"/>
-                    <a:cs typeface="Arial" panose="020B0604020202020204" pitchFamily="34" charset="0"/>
-                  </a:rPr>
-                  <a:t>eferenceId</a:t>
+                  <a:t>referenceId</a:t>
                 </a:r>
                 <a:r>
                   <a:rPr lang="en-US" sz="800" dirty="0" smtClean="0">
                     <a:latin typeface="Arial" panose="020B0604020202020204" pitchFamily="34" charset="0"/>
                     <a:cs typeface="Arial" panose="020B0604020202020204" pitchFamily="34" charset="0"/>
                   </a:rPr>
-                  <a:t> </a:t>
-                </a:r>
-                <a:r>
-                  <a:rPr lang="en-US" sz="800" dirty="0" smtClean="0">
-                    <a:latin typeface="Arial" panose="020B0604020202020204" pitchFamily="34" charset="0"/>
-                    <a:cs typeface="Arial" panose="020B0604020202020204" pitchFamily="34" charset="0"/>
-                  </a:rPr>
-                  <a:t>(Payee)</a:t>
+                  <a:t> (Payee)</a:t>
                 </a:r>
               </a:p>
               <a:p>
@@ -12457,14 +12445,7 @@
                     <a:latin typeface="Arial" panose="020B0604020202020204" pitchFamily="34" charset="0"/>
                     <a:cs typeface="Arial" panose="020B0604020202020204" pitchFamily="34" charset="0"/>
                   </a:rPr>
-                  <a:t> </a:t>
-                </a:r>
-                <a:r>
-                  <a:rPr lang="en-US" sz="800" dirty="0" smtClean="0">
-                    <a:latin typeface="Arial" panose="020B0604020202020204" pitchFamily="34" charset="0"/>
-                    <a:cs typeface="Arial" panose="020B0604020202020204" pitchFamily="34" charset="0"/>
-                  </a:rPr>
-                  <a:t>(Payee)</a:t>
+                  <a:t> (Payee)</a:t>
                 </a:r>
               </a:p>
               <a:p>
@@ -12473,19 +12454,8 @@
                     <a:latin typeface="Arial" panose="020B0604020202020204" pitchFamily="34" charset="0"/>
                     <a:cs typeface="Arial" panose="020B0604020202020204" pitchFamily="34" charset="0"/>
                   </a:rPr>
-                  <a:t>S</a:t>
+                  <a:t>Software {}</a:t>
                 </a:r>
-                <a:r>
-                  <a:rPr lang="en-US" sz="800" dirty="0" smtClean="0">
-                    <a:latin typeface="Arial" panose="020B0604020202020204" pitchFamily="34" charset="0"/>
-                    <a:cs typeface="Arial" panose="020B0604020202020204" pitchFamily="34" charset="0"/>
-                  </a:rPr>
-                  <a:t>oftware {}</a:t>
-                </a:r>
-                <a:endParaRPr lang="en-US" sz="800" dirty="0" smtClean="0">
-                  <a:latin typeface="Arial" panose="020B0604020202020204" pitchFamily="34" charset="0"/>
-                  <a:cs typeface="Arial" panose="020B0604020202020204" pitchFamily="34" charset="0"/>
-                </a:endParaRPr>
               </a:p>
               <a:p>
                 <a:pPr>
@@ -12505,14 +12475,7 @@
                     <a:latin typeface="Arial" panose="020B0604020202020204" pitchFamily="34" charset="0"/>
                     <a:cs typeface="Arial" panose="020B0604020202020204" pitchFamily="34" charset="0"/>
                   </a:rPr>
-                  <a:t> {} (</a:t>
-                </a:r>
-                <a:r>
-                  <a:rPr lang="en-US" sz="800" dirty="0" smtClean="0">
-                    <a:latin typeface="Arial" panose="020B0604020202020204" pitchFamily="34" charset="0"/>
-                    <a:cs typeface="Arial" panose="020B0604020202020204" pitchFamily="34" charset="0"/>
-                  </a:rPr>
-                  <a:t>Payee)</a:t>
+                  <a:t> {} (Payee)</a:t>
                 </a:r>
                 <a:endParaRPr lang="en-US" sz="800" dirty="0">
                   <a:latin typeface="Arial" panose="020B0604020202020204" pitchFamily="34" charset="0"/>
@@ -12568,7 +12531,7 @@
         </p:nvSpPr>
         <p:spPr>
           <a:xfrm>
-            <a:off x="348515" y="5657602"/>
+            <a:off x="321932" y="5657602"/>
             <a:ext cx="1007062" cy="246221"/>
           </a:xfrm>
           <a:prstGeom prst="rect">
@@ -12641,7 +12604,7 @@
         </p:nvSpPr>
         <p:spPr>
           <a:xfrm>
-            <a:off x="332673" y="6089650"/>
+            <a:off x="321932" y="6089650"/>
             <a:ext cx="1007062" cy="246221"/>
           </a:xfrm>
           <a:prstGeom prst="rect">
@@ -12836,14 +12799,7 @@
                   <a:latin typeface="Arial" panose="020B0604020202020204" pitchFamily="34" charset="0"/>
                   <a:cs typeface="Arial" panose="020B0604020202020204" pitchFamily="34" charset="0"/>
                 </a:rPr>
-                <a:t> </a:t>
-              </a:r>
-              <a:r>
-                <a:rPr lang="en-US" sz="800" dirty="0" smtClean="0">
-                  <a:latin typeface="Arial" panose="020B0604020202020204" pitchFamily="34" charset="0"/>
-                  <a:cs typeface="Arial" panose="020B0604020202020204" pitchFamily="34" charset="0"/>
-                </a:rPr>
-                <a:t>(To Payment Provider) ◄</a:t>
+                <a:t> (To Payment Provider) ◄</a:t>
               </a:r>
             </a:p>
             <a:p>
@@ -12873,7 +12829,14 @@
                   <a:latin typeface="Arial" panose="020B0604020202020204" pitchFamily="34" charset="0"/>
                   <a:cs typeface="Arial" panose="020B0604020202020204" pitchFamily="34" charset="0"/>
                 </a:rPr>
-                <a:t>(Encrypted authorized request)</a:t>
+                <a:t>{} (</a:t>
+              </a:r>
+              <a:r>
+                <a:rPr lang="en-US" sz="800" dirty="0" smtClean="0">
+                  <a:latin typeface="Arial" panose="020B0604020202020204" pitchFamily="34" charset="0"/>
+                  <a:cs typeface="Arial" panose="020B0604020202020204" pitchFamily="34" charset="0"/>
+                </a:rPr>
+                <a:t>Encrypted authorized request)</a:t>
               </a:r>
             </a:p>
           </p:txBody>
@@ -12923,7 +12886,7 @@
         </p:nvSpPr>
         <p:spPr>
           <a:xfrm>
-            <a:off x="2924646" y="6137838"/>
+            <a:off x="2924646" y="6128314"/>
             <a:ext cx="1858615" cy="190240"/>
           </a:xfrm>
           <a:prstGeom prst="rect">
@@ -12960,8 +12923,8 @@
         </p:nvSpPr>
         <p:spPr>
           <a:xfrm>
-            <a:off x="1429671" y="11166668"/>
-            <a:ext cx="1294964" cy="276999"/>
+            <a:off x="1554414" y="11166959"/>
+            <a:ext cx="1045478" cy="257369"/>
           </a:xfrm>
           <a:prstGeom prst="rect">
             <a:avLst/>
@@ -12969,7 +12932,7 @@
           <a:noFill/>
         </p:spPr>
         <p:txBody>
-          <a:bodyPr wrap="square" rtlCol="0">
+          <a:bodyPr wrap="none" tIns="36000" bIns="36000" rtlCol="0" anchor="ctr" anchorCtr="1">
             <a:spAutoFit/>
           </a:bodyPr>
           <a:lstStyle/>
@@ -12996,14 +12959,7 @@
                 <a:latin typeface="Arial" panose="020B0604020202020204" pitchFamily="34" charset="0"/>
                 <a:cs typeface="Arial" panose="020B0604020202020204" pitchFamily="34" charset="0"/>
               </a:rPr>
-              <a:t>Result </a:t>
-            </a:r>
-            <a:r>
-              <a:rPr lang="en-US" sz="1000" dirty="0" smtClean="0">
-                <a:latin typeface="Arial" panose="020B0604020202020204" pitchFamily="34" charset="0"/>
-                <a:cs typeface="Arial" panose="020B0604020202020204" pitchFamily="34" charset="0"/>
-              </a:rPr>
-              <a:t>page</a:t>
+              <a:t>Result page</a:t>
             </a:r>
             <a:endParaRPr lang="en-US" sz="1000" dirty="0">
               <a:latin typeface="Arial" panose="020B0604020202020204" pitchFamily="34" charset="0"/>
@@ -13020,7 +12976,7 @@
         </p:nvSpPr>
         <p:spPr>
           <a:xfrm>
-            <a:off x="2995373" y="9972521"/>
+            <a:off x="2995373" y="9960809"/>
             <a:ext cx="1701354" cy="184666"/>
           </a:xfrm>
           <a:prstGeom prst="rect">
@@ -13272,7 +13228,7 @@
         <p:spPr>
           <a:xfrm>
             <a:off x="2136415" y="8597187"/>
-            <a:ext cx="2138727" cy="992579"/>
+            <a:ext cx="2175596" cy="992579"/>
           </a:xfrm>
           <a:prstGeom prst="rect">
             <a:avLst/>
@@ -13286,25 +13242,18 @@
           <a:lstStyle/>
           <a:p>
             <a:r>
-              <a:rPr lang="en-US" sz="800" dirty="0" err="1">
-                <a:latin typeface="Arial" panose="020B0604020202020204" pitchFamily="34" charset="0"/>
-                <a:cs typeface="Arial" panose="020B0604020202020204" pitchFamily="34" charset="0"/>
-              </a:rPr>
-              <a:t>a</a:t>
-            </a:r>
-            <a:r>
               <a:rPr lang="en-US" sz="800" dirty="0" err="1" smtClean="0">
                 <a:latin typeface="Arial" panose="020B0604020202020204" pitchFamily="34" charset="0"/>
                 <a:cs typeface="Arial" panose="020B0604020202020204" pitchFamily="34" charset="0"/>
               </a:rPr>
-              <a:t>uthData</a:t>
+              <a:t>authData</a:t>
             </a:r>
             <a:r>
               <a:rPr lang="en-US" sz="800" dirty="0" smtClean="0">
                 <a:latin typeface="Arial" panose="020B0604020202020204" pitchFamily="34" charset="0"/>
                 <a:cs typeface="Arial" panose="020B0604020202020204" pitchFamily="34" charset="0"/>
               </a:rPr>
-              <a:t> </a:t>
+              <a:t> {} </a:t>
             </a:r>
             <a:r>
               <a:rPr lang="en-US" sz="800" dirty="0">
@@ -13338,14 +13287,7 @@
                 <a:latin typeface="Arial" panose="020B0604020202020204" pitchFamily="34" charset="0"/>
                 <a:cs typeface="Arial" panose="020B0604020202020204" pitchFamily="34" charset="0"/>
               </a:rPr>
-              <a:t> {} </a:t>
-            </a:r>
-            <a:r>
-              <a:rPr lang="en-US" sz="800" dirty="0" smtClean="0">
-                <a:latin typeface="Arial" panose="020B0604020202020204" pitchFamily="34" charset="0"/>
-                <a:cs typeface="Arial" panose="020B0604020202020204" pitchFamily="34" charset="0"/>
-              </a:rPr>
-              <a:t>(Of original signed </a:t>
+              <a:t> {} (Of original signed </a:t>
             </a:r>
             <a:r>
               <a:rPr lang="en-US" sz="800" dirty="0">
@@ -13368,28 +13310,14 @@
                 <a:latin typeface="Arial" panose="020B0604020202020204" pitchFamily="34" charset="0"/>
                 <a:cs typeface="Arial" panose="020B0604020202020204" pitchFamily="34" charset="0"/>
               </a:rPr>
-              <a:t>c</a:t>
-            </a:r>
-            <a:r>
-              <a:rPr lang="en-US" sz="800" dirty="0" err="1" smtClean="0">
-                <a:latin typeface="Arial" panose="020B0604020202020204" pitchFamily="34" charset="0"/>
-                <a:cs typeface="Arial" panose="020B0604020202020204" pitchFamily="34" charset="0"/>
-              </a:rPr>
-              <a:t>lientIpAddress</a:t>
+              <a:t>clientIpAddress</a:t>
             </a:r>
             <a:r>
               <a:rPr lang="en-US" sz="800" dirty="0" smtClean="0">
                 <a:latin typeface="Arial" panose="020B0604020202020204" pitchFamily="34" charset="0"/>
                 <a:cs typeface="Arial" panose="020B0604020202020204" pitchFamily="34" charset="0"/>
               </a:rPr>
-              <a:t> </a:t>
-            </a:r>
-            <a:r>
-              <a:rPr lang="en-US" sz="800" dirty="0" smtClean="0">
-                <a:latin typeface="Arial" panose="020B0604020202020204" pitchFamily="34" charset="0"/>
-                <a:cs typeface="Arial" panose="020B0604020202020204" pitchFamily="34" charset="0"/>
-              </a:rPr>
-              <a:t>(</a:t>
+              <a:t> (</a:t>
             </a:r>
             <a:r>
               <a:rPr lang="en-US" sz="800" dirty="0">
@@ -13412,14 +13340,7 @@
                 <a:latin typeface="Arial" panose="020B0604020202020204" pitchFamily="34" charset="0"/>
                 <a:cs typeface="Arial" panose="020B0604020202020204" pitchFamily="34" charset="0"/>
               </a:rPr>
-              <a:t>r</a:t>
-            </a:r>
-            <a:r>
-              <a:rPr lang="en-US" sz="800" dirty="0" err="1" smtClean="0">
-                <a:latin typeface="Arial" panose="020B0604020202020204" pitchFamily="34" charset="0"/>
-                <a:cs typeface="Arial" panose="020B0604020202020204" pitchFamily="34" charset="0"/>
-              </a:rPr>
-              <a:t>eferenceId</a:t>
+              <a:t>referenceId</a:t>
             </a:r>
             <a:r>
               <a:rPr lang="en-US" sz="800" dirty="0" smtClean="0">
@@ -13465,19 +13386,8 @@
                 <a:latin typeface="Arial" panose="020B0604020202020204" pitchFamily="34" charset="0"/>
                 <a:cs typeface="Arial" panose="020B0604020202020204" pitchFamily="34" charset="0"/>
               </a:rPr>
-              <a:t>S</a:t>
-            </a:r>
-            <a:r>
-              <a:rPr lang="en-US" sz="800" dirty="0" smtClean="0">
-                <a:latin typeface="Arial" panose="020B0604020202020204" pitchFamily="34" charset="0"/>
-                <a:cs typeface="Arial" panose="020B0604020202020204" pitchFamily="34" charset="0"/>
-              </a:rPr>
-              <a:t>oftware {}</a:t>
-            </a:r>
-            <a:endParaRPr lang="en-US" sz="800" dirty="0" smtClean="0">
-              <a:latin typeface="Arial" panose="020B0604020202020204" pitchFamily="34" charset="0"/>
-              <a:cs typeface="Arial" panose="020B0604020202020204" pitchFamily="34" charset="0"/>
-            </a:endParaRPr>
+              <a:t>Software {}</a:t>
+            </a:r>
           </a:p>
           <a:p>
             <a:pPr>
@@ -13497,14 +13407,7 @@
                 <a:latin typeface="Arial" panose="020B0604020202020204" pitchFamily="34" charset="0"/>
                 <a:cs typeface="Arial" panose="020B0604020202020204" pitchFamily="34" charset="0"/>
               </a:rPr>
-              <a:t> {} (</a:t>
-            </a:r>
-            <a:r>
-              <a:rPr lang="en-US" sz="800" dirty="0" smtClean="0">
-                <a:latin typeface="Arial" panose="020B0604020202020204" pitchFamily="34" charset="0"/>
-                <a:cs typeface="Arial" panose="020B0604020202020204" pitchFamily="34" charset="0"/>
-              </a:rPr>
-              <a:t>Payee)</a:t>
+              <a:t> {} (Payee)</a:t>
             </a:r>
             <a:endParaRPr lang="en-US" sz="800" dirty="0">
               <a:latin typeface="Arial" panose="020B0604020202020204" pitchFamily="34" charset="0"/>
@@ -13547,21 +13450,7 @@
                 <a:latin typeface="Arial" panose="020B0604020202020204" pitchFamily="34" charset="0"/>
                 <a:cs typeface="Arial" panose="020B0604020202020204" pitchFamily="34" charset="0"/>
               </a:rPr>
-              <a:t>HTTP </a:t>
-            </a:r>
-            <a:r>
-              <a:rPr lang="en-US" sz="1000" dirty="0" smtClean="0">
-                <a:latin typeface="Arial" panose="020B0604020202020204" pitchFamily="34" charset="0"/>
-                <a:cs typeface="Arial" panose="020B0604020202020204" pitchFamily="34" charset="0"/>
-              </a:rPr>
-              <a:t>Form </a:t>
-            </a:r>
-            <a:r>
-              <a:rPr lang="en-US" sz="1000" dirty="0" smtClean="0">
-                <a:latin typeface="Arial" panose="020B0604020202020204" pitchFamily="34" charset="0"/>
-                <a:cs typeface="Arial" panose="020B0604020202020204" pitchFamily="34" charset="0"/>
-              </a:rPr>
-              <a:t>POST</a:t>
+              <a:t>HTTP Form POST</a:t>
             </a:r>
             <a:endParaRPr lang="en-US" sz="1000" dirty="0">
               <a:latin typeface="Arial" panose="020B0604020202020204" pitchFamily="34" charset="0"/>
@@ -13978,21 +13867,7 @@
                 <a:latin typeface="Arial" panose="020B0604020202020204" pitchFamily="34" charset="0"/>
                 <a:cs typeface="Arial" panose="020B0604020202020204" pitchFamily="34" charset="0"/>
               </a:rPr>
-              <a:t>“Pull”</a:t>
-            </a:r>
-            <a:r>
-              <a:rPr lang="en-US" sz="1000" dirty="0" smtClean="0">
-                <a:latin typeface="Arial" panose="020B0604020202020204" pitchFamily="34" charset="0"/>
-                <a:cs typeface="Arial" panose="020B0604020202020204" pitchFamily="34" charset="0"/>
-              </a:rPr>
-              <a:t> Web Payment Application</a:t>
-            </a:r>
-            <a:r>
-              <a:rPr lang="en-US" sz="1000" dirty="0" smtClean="0">
-                <a:latin typeface="Arial" panose="020B0604020202020204" pitchFamily="34" charset="0"/>
-                <a:cs typeface="Arial" panose="020B0604020202020204" pitchFamily="34" charset="0"/>
-              </a:rPr>
-              <a:t> </a:t>
+              <a:t>“Pull” Web Payment Application </a:t>
             </a:r>
             <a:endParaRPr lang="en-US" sz="1000" dirty="0">
               <a:latin typeface="Arial" panose="020B0604020202020204" pitchFamily="34" charset="0"/>
@@ -14142,7 +14017,7 @@
         <p:spPr>
           <a:xfrm>
             <a:off x="3115824" y="1604563"/>
-            <a:ext cx="1523421" cy="153888"/>
+            <a:ext cx="1688530" cy="153888"/>
           </a:xfrm>
           <a:prstGeom prst="rect">
             <a:avLst/>
@@ -14160,15 +14035,19 @@
                 <a:latin typeface="Arial" panose="020B0604020202020204" pitchFamily="34" charset="0"/>
                 <a:cs typeface="Arial" panose="020B0604020202020204" pitchFamily="34" charset="0"/>
               </a:rPr>
-              <a:t>Starts the Payment </a:t>
+              <a:t>Starts the </a:t>
             </a:r>
             <a:r>
               <a:rPr lang="en-US" sz="1000" dirty="0" smtClean="0">
                 <a:latin typeface="Arial" panose="020B0604020202020204" pitchFamily="34" charset="0"/>
                 <a:cs typeface="Arial" panose="020B0604020202020204" pitchFamily="34" charset="0"/>
               </a:rPr>
-              <a:t>Agent</a:t>
-            </a:r>
+              <a:t>Wallet application</a:t>
+            </a:r>
+            <a:endParaRPr lang="en-US" sz="1000" dirty="0" smtClean="0">
+              <a:latin typeface="Arial" panose="020B0604020202020204" pitchFamily="34" charset="0"/>
+              <a:cs typeface="Arial" panose="020B0604020202020204" pitchFamily="34" charset="0"/>
+            </a:endParaRPr>
           </a:p>
         </p:txBody>
       </p:sp>
@@ -14234,7 +14113,17 @@
                 <a:latin typeface="Arial" panose="020B0604020202020204" pitchFamily="34" charset="0"/>
                 <a:cs typeface="Arial" panose="020B0604020202020204" pitchFamily="34" charset="0"/>
               </a:rPr>
-              <a:t>Payment Agent</a:t>
+              <a:t>Wallet Application</a:t>
+            </a:r>
+            <a:r>
+              <a:rPr lang="en-US" sz="1000" dirty="0" smtClean="0">
+                <a:solidFill>
+                  <a:schemeClr val="tx1"/>
+                </a:solidFill>
+                <a:latin typeface="Arial" panose="020B0604020202020204" pitchFamily="34" charset="0"/>
+                <a:cs typeface="Arial" panose="020B0604020202020204" pitchFamily="34" charset="0"/>
+              </a:rPr>
+              <a:t/>
             </a:r>
             <a:br>
               <a:rPr lang="en-US" sz="1000" dirty="0" smtClean="0">
@@ -14253,7 +14142,17 @@
                 <a:latin typeface="Arial" panose="020B0604020202020204" pitchFamily="34" charset="0"/>
                 <a:cs typeface="Arial" panose="020B0604020202020204" pitchFamily="34" charset="0"/>
               </a:rPr>
-              <a:t>(Payer Wallet)</a:t>
+              <a:t>(</a:t>
+            </a:r>
+            <a:r>
+              <a:rPr lang="en-US" sz="800" dirty="0" smtClean="0">
+                <a:solidFill>
+                  <a:schemeClr val="tx1"/>
+                </a:solidFill>
+                <a:latin typeface="Arial" panose="020B0604020202020204" pitchFamily="34" charset="0"/>
+                <a:cs typeface="Arial" panose="020B0604020202020204" pitchFamily="34" charset="0"/>
+              </a:rPr>
+              <a:t>Payer)</a:t>
             </a:r>
             <a:endParaRPr lang="en-US" sz="800" dirty="0">
               <a:solidFill>
@@ -14821,10 +14720,6 @@
               </a:rPr>
               <a:t>indow {}</a:t>
             </a:r>
-            <a:endParaRPr lang="en-US" sz="800" dirty="0" smtClean="0">
-              <a:latin typeface="Arial" panose="020B0604020202020204" pitchFamily="34" charset="0"/>
-              <a:cs typeface="Arial" panose="020B0604020202020204" pitchFamily="34" charset="0"/>
-            </a:endParaRPr>
           </a:p>
         </p:txBody>
       </p:sp>
@@ -14836,7 +14731,7 @@
         </p:nvSpPr>
         <p:spPr>
           <a:xfrm>
-            <a:off x="352836" y="5297562"/>
+            <a:off x="338443" y="5297562"/>
             <a:ext cx="974041" cy="246221"/>
           </a:xfrm>
           <a:prstGeom prst="rect">
@@ -15021,8 +14916,8 @@
         </p:nvSpPr>
         <p:spPr>
           <a:xfrm>
-            <a:off x="2983061" y="11233336"/>
-            <a:ext cx="1756891" cy="153888"/>
+            <a:off x="3072984" y="11223647"/>
+            <a:ext cx="1638269" cy="153888"/>
           </a:xfrm>
           <a:prstGeom prst="rect">
             <a:avLst/>
@@ -15040,14 +14935,21 @@
                 <a:latin typeface="Arial" panose="020B0604020202020204" pitchFamily="34" charset="0"/>
                 <a:cs typeface="Arial" panose="020B0604020202020204" pitchFamily="34" charset="0"/>
               </a:rPr>
-              <a:t>Terminates the Payment </a:t>
+              <a:t>Closes </a:t>
             </a:r>
             <a:r>
               <a:rPr lang="en-US" sz="1000" dirty="0" smtClean="0">
                 <a:latin typeface="Arial" panose="020B0604020202020204" pitchFamily="34" charset="0"/>
                 <a:cs typeface="Arial" panose="020B0604020202020204" pitchFamily="34" charset="0"/>
               </a:rPr>
-              <a:t>Agent</a:t>
+              <a:t>the </a:t>
+            </a:r>
+            <a:r>
+              <a:rPr lang="en-US" sz="1000" dirty="0" smtClean="0">
+                <a:latin typeface="Arial" panose="020B0604020202020204" pitchFamily="34" charset="0"/>
+                <a:cs typeface="Arial" panose="020B0604020202020204" pitchFamily="34" charset="0"/>
+              </a:rPr>
+              <a:t>Wallet application</a:t>
             </a:r>
             <a:endParaRPr lang="en-US" sz="1000" dirty="0">
               <a:latin typeface="Arial" panose="020B0604020202020204" pitchFamily="34" charset="0"/>
@@ -15168,14 +15070,7 @@
                   <a:latin typeface="Arial" panose="020B0604020202020204" pitchFamily="34" charset="0"/>
                   <a:cs typeface="Arial" panose="020B0604020202020204" pitchFamily="34" charset="0"/>
                 </a:rPr>
-                <a:t> </a:t>
-              </a:r>
-              <a:r>
-                <a:rPr lang="en-US" sz="800" dirty="0" smtClean="0">
-                  <a:latin typeface="Arial" panose="020B0604020202020204" pitchFamily="34" charset="0"/>
-                  <a:cs typeface="Arial" panose="020B0604020202020204" pitchFamily="34" charset="0"/>
-                </a:rPr>
-                <a:t>(Selected)</a:t>
+                <a:t> (Selected)</a:t>
               </a:r>
               <a:br>
                 <a:rPr lang="en-US" sz="800" dirty="0" smtClean="0">
@@ -15202,37 +15097,23 @@
                   <a:latin typeface="Arial" panose="020B0604020202020204" pitchFamily="34" charset="0"/>
                   <a:cs typeface="Arial" panose="020B0604020202020204" pitchFamily="34" charset="0"/>
                 </a:rPr>
-                <a:t> </a:t>
+                <a:t> (Last 4 digits of PAN)</a:t>
+              </a:r>
+            </a:p>
+            <a:p>
+              <a:r>
+                <a:rPr lang="en-US" sz="800" dirty="0" err="1" smtClean="0">
+                  <a:latin typeface="Arial" panose="020B0604020202020204" pitchFamily="34" charset="0"/>
+                  <a:cs typeface="Arial" panose="020B0604020202020204" pitchFamily="34" charset="0"/>
+                </a:rPr>
+                <a:t>paymentToken</a:t>
               </a:r>
               <a:r>
                 <a:rPr lang="en-US" sz="800" dirty="0" smtClean="0">
                   <a:latin typeface="Arial" panose="020B0604020202020204" pitchFamily="34" charset="0"/>
                   <a:cs typeface="Arial" panose="020B0604020202020204" pitchFamily="34" charset="0"/>
                 </a:rPr>
-                <a:t>(Last 4 digits of PAN)</a:t>
-              </a:r>
-            </a:p>
-            <a:p>
-              <a:r>
-                <a:rPr lang="en-US" sz="800" dirty="0" err="1">
-                  <a:latin typeface="Arial" panose="020B0604020202020204" pitchFamily="34" charset="0"/>
-                  <a:cs typeface="Arial" panose="020B0604020202020204" pitchFamily="34" charset="0"/>
-                </a:rPr>
-                <a:t>p</a:t>
-              </a:r>
-              <a:r>
-                <a:rPr lang="en-US" sz="800" dirty="0" err="1" smtClean="0">
-                  <a:latin typeface="Arial" panose="020B0604020202020204" pitchFamily="34" charset="0"/>
-                  <a:cs typeface="Arial" panose="020B0604020202020204" pitchFamily="34" charset="0"/>
-                </a:rPr>
-                <a:t>aymentToken</a:t>
-              </a:r>
-              <a:r>
-                <a:rPr lang="en-US" sz="800" dirty="0" smtClean="0">
-                  <a:latin typeface="Arial" panose="020B0604020202020204" pitchFamily="34" charset="0"/>
-                  <a:cs typeface="Arial" panose="020B0604020202020204" pitchFamily="34" charset="0"/>
-                </a:rPr>
-                <a:t> </a:t>
+                <a:t> {} </a:t>
               </a:r>
               <a:r>
                 <a:rPr lang="en-US" sz="800" dirty="0">
@@ -15262,14 +15143,7 @@
                   <a:latin typeface="Arial" panose="020B0604020202020204" pitchFamily="34" charset="0"/>
                   <a:cs typeface="Arial" panose="020B0604020202020204" pitchFamily="34" charset="0"/>
                 </a:rPr>
-                <a:t>r</a:t>
-              </a:r>
-              <a:r>
-                <a:rPr lang="en-US" sz="800" dirty="0" err="1" smtClean="0">
-                  <a:latin typeface="Arial" panose="020B0604020202020204" pitchFamily="34" charset="0"/>
-                  <a:cs typeface="Arial" panose="020B0604020202020204" pitchFamily="34" charset="0"/>
-                </a:rPr>
-                <a:t>eferenceId</a:t>
+                <a:t>referenceId</a:t>
               </a:r>
               <a:r>
                 <a:rPr lang="en-US" sz="800" dirty="0" smtClean="0">
@@ -15299,14 +15173,7 @@
                   <a:latin typeface="Arial" panose="020B0604020202020204" pitchFamily="34" charset="0"/>
                   <a:cs typeface="Arial" panose="020B0604020202020204" pitchFamily="34" charset="0"/>
                 </a:rPr>
-                <a:t>S</a:t>
-              </a:r>
-              <a:r>
-                <a:rPr lang="en-US" sz="800" dirty="0" smtClean="0">
-                  <a:latin typeface="Arial" panose="020B0604020202020204" pitchFamily="34" charset="0"/>
-                  <a:cs typeface="Arial" panose="020B0604020202020204" pitchFamily="34" charset="0"/>
-                </a:rPr>
-                <a:t>oftware {}</a:t>
+                <a:t>Software {}</a:t>
               </a:r>
               <a:endParaRPr lang="en-US" sz="800" dirty="0">
                 <a:latin typeface="Arial" panose="020B0604020202020204" pitchFamily="34" charset="0"/>
@@ -15333,14 +15200,7 @@
                   <a:latin typeface="Arial" panose="020B0604020202020204" pitchFamily="34" charset="0"/>
                   <a:cs typeface="Arial" panose="020B0604020202020204" pitchFamily="34" charset="0"/>
                 </a:rPr>
-                <a:t> </a:t>
-              </a:r>
-              <a:r>
-                <a:rPr lang="en-US" sz="800" dirty="0" smtClean="0">
-                  <a:latin typeface="Arial" panose="020B0604020202020204" pitchFamily="34" charset="0"/>
-                  <a:cs typeface="Arial" panose="020B0604020202020204" pitchFamily="34" charset="0"/>
-                </a:rPr>
-                <a:t>(Payment Provider)</a:t>
+                <a:t> (Payment Provider)</a:t>
               </a:r>
               <a:endParaRPr lang="en-US" sz="800" dirty="0">
                 <a:latin typeface="Arial" panose="020B0604020202020204" pitchFamily="34" charset="0"/>
@@ -15365,14 +15225,7 @@
                   <a:latin typeface="Arial" panose="020B0604020202020204" pitchFamily="34" charset="0"/>
                   <a:cs typeface="Arial" panose="020B0604020202020204" pitchFamily="34" charset="0"/>
                 </a:rPr>
-                <a:t> {} (</a:t>
-              </a:r>
-              <a:r>
-                <a:rPr lang="en-US" sz="800" dirty="0" smtClean="0">
-                  <a:latin typeface="Arial" panose="020B0604020202020204" pitchFamily="34" charset="0"/>
-                  <a:cs typeface="Arial" panose="020B0604020202020204" pitchFamily="34" charset="0"/>
-                </a:rPr>
-                <a:t>Payment Provider)</a:t>
+                <a:t> {} (Payment Provider)</a:t>
               </a:r>
               <a:endParaRPr lang="en-US" sz="800" dirty="0">
                 <a:latin typeface="Arial" panose="020B0604020202020204" pitchFamily="34" charset="0"/>
@@ -15528,13 +15381,6 @@
                   </a:rPr>
                   <a:t>ayee</a:t>
                 </a:r>
-                <a:r>
-                  <a:rPr lang="en-US" sz="800" dirty="0" smtClean="0">
-                    <a:latin typeface="Arial" panose="020B0604020202020204" pitchFamily="34" charset="0"/>
-                    <a:cs typeface="Arial" panose="020B0604020202020204" pitchFamily="34" charset="0"/>
-                  </a:rPr>
-                  <a:t/>
-                </a:r>
                 <a:br>
                   <a:rPr lang="en-US" sz="800" dirty="0" smtClean="0">
                     <a:latin typeface="Arial" panose="020B0604020202020204" pitchFamily="34" charset="0"/>
@@ -15554,13 +15400,6 @@
                     <a:cs typeface="Arial" panose="020B0604020202020204" pitchFamily="34" charset="0"/>
                   </a:rPr>
                   <a:t>mount</a:t>
-                </a:r>
-                <a:r>
-                  <a:rPr lang="en-US" sz="800" dirty="0" smtClean="0">
-                    <a:latin typeface="Arial" panose="020B0604020202020204" pitchFamily="34" charset="0"/>
-                    <a:cs typeface="Arial" panose="020B0604020202020204" pitchFamily="34" charset="0"/>
-                  </a:rPr>
-                  <a:t/>
                 </a:r>
                 <a:br>
                   <a:rPr lang="en-US" sz="800" dirty="0" smtClean="0">
@@ -15582,13 +15421,6 @@
                   </a:rPr>
                   <a:t>urrency</a:t>
                 </a:r>
-                <a:r>
-                  <a:rPr lang="en-US" sz="800" dirty="0" smtClean="0">
-                    <a:latin typeface="Arial" panose="020B0604020202020204" pitchFamily="34" charset="0"/>
-                    <a:cs typeface="Arial" panose="020B0604020202020204" pitchFamily="34" charset="0"/>
-                  </a:rPr>
-                  <a:t/>
-                </a:r>
                 <a:br>
                   <a:rPr lang="en-US" sz="800" dirty="0" smtClean="0">
                     <a:latin typeface="Arial" panose="020B0604020202020204" pitchFamily="34" charset="0"/>
@@ -15600,28 +15432,14 @@
                     <a:latin typeface="Arial" panose="020B0604020202020204" pitchFamily="34" charset="0"/>
                     <a:cs typeface="Arial" panose="020B0604020202020204" pitchFamily="34" charset="0"/>
                   </a:rPr>
-                  <a:t>r</a:t>
-                </a:r>
-                <a:r>
-                  <a:rPr lang="en-US" sz="800" dirty="0" err="1" smtClean="0">
-                    <a:latin typeface="Arial" panose="020B0604020202020204" pitchFamily="34" charset="0"/>
-                    <a:cs typeface="Arial" panose="020B0604020202020204" pitchFamily="34" charset="0"/>
-                  </a:rPr>
-                  <a:t>eferenceId</a:t>
+                  <a:t>referenceId</a:t>
                 </a:r>
                 <a:r>
                   <a:rPr lang="en-US" sz="800" dirty="0" smtClean="0">
                     <a:latin typeface="Arial" panose="020B0604020202020204" pitchFamily="34" charset="0"/>
                     <a:cs typeface="Arial" panose="020B0604020202020204" pitchFamily="34" charset="0"/>
                   </a:rPr>
-                  <a:t> </a:t>
-                </a:r>
-                <a:r>
-                  <a:rPr lang="en-US" sz="800" dirty="0" smtClean="0">
-                    <a:latin typeface="Arial" panose="020B0604020202020204" pitchFamily="34" charset="0"/>
-                    <a:cs typeface="Arial" panose="020B0604020202020204" pitchFamily="34" charset="0"/>
-                  </a:rPr>
-                  <a:t>(Payee)</a:t>
+                  <a:t> (Payee)</a:t>
                 </a:r>
               </a:p>
               <a:p>
@@ -15644,14 +15462,7 @@
                     <a:latin typeface="Arial" panose="020B0604020202020204" pitchFamily="34" charset="0"/>
                     <a:cs typeface="Arial" panose="020B0604020202020204" pitchFamily="34" charset="0"/>
                   </a:rPr>
-                  <a:t> </a:t>
-                </a:r>
-                <a:r>
-                  <a:rPr lang="en-US" sz="800" dirty="0" smtClean="0">
-                    <a:latin typeface="Arial" panose="020B0604020202020204" pitchFamily="34" charset="0"/>
-                    <a:cs typeface="Arial" panose="020B0604020202020204" pitchFamily="34" charset="0"/>
-                  </a:rPr>
-                  <a:t>(Payee)</a:t>
+                  <a:t> (Payee)</a:t>
                 </a:r>
               </a:p>
               <a:p>
@@ -15660,19 +15471,8 @@
                     <a:latin typeface="Arial" panose="020B0604020202020204" pitchFamily="34" charset="0"/>
                     <a:cs typeface="Arial" panose="020B0604020202020204" pitchFamily="34" charset="0"/>
                   </a:rPr>
-                  <a:t>S</a:t>
+                  <a:t>Software {}</a:t>
                 </a:r>
-                <a:r>
-                  <a:rPr lang="en-US" sz="800" dirty="0" smtClean="0">
-                    <a:latin typeface="Arial" panose="020B0604020202020204" pitchFamily="34" charset="0"/>
-                    <a:cs typeface="Arial" panose="020B0604020202020204" pitchFamily="34" charset="0"/>
-                  </a:rPr>
-                  <a:t>oftware {}</a:t>
-                </a:r>
-                <a:endParaRPr lang="en-US" sz="800" dirty="0" smtClean="0">
-                  <a:latin typeface="Arial" panose="020B0604020202020204" pitchFamily="34" charset="0"/>
-                  <a:cs typeface="Arial" panose="020B0604020202020204" pitchFamily="34" charset="0"/>
-                </a:endParaRPr>
               </a:p>
               <a:p>
                 <a:pPr>
@@ -15692,14 +15492,7 @@
                     <a:latin typeface="Arial" panose="020B0604020202020204" pitchFamily="34" charset="0"/>
                     <a:cs typeface="Arial" panose="020B0604020202020204" pitchFamily="34" charset="0"/>
                   </a:rPr>
-                  <a:t> </a:t>
-                </a:r>
-                <a:r>
-                  <a:rPr lang="en-US" sz="800" dirty="0" smtClean="0">
-                    <a:latin typeface="Arial" panose="020B0604020202020204" pitchFamily="34" charset="0"/>
-                    <a:cs typeface="Arial" panose="020B0604020202020204" pitchFamily="34" charset="0"/>
-                  </a:rPr>
-                  <a:t>(Payee)</a:t>
+                  <a:t> (Payee)</a:t>
                 </a:r>
                 <a:endParaRPr lang="en-US" sz="800" dirty="0">
                   <a:latin typeface="Arial" panose="020B0604020202020204" pitchFamily="34" charset="0"/>
@@ -15718,7 +15511,7 @@
         </p:nvGrpSpPr>
         <p:grpSpPr>
           <a:xfrm>
-            <a:off x="6295428" y="3713386"/>
+            <a:off x="6295428" y="3425354"/>
             <a:ext cx="1530000" cy="2188356"/>
             <a:chOff x="6295428" y="3433775"/>
             <a:chExt cx="1530000" cy="2188356"/>
@@ -15822,14 +15615,7 @@
                   <a:latin typeface="Arial" panose="020B0604020202020204" pitchFamily="34" charset="0"/>
                   <a:cs typeface="Arial" panose="020B0604020202020204" pitchFamily="34" charset="0"/>
                 </a:rPr>
-                <a:t> </a:t>
-              </a:r>
-              <a:r>
-                <a:rPr lang="en-US" sz="800" dirty="0" smtClean="0">
-                  <a:latin typeface="Arial" panose="020B0604020202020204" pitchFamily="34" charset="0"/>
-                  <a:cs typeface="Arial" panose="020B0604020202020204" pitchFamily="34" charset="0"/>
-                </a:rPr>
-                <a:t>(Payee)</a:t>
+                <a:t> (Payee)</a:t>
               </a:r>
             </a:p>
             <a:p>
@@ -15852,14 +15638,7 @@
                   <a:latin typeface="Arial" panose="020B0604020202020204" pitchFamily="34" charset="0"/>
                   <a:cs typeface="Arial" panose="020B0604020202020204" pitchFamily="34" charset="0"/>
                 </a:rPr>
-                <a:t> </a:t>
-              </a:r>
-              <a:r>
-                <a:rPr lang="en-US" sz="800" dirty="0" smtClean="0">
-                  <a:latin typeface="Arial" panose="020B0604020202020204" pitchFamily="34" charset="0"/>
-                  <a:cs typeface="Arial" panose="020B0604020202020204" pitchFamily="34" charset="0"/>
-                </a:rPr>
-                <a:t>(Selected) ◄</a:t>
+                <a:t> (Selected) ◄</a:t>
               </a:r>
               <a:br>
                 <a:rPr lang="en-US" sz="800" dirty="0" smtClean="0">
@@ -15886,14 +15665,7 @@
                   <a:latin typeface="Arial" panose="020B0604020202020204" pitchFamily="34" charset="0"/>
                   <a:cs typeface="Arial" panose="020B0604020202020204" pitchFamily="34" charset="0"/>
                 </a:rPr>
-                <a:t> </a:t>
-              </a:r>
-              <a:r>
-                <a:rPr lang="en-US" sz="800" dirty="0" smtClean="0">
-                  <a:latin typeface="Arial" panose="020B0604020202020204" pitchFamily="34" charset="0"/>
-                  <a:cs typeface="Arial" panose="020B0604020202020204" pitchFamily="34" charset="0"/>
-                </a:rPr>
-                <a:t>◄</a:t>
+                <a:t> ◄</a:t>
               </a:r>
               <a:br>
                 <a:rPr lang="en-US" sz="800" dirty="0" smtClean="0">
@@ -15920,14 +15692,7 @@
                   <a:latin typeface="Arial" panose="020B0604020202020204" pitchFamily="34" charset="0"/>
                   <a:cs typeface="Arial" panose="020B0604020202020204" pitchFamily="34" charset="0"/>
                 </a:rPr>
-                <a:t> </a:t>
-              </a:r>
-              <a:r>
-                <a:rPr lang="en-US" sz="800" dirty="0" smtClean="0">
-                  <a:latin typeface="Arial" panose="020B0604020202020204" pitchFamily="34" charset="0"/>
-                  <a:cs typeface="Arial" panose="020B0604020202020204" pitchFamily="34" charset="0"/>
-                </a:rPr>
-                <a:t>(Client)</a:t>
+                <a:t> (Client)</a:t>
               </a:r>
             </a:p>
             <a:p>
@@ -15936,14 +15701,7 @@
                   <a:latin typeface="Arial" panose="020B0604020202020204" pitchFamily="34" charset="0"/>
                   <a:cs typeface="Arial" panose="020B0604020202020204" pitchFamily="34" charset="0"/>
                 </a:rPr>
-                <a:t>S</a:t>
-              </a:r>
-              <a:r>
-                <a:rPr lang="en-US" sz="800" dirty="0" smtClean="0">
-                  <a:latin typeface="Arial" panose="020B0604020202020204" pitchFamily="34" charset="0"/>
-                  <a:cs typeface="Arial" panose="020B0604020202020204" pitchFamily="34" charset="0"/>
-                </a:rPr>
-                <a:t>oftware {}</a:t>
+                <a:t>Software {}</a:t>
               </a:r>
               <a:endParaRPr lang="en-US" sz="800" dirty="0">
                 <a:latin typeface="Arial" panose="020B0604020202020204" pitchFamily="34" charset="0"/>
@@ -16138,13 +15896,6 @@
                   </a:rPr>
                   <a:t>ayee</a:t>
                 </a:r>
-                <a:r>
-                  <a:rPr lang="en-US" sz="800" dirty="0" smtClean="0">
-                    <a:latin typeface="Arial" panose="020B0604020202020204" pitchFamily="34" charset="0"/>
-                    <a:cs typeface="Arial" panose="020B0604020202020204" pitchFamily="34" charset="0"/>
-                  </a:rPr>
-                  <a:t/>
-                </a:r>
                 <a:br>
                   <a:rPr lang="en-US" sz="800" dirty="0" smtClean="0">
                     <a:latin typeface="Arial" panose="020B0604020202020204" pitchFamily="34" charset="0"/>
@@ -16164,13 +15915,6 @@
                     <a:cs typeface="Arial" panose="020B0604020202020204" pitchFamily="34" charset="0"/>
                   </a:rPr>
                   <a:t>mount</a:t>
-                </a:r>
-                <a:r>
-                  <a:rPr lang="en-US" sz="800" dirty="0" smtClean="0">
-                    <a:latin typeface="Arial" panose="020B0604020202020204" pitchFamily="34" charset="0"/>
-                    <a:cs typeface="Arial" panose="020B0604020202020204" pitchFamily="34" charset="0"/>
-                  </a:rPr>
-                  <a:t/>
                 </a:r>
                 <a:br>
                   <a:rPr lang="en-US" sz="800" dirty="0" smtClean="0">
@@ -16192,13 +15936,6 @@
                   </a:rPr>
                   <a:t>urrency</a:t>
                 </a:r>
-                <a:r>
-                  <a:rPr lang="en-US" sz="800" dirty="0" smtClean="0">
-                    <a:latin typeface="Arial" panose="020B0604020202020204" pitchFamily="34" charset="0"/>
-                    <a:cs typeface="Arial" panose="020B0604020202020204" pitchFamily="34" charset="0"/>
-                  </a:rPr>
-                  <a:t/>
-                </a:r>
                 <a:br>
                   <a:rPr lang="en-US" sz="800" dirty="0" smtClean="0">
                     <a:latin typeface="Arial" panose="020B0604020202020204" pitchFamily="34" charset="0"/>
@@ -16210,28 +15947,14 @@
                     <a:latin typeface="Arial" panose="020B0604020202020204" pitchFamily="34" charset="0"/>
                     <a:cs typeface="Arial" panose="020B0604020202020204" pitchFamily="34" charset="0"/>
                   </a:rPr>
-                  <a:t>r</a:t>
-                </a:r>
-                <a:r>
-                  <a:rPr lang="en-US" sz="800" dirty="0" err="1" smtClean="0">
-                    <a:latin typeface="Arial" panose="020B0604020202020204" pitchFamily="34" charset="0"/>
-                    <a:cs typeface="Arial" panose="020B0604020202020204" pitchFamily="34" charset="0"/>
-                  </a:rPr>
-                  <a:t>eferenceId</a:t>
+                  <a:t>referenceId</a:t>
                 </a:r>
                 <a:r>
                   <a:rPr lang="en-US" sz="800" dirty="0" smtClean="0">
                     <a:latin typeface="Arial" panose="020B0604020202020204" pitchFamily="34" charset="0"/>
                     <a:cs typeface="Arial" panose="020B0604020202020204" pitchFamily="34" charset="0"/>
                   </a:rPr>
-                  <a:t> </a:t>
-                </a:r>
-                <a:r>
-                  <a:rPr lang="en-US" sz="800" dirty="0" smtClean="0">
-                    <a:latin typeface="Arial" panose="020B0604020202020204" pitchFamily="34" charset="0"/>
-                    <a:cs typeface="Arial" panose="020B0604020202020204" pitchFamily="34" charset="0"/>
-                  </a:rPr>
-                  <a:t>(Payee)</a:t>
+                  <a:t> (Payee)</a:t>
                 </a:r>
               </a:p>
               <a:p>
@@ -16254,14 +15977,7 @@
                     <a:latin typeface="Arial" panose="020B0604020202020204" pitchFamily="34" charset="0"/>
                     <a:cs typeface="Arial" panose="020B0604020202020204" pitchFamily="34" charset="0"/>
                   </a:rPr>
-                  <a:t> </a:t>
-                </a:r>
-                <a:r>
-                  <a:rPr lang="en-US" sz="800" dirty="0" smtClean="0">
-                    <a:latin typeface="Arial" panose="020B0604020202020204" pitchFamily="34" charset="0"/>
-                    <a:cs typeface="Arial" panose="020B0604020202020204" pitchFamily="34" charset="0"/>
-                  </a:rPr>
-                  <a:t>(Payee)</a:t>
+                  <a:t> (Payee)</a:t>
                 </a:r>
               </a:p>
               <a:p>
@@ -16270,19 +15986,8 @@
                     <a:latin typeface="Arial" panose="020B0604020202020204" pitchFamily="34" charset="0"/>
                     <a:cs typeface="Arial" panose="020B0604020202020204" pitchFamily="34" charset="0"/>
                   </a:rPr>
-                  <a:t>S</a:t>
+                  <a:t>Software {}</a:t>
                 </a:r>
-                <a:r>
-                  <a:rPr lang="en-US" sz="800" dirty="0" smtClean="0">
-                    <a:latin typeface="Arial" panose="020B0604020202020204" pitchFamily="34" charset="0"/>
-                    <a:cs typeface="Arial" panose="020B0604020202020204" pitchFamily="34" charset="0"/>
-                  </a:rPr>
-                  <a:t>oftware {}</a:t>
-                </a:r>
-                <a:endParaRPr lang="en-US" sz="800" dirty="0" smtClean="0">
-                  <a:latin typeface="Arial" panose="020B0604020202020204" pitchFamily="34" charset="0"/>
-                  <a:cs typeface="Arial" panose="020B0604020202020204" pitchFamily="34" charset="0"/>
-                </a:endParaRPr>
               </a:p>
               <a:p>
                 <a:pPr>
@@ -16302,14 +16007,7 @@
                     <a:latin typeface="Arial" panose="020B0604020202020204" pitchFamily="34" charset="0"/>
                     <a:cs typeface="Arial" panose="020B0604020202020204" pitchFamily="34" charset="0"/>
                   </a:rPr>
-                  <a:t> {} (</a:t>
-                </a:r>
-                <a:r>
-                  <a:rPr lang="en-US" sz="800" dirty="0" smtClean="0">
-                    <a:latin typeface="Arial" panose="020B0604020202020204" pitchFamily="34" charset="0"/>
-                    <a:cs typeface="Arial" panose="020B0604020202020204" pitchFamily="34" charset="0"/>
-                  </a:rPr>
-                  <a:t>Payee)</a:t>
+                  <a:t> {} (Payee)</a:t>
                 </a:r>
                 <a:endParaRPr lang="en-US" sz="800" dirty="0">
                   <a:latin typeface="Arial" panose="020B0604020202020204" pitchFamily="34" charset="0"/>
@@ -16414,14 +16112,7 @@
                 <a:latin typeface="Arial" panose="020B0604020202020204" pitchFamily="34" charset="0"/>
                 <a:cs typeface="Arial" panose="020B0604020202020204" pitchFamily="34" charset="0"/>
               </a:rPr>
-              <a:t>HTTP </a:t>
-            </a:r>
-            <a:r>
-              <a:rPr lang="en-US" sz="1000" dirty="0" smtClean="0">
-                <a:latin typeface="Arial" panose="020B0604020202020204" pitchFamily="34" charset="0"/>
-                <a:cs typeface="Arial" panose="020B0604020202020204" pitchFamily="34" charset="0"/>
-              </a:rPr>
-              <a:t>response</a:t>
+              <a:t>HTTP response</a:t>
             </a:r>
             <a:endParaRPr lang="en-US" sz="1000" dirty="0">
               <a:latin typeface="Arial" panose="020B0604020202020204" pitchFamily="34" charset="0"/>
@@ -16465,21 +16156,7 @@
                 <a:latin typeface="Arial" panose="020B0604020202020204" pitchFamily="34" charset="0"/>
                 <a:cs typeface="Arial" panose="020B0604020202020204" pitchFamily="34" charset="0"/>
               </a:rPr>
-              <a:t> </a:t>
-            </a:r>
-            <a:r>
-              <a:rPr lang="en-US" sz="1000" dirty="0" smtClean="0">
-                <a:latin typeface="Arial" panose="020B0604020202020204" pitchFamily="34" charset="0"/>
-                <a:cs typeface="Arial" panose="020B0604020202020204" pitchFamily="34" charset="0"/>
-              </a:rPr>
-              <a:t>HTTP </a:t>
-            </a:r>
-            <a:r>
-              <a:rPr lang="en-US" sz="1000" dirty="0" smtClean="0">
-                <a:latin typeface="Arial" panose="020B0604020202020204" pitchFamily="34" charset="0"/>
-                <a:cs typeface="Arial" panose="020B0604020202020204" pitchFamily="34" charset="0"/>
-              </a:rPr>
-              <a:t>POST</a:t>
+              <a:t> HTTP POST</a:t>
             </a:r>
             <a:endParaRPr lang="en-US" sz="1200" dirty="0">
               <a:latin typeface="Arial" panose="020B0604020202020204" pitchFamily="34" charset="0"/>
@@ -16488,84 +16165,149 @@
           </a:p>
         </p:txBody>
       </p:sp>
+      <p:grpSp>
+        <p:nvGrpSpPr>
+          <p:cNvPr id="3" name="Group 2"/>
+          <p:cNvGrpSpPr/>
+          <p:nvPr/>
+        </p:nvGrpSpPr>
+        <p:grpSpPr>
+          <a:xfrm>
+            <a:off x="6332945" y="3028727"/>
+            <a:ext cx="322524" cy="276999"/>
+            <a:chOff x="6332945" y="3004339"/>
+            <a:chExt cx="322524" cy="276999"/>
+          </a:xfrm>
+        </p:grpSpPr>
+        <p:sp>
+          <p:nvSpPr>
+            <p:cNvPr id="22" name="Oval 21"/>
+            <p:cNvSpPr/>
+            <p:nvPr/>
+          </p:nvSpPr>
+          <p:spPr>
+            <a:xfrm>
+              <a:off x="6443054" y="3066930"/>
+              <a:ext cx="100695" cy="179013"/>
+            </a:xfrm>
+            <a:prstGeom prst="ellipse">
+              <a:avLst/>
+            </a:prstGeom>
+            <a:solidFill>
+              <a:schemeClr val="bg1"/>
+            </a:solidFill>
+            <a:ln>
+              <a:noFill/>
+            </a:ln>
+          </p:spPr>
+          <p:style>
+            <a:lnRef idx="2">
+              <a:schemeClr val="accent1">
+                <a:shade val="50000"/>
+              </a:schemeClr>
+            </a:lnRef>
+            <a:fillRef idx="1">
+              <a:schemeClr val="accent1"/>
+            </a:fillRef>
+            <a:effectRef idx="0">
+              <a:schemeClr val="accent1"/>
+            </a:effectRef>
+            <a:fontRef idx="minor">
+              <a:schemeClr val="lt1"/>
+            </a:fontRef>
+          </p:style>
+          <p:txBody>
+            <a:bodyPr rtlCol="0" anchor="ctr"/>
+            <a:lstStyle/>
+            <a:p>
+              <a:pPr algn="ctr"/>
+              <a:endParaRPr lang="en-US"/>
+            </a:p>
+          </p:txBody>
+        </p:sp>
+        <p:sp>
+          <p:nvSpPr>
+            <p:cNvPr id="125" name="TextBox 124"/>
+            <p:cNvSpPr txBox="1"/>
+            <p:nvPr/>
+          </p:nvSpPr>
+          <p:spPr>
+            <a:xfrm>
+              <a:off x="6332945" y="3004339"/>
+              <a:ext cx="322524" cy="276999"/>
+            </a:xfrm>
+            <a:prstGeom prst="rect">
+              <a:avLst/>
+            </a:prstGeom>
+            <a:noFill/>
+          </p:spPr>
+          <p:txBody>
+            <a:bodyPr wrap="none" rtlCol="0" anchor="ctr" anchorCtr="1">
+              <a:spAutoFit/>
+            </a:bodyPr>
+            <a:lstStyle/>
+            <a:p>
+              <a:pPr algn="r"/>
+              <a:r>
+                <a:rPr lang="en-US" sz="1200" b="1" dirty="0" smtClean="0">
+                  <a:latin typeface="Arial" panose="020B0604020202020204" pitchFamily="34" charset="0"/>
+                  <a:cs typeface="Arial" panose="020B0604020202020204" pitchFamily="34" charset="0"/>
+                  <a:sym typeface="Wingdings"/>
+                </a:rPr>
+                <a:t></a:t>
+              </a:r>
+              <a:endParaRPr lang="en-US" sz="1200" b="1" dirty="0">
+                <a:latin typeface="Arial" panose="020B0604020202020204" pitchFamily="34" charset="0"/>
+                <a:cs typeface="Arial" panose="020B0604020202020204" pitchFamily="34" charset="0"/>
+              </a:endParaRPr>
+            </a:p>
+          </p:txBody>
+        </p:sp>
+      </p:grpSp>
       <p:sp>
         <p:nvSpPr>
-          <p:cNvPr id="22" name="Oval 21"/>
-          <p:cNvSpPr/>
+          <p:cNvPr id="117" name="TextBox 116"/>
+          <p:cNvSpPr txBox="1"/>
           <p:nvPr/>
         </p:nvSpPr>
         <p:spPr>
           <a:xfrm>
-            <a:off x="6443054" y="3373455"/>
-            <a:ext cx="100695" cy="179013"/>
+            <a:off x="6348133" y="5809227"/>
+            <a:ext cx="1421397" cy="226591"/>
           </a:xfrm>
-          <a:prstGeom prst="ellipse">
+          <a:prstGeom prst="rect">
             <a:avLst/>
           </a:prstGeom>
           <a:solidFill>
             <a:schemeClr val="bg1"/>
           </a:solidFill>
-          <a:ln>
-            <a:noFill/>
+          <a:ln w="9525">
+            <a:solidFill>
+              <a:schemeClr val="tx1"/>
+            </a:solidFill>
           </a:ln>
         </p:spPr>
-        <p:style>
-          <a:lnRef idx="2">
-            <a:schemeClr val="accent1">
-              <a:shade val="50000"/>
-            </a:schemeClr>
-          </a:lnRef>
-          <a:fillRef idx="1">
-            <a:schemeClr val="accent1"/>
-          </a:fillRef>
-          <a:effectRef idx="0">
-            <a:schemeClr val="accent1"/>
-          </a:effectRef>
-          <a:fontRef idx="minor">
-            <a:schemeClr val="lt1"/>
-          </a:fontRef>
-        </p:style>
         <p:txBody>
-          <a:bodyPr rtlCol="0" anchor="ctr"/>
-          <a:lstStyle/>
-          <a:p>
-            <a:pPr algn="ctr"/>
-            <a:endParaRPr lang="en-US"/>
-          </a:p>
-        </p:txBody>
-      </p:sp>
-      <p:sp>
-        <p:nvSpPr>
-          <p:cNvPr id="125" name="TextBox 124"/>
-          <p:cNvSpPr txBox="1"/>
-          <p:nvPr/>
-        </p:nvSpPr>
-        <p:spPr>
-          <a:xfrm>
-            <a:off x="6332945" y="3288798"/>
-            <a:ext cx="322524" cy="276999"/>
-          </a:xfrm>
-          <a:prstGeom prst="rect">
-            <a:avLst/>
-          </a:prstGeom>
-          <a:noFill/>
-        </p:spPr>
-        <p:txBody>
-          <a:bodyPr wrap="none" rtlCol="0" anchor="ctr" anchorCtr="1">
+          <a:bodyPr wrap="none" lIns="72000" tIns="36000" rIns="72000" bIns="36000" rtlCol="0" anchor="ctr" anchorCtr="1">
             <a:spAutoFit/>
           </a:bodyPr>
           <a:lstStyle/>
           <a:p>
-            <a:pPr algn="r"/>
-            <a:r>
-              <a:rPr lang="en-US" sz="1200" b="1" dirty="0" smtClean="0">
-                <a:latin typeface="Arial" panose="020B0604020202020204" pitchFamily="34" charset="0"/>
-                <a:cs typeface="Arial" panose="020B0604020202020204" pitchFamily="34" charset="0"/>
-                <a:sym typeface="Wingdings"/>
-              </a:rPr>
-              <a:t></a:t>
-            </a:r>
-            <a:endParaRPr lang="en-US" sz="1200" b="1" dirty="0">
+            <a:pPr algn="ctr"/>
+            <a:r>
+              <a:rPr lang="en-US" sz="1000" dirty="0" err="1" smtClean="0">
+                <a:solidFill>
+                  <a:schemeClr val="accent1"/>
+                </a:solidFill>
+                <a:latin typeface="Arial" panose="020B0604020202020204" pitchFamily="34" charset="0"/>
+                <a:cs typeface="Arial" panose="020B0604020202020204" pitchFamily="34" charset="0"/>
+              </a:rPr>
+              <a:t>PayerGenericAuthReq</a:t>
+            </a:r>
+            <a:endParaRPr lang="en-US" sz="1000" dirty="0">
+              <a:solidFill>
+                <a:schemeClr val="accent1"/>
+              </a:solidFill>
               <a:latin typeface="Arial" panose="020B0604020202020204" pitchFamily="34" charset="0"/>
               <a:cs typeface="Arial" panose="020B0604020202020204" pitchFamily="34" charset="0"/>
             </a:endParaRPr>

--- a/webpayment.resources/docs/pullmode.pptx
+++ b/webpayment.resources/docs/pullmode.pptx
@@ -12822,21 +12822,7 @@
                   <a:latin typeface="Arial" panose="020B0604020202020204" pitchFamily="34" charset="0"/>
                   <a:cs typeface="Arial" panose="020B0604020202020204" pitchFamily="34" charset="0"/>
                 </a:rPr>
-                <a:t> </a:t>
-              </a:r>
-              <a:r>
-                <a:rPr lang="en-US" sz="800" dirty="0" smtClean="0">
-                  <a:latin typeface="Arial" panose="020B0604020202020204" pitchFamily="34" charset="0"/>
-                  <a:cs typeface="Arial" panose="020B0604020202020204" pitchFamily="34" charset="0"/>
-                </a:rPr>
-                <a:t>{} (</a:t>
-              </a:r>
-              <a:r>
-                <a:rPr lang="en-US" sz="800" dirty="0" smtClean="0">
-                  <a:latin typeface="Arial" panose="020B0604020202020204" pitchFamily="34" charset="0"/>
-                  <a:cs typeface="Arial" panose="020B0604020202020204" pitchFamily="34" charset="0"/>
-                </a:rPr>
-                <a:t>Encrypted authorized request)</a:t>
+                <a:t> {} (Encrypted authorized request)</a:t>
               </a:r>
             </a:p>
           </p:txBody>
@@ -14035,19 +14021,8 @@
                 <a:latin typeface="Arial" panose="020B0604020202020204" pitchFamily="34" charset="0"/>
                 <a:cs typeface="Arial" panose="020B0604020202020204" pitchFamily="34" charset="0"/>
               </a:rPr>
-              <a:t>Starts the </a:t>
-            </a:r>
-            <a:r>
-              <a:rPr lang="en-US" sz="1000" dirty="0" smtClean="0">
-                <a:latin typeface="Arial" panose="020B0604020202020204" pitchFamily="34" charset="0"/>
-                <a:cs typeface="Arial" panose="020B0604020202020204" pitchFamily="34" charset="0"/>
-              </a:rPr>
-              <a:t>Wallet application</a:t>
-            </a:r>
-            <a:endParaRPr lang="en-US" sz="1000" dirty="0" smtClean="0">
-              <a:latin typeface="Arial" panose="020B0604020202020204" pitchFamily="34" charset="0"/>
-              <a:cs typeface="Arial" panose="020B0604020202020204" pitchFamily="34" charset="0"/>
-            </a:endParaRPr>
+              <a:t>Starts the Wallet application</a:t>
+            </a:r>
           </a:p>
         </p:txBody>
       </p:sp>
@@ -14115,16 +14090,6 @@
               </a:rPr>
               <a:t>Wallet Application</a:t>
             </a:r>
-            <a:r>
-              <a:rPr lang="en-US" sz="1000" dirty="0" smtClean="0">
-                <a:solidFill>
-                  <a:schemeClr val="tx1"/>
-                </a:solidFill>
-                <a:latin typeface="Arial" panose="020B0604020202020204" pitchFamily="34" charset="0"/>
-                <a:cs typeface="Arial" panose="020B0604020202020204" pitchFamily="34" charset="0"/>
-              </a:rPr>
-              <a:t/>
-            </a:r>
             <a:br>
               <a:rPr lang="en-US" sz="1000" dirty="0" smtClean="0">
                 <a:solidFill>
@@ -14142,17 +14107,7 @@
                 <a:latin typeface="Arial" panose="020B0604020202020204" pitchFamily="34" charset="0"/>
                 <a:cs typeface="Arial" panose="020B0604020202020204" pitchFamily="34" charset="0"/>
               </a:rPr>
-              <a:t>(</a:t>
-            </a:r>
-            <a:r>
-              <a:rPr lang="en-US" sz="800" dirty="0" smtClean="0">
-                <a:solidFill>
-                  <a:schemeClr val="tx1"/>
-                </a:solidFill>
-                <a:latin typeface="Arial" panose="020B0604020202020204" pitchFamily="34" charset="0"/>
-                <a:cs typeface="Arial" panose="020B0604020202020204" pitchFamily="34" charset="0"/>
-              </a:rPr>
-              <a:t>Payer)</a:t>
+              <a:t>(Payer)</a:t>
             </a:r>
             <a:endParaRPr lang="en-US" sz="800" dirty="0">
               <a:solidFill>
@@ -14935,21 +14890,7 @@
                 <a:latin typeface="Arial" panose="020B0604020202020204" pitchFamily="34" charset="0"/>
                 <a:cs typeface="Arial" panose="020B0604020202020204" pitchFamily="34" charset="0"/>
               </a:rPr>
-              <a:t>Closes </a:t>
-            </a:r>
-            <a:r>
-              <a:rPr lang="en-US" sz="1000" dirty="0" smtClean="0">
-                <a:latin typeface="Arial" panose="020B0604020202020204" pitchFamily="34" charset="0"/>
-                <a:cs typeface="Arial" panose="020B0604020202020204" pitchFamily="34" charset="0"/>
-              </a:rPr>
-              <a:t>the </a:t>
-            </a:r>
-            <a:r>
-              <a:rPr lang="en-US" sz="1000" dirty="0" smtClean="0">
-                <a:latin typeface="Arial" panose="020B0604020202020204" pitchFamily="34" charset="0"/>
-                <a:cs typeface="Arial" panose="020B0604020202020204" pitchFamily="34" charset="0"/>
-              </a:rPr>
-              <a:t>Wallet application</a:t>
+              <a:t>Closes the Wallet application</a:t>
             </a:r>
             <a:endParaRPr lang="en-US" sz="1000" dirty="0">
               <a:latin typeface="Arial" panose="020B0604020202020204" pitchFamily="34" charset="0"/>
@@ -15354,7 +15295,7 @@
             <p:spPr>
               <a:xfrm>
                 <a:off x="719701" y="3805574"/>
-                <a:ext cx="1096775" cy="918288"/>
+                <a:ext cx="1133644" cy="992579"/>
               </a:xfrm>
               <a:prstGeom prst="rect">
                 <a:avLst/>
@@ -15492,7 +15433,21 @@
                     <a:latin typeface="Arial" panose="020B0604020202020204" pitchFamily="34" charset="0"/>
                     <a:cs typeface="Arial" panose="020B0604020202020204" pitchFamily="34" charset="0"/>
                   </a:rPr>
-                  <a:t> (Payee)</a:t>
+                  <a:t> </a:t>
+                </a:r>
+                <a:r>
+                  <a:rPr lang="en-US" sz="800" dirty="0" smtClean="0">
+                    <a:latin typeface="Arial" panose="020B0604020202020204" pitchFamily="34" charset="0"/>
+                    <a:cs typeface="Arial" panose="020B0604020202020204" pitchFamily="34" charset="0"/>
+                  </a:rPr>
+                  <a:t>{} (</a:t>
+                </a:r>
+                <a:r>
+                  <a:rPr lang="en-US" sz="800" dirty="0" smtClean="0">
+                    <a:latin typeface="Arial" panose="020B0604020202020204" pitchFamily="34" charset="0"/>
+                    <a:cs typeface="Arial" panose="020B0604020202020204" pitchFamily="34" charset="0"/>
+                  </a:rPr>
+                  <a:t>Payee)</a:t>
                 </a:r>
                 <a:endParaRPr lang="en-US" sz="800" dirty="0">
                   <a:latin typeface="Arial" panose="020B0604020202020204" pitchFamily="34" charset="0"/>

--- a/webpayment.resources/docs/pullmode.pptx
+++ b/webpayment.resources/docs/pullmode.pptx
@@ -14907,10 +14907,10 @@
         </p:nvGrpSpPr>
         <p:grpSpPr>
           <a:xfrm>
-            <a:off x="6578083" y="9082607"/>
-            <a:ext cx="1948620" cy="2335635"/>
+            <a:off x="6723073" y="9082607"/>
+            <a:ext cx="1996059" cy="2335635"/>
             <a:chOff x="6578083" y="9041978"/>
-            <a:chExt cx="1948620" cy="2335635"/>
+            <a:chExt cx="1996059" cy="2335635"/>
           </a:xfrm>
         </p:grpSpPr>
         <p:sp>
@@ -14979,7 +14979,7 @@
           <p:spPr>
             <a:xfrm>
               <a:off x="6578083" y="10353655"/>
-              <a:ext cx="1864613" cy="992579"/>
+              <a:ext cx="1996059" cy="992579"/>
             </a:xfrm>
             <a:prstGeom prst="rect">
               <a:avLst/>
@@ -15038,8 +15038,19 @@
                   <a:latin typeface="Arial" panose="020B0604020202020204" pitchFamily="34" charset="0"/>
                   <a:cs typeface="Arial" panose="020B0604020202020204" pitchFamily="34" charset="0"/>
                 </a:rPr>
-                <a:t> (Last 4 digits of PAN)</a:t>
+                <a:t> (Last 4 </a:t>
               </a:r>
+              <a:r>
+                <a:rPr lang="en-US" sz="800" dirty="0" smtClean="0">
+                  <a:latin typeface="Arial" panose="020B0604020202020204" pitchFamily="34" charset="0"/>
+                  <a:cs typeface="Arial" panose="020B0604020202020204" pitchFamily="34" charset="0"/>
+                </a:rPr>
+                <a:t>digits of card</a:t>
+              </a:r>
+              <a:endParaRPr lang="en-US" sz="800" dirty="0" smtClean="0">
+                <a:latin typeface="Arial" panose="020B0604020202020204" pitchFamily="34" charset="0"/>
+                <a:cs typeface="Arial" panose="020B0604020202020204" pitchFamily="34" charset="0"/>
+              </a:endParaRPr>
             </a:p>
             <a:p>
               <a:r>
@@ -15075,8 +15086,26 @@
                   <a:latin typeface="Arial" panose="020B0604020202020204" pitchFamily="34" charset="0"/>
                   <a:cs typeface="Arial" panose="020B0604020202020204" pitchFamily="34" charset="0"/>
                 </a:rPr>
-                <a:t> PAN)</a:t>
+                <a:t> </a:t>
               </a:r>
+              <a:r>
+                <a:rPr lang="en-US" sz="800" dirty="0" smtClean="0">
+                  <a:latin typeface="Arial" panose="020B0604020202020204" pitchFamily="34" charset="0"/>
+                  <a:cs typeface="Arial" panose="020B0604020202020204" pitchFamily="34" charset="0"/>
+                </a:rPr>
+                <a:t>card data</a:t>
+              </a:r>
+              <a:r>
+                <a:rPr lang="en-US" sz="800" dirty="0" smtClean="0">
+                  <a:latin typeface="Arial" panose="020B0604020202020204" pitchFamily="34" charset="0"/>
+                  <a:cs typeface="Arial" panose="020B0604020202020204" pitchFamily="34" charset="0"/>
+                </a:rPr>
+                <a:t>)</a:t>
+              </a:r>
+              <a:endParaRPr lang="en-US" sz="800" dirty="0">
+                <a:latin typeface="Arial" panose="020B0604020202020204" pitchFamily="34" charset="0"/>
+                <a:cs typeface="Arial" panose="020B0604020202020204" pitchFamily="34" charset="0"/>
+              </a:endParaRPr>
             </a:p>
             <a:p>
               <a:r>
@@ -15433,21 +15462,7 @@
                     <a:latin typeface="Arial" panose="020B0604020202020204" pitchFamily="34" charset="0"/>
                     <a:cs typeface="Arial" panose="020B0604020202020204" pitchFamily="34" charset="0"/>
                   </a:rPr>
-                  <a:t> </a:t>
-                </a:r>
-                <a:r>
-                  <a:rPr lang="en-US" sz="800" dirty="0" smtClean="0">
-                    <a:latin typeface="Arial" panose="020B0604020202020204" pitchFamily="34" charset="0"/>
-                    <a:cs typeface="Arial" panose="020B0604020202020204" pitchFamily="34" charset="0"/>
-                  </a:rPr>
-                  <a:t>{} (</a:t>
-                </a:r>
-                <a:r>
-                  <a:rPr lang="en-US" sz="800" dirty="0" smtClean="0">
-                    <a:latin typeface="Arial" panose="020B0604020202020204" pitchFamily="34" charset="0"/>
-                    <a:cs typeface="Arial" panose="020B0604020202020204" pitchFamily="34" charset="0"/>
-                  </a:rPr>
-                  <a:t>Payee)</a:t>
+                  <a:t> {} (Payee)</a:t>
                 </a:r>
                 <a:endParaRPr lang="en-US" sz="800" dirty="0">
                   <a:latin typeface="Arial" panose="020B0604020202020204" pitchFamily="34" charset="0"/>
@@ -16040,7 +16055,7 @@
         </p:nvSpPr>
         <p:spPr>
           <a:xfrm>
-            <a:off x="5343787" y="10102483"/>
+            <a:off x="5400258" y="10102483"/>
             <a:ext cx="967179" cy="153888"/>
           </a:xfrm>
           <a:prstGeom prst="rect">
@@ -16084,7 +16099,7 @@
         </p:nvSpPr>
         <p:spPr>
           <a:xfrm>
-            <a:off x="7053490" y="8744074"/>
+            <a:off x="6981482" y="8744074"/>
             <a:ext cx="826115" cy="153888"/>
           </a:xfrm>
           <a:prstGeom prst="rect">
@@ -16269,6 +16284,42 @@
           </a:p>
         </p:txBody>
       </p:sp>
+      <p:sp>
+        <p:nvSpPr>
+          <p:cNvPr id="118" name="TextBox 117"/>
+          <p:cNvSpPr txBox="1"/>
+          <p:nvPr/>
+        </p:nvSpPr>
+        <p:spPr>
+          <a:xfrm>
+            <a:off x="2983061" y="1238634"/>
+            <a:ext cx="137858" cy="257369"/>
+          </a:xfrm>
+          <a:prstGeom prst="rect">
+            <a:avLst/>
+          </a:prstGeom>
+          <a:noFill/>
+        </p:spPr>
+        <p:txBody>
+          <a:bodyPr wrap="none" lIns="0" tIns="36000" rIns="0" bIns="36000" rtlCol="0" anchor="ctr" anchorCtr="1">
+            <a:spAutoFit/>
+          </a:bodyPr>
+          <a:lstStyle/>
+          <a:p>
+            <a:pPr algn="ctr"/>
+            <a:r>
+              <a:rPr lang="en-US" sz="1200" b="1" dirty="0" smtClean="0">
+                <a:latin typeface="Wingdings" panose="05000000000000000000" pitchFamily="2" charset="2"/>
+              </a:rPr>
+              <a:t>€</a:t>
+            </a:r>
+            <a:endParaRPr lang="en-US" sz="1000" b="1" dirty="0">
+              <a:latin typeface="Arial" panose="020B0604020202020204" pitchFamily="34" charset="0"/>
+              <a:cs typeface="Arial" panose="020B0604020202020204" pitchFamily="34" charset="0"/>
+            </a:endParaRPr>
+          </a:p>
+        </p:txBody>
+      </p:sp>
     </p:spTree>
     <p:extLst>
       <p:ext uri="{BB962C8B-B14F-4D97-AF65-F5344CB8AC3E}">
@@ -16308,71 +16359,14 @@
       </p:grpSpPr>
       <p:sp>
         <p:nvSpPr>
-          <p:cNvPr id="4" name="Rectangle 3"/>
-          <p:cNvSpPr/>
-          <p:nvPr/>
-        </p:nvSpPr>
-        <p:spPr>
-          <a:xfrm>
-            <a:off x="610923" y="3760170"/>
-            <a:ext cx="7912629" cy="3069244"/>
-          </a:xfrm>
-          <a:prstGeom prst="rect">
-            <a:avLst/>
-          </a:prstGeom>
-          <a:solidFill>
-            <a:srgbClr val="FFFFE7"/>
-          </a:solidFill>
-          <a:ln w="6350">
-            <a:solidFill>
-              <a:schemeClr val="bg1">
-                <a:lumMod val="50000"/>
-              </a:schemeClr>
-            </a:solidFill>
-          </a:ln>
-          <a:effectLst>
-            <a:outerShdw blurRad="50800" dist="38100" dir="2700000" algn="tl" rotWithShape="0">
-              <a:prstClr val="black">
-                <a:alpha val="40000"/>
-              </a:prstClr>
-            </a:outerShdw>
-          </a:effectLst>
-        </p:spPr>
-        <p:style>
-          <a:lnRef idx="2">
-            <a:schemeClr val="accent1">
-              <a:shade val="50000"/>
-            </a:schemeClr>
-          </a:lnRef>
-          <a:fillRef idx="1">
-            <a:schemeClr val="accent1"/>
-          </a:fillRef>
-          <a:effectRef idx="0">
-            <a:schemeClr val="accent1"/>
-          </a:effectRef>
-          <a:fontRef idx="minor">
-            <a:schemeClr val="lt1"/>
-          </a:fontRef>
-        </p:style>
-        <p:txBody>
-          <a:bodyPr rtlCol="0" anchor="ctr"/>
-          <a:lstStyle/>
-          <a:p>
-            <a:pPr algn="ctr"/>
-            <a:endParaRPr lang="en-US"/>
-          </a:p>
-        </p:txBody>
-      </p:sp>
-      <p:sp>
-        <p:nvSpPr>
           <p:cNvPr id="2" name="TextBox 1"/>
           <p:cNvSpPr txBox="1"/>
           <p:nvPr/>
         </p:nvSpPr>
         <p:spPr>
           <a:xfrm>
-            <a:off x="1256906" y="300977"/>
-            <a:ext cx="6429965" cy="523220"/>
+            <a:off x="822821" y="300977"/>
+            <a:ext cx="7415813" cy="523220"/>
           </a:xfrm>
           <a:prstGeom prst="rect">
             <a:avLst/>
@@ -16390,7 +16384,35 @@
                 <a:latin typeface="Times New Roman" panose="02020603050405020304" pitchFamily="18" charset="0"/>
                 <a:cs typeface="Times New Roman" panose="02020603050405020304" pitchFamily="18" charset="0"/>
               </a:rPr>
-              <a:t>Condensed description of the message flow</a:t>
+              <a:t>Condensed description of the </a:t>
+            </a:r>
+            <a:r>
+              <a:rPr lang="en-US" sz="2800" dirty="0" smtClean="0">
+                <a:latin typeface="Times New Roman" panose="02020603050405020304" pitchFamily="18" charset="0"/>
+                <a:cs typeface="Times New Roman" panose="02020603050405020304" pitchFamily="18" charset="0"/>
+              </a:rPr>
+              <a:t>“</a:t>
+            </a:r>
+            <a:r>
+              <a:rPr lang="en-US" sz="2800" dirty="0">
+                <a:latin typeface="Times New Roman" panose="02020603050405020304" pitchFamily="18" charset="0"/>
+                <a:cs typeface="Times New Roman" panose="02020603050405020304" pitchFamily="18" charset="0"/>
+              </a:rPr>
+              <a:t>p</a:t>
+            </a:r>
+            <a:r>
+              <a:rPr lang="en-US" sz="2800" dirty="0" smtClean="0">
+                <a:latin typeface="Times New Roman" panose="02020603050405020304" pitchFamily="18" charset="0"/>
+                <a:cs typeface="Times New Roman" panose="02020603050405020304" pitchFamily="18" charset="0"/>
+              </a:rPr>
+              <a:t>ull” message </a:t>
+            </a:r>
+            <a:r>
+              <a:rPr lang="en-US" sz="2800" dirty="0" smtClean="0">
+                <a:latin typeface="Times New Roman" panose="02020603050405020304" pitchFamily="18" charset="0"/>
+                <a:cs typeface="Times New Roman" panose="02020603050405020304" pitchFamily="18" charset="0"/>
+              </a:rPr>
+              <a:t>flow</a:t>
             </a:r>
             <a:endParaRPr lang="en-US" sz="2800" dirty="0">
               <a:latin typeface="Times New Roman" panose="02020603050405020304" pitchFamily="18" charset="0"/>
@@ -16408,7 +16430,7 @@
         <p:spPr>
           <a:xfrm>
             <a:off x="657352" y="1266774"/>
-            <a:ext cx="7912628" cy="5709255"/>
+            <a:ext cx="7912628" cy="6124754"/>
           </a:xfrm>
           <a:prstGeom prst="rect">
             <a:avLst/>
@@ -16434,7 +16456,843 @@
                 <a:latin typeface="Arial" panose="020B0604020202020204" pitchFamily="34" charset="0"/>
                 <a:cs typeface="Arial" panose="020B0604020202020204" pitchFamily="34" charset="0"/>
               </a:rPr>
-              <a:t>0.   	When the user is ready with the purchasing process, he/she clicks on “checkout” (if there are entirely different payment methods the user would have to select from these first).  This operation should cause the Merchant server creating a new page (window) holding an IFRAME with the Payment Application as well as providing the holder window with a signed request (to be used in step 2).</a:t>
+              <a:t>0.   	When the user is ready with the purchasing process, he/she clicks on “checkout” (if there are entirely different payment methods the user would have to select from these </a:t>
+            </a:r>
+            <a:r>
+              <a:rPr lang="en-US" sz="1000" dirty="0" smtClean="0">
+                <a:latin typeface="Arial" panose="020B0604020202020204" pitchFamily="34" charset="0"/>
+                <a:cs typeface="Arial" panose="020B0604020202020204" pitchFamily="34" charset="0"/>
+              </a:rPr>
+              <a:t>first) which should trigger an HTTP GET or POST request to the </a:t>
+            </a:r>
+            <a:r>
+              <a:rPr lang="en-US" sz="1000" dirty="0">
+                <a:latin typeface="Arial" panose="020B0604020202020204" pitchFamily="34" charset="0"/>
+                <a:cs typeface="Arial" panose="020B0604020202020204" pitchFamily="34" charset="0"/>
+              </a:rPr>
+              <a:t>M</a:t>
+            </a:r>
+            <a:r>
+              <a:rPr lang="en-US" sz="1000" dirty="0" smtClean="0">
+                <a:latin typeface="Arial" panose="020B0604020202020204" pitchFamily="34" charset="0"/>
+                <a:cs typeface="Arial" panose="020B0604020202020204" pitchFamily="34" charset="0"/>
+              </a:rPr>
+              <a:t>erchant’s server.</a:t>
+            </a:r>
+          </a:p>
+          <a:p>
+            <a:pPr marL="360363" indent="-360363">
+              <a:spcBef>
+                <a:spcPts val="600"/>
+              </a:spcBef>
+              <a:buAutoNum type="arabicPeriod"/>
+              <a:tabLst>
+                <a:tab pos="360363" algn="l"/>
+                <a:tab pos="806450" algn="l"/>
+              </a:tabLst>
+            </a:pPr>
+            <a:r>
+              <a:rPr lang="en-US" sz="1000" dirty="0" smtClean="0">
+                <a:latin typeface="Arial" panose="020B0604020202020204" pitchFamily="34" charset="0"/>
+                <a:cs typeface="Arial" panose="020B0604020202020204" pitchFamily="34" charset="0"/>
+              </a:rPr>
+              <a:t>The </a:t>
+            </a:r>
+            <a:r>
+              <a:rPr lang="en-US" sz="1000" dirty="0">
+                <a:latin typeface="Arial" panose="020B0604020202020204" pitchFamily="34" charset="0"/>
+                <a:cs typeface="Arial" panose="020B0604020202020204" pitchFamily="34" charset="0"/>
+              </a:rPr>
+              <a:t>previous operation should cause the Merchant server creating a new </a:t>
+            </a:r>
+            <a:r>
+              <a:rPr lang="en-US" sz="1000" dirty="0" smtClean="0">
+                <a:latin typeface="Arial" panose="020B0604020202020204" pitchFamily="34" charset="0"/>
+                <a:cs typeface="Arial" panose="020B0604020202020204" pitchFamily="34" charset="0"/>
+              </a:rPr>
+              <a:t>page holding </a:t>
+            </a:r>
+            <a:r>
+              <a:rPr lang="en-US" sz="1000" dirty="0">
+                <a:latin typeface="Arial" panose="020B0604020202020204" pitchFamily="34" charset="0"/>
+                <a:cs typeface="Arial" panose="020B0604020202020204" pitchFamily="34" charset="0"/>
+              </a:rPr>
+              <a:t>a </a:t>
+            </a:r>
+            <a:r>
+              <a:rPr lang="en-US" sz="1000" dirty="0" smtClean="0">
+                <a:latin typeface="Arial" panose="020B0604020202020204" pitchFamily="34" charset="0"/>
+                <a:cs typeface="Arial" panose="020B0604020202020204" pitchFamily="34" charset="0"/>
+              </a:rPr>
+              <a:t>short description </a:t>
+            </a:r>
+            <a:r>
+              <a:rPr lang="en-US" sz="1000" dirty="0">
+                <a:latin typeface="Arial" panose="020B0604020202020204" pitchFamily="34" charset="0"/>
+                <a:cs typeface="Arial" panose="020B0604020202020204" pitchFamily="34" charset="0"/>
+              </a:rPr>
+              <a:t>of the payment to </a:t>
+            </a:r>
+            <a:r>
+              <a:rPr lang="en-US" sz="1000" dirty="0" smtClean="0">
+                <a:latin typeface="Arial" panose="020B0604020202020204" pitchFamily="34" charset="0"/>
+                <a:cs typeface="Arial" panose="020B0604020202020204" pitchFamily="34" charset="0"/>
+              </a:rPr>
+              <a:t>be performed </a:t>
+            </a:r>
+            <a:r>
+              <a:rPr lang="en-US" sz="1000" dirty="0">
+                <a:latin typeface="Arial" panose="020B0604020202020204" pitchFamily="34" charset="0"/>
+                <a:cs typeface="Arial" panose="020B0604020202020204" pitchFamily="34" charset="0"/>
+              </a:rPr>
+              <a:t>as well as a call to </a:t>
+            </a:r>
+            <a:r>
+              <a:rPr lang="en-US" sz="1000" dirty="0" err="1" smtClean="0">
+                <a:latin typeface="Courier New" panose="02070309020205020404" pitchFamily="49" charset="0"/>
+                <a:cs typeface="Courier New" panose="02070309020205020404" pitchFamily="49" charset="0"/>
+              </a:rPr>
+              <a:t>navigator.nativeConnect</a:t>
+            </a:r>
+            <a:r>
+              <a:rPr lang="en-US" sz="1000" dirty="0" smtClean="0">
+                <a:latin typeface="Courier New" panose="02070309020205020404" pitchFamily="49" charset="0"/>
+                <a:cs typeface="Courier New" panose="02070309020205020404" pitchFamily="49" charset="0"/>
+              </a:rPr>
+              <a:t>()</a:t>
+            </a:r>
+            <a:r>
+              <a:rPr lang="en-US" sz="1000" dirty="0" smtClean="0">
+                <a:latin typeface="Arial" panose="020B0604020202020204" pitchFamily="34" charset="0"/>
+                <a:cs typeface="Arial" panose="020B0604020202020204" pitchFamily="34" charset="0"/>
+              </a:rPr>
+              <a:t> </a:t>
+            </a:r>
+            <a:r>
+              <a:rPr lang="en-US" sz="1000" dirty="0">
+                <a:latin typeface="Arial" panose="020B0604020202020204" pitchFamily="34" charset="0"/>
+                <a:cs typeface="Arial" panose="020B0604020202020204" pitchFamily="34" charset="0"/>
+              </a:rPr>
+              <a:t>with the name of the Wallet application.  The page will also host a </a:t>
+            </a:r>
+            <a:r>
+              <a:rPr lang="en-US" sz="1000" dirty="0" smtClean="0">
+                <a:latin typeface="Arial" panose="020B0604020202020204" pitchFamily="34" charset="0"/>
+                <a:cs typeface="Arial" panose="020B0604020202020204" pitchFamily="34" charset="0"/>
+              </a:rPr>
+              <a:t>JSON-object holding a list of accepted card-types and a digitally </a:t>
+            </a:r>
+            <a:r>
+              <a:rPr lang="en-US" sz="1000" dirty="0">
+                <a:latin typeface="Arial" panose="020B0604020202020204" pitchFamily="34" charset="0"/>
+                <a:cs typeface="Arial" panose="020B0604020202020204" pitchFamily="34" charset="0"/>
+              </a:rPr>
+              <a:t>signed </a:t>
+            </a:r>
+            <a:r>
+              <a:rPr lang="en-US" sz="1000" dirty="0" err="1" smtClean="0">
+                <a:latin typeface="Arial" panose="020B0604020202020204" pitchFamily="34" charset="0"/>
+                <a:cs typeface="Arial" panose="020B0604020202020204" pitchFamily="34" charset="0"/>
+              </a:rPr>
+              <a:t>PaymentRequest</a:t>
+            </a:r>
+            <a:r>
+              <a:rPr lang="en-US" sz="1000" dirty="0">
+                <a:latin typeface="Arial" panose="020B0604020202020204" pitchFamily="34" charset="0"/>
+                <a:cs typeface="Arial" panose="020B0604020202020204" pitchFamily="34" charset="0"/>
+              </a:rPr>
+              <a:t>.</a:t>
+            </a:r>
+            <a:r>
+              <a:rPr lang="en-US" sz="1000" dirty="0" smtClean="0">
+                <a:latin typeface="Arial" panose="020B0604020202020204" pitchFamily="34" charset="0"/>
+                <a:cs typeface="Arial" panose="020B0604020202020204" pitchFamily="34" charset="0"/>
+              </a:rPr>
+              <a:t> </a:t>
+            </a:r>
+          </a:p>
+          <a:p>
+            <a:pPr marL="360363" indent="-360363">
+              <a:spcBef>
+                <a:spcPts val="600"/>
+              </a:spcBef>
+              <a:buFontTx/>
+              <a:buAutoNum type="arabicPeriod"/>
+              <a:tabLst>
+                <a:tab pos="360363" algn="l"/>
+                <a:tab pos="806450" algn="l"/>
+              </a:tabLst>
+            </a:pPr>
+            <a:r>
+              <a:rPr lang="en-US" sz="1000" dirty="0" smtClean="0">
+                <a:latin typeface="Arial" panose="020B0604020202020204" pitchFamily="34" charset="0"/>
+                <a:cs typeface="Arial" panose="020B0604020202020204" pitchFamily="34" charset="0"/>
+              </a:rPr>
+              <a:t>When </a:t>
+            </a:r>
+            <a:r>
+              <a:rPr lang="en-US" sz="1000" dirty="0">
+                <a:latin typeface="Arial" panose="020B0604020202020204" pitchFamily="34" charset="0"/>
+                <a:cs typeface="Arial" panose="020B0604020202020204" pitchFamily="34" charset="0"/>
+              </a:rPr>
+              <a:t>the </a:t>
+            </a:r>
+            <a:r>
+              <a:rPr lang="en-US" sz="1000" dirty="0" smtClean="0">
+                <a:latin typeface="Arial" panose="020B0604020202020204" pitchFamily="34" charset="0"/>
+                <a:cs typeface="Arial" panose="020B0604020202020204" pitchFamily="34" charset="0"/>
+              </a:rPr>
+              <a:t>Wallet Application </a:t>
+            </a:r>
+            <a:r>
+              <a:rPr lang="en-US" sz="1000" dirty="0">
+                <a:latin typeface="Arial" panose="020B0604020202020204" pitchFamily="34" charset="0"/>
+                <a:cs typeface="Arial" panose="020B0604020202020204" pitchFamily="34" charset="0"/>
+              </a:rPr>
+              <a:t>has been loaded, it sends </a:t>
+            </a:r>
+            <a:r>
+              <a:rPr lang="en-US" sz="1000" dirty="0" smtClean="0">
+                <a:latin typeface="Arial" panose="020B0604020202020204" pitchFamily="34" charset="0"/>
+                <a:cs typeface="Arial" panose="020B0604020202020204" pitchFamily="34" charset="0"/>
+              </a:rPr>
+              <a:t>a </a:t>
+            </a:r>
+            <a:r>
+              <a:rPr lang="en-US" sz="1000" dirty="0" err="1" smtClean="0">
+                <a:solidFill>
+                  <a:schemeClr val="accent1"/>
+                </a:solidFill>
+                <a:latin typeface="Arial" panose="020B0604020202020204" pitchFamily="34" charset="0"/>
+                <a:cs typeface="Arial" panose="020B0604020202020204" pitchFamily="34" charset="0"/>
+              </a:rPr>
+              <a:t>WalletInitialized</a:t>
+            </a:r>
+            <a:r>
+              <a:rPr lang="en-US" sz="1000" dirty="0" smtClean="0">
+                <a:latin typeface="Arial" panose="020B0604020202020204" pitchFamily="34" charset="0"/>
+                <a:cs typeface="Arial" panose="020B0604020202020204" pitchFamily="34" charset="0"/>
+              </a:rPr>
+              <a:t> message to </a:t>
+            </a:r>
+            <a:r>
+              <a:rPr lang="en-US" sz="1000" dirty="0">
+                <a:latin typeface="Arial" panose="020B0604020202020204" pitchFamily="34" charset="0"/>
+                <a:cs typeface="Arial" panose="020B0604020202020204" pitchFamily="34" charset="0"/>
+              </a:rPr>
+              <a:t>the p</a:t>
+            </a:r>
+            <a:r>
+              <a:rPr lang="en-US" sz="1000" dirty="0" smtClean="0">
+                <a:latin typeface="Arial" panose="020B0604020202020204" pitchFamily="34" charset="0"/>
+                <a:cs typeface="Arial" panose="020B0604020202020204" pitchFamily="34" charset="0"/>
+              </a:rPr>
+              <a:t>ayment window </a:t>
+            </a:r>
+            <a:r>
+              <a:rPr lang="en-US" sz="1000" dirty="0">
+                <a:latin typeface="Arial" panose="020B0604020202020204" pitchFamily="34" charset="0"/>
+                <a:cs typeface="Arial" panose="020B0604020202020204" pitchFamily="34" charset="0"/>
+              </a:rPr>
+              <a:t>to signal that it is ready for taking on a payment </a:t>
+            </a:r>
+            <a:r>
+              <a:rPr lang="en-US" sz="1000" dirty="0" smtClean="0">
+                <a:latin typeface="Arial" panose="020B0604020202020204" pitchFamily="34" charset="0"/>
+                <a:cs typeface="Arial" panose="020B0604020202020204" pitchFamily="34" charset="0"/>
+              </a:rPr>
+              <a:t>request.  This message also contains windowing information which the payment page can use to adjust its content so that it is not hidden by the Wallet window. </a:t>
+            </a:r>
+          </a:p>
+          <a:p>
+            <a:pPr marL="360363" indent="-360363">
+              <a:spcBef>
+                <a:spcPts val="600"/>
+              </a:spcBef>
+              <a:buFontTx/>
+              <a:buAutoNum type="arabicPeriod"/>
+              <a:tabLst>
+                <a:tab pos="360363" algn="l"/>
+                <a:tab pos="806450" algn="l"/>
+              </a:tabLst>
+            </a:pPr>
+            <a:r>
+              <a:rPr lang="en-US" sz="1000" dirty="0">
+                <a:latin typeface="Arial" panose="020B0604020202020204" pitchFamily="34" charset="0"/>
+                <a:cs typeface="Arial" panose="020B0604020202020204" pitchFamily="34" charset="0"/>
+              </a:rPr>
+              <a:t>The </a:t>
+            </a:r>
+            <a:r>
+              <a:rPr lang="en-US" sz="1000" dirty="0" smtClean="0">
+                <a:latin typeface="Arial" panose="020B0604020202020204" pitchFamily="34" charset="0"/>
+                <a:cs typeface="Arial" panose="020B0604020202020204" pitchFamily="34" charset="0"/>
+              </a:rPr>
+              <a:t>payment page sends </a:t>
+            </a:r>
+            <a:r>
+              <a:rPr lang="en-US" sz="1000" dirty="0">
+                <a:latin typeface="Arial" panose="020B0604020202020204" pitchFamily="34" charset="0"/>
+                <a:cs typeface="Arial" panose="020B0604020202020204" pitchFamily="34" charset="0"/>
+              </a:rPr>
+              <a:t>the </a:t>
+            </a:r>
+            <a:r>
+              <a:rPr lang="en-US" sz="1000" dirty="0" smtClean="0">
+                <a:latin typeface="Arial" panose="020B0604020202020204" pitchFamily="34" charset="0"/>
+                <a:cs typeface="Arial" panose="020B0604020202020204" pitchFamily="34" charset="0"/>
+              </a:rPr>
+              <a:t>previously created JSON object in </a:t>
+            </a:r>
+            <a:r>
+              <a:rPr lang="en-US" sz="1000" dirty="0">
+                <a:latin typeface="Arial" panose="020B0604020202020204" pitchFamily="34" charset="0"/>
+                <a:cs typeface="Arial" panose="020B0604020202020204" pitchFamily="34" charset="0"/>
+              </a:rPr>
+              <a:t>an </a:t>
+            </a:r>
+            <a:r>
+              <a:rPr lang="en-US" sz="1000" dirty="0" err="1" smtClean="0">
+                <a:solidFill>
+                  <a:schemeClr val="accent1"/>
+                </a:solidFill>
+                <a:latin typeface="Arial" panose="020B0604020202020204" pitchFamily="34" charset="0"/>
+                <a:cs typeface="Arial" panose="020B0604020202020204" pitchFamily="34" charset="0"/>
+              </a:rPr>
+              <a:t>InvokeWallet</a:t>
+            </a:r>
+            <a:r>
+              <a:rPr lang="en-US" sz="1000" dirty="0" smtClean="0">
+                <a:solidFill>
+                  <a:schemeClr val="accent1"/>
+                </a:solidFill>
+                <a:latin typeface="Arial" panose="020B0604020202020204" pitchFamily="34" charset="0"/>
+                <a:cs typeface="Arial" panose="020B0604020202020204" pitchFamily="34" charset="0"/>
+              </a:rPr>
+              <a:t> </a:t>
+            </a:r>
+            <a:r>
+              <a:rPr lang="en-US" sz="1000" dirty="0" smtClean="0">
+                <a:latin typeface="Arial" panose="020B0604020202020204" pitchFamily="34" charset="0"/>
+                <a:cs typeface="Arial" panose="020B0604020202020204" pitchFamily="34" charset="0"/>
+              </a:rPr>
+              <a:t>message to the Wallet application which now enters its active state. </a:t>
+            </a:r>
+            <a:endParaRPr lang="en-US" sz="1000" dirty="0">
+              <a:latin typeface="Arial" panose="020B0604020202020204" pitchFamily="34" charset="0"/>
+              <a:cs typeface="Arial" panose="020B0604020202020204" pitchFamily="34" charset="0"/>
+            </a:endParaRPr>
+          </a:p>
+          <a:p>
+            <a:pPr marL="360363" indent="-360363">
+              <a:spcBef>
+                <a:spcPts val="600"/>
+              </a:spcBef>
+              <a:buFontTx/>
+              <a:buAutoNum type="arabicPeriod"/>
+              <a:tabLst>
+                <a:tab pos="360363" algn="l"/>
+                <a:tab pos="806450" algn="l"/>
+              </a:tabLst>
+            </a:pPr>
+            <a:r>
+              <a:rPr lang="en-US" sz="1000" dirty="0">
+                <a:latin typeface="Arial" panose="020B0604020202020204" pitchFamily="34" charset="0"/>
+                <a:cs typeface="Arial" panose="020B0604020202020204" pitchFamily="34" charset="0"/>
+              </a:rPr>
+              <a:t>When the user has selected a card to use (only applicable cards will be shown), the </a:t>
+            </a:r>
+            <a:r>
+              <a:rPr lang="en-US" sz="1000" dirty="0" smtClean="0">
+                <a:latin typeface="Arial" panose="020B0604020202020204" pitchFamily="34" charset="0"/>
+                <a:cs typeface="Arial" panose="020B0604020202020204" pitchFamily="34" charset="0"/>
+              </a:rPr>
+              <a:t>Wallet application displays a reduced version of </a:t>
+            </a:r>
+            <a:r>
+              <a:rPr lang="en-US" sz="1000" dirty="0">
+                <a:latin typeface="Arial" panose="020B0604020202020204" pitchFamily="34" charset="0"/>
+                <a:cs typeface="Arial" panose="020B0604020202020204" pitchFamily="34" charset="0"/>
+              </a:rPr>
+              <a:t>the payment </a:t>
+            </a:r>
+            <a:r>
+              <a:rPr lang="en-US" sz="1000" dirty="0" smtClean="0">
+                <a:latin typeface="Arial" panose="020B0604020202020204" pitchFamily="34" charset="0"/>
+                <a:cs typeface="Arial" panose="020B0604020202020204" pitchFamily="34" charset="0"/>
+              </a:rPr>
+              <a:t>request (</a:t>
+            </a:r>
+            <a:r>
+              <a:rPr lang="en-US" sz="1000" dirty="0">
+                <a:latin typeface="Arial" panose="020B0604020202020204" pitchFamily="34" charset="0"/>
+                <a:cs typeface="Arial" panose="020B0604020202020204" pitchFamily="34" charset="0"/>
+              </a:rPr>
+              <a:t>received in the previous step), </a:t>
+            </a:r>
+            <a:r>
+              <a:rPr lang="en-US" sz="1000" dirty="0" smtClean="0">
+                <a:latin typeface="Arial" panose="020B0604020202020204" pitchFamily="34" charset="0"/>
+                <a:cs typeface="Arial" panose="020B0604020202020204" pitchFamily="34" charset="0"/>
+              </a:rPr>
+              <a:t>for the user to accept (or reject).</a:t>
+            </a:r>
+            <a:r>
+              <a:rPr lang="en-US" sz="300" dirty="0" smtClean="0">
+                <a:latin typeface="Arial" panose="020B0604020202020204" pitchFamily="34" charset="0"/>
+                <a:cs typeface="Arial" panose="020B0604020202020204" pitchFamily="34" charset="0"/>
+              </a:rPr>
+              <a:t/>
+            </a:r>
+            <a:br>
+              <a:rPr lang="en-US" sz="300" dirty="0" smtClean="0">
+                <a:latin typeface="Arial" panose="020B0604020202020204" pitchFamily="34" charset="0"/>
+                <a:cs typeface="Arial" panose="020B0604020202020204" pitchFamily="34" charset="0"/>
+              </a:rPr>
+            </a:br>
+            <a:r>
+              <a:rPr lang="en-US" sz="300" dirty="0" smtClean="0">
+                <a:latin typeface="Arial" panose="020B0604020202020204" pitchFamily="34" charset="0"/>
+                <a:cs typeface="Arial" panose="020B0604020202020204" pitchFamily="34" charset="0"/>
+              </a:rPr>
+              <a:t/>
+            </a:r>
+            <a:br>
+              <a:rPr lang="en-US" sz="300" dirty="0" smtClean="0">
+                <a:latin typeface="Arial" panose="020B0604020202020204" pitchFamily="34" charset="0"/>
+                <a:cs typeface="Arial" panose="020B0604020202020204" pitchFamily="34" charset="0"/>
+              </a:rPr>
+            </a:br>
+            <a:r>
+              <a:rPr lang="en-US" sz="1000" dirty="0" smtClean="0">
+                <a:latin typeface="Arial" panose="020B0604020202020204" pitchFamily="34" charset="0"/>
+                <a:cs typeface="Arial" panose="020B0604020202020204" pitchFamily="34" charset="0"/>
+              </a:rPr>
+              <a:t>Then the Wallet application puts </a:t>
+            </a:r>
+            <a:r>
+              <a:rPr lang="en-US" sz="1000" dirty="0">
+                <a:latin typeface="Arial" panose="020B0604020202020204" pitchFamily="34" charset="0"/>
+                <a:cs typeface="Arial" panose="020B0604020202020204" pitchFamily="34" charset="0"/>
+              </a:rPr>
+              <a:t>the payment request </a:t>
+            </a:r>
+            <a:r>
+              <a:rPr lang="en-US" sz="1000" dirty="0" smtClean="0">
+                <a:latin typeface="Arial" panose="020B0604020202020204" pitchFamily="34" charset="0"/>
+                <a:cs typeface="Arial" panose="020B0604020202020204" pitchFamily="34" charset="0"/>
+              </a:rPr>
+              <a:t>in </a:t>
+            </a:r>
+            <a:r>
+              <a:rPr lang="en-US" sz="1000" dirty="0">
+                <a:latin typeface="Arial" panose="020B0604020202020204" pitchFamily="34" charset="0"/>
+                <a:cs typeface="Arial" panose="020B0604020202020204" pitchFamily="34" charset="0"/>
+              </a:rPr>
+              <a:t>a container document together with the associated card </a:t>
+            </a:r>
+            <a:r>
+              <a:rPr lang="en-US" sz="1000" dirty="0" smtClean="0">
+                <a:latin typeface="Arial" panose="020B0604020202020204" pitchFamily="34" charset="0"/>
+                <a:cs typeface="Arial" panose="020B0604020202020204" pitchFamily="34" charset="0"/>
+              </a:rPr>
+              <a:t>data.</a:t>
+            </a:r>
+            <a:r>
+              <a:rPr lang="en-US" sz="300" dirty="0" smtClean="0">
+                <a:latin typeface="Arial" panose="020B0604020202020204" pitchFamily="34" charset="0"/>
+                <a:cs typeface="Arial" panose="020B0604020202020204" pitchFamily="34" charset="0"/>
+              </a:rPr>
+              <a:t/>
+            </a:r>
+            <a:br>
+              <a:rPr lang="en-US" sz="300" dirty="0" smtClean="0">
+                <a:latin typeface="Arial" panose="020B0604020202020204" pitchFamily="34" charset="0"/>
+                <a:cs typeface="Arial" panose="020B0604020202020204" pitchFamily="34" charset="0"/>
+              </a:rPr>
+            </a:br>
+            <a:r>
+              <a:rPr lang="en-US" sz="300" dirty="0" smtClean="0">
+                <a:latin typeface="Arial" panose="020B0604020202020204" pitchFamily="34" charset="0"/>
+                <a:cs typeface="Arial" panose="020B0604020202020204" pitchFamily="34" charset="0"/>
+              </a:rPr>
+              <a:t/>
+            </a:r>
+            <a:br>
+              <a:rPr lang="en-US" sz="300" dirty="0" smtClean="0">
+                <a:latin typeface="Arial" panose="020B0604020202020204" pitchFamily="34" charset="0"/>
+                <a:cs typeface="Arial" panose="020B0604020202020204" pitchFamily="34" charset="0"/>
+              </a:rPr>
+            </a:br>
+            <a:r>
+              <a:rPr lang="en-US" sz="1000" dirty="0" smtClean="0">
+                <a:latin typeface="Arial" panose="020B0604020202020204" pitchFamily="34" charset="0"/>
+                <a:cs typeface="Arial" panose="020B0604020202020204" pitchFamily="34" charset="0"/>
+              </a:rPr>
+              <a:t>When </a:t>
+            </a:r>
+            <a:r>
+              <a:rPr lang="en-US" sz="1000" dirty="0">
+                <a:latin typeface="Arial" panose="020B0604020202020204" pitchFamily="34" charset="0"/>
+                <a:cs typeface="Arial" panose="020B0604020202020204" pitchFamily="34" charset="0"/>
+              </a:rPr>
+              <a:t>the user has provided a valid </a:t>
+            </a:r>
+            <a:r>
+              <a:rPr lang="en-US" sz="1000" dirty="0" smtClean="0">
+                <a:latin typeface="Arial" panose="020B0604020202020204" pitchFamily="34" charset="0"/>
+                <a:cs typeface="Arial" panose="020B0604020202020204" pitchFamily="34" charset="0"/>
+              </a:rPr>
+              <a:t>PIN, </a:t>
+            </a:r>
+            <a:r>
+              <a:rPr lang="en-US" sz="1000" dirty="0">
+                <a:latin typeface="Arial" panose="020B0604020202020204" pitchFamily="34" charset="0"/>
+                <a:cs typeface="Arial" panose="020B0604020202020204" pitchFamily="34" charset="0"/>
+              </a:rPr>
+              <a:t>the </a:t>
+            </a:r>
+            <a:r>
+              <a:rPr lang="en-US" sz="1000" dirty="0" smtClean="0">
+                <a:latin typeface="Arial" panose="020B0604020202020204" pitchFamily="34" charset="0"/>
+                <a:cs typeface="Arial" panose="020B0604020202020204" pitchFamily="34" charset="0"/>
+              </a:rPr>
+              <a:t>Wallet application </a:t>
+            </a:r>
+            <a:r>
+              <a:rPr lang="en-US" sz="1000" i="1" dirty="0">
+                <a:latin typeface="Arial" panose="020B0604020202020204" pitchFamily="34" charset="0"/>
+                <a:cs typeface="Arial" panose="020B0604020202020204" pitchFamily="34" charset="0"/>
+              </a:rPr>
+              <a:t>counter-signs</a:t>
+            </a:r>
+            <a:r>
+              <a:rPr lang="en-US" sz="1000" dirty="0">
+                <a:latin typeface="Arial" panose="020B0604020202020204" pitchFamily="34" charset="0"/>
+                <a:cs typeface="Arial" panose="020B0604020202020204" pitchFamily="34" charset="0"/>
+              </a:rPr>
+              <a:t> (“authorizes”) the container document with the </a:t>
+            </a:r>
+            <a:r>
+              <a:rPr lang="en-US" sz="1000" dirty="0" smtClean="0">
+                <a:latin typeface="Arial" panose="020B0604020202020204" pitchFamily="34" charset="0"/>
+                <a:cs typeface="Arial" panose="020B0604020202020204" pitchFamily="34" charset="0"/>
+              </a:rPr>
+              <a:t>card-holder key</a:t>
+            </a:r>
+            <a:r>
+              <a:rPr lang="en-US" sz="1000" dirty="0">
+                <a:latin typeface="Arial" panose="020B0604020202020204" pitchFamily="34" charset="0"/>
+                <a:cs typeface="Arial" panose="020B0604020202020204" pitchFamily="34" charset="0"/>
+              </a:rPr>
+              <a:t> </a:t>
+            </a:r>
+            <a:r>
+              <a:rPr lang="en-US" sz="1000" dirty="0" smtClean="0">
+                <a:latin typeface="Arial" panose="020B0604020202020204" pitchFamily="34" charset="0"/>
+                <a:cs typeface="Arial" panose="020B0604020202020204" pitchFamily="34" charset="0"/>
+              </a:rPr>
+              <a:t>producing a </a:t>
+            </a:r>
+            <a:r>
+              <a:rPr lang="en-US" sz="1000" dirty="0" err="1" smtClean="0">
+                <a:solidFill>
+                  <a:schemeClr val="accent1"/>
+                </a:solidFill>
+                <a:latin typeface="Arial" panose="020B0604020202020204" pitchFamily="34" charset="0"/>
+                <a:cs typeface="Arial" panose="020B0604020202020204" pitchFamily="34" charset="0"/>
+              </a:rPr>
+              <a:t>PayerGenericAuthReq</a:t>
+            </a:r>
+            <a:r>
+              <a:rPr lang="en-US" sz="1000" dirty="0" smtClean="0">
+                <a:solidFill>
+                  <a:schemeClr val="accent1"/>
+                </a:solidFill>
+                <a:latin typeface="Arial" panose="020B0604020202020204" pitchFamily="34" charset="0"/>
+                <a:cs typeface="Arial" panose="020B0604020202020204" pitchFamily="34" charset="0"/>
+              </a:rPr>
+              <a:t> </a:t>
+            </a:r>
+            <a:r>
+              <a:rPr lang="en-US" sz="1000" dirty="0" smtClean="0">
+                <a:latin typeface="Arial" panose="020B0604020202020204" pitchFamily="34" charset="0"/>
+                <a:cs typeface="Arial" panose="020B0604020202020204" pitchFamily="34" charset="0"/>
+              </a:rPr>
+              <a:t>message.</a:t>
+            </a:r>
+            <a:r>
+              <a:rPr lang="en-US" sz="300" dirty="0" smtClean="0">
+                <a:latin typeface="Arial" panose="020B0604020202020204" pitchFamily="34" charset="0"/>
+                <a:cs typeface="Arial" panose="020B0604020202020204" pitchFamily="34" charset="0"/>
+              </a:rPr>
+              <a:t/>
+            </a:r>
+            <a:br>
+              <a:rPr lang="en-US" sz="300" dirty="0" smtClean="0">
+                <a:latin typeface="Arial" panose="020B0604020202020204" pitchFamily="34" charset="0"/>
+                <a:cs typeface="Arial" panose="020B0604020202020204" pitchFamily="34" charset="0"/>
+              </a:rPr>
+            </a:br>
+            <a:r>
+              <a:rPr lang="en-US" sz="300" dirty="0" smtClean="0">
+                <a:latin typeface="Arial" panose="020B0604020202020204" pitchFamily="34" charset="0"/>
+                <a:cs typeface="Arial" panose="020B0604020202020204" pitchFamily="34" charset="0"/>
+              </a:rPr>
+              <a:t/>
+            </a:r>
+            <a:br>
+              <a:rPr lang="en-US" sz="300" dirty="0" smtClean="0">
+                <a:latin typeface="Arial" panose="020B0604020202020204" pitchFamily="34" charset="0"/>
+                <a:cs typeface="Arial" panose="020B0604020202020204" pitchFamily="34" charset="0"/>
+              </a:rPr>
+            </a:br>
+            <a:r>
+              <a:rPr lang="en-US" sz="1000" dirty="0">
+                <a:latin typeface="Arial" panose="020B0604020202020204" pitchFamily="34" charset="0"/>
+                <a:cs typeface="Arial" panose="020B0604020202020204" pitchFamily="34" charset="0"/>
+              </a:rPr>
+              <a:t>After user-authorization, the </a:t>
+            </a:r>
+            <a:r>
+              <a:rPr lang="en-US" sz="1000" dirty="0" smtClean="0">
+                <a:latin typeface="Arial" panose="020B0604020202020204" pitchFamily="34" charset="0"/>
+                <a:cs typeface="Arial" panose="020B0604020202020204" pitchFamily="34" charset="0"/>
+              </a:rPr>
+              <a:t>Wallet application </a:t>
+            </a:r>
+            <a:r>
+              <a:rPr lang="en-US" sz="1000" dirty="0">
+                <a:latin typeface="Arial" panose="020B0604020202020204" pitchFamily="34" charset="0"/>
+                <a:cs typeface="Arial" panose="020B0604020202020204" pitchFamily="34" charset="0"/>
+              </a:rPr>
+              <a:t>continues by encrypting the container document using a Payment Provider public key.  By encrypting the user authorization, the actual transaction can (</a:t>
+            </a:r>
+            <a:r>
+              <a:rPr lang="en-US" sz="1000" i="1" dirty="0">
+                <a:latin typeface="Arial" panose="020B0604020202020204" pitchFamily="34" charset="0"/>
+                <a:cs typeface="Arial" panose="020B0604020202020204" pitchFamily="34" charset="0"/>
+              </a:rPr>
+              <a:t>without impeding the user’s privacy</a:t>
+            </a:r>
+            <a:r>
+              <a:rPr lang="en-US" sz="1000" dirty="0">
+                <a:latin typeface="Arial" panose="020B0604020202020204" pitchFamily="34" charset="0"/>
+                <a:cs typeface="Arial" panose="020B0604020202020204" pitchFamily="34" charset="0"/>
+              </a:rPr>
+              <a:t>), be carried out between the Merchant and </a:t>
+            </a:r>
+            <a:r>
+              <a:rPr lang="en-US" sz="1000" dirty="0" smtClean="0">
+                <a:latin typeface="Arial" panose="020B0604020202020204" pitchFamily="34" charset="0"/>
+                <a:cs typeface="Arial" panose="020B0604020202020204" pitchFamily="34" charset="0"/>
+              </a:rPr>
+              <a:t>Payment Provider.</a:t>
+            </a:r>
+            <a:r>
+              <a:rPr lang="en-US" sz="300" dirty="0" smtClean="0">
+                <a:latin typeface="Arial" panose="020B0604020202020204" pitchFamily="34" charset="0"/>
+                <a:cs typeface="Arial" panose="020B0604020202020204" pitchFamily="34" charset="0"/>
+              </a:rPr>
+              <a:t/>
+            </a:r>
+            <a:br>
+              <a:rPr lang="en-US" sz="300" dirty="0" smtClean="0">
+                <a:latin typeface="Arial" panose="020B0604020202020204" pitchFamily="34" charset="0"/>
+                <a:cs typeface="Arial" panose="020B0604020202020204" pitchFamily="34" charset="0"/>
+              </a:rPr>
+            </a:br>
+            <a:r>
+              <a:rPr lang="en-US" sz="300" dirty="0" smtClean="0">
+                <a:latin typeface="Arial" panose="020B0604020202020204" pitchFamily="34" charset="0"/>
+                <a:cs typeface="Arial" panose="020B0604020202020204" pitchFamily="34" charset="0"/>
+              </a:rPr>
+              <a:t/>
+            </a:r>
+            <a:br>
+              <a:rPr lang="en-US" sz="300" dirty="0" smtClean="0">
+                <a:latin typeface="Arial" panose="020B0604020202020204" pitchFamily="34" charset="0"/>
+                <a:cs typeface="Arial" panose="020B0604020202020204" pitchFamily="34" charset="0"/>
+              </a:rPr>
+            </a:br>
+            <a:r>
+              <a:rPr lang="en-US" sz="1000" dirty="0" smtClean="0">
+                <a:latin typeface="Arial" panose="020B0604020202020204" pitchFamily="34" charset="0"/>
+                <a:cs typeface="Arial" panose="020B0604020202020204" pitchFamily="34" charset="0"/>
+              </a:rPr>
+              <a:t>The </a:t>
+            </a:r>
+            <a:r>
+              <a:rPr lang="en-US" sz="1000" dirty="0">
+                <a:latin typeface="Arial" panose="020B0604020202020204" pitchFamily="34" charset="0"/>
+                <a:cs typeface="Arial" panose="020B0604020202020204" pitchFamily="34" charset="0"/>
+              </a:rPr>
+              <a:t>Wallet application </a:t>
+            </a:r>
+            <a:r>
+              <a:rPr lang="en-US" sz="1000" dirty="0" smtClean="0">
+                <a:latin typeface="Arial" panose="020B0604020202020204" pitchFamily="34" charset="0"/>
+                <a:cs typeface="Arial" panose="020B0604020202020204" pitchFamily="34" charset="0"/>
+              </a:rPr>
+              <a:t>now preferably </a:t>
+            </a:r>
+            <a:r>
+              <a:rPr lang="en-US" sz="1000" dirty="0">
+                <a:latin typeface="Arial" panose="020B0604020202020204" pitchFamily="34" charset="0"/>
+                <a:cs typeface="Arial" panose="020B0604020202020204" pitchFamily="34" charset="0"/>
+              </a:rPr>
+              <a:t>shows a “busy” sign after this </a:t>
+            </a:r>
+            <a:r>
+              <a:rPr lang="en-US" sz="1000" dirty="0" smtClean="0">
+                <a:latin typeface="Arial" panose="020B0604020202020204" pitchFamily="34" charset="0"/>
+                <a:cs typeface="Arial" panose="020B0604020202020204" pitchFamily="34" charset="0"/>
+              </a:rPr>
+              <a:t>step.</a:t>
+            </a:r>
+          </a:p>
+          <a:p>
+            <a:pPr marL="360363" indent="-360363">
+              <a:spcBef>
+                <a:spcPts val="600"/>
+              </a:spcBef>
+              <a:buFontTx/>
+              <a:buAutoNum type="arabicPeriod"/>
+              <a:tabLst>
+                <a:tab pos="360363" algn="l"/>
+                <a:tab pos="806450" algn="l"/>
+              </a:tabLst>
+            </a:pPr>
+            <a:r>
+              <a:rPr lang="en-US" sz="1000" dirty="0" smtClean="0">
+                <a:latin typeface="Arial" panose="020B0604020202020204" pitchFamily="34" charset="0"/>
+                <a:cs typeface="Arial" panose="020B0604020202020204" pitchFamily="34" charset="0"/>
+              </a:rPr>
+              <a:t>The </a:t>
+            </a:r>
+            <a:r>
+              <a:rPr lang="en-US" sz="1000" dirty="0">
+                <a:latin typeface="Arial" panose="020B0604020202020204" pitchFamily="34" charset="0"/>
+                <a:cs typeface="Arial" panose="020B0604020202020204" pitchFamily="34" charset="0"/>
+              </a:rPr>
+              <a:t>result after the previous step is </a:t>
+            </a:r>
+            <a:r>
+              <a:rPr lang="en-US" sz="1000" dirty="0" smtClean="0">
+                <a:latin typeface="Arial" panose="020B0604020202020204" pitchFamily="34" charset="0"/>
+                <a:cs typeface="Arial" panose="020B0604020202020204" pitchFamily="34" charset="0"/>
+              </a:rPr>
+              <a:t>now put </a:t>
+            </a:r>
+            <a:r>
+              <a:rPr lang="en-US" sz="1000" dirty="0">
+                <a:latin typeface="Arial" panose="020B0604020202020204" pitchFamily="34" charset="0"/>
+                <a:cs typeface="Arial" panose="020B0604020202020204" pitchFamily="34" charset="0"/>
+              </a:rPr>
+              <a:t>in another container document together with an HTTPS URL to the Payment Provider. </a:t>
+            </a:r>
+            <a:br>
+              <a:rPr lang="en-US" sz="1000" dirty="0">
+                <a:latin typeface="Arial" panose="020B0604020202020204" pitchFamily="34" charset="0"/>
+                <a:cs typeface="Arial" panose="020B0604020202020204" pitchFamily="34" charset="0"/>
+              </a:rPr>
+            </a:br>
+            <a:r>
+              <a:rPr lang="en-US" sz="1000" dirty="0">
+                <a:latin typeface="Arial" panose="020B0604020202020204" pitchFamily="34" charset="0"/>
+                <a:cs typeface="Arial" panose="020B0604020202020204" pitchFamily="34" charset="0"/>
+              </a:rPr>
+              <a:t>The new container document is then sent </a:t>
+            </a:r>
+            <a:r>
+              <a:rPr lang="en-US" sz="1000" dirty="0" smtClean="0">
+                <a:latin typeface="Arial" panose="020B0604020202020204" pitchFamily="34" charset="0"/>
+                <a:cs typeface="Arial" panose="020B0604020202020204" pitchFamily="34" charset="0"/>
+              </a:rPr>
+              <a:t>to the Payment window as a </a:t>
+            </a:r>
+            <a:r>
+              <a:rPr lang="en-US" sz="1000" dirty="0" err="1" smtClean="0">
+                <a:solidFill>
+                  <a:schemeClr val="accent1"/>
+                </a:solidFill>
+                <a:latin typeface="Arial" panose="020B0604020202020204" pitchFamily="34" charset="0"/>
+                <a:cs typeface="Arial" panose="020B0604020202020204" pitchFamily="34" charset="0"/>
+              </a:rPr>
+              <a:t>PayerPullAuthReq</a:t>
+            </a:r>
+            <a:r>
+              <a:rPr lang="en-US" sz="1000" dirty="0" smtClean="0">
+                <a:solidFill>
+                  <a:schemeClr val="accent1"/>
+                </a:solidFill>
+                <a:latin typeface="Arial" panose="020B0604020202020204" pitchFamily="34" charset="0"/>
+                <a:cs typeface="Arial" panose="020B0604020202020204" pitchFamily="34" charset="0"/>
+              </a:rPr>
+              <a:t> </a:t>
+            </a:r>
+            <a:r>
+              <a:rPr lang="en-US" sz="1000" dirty="0" smtClean="0">
+                <a:latin typeface="Arial" panose="020B0604020202020204" pitchFamily="34" charset="0"/>
+                <a:cs typeface="Arial" panose="020B0604020202020204" pitchFamily="34" charset="0"/>
+              </a:rPr>
+              <a:t>message.  </a:t>
+            </a:r>
+            <a:r>
+              <a:rPr lang="en-US" sz="1000" dirty="0">
+                <a:latin typeface="Arial" panose="020B0604020202020204" pitchFamily="34" charset="0"/>
+                <a:cs typeface="Arial" panose="020B0604020202020204" pitchFamily="34" charset="0"/>
+              </a:rPr>
+              <a:t>The received </a:t>
+            </a:r>
+            <a:r>
+              <a:rPr lang="en-US" sz="1000" dirty="0" smtClean="0">
+                <a:latin typeface="Arial" panose="020B0604020202020204" pitchFamily="34" charset="0"/>
+                <a:cs typeface="Arial" panose="020B0604020202020204" pitchFamily="34" charset="0"/>
+              </a:rPr>
+              <a:t>message would </a:t>
+            </a:r>
+            <a:r>
+              <a:rPr lang="en-US" sz="1000" dirty="0">
+                <a:latin typeface="Arial" panose="020B0604020202020204" pitchFamily="34" charset="0"/>
+                <a:cs typeface="Arial" panose="020B0604020202020204" pitchFamily="34" charset="0"/>
+              </a:rPr>
+              <a:t>then presumably immediately be </a:t>
+            </a:r>
+            <a:r>
+              <a:rPr lang="en-US" sz="1000" dirty="0" err="1">
+                <a:latin typeface="Arial" panose="020B0604020202020204" pitchFamily="34" charset="0"/>
+                <a:cs typeface="Arial" panose="020B0604020202020204" pitchFamily="34" charset="0"/>
+              </a:rPr>
+              <a:t>POSTed</a:t>
+            </a:r>
+            <a:r>
+              <a:rPr lang="en-US" sz="1000" dirty="0">
+                <a:latin typeface="Arial" panose="020B0604020202020204" pitchFamily="34" charset="0"/>
+                <a:cs typeface="Arial" panose="020B0604020202020204" pitchFamily="34" charset="0"/>
+              </a:rPr>
+              <a:t> to the Merchant server (by the p</a:t>
+            </a:r>
+            <a:r>
+              <a:rPr lang="en-US" sz="1000" dirty="0" smtClean="0">
+                <a:latin typeface="Arial" panose="020B0604020202020204" pitchFamily="34" charset="0"/>
+                <a:cs typeface="Arial" panose="020B0604020202020204" pitchFamily="34" charset="0"/>
+              </a:rPr>
+              <a:t>ayment page), </a:t>
+            </a:r>
+            <a:r>
+              <a:rPr lang="en-US" sz="1000" dirty="0">
+                <a:latin typeface="Arial" panose="020B0604020202020204" pitchFamily="34" charset="0"/>
+                <a:cs typeface="Arial" panose="020B0604020202020204" pitchFamily="34" charset="0"/>
+              </a:rPr>
+              <a:t>since Merchant payment processing must be performed on the </a:t>
+            </a:r>
+            <a:r>
+              <a:rPr lang="en-US" sz="1000" dirty="0" smtClean="0">
+                <a:latin typeface="Arial" panose="020B0604020202020204" pitchFamily="34" charset="0"/>
+                <a:cs typeface="Arial" panose="020B0604020202020204" pitchFamily="34" charset="0"/>
+              </a:rPr>
+              <a:t>server.</a:t>
             </a:r>
           </a:p>
           <a:p>
@@ -16449,21 +17307,186 @@
                 <a:latin typeface="Arial" panose="020B0604020202020204" pitchFamily="34" charset="0"/>
                 <a:cs typeface="Arial" panose="020B0604020202020204" pitchFamily="34" charset="0"/>
               </a:rPr>
-              <a:t>When the Payment Application has been loaded, it sends an initialization </a:t>
+              <a:t>After </a:t>
+            </a:r>
+            <a:r>
+              <a:rPr lang="en-US" sz="1000" dirty="0" smtClean="0">
+                <a:latin typeface="Arial" panose="020B0604020202020204" pitchFamily="34" charset="0"/>
+                <a:cs typeface="Arial" panose="020B0604020202020204" pitchFamily="34" charset="0"/>
+              </a:rPr>
+              <a:t>the Merchant server has received the </a:t>
             </a:r>
             <a:r>
               <a:rPr lang="en-US" sz="1000" dirty="0" err="1" smtClean="0">
-                <a:latin typeface="Arial" panose="020B0604020202020204" pitchFamily="34" charset="0"/>
-                <a:cs typeface="Arial" panose="020B0604020202020204" pitchFamily="34" charset="0"/>
-              </a:rPr>
-              <a:t>postMessage</a:t>
+                <a:solidFill>
+                  <a:schemeClr val="accent1"/>
+                </a:solidFill>
+                <a:latin typeface="Arial" panose="020B0604020202020204" pitchFamily="34" charset="0"/>
+                <a:cs typeface="Arial" panose="020B0604020202020204" pitchFamily="34" charset="0"/>
+              </a:rPr>
+              <a:t>PayerPullAuthReq</a:t>
             </a:r>
             <a:r>
               <a:rPr lang="en-US" sz="1000" dirty="0" smtClean="0">
                 <a:latin typeface="Arial" panose="020B0604020202020204" pitchFamily="34" charset="0"/>
                 <a:cs typeface="Arial" panose="020B0604020202020204" pitchFamily="34" charset="0"/>
               </a:rPr>
-              <a:t>() to the Merchant window to signal that it is ready for taking on a payment request.</a:t>
+              <a:t> message </a:t>
+            </a:r>
+            <a:r>
+              <a:rPr lang="en-US" sz="1000" dirty="0">
+                <a:latin typeface="Arial" panose="020B0604020202020204" pitchFamily="34" charset="0"/>
+                <a:cs typeface="Arial" panose="020B0604020202020204" pitchFamily="34" charset="0"/>
+              </a:rPr>
+              <a:t>it </a:t>
+            </a:r>
+            <a:r>
+              <a:rPr lang="en-US" sz="1000" dirty="0" smtClean="0">
+                <a:latin typeface="Arial" panose="020B0604020202020204" pitchFamily="34" charset="0"/>
+                <a:cs typeface="Arial" panose="020B0604020202020204" pitchFamily="34" charset="0"/>
+              </a:rPr>
+              <a:t>creates another container document with the encrypted authorized transaction request plus some other information, and finally signs it with its Merchant </a:t>
+            </a:r>
+            <a:r>
+              <a:rPr lang="en-US" sz="1000" dirty="0" smtClean="0">
+                <a:latin typeface="Arial" panose="020B0604020202020204" pitchFamily="34" charset="0"/>
+                <a:cs typeface="Arial" panose="020B0604020202020204" pitchFamily="34" charset="0"/>
+              </a:rPr>
+              <a:t>key.</a:t>
+            </a:r>
+            <a:r>
+              <a:rPr lang="en-US" sz="300" dirty="0" smtClean="0">
+                <a:latin typeface="Arial" panose="020B0604020202020204" pitchFamily="34" charset="0"/>
+                <a:cs typeface="Arial" panose="020B0604020202020204" pitchFamily="34" charset="0"/>
+              </a:rPr>
+              <a:t/>
+            </a:r>
+            <a:br>
+              <a:rPr lang="en-US" sz="300" dirty="0" smtClean="0">
+                <a:latin typeface="Arial" panose="020B0604020202020204" pitchFamily="34" charset="0"/>
+                <a:cs typeface="Arial" panose="020B0604020202020204" pitchFamily="34" charset="0"/>
+              </a:rPr>
+            </a:br>
+            <a:r>
+              <a:rPr lang="en-US" sz="300" dirty="0" smtClean="0">
+                <a:latin typeface="Arial" panose="020B0604020202020204" pitchFamily="34" charset="0"/>
+                <a:cs typeface="Arial" panose="020B0604020202020204" pitchFamily="34" charset="0"/>
+              </a:rPr>
+              <a:t/>
+            </a:r>
+            <a:br>
+              <a:rPr lang="en-US" sz="300" dirty="0" smtClean="0">
+                <a:latin typeface="Arial" panose="020B0604020202020204" pitchFamily="34" charset="0"/>
+                <a:cs typeface="Arial" panose="020B0604020202020204" pitchFamily="34" charset="0"/>
+              </a:rPr>
+            </a:br>
+            <a:r>
+              <a:rPr lang="en-US" sz="1000" dirty="0" smtClean="0">
+                <a:latin typeface="Arial" panose="020B0604020202020204" pitchFamily="34" charset="0"/>
+                <a:cs typeface="Arial" panose="020B0604020202020204" pitchFamily="34" charset="0"/>
+              </a:rPr>
+              <a:t>This </a:t>
+            </a:r>
+            <a:r>
+              <a:rPr lang="en-US" sz="1000" dirty="0" smtClean="0">
+                <a:latin typeface="Arial" panose="020B0604020202020204" pitchFamily="34" charset="0"/>
+                <a:cs typeface="Arial" panose="020B0604020202020204" pitchFamily="34" charset="0"/>
+              </a:rPr>
+              <a:t>container </a:t>
+            </a:r>
+            <a:r>
+              <a:rPr lang="en-US" sz="1000" dirty="0" smtClean="0">
+                <a:latin typeface="Arial" panose="020B0604020202020204" pitchFamily="34" charset="0"/>
+                <a:cs typeface="Arial" panose="020B0604020202020204" pitchFamily="34" charset="0"/>
+              </a:rPr>
+              <a:t>(</a:t>
+            </a:r>
+            <a:r>
+              <a:rPr lang="en-US" sz="1000" smtClean="0">
+                <a:solidFill>
+                  <a:schemeClr val="accent1"/>
+                </a:solidFill>
+                <a:latin typeface="Arial" panose="020B0604020202020204" pitchFamily="34" charset="0"/>
+                <a:cs typeface="Arial" panose="020B0604020202020204" pitchFamily="34" charset="0"/>
+              </a:rPr>
+              <a:t>PayeePullAuthReq</a:t>
+            </a:r>
+            <a:r>
+              <a:rPr lang="en-US" sz="1000" smtClean="0">
+                <a:latin typeface="Arial" panose="020B0604020202020204" pitchFamily="34" charset="0"/>
+                <a:cs typeface="Arial" panose="020B0604020202020204" pitchFamily="34" charset="0"/>
+              </a:rPr>
+              <a:t>) </a:t>
+            </a:r>
+            <a:r>
+              <a:rPr lang="en-US" sz="1000" dirty="0" smtClean="0">
+                <a:latin typeface="Arial" panose="020B0604020202020204" pitchFamily="34" charset="0"/>
+                <a:cs typeface="Arial" panose="020B0604020202020204" pitchFamily="34" charset="0"/>
+              </a:rPr>
+              <a:t>is </a:t>
+            </a:r>
+            <a:r>
+              <a:rPr lang="en-US" sz="1000" dirty="0" smtClean="0">
+                <a:latin typeface="Arial" panose="020B0604020202020204" pitchFamily="34" charset="0"/>
+                <a:cs typeface="Arial" panose="020B0604020202020204" pitchFamily="34" charset="0"/>
+              </a:rPr>
+              <a:t>then </a:t>
+            </a:r>
+            <a:r>
+              <a:rPr lang="en-US" sz="1000" dirty="0" err="1" smtClean="0">
+                <a:latin typeface="Arial" panose="020B0604020202020204" pitchFamily="34" charset="0"/>
+                <a:cs typeface="Arial" panose="020B0604020202020204" pitchFamily="34" charset="0"/>
+              </a:rPr>
+              <a:t>POSTed</a:t>
+            </a:r>
+            <a:r>
+              <a:rPr lang="en-US" sz="1000" dirty="0" smtClean="0">
+                <a:latin typeface="Arial" panose="020B0604020202020204" pitchFamily="34" charset="0"/>
+                <a:cs typeface="Arial" panose="020B0604020202020204" pitchFamily="34" charset="0"/>
+              </a:rPr>
+              <a:t> using the URL received in the previous step</a:t>
+            </a:r>
+            <a:r>
+              <a:rPr lang="en-US" sz="1000" dirty="0">
+                <a:latin typeface="Arial" panose="020B0604020202020204" pitchFamily="34" charset="0"/>
+                <a:cs typeface="Arial" panose="020B0604020202020204" pitchFamily="34" charset="0"/>
+              </a:rPr>
+              <a:t>. </a:t>
+            </a:r>
+            <a:r>
+              <a:rPr lang="en-US" sz="1000" dirty="0" smtClean="0">
+                <a:latin typeface="Arial" panose="020B0604020202020204" pitchFamily="34" charset="0"/>
+                <a:cs typeface="Arial" panose="020B0604020202020204" pitchFamily="34" charset="0"/>
+              </a:rPr>
+              <a:t> The </a:t>
+            </a:r>
+            <a:r>
+              <a:rPr lang="en-US" sz="1000" dirty="0">
+                <a:latin typeface="Arial" panose="020B0604020202020204" pitchFamily="34" charset="0"/>
+                <a:cs typeface="Arial" panose="020B0604020202020204" pitchFamily="34" charset="0"/>
+              </a:rPr>
+              <a:t>function of the </a:t>
+            </a:r>
+            <a:r>
+              <a:rPr lang="en-US" sz="1000" dirty="0" err="1">
+                <a:latin typeface="Arial" panose="020B0604020202020204" pitchFamily="34" charset="0"/>
+                <a:cs typeface="Arial" panose="020B0604020202020204" pitchFamily="34" charset="0"/>
+              </a:rPr>
+              <a:t>RequestHash</a:t>
+            </a:r>
+            <a:r>
+              <a:rPr lang="en-US" sz="1000" dirty="0">
+                <a:latin typeface="Arial" panose="020B0604020202020204" pitchFamily="34" charset="0"/>
+                <a:cs typeface="Arial" panose="020B0604020202020204" pitchFamily="34" charset="0"/>
+              </a:rPr>
+              <a:t> is to enable the Payment Provider to verify that the encrypted transaction request really is the same as the Merchant assumes it is</a:t>
+            </a:r>
+            <a:r>
+              <a:rPr lang="en-US" sz="1000" dirty="0" smtClean="0">
+                <a:latin typeface="Arial" panose="020B0604020202020204" pitchFamily="34" charset="0"/>
+                <a:cs typeface="Arial" panose="020B0604020202020204" pitchFamily="34" charset="0"/>
+              </a:rPr>
+              <a:t>.</a:t>
             </a:r>
           </a:p>
           <a:p>
@@ -16478,32 +17501,123 @@
                 <a:latin typeface="Arial" panose="020B0604020202020204" pitchFamily="34" charset="0"/>
                 <a:cs typeface="Arial" panose="020B0604020202020204" pitchFamily="34" charset="0"/>
               </a:rPr>
-              <a:t>The Merchant window sends the previously created signed request (plus a list of accepted card types), as an invocation </a:t>
+              <a:t>The Payment Provider verifies the signature and decrypts the authorized transaction request</a:t>
+            </a:r>
+            <a:r>
+              <a:rPr lang="en-US" sz="1000" dirty="0">
+                <a:latin typeface="Arial" panose="020B0604020202020204" pitchFamily="34" charset="0"/>
+                <a:cs typeface="Arial" panose="020B0604020202020204" pitchFamily="34" charset="0"/>
+              </a:rPr>
+              <a:t>. </a:t>
+            </a:r>
+            <a:r>
+              <a:rPr lang="en-US" sz="1000" dirty="0" smtClean="0">
+                <a:latin typeface="Arial" panose="020B0604020202020204" pitchFamily="34" charset="0"/>
+                <a:cs typeface="Arial" panose="020B0604020202020204" pitchFamily="34" charset="0"/>
+              </a:rPr>
+              <a:t>If everything is </a:t>
+            </a:r>
+            <a:r>
+              <a:rPr lang="en-US" sz="1000" dirty="0" smtClean="0">
+                <a:latin typeface="Arial" panose="020B0604020202020204" pitchFamily="34" charset="0"/>
+                <a:cs typeface="Arial" panose="020B0604020202020204" pitchFamily="34" charset="0"/>
+              </a:rPr>
+              <a:t>OK</a:t>
+            </a:r>
+            <a:r>
+              <a:rPr lang="en-US" sz="1000" dirty="0" smtClean="0">
+                <a:latin typeface="Arial" panose="020B0604020202020204" pitchFamily="34" charset="0"/>
+                <a:cs typeface="Arial" panose="020B0604020202020204" pitchFamily="34" charset="0"/>
+              </a:rPr>
+              <a:t>, </a:t>
+            </a:r>
+            <a:r>
+              <a:rPr lang="en-US" sz="1000" dirty="0" smtClean="0">
+                <a:latin typeface="Arial" panose="020B0604020202020204" pitchFamily="34" charset="0"/>
+                <a:cs typeface="Arial" panose="020B0604020202020204" pitchFamily="34" charset="0"/>
+              </a:rPr>
+              <a:t>the Merchant’s version of the transaction request is put in a container </a:t>
+            </a:r>
+            <a:r>
+              <a:rPr lang="en-US" sz="1000" dirty="0" smtClean="0">
+                <a:latin typeface="Arial" panose="020B0604020202020204" pitchFamily="34" charset="0"/>
+                <a:cs typeface="Arial" panose="020B0604020202020204" pitchFamily="34" charset="0"/>
+              </a:rPr>
+              <a:t>document together </a:t>
+            </a:r>
+            <a:r>
+              <a:rPr lang="en-US" sz="1000" dirty="0" smtClean="0">
+                <a:latin typeface="Arial" panose="020B0604020202020204" pitchFamily="34" charset="0"/>
+                <a:cs typeface="Arial" panose="020B0604020202020204" pitchFamily="34" charset="0"/>
+              </a:rPr>
+              <a:t>with </a:t>
+            </a:r>
+            <a:r>
+              <a:rPr lang="en-US" sz="1000" dirty="0" smtClean="0">
+                <a:latin typeface="Arial" panose="020B0604020202020204" pitchFamily="34" charset="0"/>
+                <a:cs typeface="Arial" panose="020B0604020202020204" pitchFamily="34" charset="0"/>
+              </a:rPr>
+              <a:t>“</a:t>
             </a:r>
             <a:r>
               <a:rPr lang="en-US" sz="1000" dirty="0" err="1" smtClean="0">
                 <a:latin typeface="Arial" panose="020B0604020202020204" pitchFamily="34" charset="0"/>
                 <a:cs typeface="Arial" panose="020B0604020202020204" pitchFamily="34" charset="0"/>
               </a:rPr>
-              <a:t>postMessage</a:t>
+              <a:t>tokenenized</a:t>
             </a:r>
             <a:r>
               <a:rPr lang="en-US" sz="1000" dirty="0" smtClean="0">
                 <a:latin typeface="Arial" panose="020B0604020202020204" pitchFamily="34" charset="0"/>
                 <a:cs typeface="Arial" panose="020B0604020202020204" pitchFamily="34" charset="0"/>
               </a:rPr>
-              <a:t>() to the Payment Application.</a:t>
-            </a:r>
-            <a:br>
+              <a:t>” (one-time) </a:t>
+            </a:r>
+            <a:r>
               <a:rPr lang="en-US" sz="1000" dirty="0" smtClean="0">
                 <a:latin typeface="Arial" panose="020B0604020202020204" pitchFamily="34" charset="0"/>
                 <a:cs typeface="Arial" panose="020B0604020202020204" pitchFamily="34" charset="0"/>
               </a:rPr>
-            </a:br>
-            <a:endParaRPr lang="en-US" sz="1000" dirty="0" smtClean="0">
-              <a:latin typeface="Arial" panose="020B0604020202020204" pitchFamily="34" charset="0"/>
-              <a:cs typeface="Arial" panose="020B0604020202020204" pitchFamily="34" charset="0"/>
-            </a:endParaRPr>
+              <a:t>payment data </a:t>
+            </a:r>
+            <a:r>
+              <a:rPr lang="en-US" sz="1000" dirty="0" smtClean="0">
+                <a:latin typeface="Arial" panose="020B0604020202020204" pitchFamily="34" charset="0"/>
+                <a:cs typeface="Arial" panose="020B0604020202020204" pitchFamily="34" charset="0"/>
+              </a:rPr>
+              <a:t>and then signed by the Payment Provider.  The assembled document </a:t>
+            </a:r>
+            <a:r>
+              <a:rPr lang="en-US" sz="1000" dirty="0">
+                <a:latin typeface="Arial" panose="020B0604020202020204" pitchFamily="34" charset="0"/>
+                <a:cs typeface="Arial" panose="020B0604020202020204" pitchFamily="34" charset="0"/>
+              </a:rPr>
+              <a:t>(</a:t>
+            </a:r>
+            <a:r>
+              <a:rPr lang="en-US" sz="1000" dirty="0" err="1">
+                <a:solidFill>
+                  <a:schemeClr val="accent1"/>
+                </a:solidFill>
+                <a:latin typeface="Arial" panose="020B0604020202020204" pitchFamily="34" charset="0"/>
+                <a:cs typeface="Arial" panose="020B0604020202020204" pitchFamily="34" charset="0"/>
+              </a:rPr>
+              <a:t>ProviderGenericAuthRes</a:t>
+            </a:r>
+            <a:r>
+              <a:rPr lang="en-US" sz="1000" dirty="0">
+                <a:latin typeface="Arial" panose="020B0604020202020204" pitchFamily="34" charset="0"/>
+                <a:cs typeface="Arial" panose="020B0604020202020204" pitchFamily="34" charset="0"/>
+              </a:rPr>
+              <a:t>) is </a:t>
+            </a:r>
+            <a:r>
+              <a:rPr lang="en-US" sz="1000" dirty="0" smtClean="0">
+                <a:latin typeface="Arial" panose="020B0604020202020204" pitchFamily="34" charset="0"/>
+                <a:cs typeface="Arial" panose="020B0604020202020204" pitchFamily="34" charset="0"/>
+              </a:rPr>
+              <a:t>returned as a response to the POST in the previous step.</a:t>
+            </a:r>
           </a:p>
           <a:p>
             <a:pPr marL="342900" indent="-342900">
@@ -16517,421 +17631,91 @@
                 <a:latin typeface="Arial" panose="020B0604020202020204" pitchFamily="34" charset="0"/>
                 <a:cs typeface="Arial" panose="020B0604020202020204" pitchFamily="34" charset="0"/>
               </a:rPr>
-              <a:t>When the Payment Application has received the signed request it presents it to user through the </a:t>
-            </a:r>
-            <a:r>
-              <a:rPr lang="en-US" sz="1000" dirty="0" err="1" smtClean="0">
-                <a:latin typeface="Arial" panose="020B0604020202020204" pitchFamily="34" charset="0"/>
-                <a:cs typeface="Arial" panose="020B0604020202020204" pitchFamily="34" charset="0"/>
-              </a:rPr>
-              <a:t>WebCrypto</a:t>
+              <a:t>The Merchant application now has an </a:t>
+            </a:r>
+            <a:r>
+              <a:rPr lang="en-US" sz="1000" i="1" dirty="0" smtClean="0">
+                <a:latin typeface="Arial" panose="020B0604020202020204" pitchFamily="34" charset="0"/>
+                <a:cs typeface="Arial" panose="020B0604020202020204" pitchFamily="34" charset="0"/>
+              </a:rPr>
+              <a:t>indirect</a:t>
             </a:r>
             <a:r>
               <a:rPr lang="en-US" sz="1000" dirty="0" smtClean="0">
                 <a:latin typeface="Arial" panose="020B0604020202020204" pitchFamily="34" charset="0"/>
                 <a:cs typeface="Arial" panose="020B0604020202020204" pitchFamily="34" charset="0"/>
               </a:rPr>
-              <a:t>++ “Trusted Chrome”.</a:t>
-            </a:r>
-          </a:p>
-          <a:p>
-            <a:pPr marL="342900" indent="-342900">
-              <a:spcBef>
-                <a:spcPts val="600"/>
-              </a:spcBef>
-              <a:buAutoNum type="arabicPeriod"/>
-            </a:pPr>
+              <a:t> (but authoritative) proof of the card holder’s authorization and can continue with the processing using the regular payment network</a:t>
+            </a:r>
+            <a:r>
+              <a:rPr lang="en-US" sz="1000" dirty="0">
+                <a:latin typeface="Arial" panose="020B0604020202020204" pitchFamily="34" charset="0"/>
+                <a:cs typeface="Arial" panose="020B0604020202020204" pitchFamily="34" charset="0"/>
+              </a:rPr>
+              <a:t>. </a:t>
+            </a:r>
             <a:r>
               <a:rPr lang="en-US" sz="1000" dirty="0" smtClean="0">
                 <a:latin typeface="Arial" panose="020B0604020202020204" pitchFamily="34" charset="0"/>
                 <a:cs typeface="Arial" panose="020B0604020202020204" pitchFamily="34" charset="0"/>
               </a:rPr>
-              <a:t>When the user has selected a card to use (only applicable cards will be shown), the Payment Application puts the payment request (received in the previous step), in a container document together with the associated card data.  When the user has provided a valid PIN the Payment Application </a:t>
-            </a:r>
-            <a:r>
-              <a:rPr lang="en-US" sz="1000" i="1" dirty="0" smtClean="0">
-                <a:latin typeface="Arial" panose="020B0604020202020204" pitchFamily="34" charset="0"/>
-                <a:cs typeface="Arial" panose="020B0604020202020204" pitchFamily="34" charset="0"/>
-              </a:rPr>
-              <a:t>counter-signs</a:t>
+              <a:t> When all operations needed have been carried out, </a:t>
+            </a:r>
+            <a:r>
+              <a:rPr lang="en-US" sz="1000" dirty="0">
+                <a:latin typeface="Arial" panose="020B0604020202020204" pitchFamily="34" charset="0"/>
+                <a:cs typeface="Arial" panose="020B0604020202020204" pitchFamily="34" charset="0"/>
+              </a:rPr>
+              <a:t>the Merchant returns a </a:t>
             </a:r>
             <a:r>
               <a:rPr lang="en-US" sz="1000" dirty="0" smtClean="0">
                 <a:latin typeface="Arial" panose="020B0604020202020204" pitchFamily="34" charset="0"/>
                 <a:cs typeface="Arial" panose="020B0604020202020204" pitchFamily="34" charset="0"/>
               </a:rPr>
-              <a:t> (“authorizes”) the container document with the card holder key</a:t>
+              <a:t>payment result </a:t>
             </a:r>
             <a:r>
               <a:rPr lang="en-US" sz="1000" dirty="0">
                 <a:latin typeface="Arial" panose="020B0604020202020204" pitchFamily="34" charset="0"/>
                 <a:cs typeface="Arial" panose="020B0604020202020204" pitchFamily="34" charset="0"/>
               </a:rPr>
+              <a:t>page as a response to the POST </a:t>
+            </a:r>
+            <a:r>
+              <a:rPr lang="en-US" sz="1000" dirty="0" smtClean="0">
+                <a:latin typeface="Arial" panose="020B0604020202020204" pitchFamily="34" charset="0"/>
+                <a:cs typeface="Arial" panose="020B0604020202020204" pitchFamily="34" charset="0"/>
+              </a:rPr>
+              <a:t>in </a:t>
+            </a:r>
+            <a:r>
+              <a:rPr lang="en-US" sz="1000" dirty="0">
+                <a:latin typeface="Arial" panose="020B0604020202020204" pitchFamily="34" charset="0"/>
+                <a:cs typeface="Arial" panose="020B0604020202020204" pitchFamily="34" charset="0"/>
+              </a:rPr>
+              <a:t>step 6.  This also closes the </a:t>
+            </a:r>
+            <a:r>
+              <a:rPr lang="en-US" sz="1000" dirty="0" smtClean="0">
+                <a:latin typeface="Arial" panose="020B0604020202020204" pitchFamily="34" charset="0"/>
+                <a:cs typeface="Arial" panose="020B0604020202020204" pitchFamily="34" charset="0"/>
+              </a:rPr>
+              <a:t>Wallet a</a:t>
+            </a:r>
+            <a:r>
+              <a:rPr lang="en-US" sz="1000" dirty="0" smtClean="0">
+                <a:latin typeface="Arial" panose="020B0604020202020204" pitchFamily="34" charset="0"/>
+                <a:cs typeface="Arial" panose="020B0604020202020204" pitchFamily="34" charset="0"/>
+              </a:rPr>
+              <a:t>pplication</a:t>
+            </a:r>
+            <a:r>
+              <a:rPr lang="en-US" sz="1000" dirty="0">
+                <a:latin typeface="Arial" panose="020B0604020202020204" pitchFamily="34" charset="0"/>
+                <a:cs typeface="Arial" panose="020B0604020202020204" pitchFamily="34" charset="0"/>
+              </a:rPr>
               <a:t>. </a:t>
-            </a:r>
-            <a:r>
-              <a:rPr lang="en-US" sz="1000" dirty="0" smtClean="0">
-                <a:latin typeface="Arial" panose="020B0604020202020204" pitchFamily="34" charset="0"/>
-                <a:cs typeface="Arial" panose="020B0604020202020204" pitchFamily="34" charset="0"/>
-              </a:rPr>
-              <a:t>The Payment Application preferably shows </a:t>
-            </a:r>
-            <a:r>
-              <a:rPr lang="en-US" sz="1000" dirty="0">
-                <a:latin typeface="Arial" panose="020B0604020202020204" pitchFamily="34" charset="0"/>
-                <a:cs typeface="Arial" panose="020B0604020202020204" pitchFamily="34" charset="0"/>
-              </a:rPr>
-              <a:t>a “busy” sign </a:t>
-            </a:r>
-            <a:r>
-              <a:rPr lang="en-US" sz="1000" dirty="0" smtClean="0">
-                <a:latin typeface="Arial" panose="020B0604020202020204" pitchFamily="34" charset="0"/>
-                <a:cs typeface="Arial" panose="020B0604020202020204" pitchFamily="34" charset="0"/>
-              </a:rPr>
-              <a:t>after </a:t>
-            </a:r>
-            <a:r>
-              <a:rPr lang="en-US" sz="1000" dirty="0">
-                <a:latin typeface="Arial" panose="020B0604020202020204" pitchFamily="34" charset="0"/>
-                <a:cs typeface="Arial" panose="020B0604020202020204" pitchFamily="34" charset="0"/>
-              </a:rPr>
-              <a:t>this </a:t>
-            </a:r>
-            <a:r>
-              <a:rPr lang="en-US" sz="1000" dirty="0" smtClean="0">
-                <a:latin typeface="Arial" panose="020B0604020202020204" pitchFamily="34" charset="0"/>
-                <a:cs typeface="Arial" panose="020B0604020202020204" pitchFamily="34" charset="0"/>
-              </a:rPr>
-              <a:t>step and having input controls disabled.</a:t>
-            </a:r>
-          </a:p>
-          <a:p>
-            <a:pPr marL="342900" indent="-342900">
-              <a:spcBef>
-                <a:spcPts val="600"/>
-              </a:spcBef>
-              <a:buAutoNum type="arabicPeriod"/>
-            </a:pPr>
-            <a:r>
-              <a:rPr lang="en-US" sz="1000" dirty="0" smtClean="0">
-                <a:latin typeface="Arial" panose="020B0604020202020204" pitchFamily="34" charset="0"/>
-                <a:cs typeface="Arial" panose="020B0604020202020204" pitchFamily="34" charset="0"/>
-              </a:rPr>
-              <a:t>After user-authorization, </a:t>
-            </a:r>
-            <a:r>
-              <a:rPr lang="en-US" sz="1000" dirty="0">
-                <a:latin typeface="Arial" panose="020B0604020202020204" pitchFamily="34" charset="0"/>
-                <a:cs typeface="Arial" panose="020B0604020202020204" pitchFamily="34" charset="0"/>
-              </a:rPr>
-              <a:t>the </a:t>
-            </a:r>
-            <a:r>
-              <a:rPr lang="en-US" sz="1000" dirty="0" smtClean="0">
-                <a:latin typeface="Arial" panose="020B0604020202020204" pitchFamily="34" charset="0"/>
-                <a:cs typeface="Arial" panose="020B0604020202020204" pitchFamily="34" charset="0"/>
-              </a:rPr>
-              <a:t>Payment Application continues by encrypting </a:t>
-            </a:r>
-            <a:r>
-              <a:rPr lang="en-US" sz="1000" dirty="0">
-                <a:latin typeface="Arial" panose="020B0604020202020204" pitchFamily="34" charset="0"/>
-                <a:cs typeface="Arial" panose="020B0604020202020204" pitchFamily="34" charset="0"/>
-              </a:rPr>
-              <a:t>the container document </a:t>
-            </a:r>
-            <a:r>
-              <a:rPr lang="en-US" sz="1000" dirty="0" smtClean="0">
-                <a:latin typeface="Arial" panose="020B0604020202020204" pitchFamily="34" charset="0"/>
-                <a:cs typeface="Arial" panose="020B0604020202020204" pitchFamily="34" charset="0"/>
-              </a:rPr>
-              <a:t>using a Payment Provider public key.  By encrypting the user authorization, the actual transaction can (</a:t>
-            </a:r>
-            <a:r>
-              <a:rPr lang="en-US" sz="1000" i="1" dirty="0" smtClean="0">
-                <a:latin typeface="Arial" panose="020B0604020202020204" pitchFamily="34" charset="0"/>
-                <a:cs typeface="Arial" panose="020B0604020202020204" pitchFamily="34" charset="0"/>
-              </a:rPr>
-              <a:t>without impeding the user’s privacy</a:t>
-            </a:r>
-            <a:r>
-              <a:rPr lang="en-US" sz="1000" dirty="0" smtClean="0">
-                <a:latin typeface="Arial" panose="020B0604020202020204" pitchFamily="34" charset="0"/>
-                <a:cs typeface="Arial" panose="020B0604020202020204" pitchFamily="34" charset="0"/>
-              </a:rPr>
-              <a:t>), be carried out between the Merchant and </a:t>
-            </a:r>
-            <a:r>
-              <a:rPr lang="en-US" sz="1000" dirty="0" err="1" smtClean="0">
-                <a:latin typeface="Arial" panose="020B0604020202020204" pitchFamily="34" charset="0"/>
-                <a:cs typeface="Arial" panose="020B0604020202020204" pitchFamily="34" charset="0"/>
-              </a:rPr>
-              <a:t>PaymentProvider</a:t>
-            </a:r>
-            <a:r>
-              <a:rPr lang="en-US" sz="1000" dirty="0" smtClean="0">
-                <a:latin typeface="Arial" panose="020B0604020202020204" pitchFamily="34" charset="0"/>
-                <a:cs typeface="Arial" panose="020B0604020202020204" pitchFamily="34" charset="0"/>
-              </a:rPr>
-              <a:t> which is both logical and more reliable than using the client as middleman (which also would require an extra network round).</a:t>
-            </a:r>
-            <a:br>
-              <a:rPr lang="en-US" sz="1000" dirty="0" smtClean="0">
-                <a:latin typeface="Arial" panose="020B0604020202020204" pitchFamily="34" charset="0"/>
-                <a:cs typeface="Arial" panose="020B0604020202020204" pitchFamily="34" charset="0"/>
-              </a:rPr>
-            </a:br>
-            <a:endParaRPr lang="en-US" sz="1000" dirty="0" smtClean="0">
-              <a:latin typeface="Arial" panose="020B0604020202020204" pitchFamily="34" charset="0"/>
-              <a:cs typeface="Arial" panose="020B0604020202020204" pitchFamily="34" charset="0"/>
-            </a:endParaRPr>
-          </a:p>
-          <a:p>
-            <a:pPr marL="342900" indent="-342900">
-              <a:spcBef>
-                <a:spcPts val="600"/>
-              </a:spcBef>
-              <a:buAutoNum type="arabicPeriod"/>
-            </a:pPr>
-            <a:r>
-              <a:rPr lang="en-US" sz="1000" dirty="0" smtClean="0">
-                <a:latin typeface="Arial" panose="020B0604020202020204" pitchFamily="34" charset="0"/>
-                <a:cs typeface="Arial" panose="020B0604020202020204" pitchFamily="34" charset="0"/>
-              </a:rPr>
-              <a:t>The result after the previous step is put in another container document together with an HTTPS URL to the Payment Provider. </a:t>
-            </a:r>
-            <a:br>
-              <a:rPr lang="en-US" sz="1000" dirty="0" smtClean="0">
-                <a:latin typeface="Arial" panose="020B0604020202020204" pitchFamily="34" charset="0"/>
-                <a:cs typeface="Arial" panose="020B0604020202020204" pitchFamily="34" charset="0"/>
-              </a:rPr>
-            </a:br>
-            <a:r>
-              <a:rPr lang="en-US" sz="1000" dirty="0" smtClean="0">
-                <a:latin typeface="Arial" panose="020B0604020202020204" pitchFamily="34" charset="0"/>
-                <a:cs typeface="Arial" panose="020B0604020202020204" pitchFamily="34" charset="0"/>
-              </a:rPr>
-              <a:t>The new container document is then sent as an authorization </a:t>
-            </a:r>
-            <a:r>
-              <a:rPr lang="en-US" sz="1000" dirty="0" err="1" smtClean="0">
-                <a:latin typeface="Arial" panose="020B0604020202020204" pitchFamily="34" charset="0"/>
-                <a:cs typeface="Arial" panose="020B0604020202020204" pitchFamily="34" charset="0"/>
-              </a:rPr>
-              <a:t>postMessage</a:t>
-            </a:r>
-            <a:r>
-              <a:rPr lang="en-US" sz="1000" dirty="0" smtClean="0">
-                <a:latin typeface="Arial" panose="020B0604020202020204" pitchFamily="34" charset="0"/>
-                <a:cs typeface="Arial" panose="020B0604020202020204" pitchFamily="34" charset="0"/>
-              </a:rPr>
-              <a:t>() to the Merchant window.  The received container document would then presumably immediately be </a:t>
-            </a:r>
-            <a:r>
-              <a:rPr lang="en-US" sz="1000" dirty="0" err="1" smtClean="0">
-                <a:latin typeface="Arial" panose="020B0604020202020204" pitchFamily="34" charset="0"/>
-                <a:cs typeface="Arial" panose="020B0604020202020204" pitchFamily="34" charset="0"/>
-              </a:rPr>
-              <a:t>POSTed</a:t>
-            </a:r>
-            <a:r>
-              <a:rPr lang="en-US" sz="1000" dirty="0" smtClean="0">
-                <a:latin typeface="Arial" panose="020B0604020202020204" pitchFamily="34" charset="0"/>
-                <a:cs typeface="Arial" panose="020B0604020202020204" pitchFamily="34" charset="0"/>
-              </a:rPr>
-              <a:t> to the Merchant server (by the Merchant window), since Merchant payment processing must be performed on the server.</a:t>
-            </a:r>
-          </a:p>
-          <a:p>
-            <a:pPr marL="342900" indent="-342900">
-              <a:spcBef>
-                <a:spcPts val="600"/>
-              </a:spcBef>
-              <a:buAutoNum type="arabicPeriod"/>
-            </a:pPr>
-            <a:r>
-              <a:rPr lang="en-US" sz="1000" dirty="0" smtClean="0">
-                <a:latin typeface="Arial" panose="020B0604020202020204" pitchFamily="34" charset="0"/>
-                <a:cs typeface="Arial" panose="020B0604020202020204" pitchFamily="34" charset="0"/>
-              </a:rPr>
-              <a:t>After the Merchant server has received the container document it creates another container document with the encrypted authorized transaction request plus some other information, and finally signs it with its Merchant key.  This container is then </a:t>
-            </a:r>
-            <a:r>
-              <a:rPr lang="en-US" sz="1000" dirty="0" err="1" smtClean="0">
-                <a:latin typeface="Arial" panose="020B0604020202020204" pitchFamily="34" charset="0"/>
-                <a:cs typeface="Arial" panose="020B0604020202020204" pitchFamily="34" charset="0"/>
-              </a:rPr>
-              <a:t>POSTed</a:t>
-            </a:r>
-            <a:r>
-              <a:rPr lang="en-US" sz="1000" dirty="0" smtClean="0">
-                <a:latin typeface="Arial" panose="020B0604020202020204" pitchFamily="34" charset="0"/>
-                <a:cs typeface="Arial" panose="020B0604020202020204" pitchFamily="34" charset="0"/>
-              </a:rPr>
-              <a:t> using the URL received in the previous step</a:t>
-            </a:r>
-            <a:r>
-              <a:rPr lang="en-US" sz="1000" dirty="0">
-                <a:latin typeface="Arial" panose="020B0604020202020204" pitchFamily="34" charset="0"/>
-                <a:cs typeface="Arial" panose="020B0604020202020204" pitchFamily="34" charset="0"/>
-              </a:rPr>
-              <a:t>. </a:t>
-            </a:r>
-            <a:r>
-              <a:rPr lang="en-US" sz="1000" dirty="0" smtClean="0">
-                <a:latin typeface="Arial" panose="020B0604020202020204" pitchFamily="34" charset="0"/>
-                <a:cs typeface="Arial" panose="020B0604020202020204" pitchFamily="34" charset="0"/>
-              </a:rPr>
-              <a:t> The </a:t>
-            </a:r>
-            <a:r>
-              <a:rPr lang="en-US" sz="1000" dirty="0">
-                <a:latin typeface="Arial" panose="020B0604020202020204" pitchFamily="34" charset="0"/>
-                <a:cs typeface="Arial" panose="020B0604020202020204" pitchFamily="34" charset="0"/>
-              </a:rPr>
-              <a:t>function of the </a:t>
-            </a:r>
-            <a:r>
-              <a:rPr lang="en-US" sz="1000" dirty="0" err="1">
-                <a:latin typeface="Arial" panose="020B0604020202020204" pitchFamily="34" charset="0"/>
-                <a:cs typeface="Arial" panose="020B0604020202020204" pitchFamily="34" charset="0"/>
-              </a:rPr>
-              <a:t>RequestHash</a:t>
-            </a:r>
-            <a:r>
-              <a:rPr lang="en-US" sz="1000" dirty="0">
-                <a:latin typeface="Arial" panose="020B0604020202020204" pitchFamily="34" charset="0"/>
-                <a:cs typeface="Arial" panose="020B0604020202020204" pitchFamily="34" charset="0"/>
-              </a:rPr>
-              <a:t> is to enable the Payment Provider to verify that the encrypted transaction request really is the same as the Merchant assumes it is</a:t>
-            </a:r>
-            <a:r>
-              <a:rPr lang="en-US" sz="1000" dirty="0" smtClean="0">
-                <a:latin typeface="Arial" panose="020B0604020202020204" pitchFamily="34" charset="0"/>
-                <a:cs typeface="Arial" panose="020B0604020202020204" pitchFamily="34" charset="0"/>
-              </a:rPr>
-              <a:t>.</a:t>
-            </a:r>
-          </a:p>
-          <a:p>
-            <a:pPr marL="342900" indent="-342900">
-              <a:spcBef>
-                <a:spcPts val="600"/>
-              </a:spcBef>
-              <a:buAutoNum type="arabicPeriod"/>
-            </a:pPr>
-            <a:r>
-              <a:rPr lang="en-US" sz="1000" dirty="0" smtClean="0">
-                <a:latin typeface="Arial" panose="020B0604020202020204" pitchFamily="34" charset="0"/>
-                <a:cs typeface="Arial" panose="020B0604020202020204" pitchFamily="34" charset="0"/>
-              </a:rPr>
-              <a:t>The Payment Provider verifies the signature and decrypts the authorized transaction request</a:t>
-            </a:r>
-            <a:r>
-              <a:rPr lang="en-US" sz="1000" dirty="0">
-                <a:latin typeface="Arial" panose="020B0604020202020204" pitchFamily="34" charset="0"/>
-                <a:cs typeface="Arial" panose="020B0604020202020204" pitchFamily="34" charset="0"/>
-              </a:rPr>
-              <a:t>. </a:t>
-            </a:r>
-            <a:r>
-              <a:rPr lang="en-US" sz="1000" dirty="0" smtClean="0">
-                <a:latin typeface="Arial" panose="020B0604020202020204" pitchFamily="34" charset="0"/>
-                <a:cs typeface="Arial" panose="020B0604020202020204" pitchFamily="34" charset="0"/>
-              </a:rPr>
-              <a:t>If everything is ok, the Merchant’s version of the transaction request is put in a container document together with a “</a:t>
-            </a:r>
-            <a:r>
-              <a:rPr lang="en-US" sz="1000" dirty="0" err="1" smtClean="0">
-                <a:latin typeface="Arial" panose="020B0604020202020204" pitchFamily="34" charset="0"/>
-                <a:cs typeface="Arial" panose="020B0604020202020204" pitchFamily="34" charset="0"/>
-              </a:rPr>
-              <a:t>tokenenized</a:t>
-            </a:r>
-            <a:r>
-              <a:rPr lang="en-US" sz="1000" dirty="0" smtClean="0">
-                <a:latin typeface="Arial" panose="020B0604020202020204" pitchFamily="34" charset="0"/>
-                <a:cs typeface="Arial" panose="020B0604020202020204" pitchFamily="34" charset="0"/>
-              </a:rPr>
-              <a:t>” (one-time) PAN and then signed by the Payment Provider.  The assembled document is returned as a response to the POST in the previous step.</a:t>
-            </a:r>
-          </a:p>
-          <a:p>
-            <a:pPr marL="342900" indent="-342900">
-              <a:spcBef>
-                <a:spcPts val="600"/>
-              </a:spcBef>
-              <a:buAutoNum type="arabicPeriod"/>
-            </a:pPr>
-            <a:r>
-              <a:rPr lang="en-US" sz="1000" dirty="0" smtClean="0">
-                <a:latin typeface="Arial" panose="020B0604020202020204" pitchFamily="34" charset="0"/>
-                <a:cs typeface="Arial" panose="020B0604020202020204" pitchFamily="34" charset="0"/>
-              </a:rPr>
-              <a:t>The Merchant application now has an </a:t>
-            </a:r>
-            <a:r>
-              <a:rPr lang="en-US" sz="1000" i="1" dirty="0" smtClean="0">
-                <a:latin typeface="Arial" panose="020B0604020202020204" pitchFamily="34" charset="0"/>
-                <a:cs typeface="Arial" panose="020B0604020202020204" pitchFamily="34" charset="0"/>
-              </a:rPr>
-              <a:t>indirect</a:t>
-            </a:r>
-            <a:r>
-              <a:rPr lang="en-US" sz="1000" dirty="0" smtClean="0">
-                <a:latin typeface="Arial" panose="020B0604020202020204" pitchFamily="34" charset="0"/>
-                <a:cs typeface="Arial" panose="020B0604020202020204" pitchFamily="34" charset="0"/>
-              </a:rPr>
-              <a:t> (but authoritative) proof of the card holder’s authorization and can continue with the processing using the regular payment network</a:t>
-            </a:r>
-            <a:r>
-              <a:rPr lang="en-US" sz="1000" dirty="0">
-                <a:latin typeface="Arial" panose="020B0604020202020204" pitchFamily="34" charset="0"/>
-                <a:cs typeface="Arial" panose="020B0604020202020204" pitchFamily="34" charset="0"/>
-              </a:rPr>
-              <a:t>. </a:t>
-            </a:r>
-            <a:r>
-              <a:rPr lang="en-US" sz="1000" dirty="0" smtClean="0">
-                <a:latin typeface="Arial" panose="020B0604020202020204" pitchFamily="34" charset="0"/>
-                <a:cs typeface="Arial" panose="020B0604020202020204" pitchFamily="34" charset="0"/>
-              </a:rPr>
-              <a:t> When all operations needed have been carried out, </a:t>
-            </a:r>
-            <a:r>
-              <a:rPr lang="en-US" sz="1000" dirty="0">
-                <a:latin typeface="Arial" panose="020B0604020202020204" pitchFamily="34" charset="0"/>
-                <a:cs typeface="Arial" panose="020B0604020202020204" pitchFamily="34" charset="0"/>
-              </a:rPr>
-              <a:t>the Merchant returns a </a:t>
-            </a:r>
-            <a:r>
-              <a:rPr lang="en-US" sz="1000" dirty="0" smtClean="0">
-                <a:latin typeface="Arial" panose="020B0604020202020204" pitchFamily="34" charset="0"/>
-                <a:cs typeface="Arial" panose="020B0604020202020204" pitchFamily="34" charset="0"/>
-              </a:rPr>
-              <a:t>payment result </a:t>
-            </a:r>
-            <a:r>
-              <a:rPr lang="en-US" sz="1000" dirty="0">
-                <a:latin typeface="Arial" panose="020B0604020202020204" pitchFamily="34" charset="0"/>
-                <a:cs typeface="Arial" panose="020B0604020202020204" pitchFamily="34" charset="0"/>
-              </a:rPr>
-              <a:t>page as a response to the POST </a:t>
-            </a:r>
-            <a:r>
-              <a:rPr lang="en-US" sz="1000" dirty="0" smtClean="0">
-                <a:latin typeface="Arial" panose="020B0604020202020204" pitchFamily="34" charset="0"/>
-                <a:cs typeface="Arial" panose="020B0604020202020204" pitchFamily="34" charset="0"/>
-              </a:rPr>
-              <a:t>in </a:t>
-            </a:r>
-            <a:r>
-              <a:rPr lang="en-US" sz="1000" dirty="0">
-                <a:latin typeface="Arial" panose="020B0604020202020204" pitchFamily="34" charset="0"/>
-                <a:cs typeface="Arial" panose="020B0604020202020204" pitchFamily="34" charset="0"/>
-              </a:rPr>
-              <a:t>step 6.  This also closes the Payment Application. </a:t>
             </a:r>
             <a:endParaRPr lang="en-US" sz="1000" dirty="0" smtClean="0">
               <a:latin typeface="Arial" panose="020B0604020202020204" pitchFamily="34" charset="0"/>

--- a/webpayment.resources/docs/pullmode.pptx
+++ b/webpayment.resources/docs/pullmode.pptx
@@ -13020,7 +13020,7 @@
         </p:nvSpPr>
         <p:spPr>
           <a:xfrm>
-            <a:off x="966837" y="10585944"/>
+            <a:off x="1038845" y="10585944"/>
             <a:ext cx="2120567" cy="374571"/>
           </a:xfrm>
           <a:prstGeom prst="roundRect">
@@ -14002,7 +14002,7 @@
         </p:nvSpPr>
         <p:spPr>
           <a:xfrm>
-            <a:off x="3115824" y="1604563"/>
+            <a:off x="3087831" y="1604563"/>
             <a:ext cx="1688530" cy="153888"/>
           </a:xfrm>
           <a:prstGeom prst="rect">
@@ -14901,16 +14901,16 @@
       </p:sp>
       <p:grpSp>
         <p:nvGrpSpPr>
-          <p:cNvPr id="15" name="Group 14"/>
+          <p:cNvPr id="16" name="Group 15"/>
           <p:cNvGrpSpPr/>
           <p:nvPr/>
         </p:nvGrpSpPr>
         <p:grpSpPr>
           <a:xfrm>
             <a:off x="6723073" y="9082607"/>
-            <a:ext cx="1996059" cy="2335635"/>
-            <a:chOff x="6578083" y="9041978"/>
-            <a:chExt cx="1996059" cy="2335635"/>
+            <a:ext cx="2011221" cy="2335635"/>
+            <a:chOff x="6723073" y="9082607"/>
+            <a:chExt cx="2011221" cy="2335635"/>
           </a:xfrm>
         </p:grpSpPr>
         <p:sp>
@@ -14921,8 +14921,8 @@
           </p:nvSpPr>
           <p:spPr>
             <a:xfrm>
-              <a:off x="6580336" y="9041978"/>
-              <a:ext cx="1946367" cy="2335635"/>
+              <a:off x="6725326" y="9082607"/>
+              <a:ext cx="2008968" cy="2335635"/>
             </a:xfrm>
             <a:prstGeom prst="rect">
               <a:avLst/>
@@ -14978,7 +14978,7 @@
           </p:nvSpPr>
           <p:spPr>
             <a:xfrm>
-              <a:off x="6578083" y="10353655"/>
+              <a:off x="6723073" y="10394284"/>
               <a:ext cx="1996059" cy="992579"/>
             </a:xfrm>
             <a:prstGeom prst="rect">
@@ -15038,19 +15038,8 @@
                   <a:latin typeface="Arial" panose="020B0604020202020204" pitchFamily="34" charset="0"/>
                   <a:cs typeface="Arial" panose="020B0604020202020204" pitchFamily="34" charset="0"/>
                 </a:rPr>
-                <a:t> (Last 4 </a:t>
+                <a:t> (Last 4 digits of card</a:t>
               </a:r>
-              <a:r>
-                <a:rPr lang="en-US" sz="800" dirty="0" smtClean="0">
-                  <a:latin typeface="Arial" panose="020B0604020202020204" pitchFamily="34" charset="0"/>
-                  <a:cs typeface="Arial" panose="020B0604020202020204" pitchFamily="34" charset="0"/>
-                </a:rPr>
-                <a:t>digits of card</a:t>
-              </a:r>
-              <a:endParaRPr lang="en-US" sz="800" dirty="0" smtClean="0">
-                <a:latin typeface="Arial" panose="020B0604020202020204" pitchFamily="34" charset="0"/>
-                <a:cs typeface="Arial" panose="020B0604020202020204" pitchFamily="34" charset="0"/>
-              </a:endParaRPr>
             </a:p>
             <a:p>
               <a:r>
@@ -15093,14 +15082,7 @@
                   <a:latin typeface="Arial" panose="020B0604020202020204" pitchFamily="34" charset="0"/>
                   <a:cs typeface="Arial" panose="020B0604020202020204" pitchFamily="34" charset="0"/>
                 </a:rPr>
-                <a:t>card data</a:t>
-              </a:r>
-              <a:r>
-                <a:rPr lang="en-US" sz="800" dirty="0" smtClean="0">
-                  <a:latin typeface="Arial" panose="020B0604020202020204" pitchFamily="34" charset="0"/>
-                  <a:cs typeface="Arial" panose="020B0604020202020204" pitchFamily="34" charset="0"/>
-                </a:rPr>
-                <a:t>)</a:t>
+                <a:t>card data)</a:t>
               </a:r>
               <a:endParaRPr lang="en-US" sz="800" dirty="0">
                 <a:latin typeface="Arial" panose="020B0604020202020204" pitchFamily="34" charset="0"/>
@@ -15212,7 +15194,7 @@
           </p:nvSpPr>
           <p:spPr>
             <a:xfrm>
-              <a:off x="6580337" y="9060934"/>
+              <a:off x="6725327" y="9101563"/>
               <a:ext cx="994183" cy="215444"/>
             </a:xfrm>
             <a:prstGeom prst="rect">
@@ -15262,7 +15244,7 @@
           </p:nvGrpSpPr>
           <p:grpSpPr>
             <a:xfrm>
-              <a:off x="6727477" y="9276378"/>
+              <a:off x="6872467" y="9317007"/>
               <a:ext cx="1286438" cy="1030500"/>
               <a:chOff x="719701" y="3795068"/>
               <a:chExt cx="1286438" cy="1030500"/>
@@ -16365,7 +16347,7 @@
         </p:nvSpPr>
         <p:spPr>
           <a:xfrm>
-            <a:off x="822821" y="300977"/>
+            <a:off x="822821" y="1247317"/>
             <a:ext cx="7415813" cy="523220"/>
           </a:xfrm>
           <a:prstGeom prst="rect">
@@ -16384,35 +16366,21 @@
                 <a:latin typeface="Times New Roman" panose="02020603050405020304" pitchFamily="18" charset="0"/>
                 <a:cs typeface="Times New Roman" panose="02020603050405020304" pitchFamily="18" charset="0"/>
               </a:rPr>
-              <a:t>Condensed description of the </a:t>
+              <a:t>Condensed description of the “</a:t>
+            </a:r>
+            <a:r>
+              <a:rPr lang="en-US" sz="2800" dirty="0">
+                <a:latin typeface="Times New Roman" panose="02020603050405020304" pitchFamily="18" charset="0"/>
+                <a:cs typeface="Times New Roman" panose="02020603050405020304" pitchFamily="18" charset="0"/>
+              </a:rPr>
+              <a:t>p</a:t>
             </a:r>
             <a:r>
               <a:rPr lang="en-US" sz="2800" dirty="0" smtClean="0">
                 <a:latin typeface="Times New Roman" panose="02020603050405020304" pitchFamily="18" charset="0"/>
                 <a:cs typeface="Times New Roman" panose="02020603050405020304" pitchFamily="18" charset="0"/>
               </a:rPr>
-              <a:t>“</a:t>
-            </a:r>
-            <a:r>
-              <a:rPr lang="en-US" sz="2800" dirty="0">
-                <a:latin typeface="Times New Roman" panose="02020603050405020304" pitchFamily="18" charset="0"/>
-                <a:cs typeface="Times New Roman" panose="02020603050405020304" pitchFamily="18" charset="0"/>
-              </a:rPr>
-              <a:t>p</a:t>
-            </a:r>
-            <a:r>
-              <a:rPr lang="en-US" sz="2800" dirty="0" smtClean="0">
-                <a:latin typeface="Times New Roman" panose="02020603050405020304" pitchFamily="18" charset="0"/>
-                <a:cs typeface="Times New Roman" panose="02020603050405020304" pitchFamily="18" charset="0"/>
-              </a:rPr>
-              <a:t>ull” message </a:t>
-            </a:r>
-            <a:r>
-              <a:rPr lang="en-US" sz="2800" dirty="0" smtClean="0">
-                <a:latin typeface="Times New Roman" panose="02020603050405020304" pitchFamily="18" charset="0"/>
-                <a:cs typeface="Times New Roman" panose="02020603050405020304" pitchFamily="18" charset="0"/>
-              </a:rPr>
-              <a:t>flow</a:t>
+              <a:t>ull” message flow</a:t>
             </a:r>
             <a:endParaRPr lang="en-US" sz="2800" dirty="0">
               <a:latin typeface="Times New Roman" panose="02020603050405020304" pitchFamily="18" charset="0"/>
@@ -16429,8 +16397,8 @@
         </p:nvSpPr>
         <p:spPr>
           <a:xfrm>
-            <a:off x="657352" y="1266774"/>
-            <a:ext cx="7912628" cy="6124754"/>
+            <a:off x="657352" y="2213114"/>
+            <a:ext cx="7912628" cy="6324808"/>
           </a:xfrm>
           <a:prstGeom prst="rect">
             <a:avLst/>
@@ -16456,14 +16424,7 @@
                 <a:latin typeface="Arial" panose="020B0604020202020204" pitchFamily="34" charset="0"/>
                 <a:cs typeface="Arial" panose="020B0604020202020204" pitchFamily="34" charset="0"/>
               </a:rPr>
-              <a:t>0.   	When the user is ready with the purchasing process, he/she clicks on “checkout” (if there are entirely different payment methods the user would have to select from these </a:t>
-            </a:r>
-            <a:r>
-              <a:rPr lang="en-US" sz="1000" dirty="0" smtClean="0">
-                <a:latin typeface="Arial" panose="020B0604020202020204" pitchFamily="34" charset="0"/>
-                <a:cs typeface="Arial" panose="020B0604020202020204" pitchFamily="34" charset="0"/>
-              </a:rPr>
-              <a:t>first) which should trigger an HTTP GET or POST request to the </a:t>
+              <a:t>0.   	When the user is ready with the purchasing process, he/she clicks on “checkout” (if there are entirely different payment methods the user would have to select from these first) which should trigger an HTTP GET or POST request to the </a:t>
             </a:r>
             <a:r>
               <a:rPr lang="en-US" sz="1000" dirty="0">
@@ -16566,35 +16527,97 @@
                 <a:latin typeface="Arial" panose="020B0604020202020204" pitchFamily="34" charset="0"/>
                 <a:cs typeface="Arial" panose="020B0604020202020204" pitchFamily="34" charset="0"/>
               </a:rPr>
+              <a:t> with </a:t>
+            </a:r>
+            <a:r>
+              <a:rPr lang="en-US" sz="1000" dirty="0">
+                <a:latin typeface="Arial" panose="020B0604020202020204" pitchFamily="34" charset="0"/>
+                <a:cs typeface="Arial" panose="020B0604020202020204" pitchFamily="34" charset="0"/>
+              </a:rPr>
+              <a:t>the name of the Wallet application.  </a:t>
+            </a:r>
+            <a:r>
+              <a:rPr lang="en-US" sz="1000" dirty="0" smtClean="0">
+                <a:latin typeface="Arial" panose="020B0604020202020204" pitchFamily="34" charset="0"/>
+                <a:cs typeface="Arial" panose="020B0604020202020204" pitchFamily="34" charset="0"/>
+              </a:rPr>
+              <a:t>This </a:t>
+            </a:r>
+            <a:r>
+              <a:rPr lang="en-US" sz="1000" dirty="0">
+                <a:latin typeface="Arial" panose="020B0604020202020204" pitchFamily="34" charset="0"/>
+                <a:cs typeface="Arial" panose="020B0604020202020204" pitchFamily="34" charset="0"/>
+              </a:rPr>
+              <a:t>page </a:t>
+            </a:r>
+            <a:r>
+              <a:rPr lang="en-US" sz="1000" dirty="0" smtClean="0">
+                <a:latin typeface="Arial" panose="020B0604020202020204" pitchFamily="34" charset="0"/>
+                <a:cs typeface="Arial" panose="020B0604020202020204" pitchFamily="34" charset="0"/>
+              </a:rPr>
+              <a:t>should also include </a:t>
+            </a:r>
+            <a:r>
+              <a:rPr lang="en-US" sz="1000" dirty="0" smtClean="0">
+                <a:latin typeface="Arial" panose="020B0604020202020204" pitchFamily="34" charset="0"/>
+                <a:cs typeface="Arial" panose="020B0604020202020204" pitchFamily="34" charset="0"/>
+              </a:rPr>
+              <a:t>an </a:t>
+            </a:r>
+            <a:r>
+              <a:rPr lang="en-US" sz="1000" dirty="0" err="1">
+                <a:solidFill>
+                  <a:schemeClr val="accent1"/>
+                </a:solidFill>
+                <a:latin typeface="Arial" panose="020B0604020202020204" pitchFamily="34" charset="0"/>
+                <a:cs typeface="Arial" panose="020B0604020202020204" pitchFamily="34" charset="0"/>
+              </a:rPr>
+              <a:t>InvokeWallet</a:t>
+            </a:r>
+            <a:r>
+              <a:rPr lang="en-US" sz="1000" dirty="0">
+                <a:solidFill>
+                  <a:schemeClr val="accent1"/>
+                </a:solidFill>
+                <a:latin typeface="Arial" panose="020B0604020202020204" pitchFamily="34" charset="0"/>
+                <a:cs typeface="Arial" panose="020B0604020202020204" pitchFamily="34" charset="0"/>
+              </a:rPr>
               <a:t> </a:t>
             </a:r>
             <a:r>
+              <a:rPr lang="en-US" sz="1000" dirty="0" smtClean="0">
+                <a:latin typeface="Arial" panose="020B0604020202020204" pitchFamily="34" charset="0"/>
+                <a:cs typeface="Arial" panose="020B0604020202020204" pitchFamily="34" charset="0"/>
+              </a:rPr>
+              <a:t>object holding </a:t>
+            </a:r>
+            <a:r>
+              <a:rPr lang="en-US" sz="1000" dirty="0" smtClean="0">
+                <a:latin typeface="Arial" panose="020B0604020202020204" pitchFamily="34" charset="0"/>
+                <a:cs typeface="Arial" panose="020B0604020202020204" pitchFamily="34" charset="0"/>
+              </a:rPr>
+              <a:t>a list of accepted card-types and a digitally </a:t>
+            </a:r>
+            <a:r>
               <a:rPr lang="en-US" sz="1000" dirty="0">
                 <a:latin typeface="Arial" panose="020B0604020202020204" pitchFamily="34" charset="0"/>
                 <a:cs typeface="Arial" panose="020B0604020202020204" pitchFamily="34" charset="0"/>
               </a:rPr>
-              <a:t>with the name of the Wallet application.  The page will also host a </a:t>
+              <a:t>signed </a:t>
             </a:r>
             <a:r>
               <a:rPr lang="en-US" sz="1000" dirty="0" smtClean="0">
                 <a:latin typeface="Arial" panose="020B0604020202020204" pitchFamily="34" charset="0"/>
                 <a:cs typeface="Arial" panose="020B0604020202020204" pitchFamily="34" charset="0"/>
               </a:rPr>
-              <a:t>JSON-object holding a list of accepted card-types and a digitally </a:t>
-            </a:r>
-            <a:r>
-              <a:rPr lang="en-US" sz="1000" dirty="0">
-                <a:latin typeface="Arial" panose="020B0604020202020204" pitchFamily="34" charset="0"/>
-                <a:cs typeface="Arial" panose="020B0604020202020204" pitchFamily="34" charset="0"/>
-              </a:rPr>
-              <a:t>signed </a:t>
-            </a:r>
-            <a:r>
-              <a:rPr lang="en-US" sz="1000" dirty="0" err="1" smtClean="0">
-                <a:latin typeface="Arial" panose="020B0604020202020204" pitchFamily="34" charset="0"/>
-                <a:cs typeface="Arial" panose="020B0604020202020204" pitchFamily="34" charset="0"/>
-              </a:rPr>
-              <a:t>PaymentRequest</a:t>
+              <a:t>p</a:t>
+            </a:r>
+            <a:r>
+              <a:rPr lang="en-US" sz="1000" dirty="0" smtClean="0">
+                <a:latin typeface="Arial" panose="020B0604020202020204" pitchFamily="34" charset="0"/>
+                <a:cs typeface="Arial" panose="020B0604020202020204" pitchFamily="34" charset="0"/>
+              </a:rPr>
+              <a:t>ayment request</a:t>
             </a:r>
             <a:r>
               <a:rPr lang="en-US" sz="1000" dirty="0">
@@ -16652,11 +16675,18 @@
               <a:t>has been loaded, it sends </a:t>
             </a:r>
             <a:r>
+              <a:rPr lang="en-US" sz="1000" dirty="0">
+                <a:latin typeface="Arial" panose="020B0604020202020204" pitchFamily="34" charset="0"/>
+                <a:cs typeface="Arial" panose="020B0604020202020204" pitchFamily="34" charset="0"/>
+              </a:rPr>
+              <a:t>a</a:t>
+            </a:r>
+            <a:r>
               <a:rPr lang="en-US" sz="1000" dirty="0" smtClean="0">
                 <a:latin typeface="Arial" panose="020B0604020202020204" pitchFamily="34" charset="0"/>
                 <a:cs typeface="Arial" panose="020B0604020202020204" pitchFamily="34" charset="0"/>
               </a:rPr>
-              <a:t>a </a:t>
+              <a:t> </a:t>
             </a:r>
             <a:r>
               <a:rPr lang="en-US" sz="1000" dirty="0" err="1" smtClean="0">
@@ -16687,21 +16717,63 @@
                 <a:latin typeface="Arial" panose="020B0604020202020204" pitchFamily="34" charset="0"/>
                 <a:cs typeface="Arial" panose="020B0604020202020204" pitchFamily="34" charset="0"/>
               </a:rPr>
-              <a:t>ayment window </a:t>
+              <a:t>ayment </a:t>
+            </a:r>
+            <a:r>
+              <a:rPr lang="en-US" sz="1000" dirty="0" smtClean="0">
+                <a:latin typeface="Arial" panose="020B0604020202020204" pitchFamily="34" charset="0"/>
+                <a:cs typeface="Arial" panose="020B0604020202020204" pitchFamily="34" charset="0"/>
+              </a:rPr>
+              <a:t>page to </a:t>
             </a:r>
             <a:r>
               <a:rPr lang="en-US" sz="1000" dirty="0">
                 <a:latin typeface="Arial" panose="020B0604020202020204" pitchFamily="34" charset="0"/>
                 <a:cs typeface="Arial" panose="020B0604020202020204" pitchFamily="34" charset="0"/>
               </a:rPr>
-              <a:t>to signal that it is ready for taking on a payment </a:t>
+              <a:t>signal that it is ready for taking on a payment </a:t>
             </a:r>
             <a:r>
               <a:rPr lang="en-US" sz="1000" dirty="0" smtClean="0">
                 <a:latin typeface="Arial" panose="020B0604020202020204" pitchFamily="34" charset="0"/>
                 <a:cs typeface="Arial" panose="020B0604020202020204" pitchFamily="34" charset="0"/>
               </a:rPr>
-              <a:t>request.  This message also contains windowing information which the payment page can use to adjust its content so that it is not hidden by the Wallet window. </a:t>
+              <a:t>request.  This message also contains windowing information which the payment page can use to adjust its content so that it </a:t>
+            </a:r>
+            <a:r>
+              <a:rPr lang="en-US" sz="1000" dirty="0" smtClean="0">
+                <a:latin typeface="Arial" panose="020B0604020202020204" pitchFamily="34" charset="0"/>
+                <a:cs typeface="Arial" panose="020B0604020202020204" pitchFamily="34" charset="0"/>
+              </a:rPr>
+              <a:t>does </a:t>
+            </a:r>
+            <a:r>
+              <a:rPr lang="en-US" sz="1000" dirty="0" smtClean="0">
+                <a:latin typeface="Arial" panose="020B0604020202020204" pitchFamily="34" charset="0"/>
+                <a:cs typeface="Arial" panose="020B0604020202020204" pitchFamily="34" charset="0"/>
+              </a:rPr>
+              <a:t>not get </a:t>
+            </a:r>
+            <a:r>
+              <a:rPr lang="en-US" sz="1000" dirty="0" smtClean="0">
+                <a:latin typeface="Arial" panose="020B0604020202020204" pitchFamily="34" charset="0"/>
+                <a:cs typeface="Arial" panose="020B0604020202020204" pitchFamily="34" charset="0"/>
+              </a:rPr>
+              <a:t>hidden by the Wallet </a:t>
+            </a:r>
+            <a:r>
+              <a:rPr lang="en-US" sz="1000" dirty="0" smtClean="0">
+                <a:latin typeface="Arial" panose="020B0604020202020204" pitchFamily="34" charset="0"/>
+                <a:cs typeface="Arial" panose="020B0604020202020204" pitchFamily="34" charset="0"/>
+              </a:rPr>
+              <a:t>application window</a:t>
+            </a:r>
+            <a:r>
+              <a:rPr lang="en-US" sz="1000" dirty="0" smtClean="0">
+                <a:latin typeface="Arial" panose="020B0604020202020204" pitchFamily="34" charset="0"/>
+                <a:cs typeface="Arial" panose="020B0604020202020204" pitchFamily="34" charset="0"/>
+              </a:rPr>
+              <a:t>. </a:t>
             </a:r>
           </a:p>
           <a:p>
@@ -16731,25 +16803,11 @@
               <a:t>payment page sends </a:t>
             </a:r>
             <a:r>
-              <a:rPr lang="en-US" sz="1000" dirty="0">
+              <a:rPr lang="en-US" sz="1000" dirty="0" smtClean="0">
                 <a:latin typeface="Arial" panose="020B0604020202020204" pitchFamily="34" charset="0"/>
                 <a:cs typeface="Arial" panose="020B0604020202020204" pitchFamily="34" charset="0"/>
               </a:rPr>
               <a:t>the </a:t>
-            </a:r>
-            <a:r>
-              <a:rPr lang="en-US" sz="1000" dirty="0" smtClean="0">
-                <a:latin typeface="Arial" panose="020B0604020202020204" pitchFamily="34" charset="0"/>
-                <a:cs typeface="Arial" panose="020B0604020202020204" pitchFamily="34" charset="0"/>
-              </a:rPr>
-              <a:t>previously created JSON object in </a:t>
-            </a:r>
-            <a:r>
-              <a:rPr lang="en-US" sz="1000" dirty="0">
-                <a:latin typeface="Arial" panose="020B0604020202020204" pitchFamily="34" charset="0"/>
-                <a:cs typeface="Arial" panose="020B0604020202020204" pitchFamily="34" charset="0"/>
-              </a:rPr>
-              <a:t>an </a:t>
             </a:r>
             <a:r>
               <a:rPr lang="en-US" sz="1000" dirty="0" err="1" smtClean="0">
@@ -16776,7 +16834,56 @@
                 <a:latin typeface="Arial" panose="020B0604020202020204" pitchFamily="34" charset="0"/>
                 <a:cs typeface="Arial" panose="020B0604020202020204" pitchFamily="34" charset="0"/>
               </a:rPr>
-              <a:t>message to the Wallet application which now enters its active state. </a:t>
+              <a:t>message </a:t>
+            </a:r>
+            <a:r>
+              <a:rPr lang="en-US" sz="1000" dirty="0">
+                <a:latin typeface="Arial" panose="020B0604020202020204" pitchFamily="34" charset="0"/>
+                <a:cs typeface="Arial" panose="020B0604020202020204" pitchFamily="34" charset="0"/>
+              </a:rPr>
+              <a:t>mentioned </a:t>
+            </a:r>
+            <a:r>
+              <a:rPr lang="en-US" sz="1000" dirty="0" smtClean="0">
+                <a:latin typeface="Arial" panose="020B0604020202020204" pitchFamily="34" charset="0"/>
+                <a:cs typeface="Arial" panose="020B0604020202020204" pitchFamily="34" charset="0"/>
+              </a:rPr>
+              <a:t>in step </a:t>
+            </a:r>
+            <a:r>
+              <a:rPr lang="en-US" sz="1000" dirty="0">
+                <a:latin typeface="Arial" panose="020B0604020202020204" pitchFamily="34" charset="0"/>
+                <a:cs typeface="Arial" panose="020B0604020202020204" pitchFamily="34" charset="0"/>
+              </a:rPr>
+              <a:t>#1 to </a:t>
+            </a:r>
+            <a:r>
+              <a:rPr lang="en-US" sz="1000" dirty="0" smtClean="0">
+                <a:latin typeface="Arial" panose="020B0604020202020204" pitchFamily="34" charset="0"/>
+                <a:cs typeface="Arial" panose="020B0604020202020204" pitchFamily="34" charset="0"/>
+              </a:rPr>
+              <a:t>the Wallet application which now enters </a:t>
+            </a:r>
+            <a:r>
+              <a:rPr lang="en-US" sz="1000" dirty="0" smtClean="0">
+                <a:latin typeface="Arial" panose="020B0604020202020204" pitchFamily="34" charset="0"/>
+                <a:cs typeface="Arial" panose="020B0604020202020204" pitchFamily="34" charset="0"/>
+              </a:rPr>
+              <a:t>an</a:t>
+            </a:r>
+            <a:r>
+              <a:rPr lang="en-US" sz="1000" dirty="0" smtClean="0">
+                <a:latin typeface="Arial" panose="020B0604020202020204" pitchFamily="34" charset="0"/>
+                <a:cs typeface="Arial" panose="020B0604020202020204" pitchFamily="34" charset="0"/>
+              </a:rPr>
+              <a:t> </a:t>
+            </a:r>
+            <a:r>
+              <a:rPr lang="en-US" sz="1000" dirty="0" smtClean="0">
+                <a:latin typeface="Arial" panose="020B0604020202020204" pitchFamily="34" charset="0"/>
+                <a:cs typeface="Arial" panose="020B0604020202020204" pitchFamily="34" charset="0"/>
+              </a:rPr>
+              <a:t>active state. </a:t>
             </a:r>
             <a:endParaRPr lang="en-US" sz="1000" dirty="0">
               <a:latin typeface="Arial" panose="020B0604020202020204" pitchFamily="34" charset="0"/>
@@ -16800,13 +16907,34 @@
                 <a:latin typeface="Arial" panose="020B0604020202020204" pitchFamily="34" charset="0"/>
                 <a:cs typeface="Arial" panose="020B0604020202020204" pitchFamily="34" charset="0"/>
               </a:rPr>
-              <a:t>When the user has selected a card to use (only applicable cards will be shown), the </a:t>
+              <a:t>When the user has </a:t>
+            </a:r>
+            <a:r>
+              <a:rPr lang="en-US" sz="1000" i="1" dirty="0" smtClean="0">
+                <a:latin typeface="Arial" panose="020B0604020202020204" pitchFamily="34" charset="0"/>
+                <a:cs typeface="Arial" panose="020B0604020202020204" pitchFamily="34" charset="0"/>
+              </a:rPr>
+              <a:t>optional</a:t>
             </a:r>
             <a:r>
               <a:rPr lang="en-US" sz="1000" dirty="0" smtClean="0">
                 <a:latin typeface="Arial" panose="020B0604020202020204" pitchFamily="34" charset="0"/>
                 <a:cs typeface="Arial" panose="020B0604020202020204" pitchFamily="34" charset="0"/>
               </a:rPr>
+              <a:t> selected </a:t>
+            </a:r>
+            <a:r>
+              <a:rPr lang="en-US" sz="1000" dirty="0">
+                <a:latin typeface="Arial" panose="020B0604020202020204" pitchFamily="34" charset="0"/>
+                <a:cs typeface="Arial" panose="020B0604020202020204" pitchFamily="34" charset="0"/>
+              </a:rPr>
+              <a:t>a card to use (only applicable cards will be shown), the </a:t>
+            </a:r>
+            <a:r>
+              <a:rPr lang="en-US" sz="1000" dirty="0" smtClean="0">
+                <a:latin typeface="Arial" panose="020B0604020202020204" pitchFamily="34" charset="0"/>
+                <a:cs typeface="Arial" panose="020B0604020202020204" pitchFamily="34" charset="0"/>
+              </a:rPr>
               <a:t>Wallet application displays a reduced version of </a:t>
             </a:r>
             <a:r>
@@ -16835,7 +16963,14 @@
                 <a:latin typeface="Arial" panose="020B0604020202020204" pitchFamily="34" charset="0"/>
                 <a:cs typeface="Arial" panose="020B0604020202020204" pitchFamily="34" charset="0"/>
               </a:rPr>
-              <a:t>for the user to accept (or reject).</a:t>
+              <a:t>for the user to accept </a:t>
+            </a:r>
+            <a:r>
+              <a:rPr lang="en-US" sz="1000" dirty="0" smtClean="0">
+                <a:latin typeface="Arial" panose="020B0604020202020204" pitchFamily="34" charset="0"/>
+                <a:cs typeface="Arial" panose="020B0604020202020204" pitchFamily="34" charset="0"/>
+              </a:rPr>
+              <a:t>or reject.</a:t>
             </a:r>
             <a:r>
               <a:rPr lang="en-US" sz="300" dirty="0" smtClean="0">
@@ -17066,7 +17201,62 @@
                 <a:latin typeface="Arial" panose="020B0604020202020204" pitchFamily="34" charset="0"/>
                 <a:cs typeface="Arial" panose="020B0604020202020204" pitchFamily="34" charset="0"/>
               </a:rPr>
-              <a:t>continues by encrypting the container document using a Payment Provider public key.  By encrypting the user authorization, the actual transaction can (</a:t>
+              <a:t>continues by encrypting the </a:t>
+            </a:r>
+            <a:r>
+              <a:rPr lang="en-US" sz="1000" dirty="0" err="1">
+                <a:solidFill>
+                  <a:schemeClr val="accent1"/>
+                </a:solidFill>
+                <a:latin typeface="Arial" panose="020B0604020202020204" pitchFamily="34" charset="0"/>
+                <a:cs typeface="Arial" panose="020B0604020202020204" pitchFamily="34" charset="0"/>
+              </a:rPr>
+              <a:t>PayerGenericAuthReq</a:t>
+            </a:r>
+            <a:r>
+              <a:rPr lang="en-US" sz="1000" dirty="0">
+                <a:solidFill>
+                  <a:schemeClr val="accent1"/>
+                </a:solidFill>
+                <a:latin typeface="Arial" panose="020B0604020202020204" pitchFamily="34" charset="0"/>
+                <a:cs typeface="Arial" panose="020B0604020202020204" pitchFamily="34" charset="0"/>
+              </a:rPr>
+              <a:t> </a:t>
+            </a:r>
+            <a:r>
+              <a:rPr lang="en-US" sz="1000" dirty="0">
+                <a:latin typeface="Arial" panose="020B0604020202020204" pitchFamily="34" charset="0"/>
+                <a:cs typeface="Arial" panose="020B0604020202020204" pitchFamily="34" charset="0"/>
+              </a:rPr>
+              <a:t>m</a:t>
+            </a:r>
+            <a:r>
+              <a:rPr lang="en-US" sz="1000" dirty="0" smtClean="0">
+                <a:latin typeface="Arial" panose="020B0604020202020204" pitchFamily="34" charset="0"/>
+                <a:cs typeface="Arial" panose="020B0604020202020204" pitchFamily="34" charset="0"/>
+              </a:rPr>
+              <a:t>essage using </a:t>
+            </a:r>
+            <a:r>
+              <a:rPr lang="en-US" sz="1000" dirty="0">
+                <a:latin typeface="Arial" panose="020B0604020202020204" pitchFamily="34" charset="0"/>
+                <a:cs typeface="Arial" panose="020B0604020202020204" pitchFamily="34" charset="0"/>
+              </a:rPr>
+              <a:t>a Payment Provider public key.  By encrypting the user authorization, the actual </a:t>
+            </a:r>
+            <a:r>
+              <a:rPr lang="en-US" sz="1000" dirty="0" smtClean="0">
+                <a:latin typeface="Arial" panose="020B0604020202020204" pitchFamily="34" charset="0"/>
+                <a:cs typeface="Arial" panose="020B0604020202020204" pitchFamily="34" charset="0"/>
+              </a:rPr>
+              <a:t>payment transaction </a:t>
+            </a:r>
+            <a:r>
+              <a:rPr lang="en-US" sz="1000" dirty="0">
+                <a:latin typeface="Arial" panose="020B0604020202020204" pitchFamily="34" charset="0"/>
+                <a:cs typeface="Arial" panose="020B0604020202020204" pitchFamily="34" charset="0"/>
+              </a:rPr>
+              <a:t>can (</a:t>
             </a:r>
             <a:r>
               <a:rPr lang="en-US" sz="1000" i="1" dirty="0">
@@ -17134,7 +17324,7 @@
                 <a:latin typeface="Arial" panose="020B0604020202020204" pitchFamily="34" charset="0"/>
                 <a:cs typeface="Arial" panose="020B0604020202020204" pitchFamily="34" charset="0"/>
               </a:rPr>
-              <a:t>now preferably </a:t>
+              <a:t>preferably </a:t>
             </a:r>
             <a:r>
               <a:rPr lang="en-US" sz="1000" dirty="0">
@@ -17189,7 +17379,35 @@
                 <a:latin typeface="Arial" panose="020B0604020202020204" pitchFamily="34" charset="0"/>
                 <a:cs typeface="Arial" panose="020B0604020202020204" pitchFamily="34" charset="0"/>
               </a:rPr>
-              <a:t>in another container document together with an HTTPS URL to the Payment Provider. </a:t>
+              <a:t>in </a:t>
+            </a:r>
+            <a:r>
+              <a:rPr lang="en-US" sz="1000" dirty="0" smtClean="0">
+                <a:latin typeface="Arial" panose="020B0604020202020204" pitchFamily="34" charset="0"/>
+                <a:cs typeface="Arial" panose="020B0604020202020204" pitchFamily="34" charset="0"/>
+              </a:rPr>
+              <a:t>another </a:t>
+            </a:r>
+            <a:r>
+              <a:rPr lang="en-US" sz="1000" dirty="0">
+                <a:latin typeface="Arial" panose="020B0604020202020204" pitchFamily="34" charset="0"/>
+                <a:cs typeface="Arial" panose="020B0604020202020204" pitchFamily="34" charset="0"/>
+              </a:rPr>
+              <a:t>container </a:t>
+            </a:r>
+            <a:r>
+              <a:rPr lang="en-US" sz="1000" dirty="0" smtClean="0">
+                <a:latin typeface="Arial" panose="020B0604020202020204" pitchFamily="34" charset="0"/>
+                <a:cs typeface="Arial" panose="020B0604020202020204" pitchFamily="34" charset="0"/>
+              </a:rPr>
+              <a:t>object together </a:t>
+            </a:r>
+            <a:r>
+              <a:rPr lang="en-US" sz="1000" dirty="0">
+                <a:latin typeface="Arial" panose="020B0604020202020204" pitchFamily="34" charset="0"/>
+                <a:cs typeface="Arial" panose="020B0604020202020204" pitchFamily="34" charset="0"/>
+              </a:rPr>
+              <a:t>with an HTTPS URL to the Payment Provider. </a:t>
             </a:r>
             <a:br>
               <a:rPr lang="en-US" sz="1000" dirty="0">
@@ -17202,14 +17420,42 @@
                 <a:latin typeface="Arial" panose="020B0604020202020204" pitchFamily="34" charset="0"/>
                 <a:cs typeface="Arial" panose="020B0604020202020204" pitchFamily="34" charset="0"/>
               </a:rPr>
-              <a:t>The new container document is then sent </a:t>
+              <a:t>The new </a:t>
             </a:r>
             <a:r>
               <a:rPr lang="en-US" sz="1000" dirty="0" smtClean="0">
                 <a:latin typeface="Arial" panose="020B0604020202020204" pitchFamily="34" charset="0"/>
                 <a:cs typeface="Arial" panose="020B0604020202020204" pitchFamily="34" charset="0"/>
               </a:rPr>
-              <a:t>to the Payment window as a </a:t>
+              <a:t>object is </a:t>
+            </a:r>
+            <a:r>
+              <a:rPr lang="en-US" sz="1000" dirty="0">
+                <a:latin typeface="Arial" panose="020B0604020202020204" pitchFamily="34" charset="0"/>
+                <a:cs typeface="Arial" panose="020B0604020202020204" pitchFamily="34" charset="0"/>
+              </a:rPr>
+              <a:t>then sent </a:t>
+            </a:r>
+            <a:r>
+              <a:rPr lang="en-US" sz="1000" dirty="0" smtClean="0">
+                <a:latin typeface="Arial" panose="020B0604020202020204" pitchFamily="34" charset="0"/>
+                <a:cs typeface="Arial" panose="020B0604020202020204" pitchFamily="34" charset="0"/>
+              </a:rPr>
+              <a:t>to the </a:t>
+            </a:r>
+            <a:r>
+              <a:rPr lang="en-US" sz="1000" dirty="0" smtClean="0">
+                <a:latin typeface="Arial" panose="020B0604020202020204" pitchFamily="34" charset="0"/>
+                <a:cs typeface="Arial" panose="020B0604020202020204" pitchFamily="34" charset="0"/>
+              </a:rPr>
+              <a:t>payment page </a:t>
+            </a:r>
+            <a:r>
+              <a:rPr lang="en-US" sz="1000" dirty="0" smtClean="0">
+                <a:latin typeface="Arial" panose="020B0604020202020204" pitchFamily="34" charset="0"/>
+                <a:cs typeface="Arial" panose="020B0604020202020204" pitchFamily="34" charset="0"/>
+              </a:rPr>
+              <a:t>as a </a:t>
             </a:r>
             <a:r>
               <a:rPr lang="en-US" sz="1000" dirty="0" err="1" smtClean="0">
@@ -17307,14 +17553,7 @@
                 <a:latin typeface="Arial" panose="020B0604020202020204" pitchFamily="34" charset="0"/>
                 <a:cs typeface="Arial" panose="020B0604020202020204" pitchFamily="34" charset="0"/>
               </a:rPr>
-              <a:t>After </a:t>
-            </a:r>
-            <a:r>
-              <a:rPr lang="en-US" sz="1000" dirty="0" smtClean="0">
-                <a:latin typeface="Arial" panose="020B0604020202020204" pitchFamily="34" charset="0"/>
-                <a:cs typeface="Arial" panose="020B0604020202020204" pitchFamily="34" charset="0"/>
-              </a:rPr>
-              <a:t>the Merchant server has received the </a:t>
+              <a:t>After the Merchant server has received the </a:t>
             </a:r>
             <a:r>
               <a:rPr lang="en-US" sz="1000" dirty="0" err="1" smtClean="0">
@@ -17345,14 +17584,21 @@
                 <a:latin typeface="Arial" panose="020B0604020202020204" pitchFamily="34" charset="0"/>
                 <a:cs typeface="Arial" panose="020B0604020202020204" pitchFamily="34" charset="0"/>
               </a:rPr>
-              <a:t>creates another container document with the encrypted authorized transaction request plus some other information, and finally signs it with its Merchant </a:t>
+              <a:t>creates another container </a:t>
             </a:r>
             <a:r>
               <a:rPr lang="en-US" sz="1000" dirty="0" smtClean="0">
                 <a:latin typeface="Arial" panose="020B0604020202020204" pitchFamily="34" charset="0"/>
                 <a:cs typeface="Arial" panose="020B0604020202020204" pitchFamily="34" charset="0"/>
               </a:rPr>
-              <a:t>key.</a:t>
+              <a:t>object with </a:t>
+            </a:r>
+            <a:r>
+              <a:rPr lang="en-US" sz="1000" dirty="0" smtClean="0">
+                <a:latin typeface="Arial" panose="020B0604020202020204" pitchFamily="34" charset="0"/>
+                <a:cs typeface="Arial" panose="020B0604020202020204" pitchFamily="34" charset="0"/>
+              </a:rPr>
+              <a:t>the encrypted authorized transaction request plus some other information, and finally signs it with its Merchant key.</a:t>
             </a:r>
             <a:r>
               <a:rPr lang="en-US" sz="300" dirty="0" smtClean="0">
@@ -17385,24 +17631,10 @@
                 <a:latin typeface="Arial" panose="020B0604020202020204" pitchFamily="34" charset="0"/>
                 <a:cs typeface="Arial" panose="020B0604020202020204" pitchFamily="34" charset="0"/>
               </a:rPr>
-              <a:t>This </a:t>
-            </a:r>
-            <a:r>
-              <a:rPr lang="en-US" sz="1000" dirty="0" smtClean="0">
-                <a:latin typeface="Arial" panose="020B0604020202020204" pitchFamily="34" charset="0"/>
-                <a:cs typeface="Arial" panose="020B0604020202020204" pitchFamily="34" charset="0"/>
-              </a:rPr>
-              <a:t>container </a:t>
-            </a:r>
-            <a:r>
-              <a:rPr lang="en-US" sz="1000" dirty="0" smtClean="0">
-                <a:latin typeface="Arial" panose="020B0604020202020204" pitchFamily="34" charset="0"/>
-                <a:cs typeface="Arial" panose="020B0604020202020204" pitchFamily="34" charset="0"/>
-              </a:rPr>
-              <a:t>(</a:t>
-            </a:r>
-            <a:r>
-              <a:rPr lang="en-US" sz="1000" smtClean="0">
+              <a:t>The resulting object (</a:t>
+            </a:r>
+            <a:r>
+              <a:rPr lang="en-US" sz="1000" dirty="0" err="1" smtClean="0">
                 <a:solidFill>
                   <a:schemeClr val="accent1"/>
                 </a:solidFill>
@@ -17412,25 +17644,11 @@
               <a:t>PayeePullAuthReq</a:t>
             </a:r>
             <a:r>
-              <a:rPr lang="en-US" sz="1000" smtClean="0">
-                <a:latin typeface="Arial" panose="020B0604020202020204" pitchFamily="34" charset="0"/>
-                <a:cs typeface="Arial" panose="020B0604020202020204" pitchFamily="34" charset="0"/>
-              </a:rPr>
-              <a:t>) </a:t>
-            </a:r>
-            <a:r>
               <a:rPr lang="en-US" sz="1000" dirty="0" smtClean="0">
                 <a:latin typeface="Arial" panose="020B0604020202020204" pitchFamily="34" charset="0"/>
                 <a:cs typeface="Arial" panose="020B0604020202020204" pitchFamily="34" charset="0"/>
               </a:rPr>
-              <a:t>is </a:t>
-            </a:r>
-            <a:r>
-              <a:rPr lang="en-US" sz="1000" dirty="0" smtClean="0">
-                <a:latin typeface="Arial" panose="020B0604020202020204" pitchFamily="34" charset="0"/>
-                <a:cs typeface="Arial" panose="020B0604020202020204" pitchFamily="34" charset="0"/>
-              </a:rPr>
-              <a:t>then </a:t>
+              <a:t>) is then </a:t>
             </a:r>
             <a:r>
               <a:rPr lang="en-US" sz="1000" dirty="0" err="1" smtClean="0">
@@ -17515,87 +17733,45 @@
                 <a:latin typeface="Arial" panose="020B0604020202020204" pitchFamily="34" charset="0"/>
                 <a:cs typeface="Arial" panose="020B0604020202020204" pitchFamily="34" charset="0"/>
               </a:rPr>
-              <a:t>If everything is </a:t>
+              <a:t>If everything is OK, the Merchant’s version of the transaction request is put in a container document together with “</a:t>
+            </a:r>
+            <a:r>
+              <a:rPr lang="en-US" sz="1000" dirty="0" err="1" smtClean="0">
+                <a:latin typeface="Arial" panose="020B0604020202020204" pitchFamily="34" charset="0"/>
+                <a:cs typeface="Arial" panose="020B0604020202020204" pitchFamily="34" charset="0"/>
+              </a:rPr>
+              <a:t>tokenenized</a:t>
             </a:r>
             <a:r>
               <a:rPr lang="en-US" sz="1000" dirty="0" smtClean="0">
                 <a:latin typeface="Arial" panose="020B0604020202020204" pitchFamily="34" charset="0"/>
                 <a:cs typeface="Arial" panose="020B0604020202020204" pitchFamily="34" charset="0"/>
               </a:rPr>
-              <a:t>OK</a:t>
+              <a:t>” (one-time) </a:t>
             </a:r>
             <a:r>
               <a:rPr lang="en-US" sz="1000" dirty="0" smtClean="0">
                 <a:latin typeface="Arial" panose="020B0604020202020204" pitchFamily="34" charset="0"/>
                 <a:cs typeface="Arial" panose="020B0604020202020204" pitchFamily="34" charset="0"/>
               </a:rPr>
-              <a:t>, </a:t>
+              <a:t>payer </a:t>
             </a:r>
             <a:r>
               <a:rPr lang="en-US" sz="1000" dirty="0" smtClean="0">
                 <a:latin typeface="Arial" panose="020B0604020202020204" pitchFamily="34" charset="0"/>
                 <a:cs typeface="Arial" panose="020B0604020202020204" pitchFamily="34" charset="0"/>
               </a:rPr>
-              <a:t>the Merchant’s version of the transaction request is put in a container </a:t>
+              <a:t>data and then signed by the Payment Provider.  The assembled </a:t>
             </a:r>
             <a:r>
               <a:rPr lang="en-US" sz="1000" dirty="0" smtClean="0">
                 <a:latin typeface="Arial" panose="020B0604020202020204" pitchFamily="34" charset="0"/>
                 <a:cs typeface="Arial" panose="020B0604020202020204" pitchFamily="34" charset="0"/>
               </a:rPr>
-              <a:t>document together </a:t>
-            </a:r>
-            <a:r>
-              <a:rPr lang="en-US" sz="1000" dirty="0" smtClean="0">
-                <a:latin typeface="Arial" panose="020B0604020202020204" pitchFamily="34" charset="0"/>
-                <a:cs typeface="Arial" panose="020B0604020202020204" pitchFamily="34" charset="0"/>
-              </a:rPr>
-              <a:t>with </a:t>
-            </a:r>
-            <a:r>
-              <a:rPr lang="en-US" sz="1000" dirty="0" smtClean="0">
-                <a:latin typeface="Arial" panose="020B0604020202020204" pitchFamily="34" charset="0"/>
-                <a:cs typeface="Arial" panose="020B0604020202020204" pitchFamily="34" charset="0"/>
-              </a:rPr>
-              <a:t>“</a:t>
+              <a:t>object (</a:t>
             </a:r>
             <a:r>
               <a:rPr lang="en-US" sz="1000" dirty="0" err="1" smtClean="0">
-                <a:latin typeface="Arial" panose="020B0604020202020204" pitchFamily="34" charset="0"/>
-                <a:cs typeface="Arial" panose="020B0604020202020204" pitchFamily="34" charset="0"/>
-              </a:rPr>
-              <a:t>tokenenized</a:t>
-            </a:r>
-            <a:r>
-              <a:rPr lang="en-US" sz="1000" dirty="0" smtClean="0">
-                <a:latin typeface="Arial" panose="020B0604020202020204" pitchFamily="34" charset="0"/>
-                <a:cs typeface="Arial" panose="020B0604020202020204" pitchFamily="34" charset="0"/>
-              </a:rPr>
-              <a:t>” (one-time) </a:t>
-            </a:r>
-            <a:r>
-              <a:rPr lang="en-US" sz="1000" dirty="0" smtClean="0">
-                <a:latin typeface="Arial" panose="020B0604020202020204" pitchFamily="34" charset="0"/>
-                <a:cs typeface="Arial" panose="020B0604020202020204" pitchFamily="34" charset="0"/>
-              </a:rPr>
-              <a:t>payment data </a:t>
-            </a:r>
-            <a:r>
-              <a:rPr lang="en-US" sz="1000" dirty="0" smtClean="0">
-                <a:latin typeface="Arial" panose="020B0604020202020204" pitchFamily="34" charset="0"/>
-                <a:cs typeface="Arial" panose="020B0604020202020204" pitchFamily="34" charset="0"/>
-              </a:rPr>
-              <a:t>and then signed by the Payment Provider.  The assembled document </a:t>
-            </a:r>
-            <a:r>
-              <a:rPr lang="en-US" sz="1000" dirty="0">
-                <a:latin typeface="Arial" panose="020B0604020202020204" pitchFamily="34" charset="0"/>
-                <a:cs typeface="Arial" panose="020B0604020202020204" pitchFamily="34" charset="0"/>
-              </a:rPr>
-              <a:t>(</a:t>
-            </a:r>
-            <a:r>
-              <a:rPr lang="en-US" sz="1000" dirty="0" err="1">
                 <a:solidFill>
                   <a:schemeClr val="accent1"/>
                 </a:solidFill>
@@ -17701,14 +17877,7 @@
                 <a:latin typeface="Arial" panose="020B0604020202020204" pitchFamily="34" charset="0"/>
                 <a:cs typeface="Arial" panose="020B0604020202020204" pitchFamily="34" charset="0"/>
               </a:rPr>
-              <a:t>Wallet a</a:t>
-            </a:r>
-            <a:r>
-              <a:rPr lang="en-US" sz="1000" dirty="0" smtClean="0">
-                <a:latin typeface="Arial" panose="020B0604020202020204" pitchFamily="34" charset="0"/>
-                <a:cs typeface="Arial" panose="020B0604020202020204" pitchFamily="34" charset="0"/>
-              </a:rPr>
-              <a:t>pplication</a:t>
+              <a:t>Wallet application</a:t>
             </a:r>
             <a:r>
               <a:rPr lang="en-US" sz="1000" dirty="0">
@@ -17716,94 +17885,6 @@
                 <a:cs typeface="Arial" panose="020B0604020202020204" pitchFamily="34" charset="0"/>
               </a:rPr>
               <a:t>. </a:t>
-            </a:r>
-            <a:endParaRPr lang="en-US" sz="1000" dirty="0" smtClean="0">
-              <a:latin typeface="Arial" panose="020B0604020202020204" pitchFamily="34" charset="0"/>
-              <a:cs typeface="Arial" panose="020B0604020202020204" pitchFamily="34" charset="0"/>
-            </a:endParaRPr>
-          </a:p>
-        </p:txBody>
-      </p:sp>
-      <p:sp>
-        <p:nvSpPr>
-          <p:cNvPr id="9" name="TextBox 8"/>
-          <p:cNvSpPr txBox="1"/>
-          <p:nvPr/>
-        </p:nvSpPr>
-        <p:spPr>
-          <a:xfrm rot="5400000">
-            <a:off x="8374860" y="5297687"/>
-            <a:ext cx="974947" cy="246221"/>
-          </a:xfrm>
-          <a:prstGeom prst="rect">
-            <a:avLst/>
-          </a:prstGeom>
-          <a:noFill/>
-        </p:spPr>
-        <p:txBody>
-          <a:bodyPr wrap="none" rtlCol="0">
-            <a:spAutoFit/>
-          </a:bodyPr>
-          <a:lstStyle/>
-          <a:p>
-            <a:r>
-              <a:rPr lang="en-US" sz="1000" dirty="0" err="1" smtClean="0">
-                <a:latin typeface="Arial" panose="020B0604020202020204" pitchFamily="34" charset="0"/>
-                <a:cs typeface="Arial" panose="020B0604020202020204" pitchFamily="34" charset="0"/>
-              </a:rPr>
-              <a:t>WebCrypto</a:t>
-            </a:r>
-            <a:r>
-              <a:rPr lang="en-US" sz="1000" dirty="0" smtClean="0">
-                <a:latin typeface="Arial" panose="020B0604020202020204" pitchFamily="34" charset="0"/>
-                <a:cs typeface="Arial" panose="020B0604020202020204" pitchFamily="34" charset="0"/>
-              </a:rPr>
-              <a:t>++</a:t>
-            </a:r>
-            <a:endParaRPr lang="en-US" sz="1000" dirty="0">
-              <a:latin typeface="Arial" panose="020B0604020202020204" pitchFamily="34" charset="0"/>
-              <a:cs typeface="Arial" panose="020B0604020202020204" pitchFamily="34" charset="0"/>
-            </a:endParaRPr>
-          </a:p>
-        </p:txBody>
-      </p:sp>
-      <p:sp>
-        <p:nvSpPr>
-          <p:cNvPr id="5" name="TextBox 4"/>
-          <p:cNvSpPr txBox="1"/>
-          <p:nvPr/>
-        </p:nvSpPr>
-        <p:spPr>
-          <a:xfrm>
-            <a:off x="1833784" y="11407020"/>
-            <a:ext cx="5280613" cy="246221"/>
-          </a:xfrm>
-          <a:prstGeom prst="rect">
-            <a:avLst/>
-          </a:prstGeom>
-          <a:noFill/>
-        </p:spPr>
-        <p:txBody>
-          <a:bodyPr wrap="none" rtlCol="0">
-            <a:spAutoFit/>
-          </a:bodyPr>
-          <a:lstStyle/>
-          <a:p>
-            <a:r>
-              <a:rPr lang="en-US" sz="1000" dirty="0">
-                <a:latin typeface="Arial" panose="020B0604020202020204" pitchFamily="34" charset="0"/>
-                <a:cs typeface="Arial" panose="020B0604020202020204" pitchFamily="34" charset="0"/>
-                <a:hlinkClick r:id="rId2"/>
-              </a:rPr>
-              <a:t>https://</a:t>
-            </a:r>
-            <a:r>
-              <a:rPr lang="en-US" sz="1000" dirty="0" smtClean="0">
-                <a:latin typeface="Arial" panose="020B0604020202020204" pitchFamily="34" charset="0"/>
-                <a:cs typeface="Arial" panose="020B0604020202020204" pitchFamily="34" charset="0"/>
-                <a:hlinkClick r:id="rId2"/>
-              </a:rPr>
-              <a:t>openkeystore.googlecode.com/svn/wcpp-payment-demo/trunk/docs/messages.html</a:t>
             </a:r>
             <a:endParaRPr lang="en-US" sz="1000" dirty="0" smtClean="0">
               <a:latin typeface="Arial" panose="020B0604020202020204" pitchFamily="34" charset="0"/>

--- a/webpayment.resources/docs/pullmode.pptx
+++ b/webpayment.resources/docs/pullmode.pptx
@@ -196,7 +196,7 @@
           <a:p>
             <a:fld id="{EC8C8056-B549-4FBF-9C23-C3E3767DB98D}" type="datetimeFigureOut">
               <a:rPr lang="en-US" smtClean="0"/>
-              <a:t>2015-08-10</a:t>
+              <a:t>2015-08-22</a:t>
             </a:fld>
             <a:endParaRPr lang="en-US"/>
           </a:p>
@@ -785,7 +785,7 @@
           <a:p>
             <a:fld id="{8294774E-34A0-4E55-BD26-0311BA5DE3B4}" type="datetimeFigureOut">
               <a:rPr lang="en-US" smtClean="0"/>
-              <a:t>2015-08-10</a:t>
+              <a:t>2015-08-22</a:t>
             </a:fld>
             <a:endParaRPr lang="en-US"/>
           </a:p>
@@ -1002,7 +1002,7 @@
           <a:p>
             <a:fld id="{8294774E-34A0-4E55-BD26-0311BA5DE3B4}" type="datetimeFigureOut">
               <a:rPr lang="en-US" smtClean="0"/>
-              <a:t>2015-08-10</a:t>
+              <a:t>2015-08-22</a:t>
             </a:fld>
             <a:endParaRPr lang="en-US"/>
           </a:p>
@@ -2522,8 +2522,8 @@
         </p:nvSpPr>
         <p:spPr>
           <a:xfrm>
-            <a:off x="2657357" y="7659501"/>
-            <a:ext cx="1837872" cy="221018"/>
+            <a:off x="2657357" y="7674890"/>
+            <a:ext cx="1837872" cy="190240"/>
           </a:xfrm>
           <a:prstGeom prst="rect">
             <a:avLst/>
@@ -2537,14 +2537,6 @@
           <a:lstStyle/>
           <a:p>
             <a:pPr algn="ctr"/>
-            <a:r>
-              <a:rPr lang="en-US" sz="1200" b="1" dirty="0" smtClean="0">
-                <a:latin typeface="Arial" panose="020B0604020202020204" pitchFamily="34" charset="0"/>
-                <a:cs typeface="Arial" panose="020B0604020202020204" pitchFamily="34" charset="0"/>
-                <a:sym typeface="Wingdings"/>
-              </a:rPr>
-              <a:t> </a:t>
-            </a:r>
             <a:r>
               <a:rPr lang="en-US" sz="1000" dirty="0" err="1" smtClean="0">
                 <a:solidFill>
@@ -11951,8 +11943,8 @@
         </p:nvSpPr>
         <p:spPr>
           <a:xfrm>
-            <a:off x="3055069" y="2772409"/>
-            <a:ext cx="1253869" cy="257369"/>
+            <a:off x="3134467" y="2777282"/>
+            <a:ext cx="1072730" cy="226591"/>
           </a:xfrm>
           <a:prstGeom prst="rect">
             <a:avLst/>
@@ -11967,25 +11959,6 @@
           </a:bodyPr>
           <a:lstStyle/>
           <a:p>
-            <a:r>
-              <a:rPr lang="en-US" sz="1200" b="1" dirty="0" smtClean="0">
-                <a:latin typeface="Arial" panose="020B0604020202020204" pitchFamily="34" charset="0"/>
-                <a:cs typeface="Arial" panose="020B0604020202020204" pitchFamily="34" charset="0"/>
-                <a:sym typeface="Wingdings"/>
-              </a:rPr>
-              <a:t></a:t>
-            </a:r>
-            <a:r>
-              <a:rPr lang="en-US" sz="1200" b="1" dirty="0" smtClean="0">
-                <a:solidFill>
-                  <a:schemeClr val="accent1"/>
-                </a:solidFill>
-                <a:latin typeface="Arial" panose="020B0604020202020204" pitchFamily="34" charset="0"/>
-                <a:cs typeface="Arial" panose="020B0604020202020204" pitchFamily="34" charset="0"/>
-                <a:sym typeface="Wingdings"/>
-              </a:rPr>
-              <a:t> </a:t>
-            </a:r>
             <a:r>
               <a:rPr lang="en-US" sz="1000" dirty="0" err="1" smtClean="0">
                 <a:solidFill>
@@ -12051,8 +12024,8 @@
         </p:nvSpPr>
         <p:spPr>
           <a:xfrm>
-            <a:off x="2983061" y="3446491"/>
-            <a:ext cx="1088760" cy="257369"/>
+            <a:off x="3075538" y="3461880"/>
+            <a:ext cx="915635" cy="226591"/>
           </a:xfrm>
           <a:prstGeom prst="rect">
             <a:avLst/>
@@ -12074,24 +12047,6 @@
                 <a:cs typeface="Arial" panose="020B0604020202020204" pitchFamily="34" charset="0"/>
               </a:rPr>
               <a:t>InvokeWallet</a:t>
-            </a:r>
-            <a:r>
-              <a:rPr lang="en-US" sz="1200" b="1" dirty="0" smtClean="0">
-                <a:solidFill>
-                  <a:schemeClr val="accent1"/>
-                </a:solidFill>
-                <a:latin typeface="Arial" panose="020B0604020202020204" pitchFamily="34" charset="0"/>
-                <a:cs typeface="Arial" panose="020B0604020202020204" pitchFamily="34" charset="0"/>
-              </a:rPr>
-              <a:t> </a:t>
-            </a:r>
-            <a:r>
-              <a:rPr lang="en-US" sz="1200" b="1" dirty="0" smtClean="0">
-                <a:latin typeface="Arial" panose="020B0604020202020204" pitchFamily="34" charset="0"/>
-                <a:cs typeface="Arial" panose="020B0604020202020204" pitchFamily="34" charset="0"/>
-                <a:sym typeface="Wingdings"/>
-              </a:rPr>
-              <a:t></a:t>
             </a:r>
             <a:endParaRPr lang="en-US" sz="1200" b="1" dirty="0">
               <a:latin typeface="Arial" panose="020B0604020202020204" pitchFamily="34" charset="0"/>
@@ -12909,8 +12864,8 @@
         </p:nvSpPr>
         <p:spPr>
           <a:xfrm>
-            <a:off x="1554414" y="11166959"/>
-            <a:ext cx="1045478" cy="257369"/>
+            <a:off x="1644983" y="11182348"/>
+            <a:ext cx="864339" cy="226591"/>
           </a:xfrm>
           <a:prstGeom prst="rect">
             <a:avLst/>
@@ -12925,27 +12880,18 @@
           <a:p>
             <a:pPr algn="ctr"/>
             <a:r>
-              <a:rPr lang="en-US" sz="1200" b="1" dirty="0">
-                <a:latin typeface="Arial" panose="020B0604020202020204" pitchFamily="34" charset="0"/>
-                <a:cs typeface="Arial" panose="020B0604020202020204" pitchFamily="34" charset="0"/>
-                <a:sym typeface="Wingdings"/>
-              </a:rPr>
-              <a:t></a:t>
-            </a:r>
-            <a:r>
-              <a:rPr lang="en-US" sz="1200" dirty="0" smtClean="0">
-                <a:latin typeface="Arial" panose="020B0604020202020204" pitchFamily="34" charset="0"/>
-                <a:cs typeface="Arial" panose="020B0604020202020204" pitchFamily="34" charset="0"/>
-                <a:sym typeface="Wingdings"/>
-              </a:rPr>
-              <a:t> </a:t>
-            </a:r>
-            <a:r>
               <a:rPr lang="en-US" sz="1000" dirty="0" smtClean="0">
                 <a:latin typeface="Arial" panose="020B0604020202020204" pitchFamily="34" charset="0"/>
                 <a:cs typeface="Arial" panose="020B0604020202020204" pitchFamily="34" charset="0"/>
               </a:rPr>
-              <a:t>Result page</a:t>
+              <a:t>Result </a:t>
+            </a:r>
+            <a:r>
+              <a:rPr lang="en-US" sz="1000" dirty="0" smtClean="0">
+                <a:latin typeface="Arial" panose="020B0604020202020204" pitchFamily="34" charset="0"/>
+                <a:cs typeface="Arial" panose="020B0604020202020204" pitchFamily="34" charset="0"/>
+              </a:rPr>
+              <a:t>page</a:t>
             </a:r>
             <a:endParaRPr lang="en-US" sz="1000" dirty="0">
               <a:latin typeface="Arial" panose="020B0604020202020204" pitchFamily="34" charset="0"/>
@@ -12962,8 +12908,8 @@
         </p:nvSpPr>
         <p:spPr>
           <a:xfrm>
-            <a:off x="2995373" y="9960809"/>
-            <a:ext cx="1701354" cy="184666"/>
+            <a:off x="3085943" y="9976198"/>
+            <a:ext cx="1520214" cy="153888"/>
           </a:xfrm>
           <a:prstGeom prst="rect">
             <a:avLst/>
@@ -12980,14 +12926,6 @@
           <a:lstStyle/>
           <a:p>
             <a:pPr algn="ctr"/>
-            <a:r>
-              <a:rPr lang="en-US" sz="1200" b="1" dirty="0">
-                <a:latin typeface="Arial" panose="020B0604020202020204" pitchFamily="34" charset="0"/>
-                <a:cs typeface="Arial" panose="020B0604020202020204" pitchFamily="34" charset="0"/>
-                <a:sym typeface="Wingdings"/>
-              </a:rPr>
-              <a:t> </a:t>
-            </a:r>
             <a:r>
               <a:rPr lang="en-US" sz="1000" dirty="0" err="1" smtClean="0">
                 <a:solidFill>
@@ -13580,8 +13518,8 @@
         </p:nvSpPr>
         <p:spPr>
           <a:xfrm>
-            <a:off x="1573161" y="1541998"/>
-            <a:ext cx="1001877" cy="257369"/>
+            <a:off x="1663730" y="1557387"/>
+            <a:ext cx="820738" cy="226591"/>
           </a:xfrm>
           <a:prstGeom prst="rect">
             <a:avLst/>
@@ -13596,19 +13534,18 @@
           <a:p>
             <a:pPr algn="ctr"/>
             <a:r>
-              <a:rPr lang="en-US" sz="1200" b="1" dirty="0">
-                <a:latin typeface="Arial" panose="020B0604020202020204" pitchFamily="34" charset="0"/>
-                <a:cs typeface="Arial" panose="020B0604020202020204" pitchFamily="34" charset="0"/>
-                <a:sym typeface="Wingdings"/>
-              </a:rPr>
-              <a:t> </a:t>
-            </a:r>
-            <a:r>
               <a:rPr lang="en-US" sz="1000" dirty="0" smtClean="0">
                 <a:latin typeface="Arial" panose="020B0604020202020204" pitchFamily="34" charset="0"/>
                 <a:cs typeface="Arial" panose="020B0604020202020204" pitchFamily="34" charset="0"/>
               </a:rPr>
-              <a:t>Payment page</a:t>
+              <a:t>Payment </a:t>
+            </a:r>
+            <a:r>
+              <a:rPr lang="en-US" sz="1000" dirty="0" smtClean="0">
+                <a:latin typeface="Arial" panose="020B0604020202020204" pitchFamily="34" charset="0"/>
+                <a:cs typeface="Arial" panose="020B0604020202020204" pitchFamily="34" charset="0"/>
+              </a:rPr>
+              <a:t>page</a:t>
             </a:r>
             <a:endParaRPr lang="en-US" sz="1000" dirty="0">
               <a:latin typeface="Arial" panose="020B0604020202020204" pitchFamily="34" charset="0"/>
@@ -16010,16 +15947,6 @@
                 <a:cs typeface="Arial" panose="020B0604020202020204" pitchFamily="34" charset="0"/>
                 <a:sym typeface="Wingdings"/>
               </a:rPr>
-              <a:t> </a:t>
-            </a:r>
-            <a:r>
-              <a:rPr lang="en-US" sz="1000" dirty="0" smtClean="0">
-                <a:solidFill>
-                  <a:schemeClr val="accent1"/>
-                </a:solidFill>
-                <a:latin typeface="Arial" panose="020B0604020202020204" pitchFamily="34" charset="0"/>
-                <a:cs typeface="Arial" panose="020B0604020202020204" pitchFamily="34" charset="0"/>
-              </a:rPr>
               <a:t> </a:t>
             </a:r>
             <a:endParaRPr lang="en-US" sz="1200" dirty="0">
@@ -16202,6 +16129,9 @@
               <a:pPr algn="r"/>
               <a:r>
                 <a:rPr lang="en-US" sz="1200" b="1" dirty="0" smtClean="0">
+                  <a:solidFill>
+                    <a:schemeClr val="accent1"/>
+                  </a:solidFill>
                   <a:latin typeface="Arial" panose="020B0604020202020204" pitchFamily="34" charset="0"/>
                   <a:cs typeface="Arial" panose="020B0604020202020204" pitchFamily="34" charset="0"/>
                   <a:sym typeface="Wingdings"/>
@@ -16209,6 +16139,9 @@
                 <a:t></a:t>
               </a:r>
               <a:endParaRPr lang="en-US" sz="1200" b="1" dirty="0">
+                <a:solidFill>
+                  <a:schemeClr val="accent1"/>
+                </a:solidFill>
                 <a:latin typeface="Arial" panose="020B0604020202020204" pitchFamily="34" charset="0"/>
                 <a:cs typeface="Arial" panose="020B0604020202020204" pitchFamily="34" charset="0"/>
               </a:endParaRPr>
@@ -16291,11 +16224,345 @@
             <a:pPr algn="ctr"/>
             <a:r>
               <a:rPr lang="en-US" sz="1200" b="1" dirty="0" smtClean="0">
+                <a:solidFill>
+                  <a:schemeClr val="accent1"/>
+                </a:solidFill>
                 <a:latin typeface="Wingdings" panose="05000000000000000000" pitchFamily="2" charset="2"/>
               </a:rPr>
               <a:t>€</a:t>
             </a:r>
             <a:endParaRPr lang="en-US" sz="1000" b="1" dirty="0">
+              <a:solidFill>
+                <a:schemeClr val="accent1"/>
+              </a:solidFill>
+              <a:latin typeface="Arial" panose="020B0604020202020204" pitchFamily="34" charset="0"/>
+              <a:cs typeface="Arial" panose="020B0604020202020204" pitchFamily="34" charset="0"/>
+            </a:endParaRPr>
+          </a:p>
+        </p:txBody>
+      </p:sp>
+      <p:sp>
+        <p:nvSpPr>
+          <p:cNvPr id="120" name="TextBox 119"/>
+          <p:cNvSpPr txBox="1"/>
+          <p:nvPr/>
+        </p:nvSpPr>
+        <p:spPr>
+          <a:xfrm>
+            <a:off x="1110853" y="1655817"/>
+            <a:ext cx="137858" cy="257369"/>
+          </a:xfrm>
+          <a:prstGeom prst="rect">
+            <a:avLst/>
+          </a:prstGeom>
+          <a:noFill/>
+        </p:spPr>
+        <p:txBody>
+          <a:bodyPr wrap="none" lIns="0" tIns="36000" rIns="0" bIns="36000" rtlCol="0" anchor="ctr" anchorCtr="1">
+            <a:spAutoFit/>
+          </a:bodyPr>
+          <a:lstStyle/>
+          <a:p>
+            <a:pPr algn="ctr"/>
+            <a:r>
+              <a:rPr lang="en-US" sz="1200" b="1" dirty="0" smtClean="0">
+                <a:solidFill>
+                  <a:schemeClr val="accent1"/>
+                </a:solidFill>
+                <a:latin typeface="Arial" panose="020B0604020202020204" pitchFamily="34" charset="0"/>
+                <a:cs typeface="Arial" panose="020B0604020202020204" pitchFamily="34" charset="0"/>
+                <a:sym typeface="Wingdings"/>
+              </a:rPr>
+              <a:t></a:t>
+            </a:r>
+            <a:endParaRPr lang="en-US" sz="1000" dirty="0">
+              <a:solidFill>
+                <a:schemeClr val="accent1"/>
+              </a:solidFill>
+              <a:latin typeface="Arial" panose="020B0604020202020204" pitchFamily="34" charset="0"/>
+              <a:cs typeface="Arial" panose="020B0604020202020204" pitchFamily="34" charset="0"/>
+            </a:endParaRPr>
+          </a:p>
+        </p:txBody>
+      </p:sp>
+      <p:sp>
+        <p:nvSpPr>
+          <p:cNvPr id="121" name="TextBox 120"/>
+          <p:cNvSpPr txBox="1"/>
+          <p:nvPr/>
+        </p:nvSpPr>
+        <p:spPr>
+          <a:xfrm>
+            <a:off x="1004353" y="2921298"/>
+            <a:ext cx="322524" cy="257369"/>
+          </a:xfrm>
+          <a:prstGeom prst="rect">
+            <a:avLst/>
+          </a:prstGeom>
+          <a:solidFill>
+            <a:schemeClr val="bg1"/>
+          </a:solidFill>
+        </p:spPr>
+        <p:txBody>
+          <a:bodyPr wrap="none" tIns="36000" bIns="36000" rtlCol="0" anchor="ctr" anchorCtr="1">
+            <a:spAutoFit/>
+          </a:bodyPr>
+          <a:lstStyle/>
+          <a:p>
+            <a:r>
+              <a:rPr lang="en-US" sz="1200" b="1" dirty="0" smtClean="0">
+                <a:solidFill>
+                  <a:schemeClr val="accent1"/>
+                </a:solidFill>
+                <a:latin typeface="Arial" panose="020B0604020202020204" pitchFamily="34" charset="0"/>
+                <a:cs typeface="Arial" panose="020B0604020202020204" pitchFamily="34" charset="0"/>
+                <a:sym typeface="Wingdings"/>
+              </a:rPr>
+              <a:t></a:t>
+            </a:r>
+            <a:endParaRPr lang="en-US" sz="1000" dirty="0">
+              <a:solidFill>
+                <a:schemeClr val="accent1"/>
+              </a:solidFill>
+              <a:latin typeface="Arial" panose="020B0604020202020204" pitchFamily="34" charset="0"/>
+              <a:cs typeface="Arial" panose="020B0604020202020204" pitchFamily="34" charset="0"/>
+            </a:endParaRPr>
+          </a:p>
+        </p:txBody>
+      </p:sp>
+      <p:sp>
+        <p:nvSpPr>
+          <p:cNvPr id="122" name="TextBox 121"/>
+          <p:cNvSpPr txBox="1"/>
+          <p:nvPr/>
+        </p:nvSpPr>
+        <p:spPr>
+          <a:xfrm>
+            <a:off x="5036801" y="3569370"/>
+            <a:ext cx="322524" cy="257369"/>
+          </a:xfrm>
+          <a:prstGeom prst="rect">
+            <a:avLst/>
+          </a:prstGeom>
+          <a:noFill/>
+        </p:spPr>
+        <p:txBody>
+          <a:bodyPr wrap="none" tIns="36000" bIns="36000" rtlCol="0" anchor="ctr" anchorCtr="1">
+            <a:spAutoFit/>
+          </a:bodyPr>
+          <a:lstStyle/>
+          <a:p>
+            <a:r>
+              <a:rPr lang="en-US" sz="1200" b="1" dirty="0" smtClean="0">
+                <a:solidFill>
+                  <a:schemeClr val="accent1"/>
+                </a:solidFill>
+                <a:latin typeface="Arial" panose="020B0604020202020204" pitchFamily="34" charset="0"/>
+                <a:cs typeface="Arial" panose="020B0604020202020204" pitchFamily="34" charset="0"/>
+                <a:sym typeface="Wingdings"/>
+              </a:rPr>
+              <a:t></a:t>
+            </a:r>
+            <a:endParaRPr lang="en-US" sz="1200" b="1" dirty="0">
+              <a:solidFill>
+                <a:schemeClr val="accent1"/>
+              </a:solidFill>
+              <a:latin typeface="Arial" panose="020B0604020202020204" pitchFamily="34" charset="0"/>
+              <a:cs typeface="Arial" panose="020B0604020202020204" pitchFamily="34" charset="0"/>
+            </a:endParaRPr>
+          </a:p>
+        </p:txBody>
+      </p:sp>
+      <p:sp>
+        <p:nvSpPr>
+          <p:cNvPr id="123" name="TextBox 122"/>
+          <p:cNvSpPr txBox="1"/>
+          <p:nvPr/>
+        </p:nvSpPr>
+        <p:spPr>
+          <a:xfrm>
+            <a:off x="102741" y="7889850"/>
+            <a:ext cx="1837872" cy="221018"/>
+          </a:xfrm>
+          <a:prstGeom prst="rect">
+            <a:avLst/>
+          </a:prstGeom>
+          <a:noFill/>
+        </p:spPr>
+        <p:txBody>
+          <a:bodyPr wrap="square" lIns="36000" tIns="18000" rIns="36000" bIns="18000" rtlCol="0" anchor="ctr" anchorCtr="1">
+            <a:spAutoFit/>
+          </a:bodyPr>
+          <a:lstStyle/>
+          <a:p>
+            <a:r>
+              <a:rPr lang="en-US" sz="1200" b="1" dirty="0" smtClean="0">
+                <a:solidFill>
+                  <a:schemeClr val="accent1"/>
+                </a:solidFill>
+                <a:latin typeface="Arial" panose="020B0604020202020204" pitchFamily="34" charset="0"/>
+                <a:cs typeface="Arial" panose="020B0604020202020204" pitchFamily="34" charset="0"/>
+                <a:sym typeface="Wingdings"/>
+              </a:rPr>
+              <a:t></a:t>
+            </a:r>
+            <a:r>
+              <a:rPr lang="en-US" sz="1200" b="1" dirty="0" smtClean="0">
+                <a:latin typeface="Arial" panose="020B0604020202020204" pitchFamily="34" charset="0"/>
+                <a:cs typeface="Arial" panose="020B0604020202020204" pitchFamily="34" charset="0"/>
+                <a:sym typeface="Wingdings"/>
+              </a:rPr>
+              <a:t> </a:t>
+            </a:r>
+            <a:endParaRPr lang="en-US" sz="1000" dirty="0">
+              <a:solidFill>
+                <a:schemeClr val="accent1"/>
+              </a:solidFill>
+              <a:latin typeface="Arial" panose="020B0604020202020204" pitchFamily="34" charset="0"/>
+              <a:cs typeface="Arial" panose="020B0604020202020204" pitchFamily="34" charset="0"/>
+            </a:endParaRPr>
+          </a:p>
+        </p:txBody>
+      </p:sp>
+      <p:sp>
+        <p:nvSpPr>
+          <p:cNvPr id="126" name="TextBox 125"/>
+          <p:cNvSpPr txBox="1"/>
+          <p:nvPr/>
+        </p:nvSpPr>
+        <p:spPr>
+          <a:xfrm>
+            <a:off x="7467435" y="8692971"/>
+            <a:ext cx="1800201" cy="276999"/>
+          </a:xfrm>
+          <a:prstGeom prst="rect">
+            <a:avLst/>
+          </a:prstGeom>
+          <a:noFill/>
+        </p:spPr>
+        <p:txBody>
+          <a:bodyPr wrap="square" rtlCol="0">
+            <a:spAutoFit/>
+          </a:bodyPr>
+          <a:lstStyle/>
+          <a:p>
+            <a:pPr algn="ctr"/>
+            <a:r>
+              <a:rPr lang="en-US" sz="1200" b="1" dirty="0" smtClean="0">
+                <a:solidFill>
+                  <a:schemeClr val="accent1"/>
+                </a:solidFill>
+                <a:latin typeface="Arial" panose="020B0604020202020204" pitchFamily="34" charset="0"/>
+                <a:cs typeface="Arial" panose="020B0604020202020204" pitchFamily="34" charset="0"/>
+                <a:sym typeface="Wingdings"/>
+              </a:rPr>
+              <a:t></a:t>
+            </a:r>
+            <a:r>
+              <a:rPr lang="en-US" sz="1000" dirty="0" smtClean="0">
+                <a:solidFill>
+                  <a:schemeClr val="accent1"/>
+                </a:solidFill>
+                <a:latin typeface="Arial" panose="020B0604020202020204" pitchFamily="34" charset="0"/>
+                <a:cs typeface="Arial" panose="020B0604020202020204" pitchFamily="34" charset="0"/>
+              </a:rPr>
+              <a:t> </a:t>
+            </a:r>
+            <a:endParaRPr lang="en-US" sz="1200" dirty="0">
+              <a:solidFill>
+                <a:schemeClr val="accent1"/>
+              </a:solidFill>
+              <a:latin typeface="Arial" panose="020B0604020202020204" pitchFamily="34" charset="0"/>
+              <a:cs typeface="Arial" panose="020B0604020202020204" pitchFamily="34" charset="0"/>
+            </a:endParaRPr>
+          </a:p>
+        </p:txBody>
+      </p:sp>
+      <p:sp>
+        <p:nvSpPr>
+          <p:cNvPr id="139" name="TextBox 138"/>
+          <p:cNvSpPr txBox="1"/>
+          <p:nvPr/>
+        </p:nvSpPr>
+        <p:spPr>
+          <a:xfrm>
+            <a:off x="2479005" y="10122098"/>
+            <a:ext cx="210561" cy="184666"/>
+          </a:xfrm>
+          <a:prstGeom prst="rect">
+            <a:avLst/>
+          </a:prstGeom>
+          <a:noFill/>
+          <a:ln>
+            <a:noFill/>
+          </a:ln>
+        </p:spPr>
+        <p:txBody>
+          <a:bodyPr wrap="none" lIns="36000" tIns="0" rIns="36000" bIns="0" rtlCol="0" anchor="ctr" anchorCtr="1">
+            <a:spAutoFit/>
+          </a:bodyPr>
+          <a:lstStyle/>
+          <a:p>
+            <a:pPr algn="ctr"/>
+            <a:r>
+              <a:rPr lang="en-US" sz="1200" b="1" dirty="0" smtClean="0">
+                <a:solidFill>
+                  <a:schemeClr val="accent1"/>
+                </a:solidFill>
+                <a:latin typeface="Arial" panose="020B0604020202020204" pitchFamily="34" charset="0"/>
+                <a:cs typeface="Arial" panose="020B0604020202020204" pitchFamily="34" charset="0"/>
+                <a:sym typeface="Wingdings"/>
+              </a:rPr>
+              <a:t></a:t>
+            </a:r>
+            <a:endParaRPr lang="en-US" sz="1000" dirty="0">
+              <a:solidFill>
+                <a:schemeClr val="accent1"/>
+              </a:solidFill>
+              <a:latin typeface="Arial" panose="020B0604020202020204" pitchFamily="34" charset="0"/>
+              <a:cs typeface="Arial" panose="020B0604020202020204" pitchFamily="34" charset="0"/>
+            </a:endParaRPr>
+          </a:p>
+        </p:txBody>
+      </p:sp>
+      <p:sp>
+        <p:nvSpPr>
+          <p:cNvPr id="140" name="TextBox 139"/>
+          <p:cNvSpPr txBox="1"/>
+          <p:nvPr/>
+        </p:nvSpPr>
+        <p:spPr>
+          <a:xfrm>
+            <a:off x="966837" y="11304889"/>
+            <a:ext cx="322524" cy="257369"/>
+          </a:xfrm>
+          <a:prstGeom prst="rect">
+            <a:avLst/>
+          </a:prstGeom>
+          <a:noFill/>
+        </p:spPr>
+        <p:txBody>
+          <a:bodyPr wrap="none" tIns="36000" bIns="36000" rtlCol="0" anchor="ctr" anchorCtr="1">
+            <a:spAutoFit/>
+          </a:bodyPr>
+          <a:lstStyle/>
+          <a:p>
+            <a:pPr algn="ctr"/>
+            <a:r>
+              <a:rPr lang="en-US" sz="1200" b="1" dirty="0" smtClean="0">
+                <a:solidFill>
+                  <a:schemeClr val="accent1"/>
+                </a:solidFill>
+                <a:latin typeface="Arial" panose="020B0604020202020204" pitchFamily="34" charset="0"/>
+                <a:cs typeface="Arial" panose="020B0604020202020204" pitchFamily="34" charset="0"/>
+                <a:sym typeface="Wingdings"/>
+              </a:rPr>
+              <a:t></a:t>
+            </a:r>
+            <a:endParaRPr lang="en-US" sz="1000" dirty="0">
+              <a:solidFill>
+                <a:schemeClr val="accent1"/>
+              </a:solidFill>
               <a:latin typeface="Arial" panose="020B0604020202020204" pitchFamily="34" charset="0"/>
               <a:cs typeface="Arial" panose="020B0604020202020204" pitchFamily="34" charset="0"/>
             </a:endParaRPr>
@@ -16555,14 +16822,7 @@
                 <a:latin typeface="Arial" panose="020B0604020202020204" pitchFamily="34" charset="0"/>
                 <a:cs typeface="Arial" panose="020B0604020202020204" pitchFamily="34" charset="0"/>
               </a:rPr>
-              <a:t>should also include </a:t>
-            </a:r>
-            <a:r>
-              <a:rPr lang="en-US" sz="1000" dirty="0" smtClean="0">
-                <a:latin typeface="Arial" panose="020B0604020202020204" pitchFamily="34" charset="0"/>
-                <a:cs typeface="Arial" panose="020B0604020202020204" pitchFamily="34" charset="0"/>
-              </a:rPr>
-              <a:t>an </a:t>
+              <a:t>should also include an </a:t>
             </a:r>
             <a:r>
               <a:rPr lang="en-US" sz="1000" dirty="0" err="1">
@@ -16589,35 +16849,21 @@
                 <a:latin typeface="Arial" panose="020B0604020202020204" pitchFamily="34" charset="0"/>
                 <a:cs typeface="Arial" panose="020B0604020202020204" pitchFamily="34" charset="0"/>
               </a:rPr>
-              <a:t>object holding </a:t>
+              <a:t>object holding a list of accepted card-types and a digitally </a:t>
+            </a:r>
+            <a:r>
+              <a:rPr lang="en-US" sz="1000" dirty="0">
+                <a:latin typeface="Arial" panose="020B0604020202020204" pitchFamily="34" charset="0"/>
+                <a:cs typeface="Arial" panose="020B0604020202020204" pitchFamily="34" charset="0"/>
+              </a:rPr>
+              <a:t>signed </a:t>
             </a:r>
             <a:r>
               <a:rPr lang="en-US" sz="1000" dirty="0" smtClean="0">
                 <a:latin typeface="Arial" panose="020B0604020202020204" pitchFamily="34" charset="0"/>
                 <a:cs typeface="Arial" panose="020B0604020202020204" pitchFamily="34" charset="0"/>
               </a:rPr>
-              <a:t>a list of accepted card-types and a digitally </a:t>
-            </a:r>
-            <a:r>
-              <a:rPr lang="en-US" sz="1000" dirty="0">
-                <a:latin typeface="Arial" panose="020B0604020202020204" pitchFamily="34" charset="0"/>
-                <a:cs typeface="Arial" panose="020B0604020202020204" pitchFamily="34" charset="0"/>
-              </a:rPr>
-              <a:t>signed </a:t>
-            </a:r>
-            <a:r>
-              <a:rPr lang="en-US" sz="1000" dirty="0" smtClean="0">
-                <a:latin typeface="Arial" panose="020B0604020202020204" pitchFamily="34" charset="0"/>
-                <a:cs typeface="Arial" panose="020B0604020202020204" pitchFamily="34" charset="0"/>
-              </a:rPr>
-              <a:t>p</a:t>
-            </a:r>
-            <a:r>
-              <a:rPr lang="en-US" sz="1000" dirty="0" smtClean="0">
-                <a:latin typeface="Arial" panose="020B0604020202020204" pitchFamily="34" charset="0"/>
-                <a:cs typeface="Arial" panose="020B0604020202020204" pitchFamily="34" charset="0"/>
-              </a:rPr>
-              <a:t>ayment request</a:t>
+              <a:t>payment request</a:t>
             </a:r>
             <a:r>
               <a:rPr lang="en-US" sz="1000" dirty="0">
@@ -16672,14 +16918,7 @@
                 <a:latin typeface="Arial" panose="020B0604020202020204" pitchFamily="34" charset="0"/>
                 <a:cs typeface="Arial" panose="020B0604020202020204" pitchFamily="34" charset="0"/>
               </a:rPr>
-              <a:t>has been loaded, it sends </a:t>
-            </a:r>
-            <a:r>
-              <a:rPr lang="en-US" sz="1000" dirty="0">
-                <a:latin typeface="Arial" panose="020B0604020202020204" pitchFamily="34" charset="0"/>
-                <a:cs typeface="Arial" panose="020B0604020202020204" pitchFamily="34" charset="0"/>
-              </a:rPr>
-              <a:t>a</a:t>
+              <a:t>has been loaded, it sends a</a:t>
             </a:r>
             <a:r>
               <a:rPr lang="en-US" sz="1000" dirty="0" smtClean="0">
@@ -16717,63 +16956,21 @@
                 <a:latin typeface="Arial" panose="020B0604020202020204" pitchFamily="34" charset="0"/>
                 <a:cs typeface="Arial" panose="020B0604020202020204" pitchFamily="34" charset="0"/>
               </a:rPr>
-              <a:t>ayment </a:t>
+              <a:t>ayment page to </a:t>
+            </a:r>
+            <a:r>
+              <a:rPr lang="en-US" sz="1000" dirty="0">
+                <a:latin typeface="Arial" panose="020B0604020202020204" pitchFamily="34" charset="0"/>
+                <a:cs typeface="Arial" panose="020B0604020202020204" pitchFamily="34" charset="0"/>
+              </a:rPr>
+              <a:t>signal that it is ready for taking on a payment </a:t>
             </a:r>
             <a:r>
               <a:rPr lang="en-US" sz="1000" dirty="0" smtClean="0">
                 <a:latin typeface="Arial" panose="020B0604020202020204" pitchFamily="34" charset="0"/>
                 <a:cs typeface="Arial" panose="020B0604020202020204" pitchFamily="34" charset="0"/>
               </a:rPr>
-              <a:t>page to </a:t>
-            </a:r>
-            <a:r>
-              <a:rPr lang="en-US" sz="1000" dirty="0">
-                <a:latin typeface="Arial" panose="020B0604020202020204" pitchFamily="34" charset="0"/>
-                <a:cs typeface="Arial" panose="020B0604020202020204" pitchFamily="34" charset="0"/>
-              </a:rPr>
-              <a:t>signal that it is ready for taking on a payment </a:t>
-            </a:r>
-            <a:r>
-              <a:rPr lang="en-US" sz="1000" dirty="0" smtClean="0">
-                <a:latin typeface="Arial" panose="020B0604020202020204" pitchFamily="34" charset="0"/>
-                <a:cs typeface="Arial" panose="020B0604020202020204" pitchFamily="34" charset="0"/>
-              </a:rPr>
-              <a:t>request.  This message also contains windowing information which the payment page can use to adjust its content so that it </a:t>
-            </a:r>
-            <a:r>
-              <a:rPr lang="en-US" sz="1000" dirty="0" smtClean="0">
-                <a:latin typeface="Arial" panose="020B0604020202020204" pitchFamily="34" charset="0"/>
-                <a:cs typeface="Arial" panose="020B0604020202020204" pitchFamily="34" charset="0"/>
-              </a:rPr>
-              <a:t>does </a:t>
-            </a:r>
-            <a:r>
-              <a:rPr lang="en-US" sz="1000" dirty="0" smtClean="0">
-                <a:latin typeface="Arial" panose="020B0604020202020204" pitchFamily="34" charset="0"/>
-                <a:cs typeface="Arial" panose="020B0604020202020204" pitchFamily="34" charset="0"/>
-              </a:rPr>
-              <a:t>not get </a:t>
-            </a:r>
-            <a:r>
-              <a:rPr lang="en-US" sz="1000" dirty="0" smtClean="0">
-                <a:latin typeface="Arial" panose="020B0604020202020204" pitchFamily="34" charset="0"/>
-                <a:cs typeface="Arial" panose="020B0604020202020204" pitchFamily="34" charset="0"/>
-              </a:rPr>
-              <a:t>hidden by the Wallet </a:t>
-            </a:r>
-            <a:r>
-              <a:rPr lang="en-US" sz="1000" dirty="0" smtClean="0">
-                <a:latin typeface="Arial" panose="020B0604020202020204" pitchFamily="34" charset="0"/>
-                <a:cs typeface="Arial" panose="020B0604020202020204" pitchFamily="34" charset="0"/>
-              </a:rPr>
-              <a:t>application window</a:t>
-            </a:r>
-            <a:r>
-              <a:rPr lang="en-US" sz="1000" dirty="0" smtClean="0">
-                <a:latin typeface="Arial" panose="020B0604020202020204" pitchFamily="34" charset="0"/>
-                <a:cs typeface="Arial" panose="020B0604020202020204" pitchFamily="34" charset="0"/>
-              </a:rPr>
-              <a:t>. </a:t>
+              <a:t>request.  This message also contains windowing information which the payment page can use to adjust its content so that it does not get hidden by the Wallet application window. </a:t>
             </a:r>
           </a:p>
           <a:p>
@@ -16800,14 +16997,7 @@
                 <a:latin typeface="Arial" panose="020B0604020202020204" pitchFamily="34" charset="0"/>
                 <a:cs typeface="Arial" panose="020B0604020202020204" pitchFamily="34" charset="0"/>
               </a:rPr>
-              <a:t>payment page sends </a:t>
-            </a:r>
-            <a:r>
-              <a:rPr lang="en-US" sz="1000" dirty="0" smtClean="0">
-                <a:latin typeface="Arial" panose="020B0604020202020204" pitchFamily="34" charset="0"/>
-                <a:cs typeface="Arial" panose="020B0604020202020204" pitchFamily="34" charset="0"/>
-              </a:rPr>
-              <a:t>the </a:t>
+              <a:t>payment page sends the </a:t>
             </a:r>
             <a:r>
               <a:rPr lang="en-US" sz="1000" dirty="0" err="1" smtClean="0">
@@ -16862,28 +17052,7 @@
                 <a:latin typeface="Arial" panose="020B0604020202020204" pitchFamily="34" charset="0"/>
                 <a:cs typeface="Arial" panose="020B0604020202020204" pitchFamily="34" charset="0"/>
               </a:rPr>
-              <a:t>the Wallet application which now enters </a:t>
-            </a:r>
-            <a:r>
-              <a:rPr lang="en-US" sz="1000" dirty="0" smtClean="0">
-                <a:latin typeface="Arial" panose="020B0604020202020204" pitchFamily="34" charset="0"/>
-                <a:cs typeface="Arial" panose="020B0604020202020204" pitchFamily="34" charset="0"/>
-              </a:rPr>
-              <a:t>an</a:t>
-            </a:r>
-            <a:r>
-              <a:rPr lang="en-US" sz="1000" dirty="0" smtClean="0">
-                <a:latin typeface="Arial" panose="020B0604020202020204" pitchFamily="34" charset="0"/>
-                <a:cs typeface="Arial" panose="020B0604020202020204" pitchFamily="34" charset="0"/>
-              </a:rPr>
-              <a:t> </a:t>
-            </a:r>
-            <a:r>
-              <a:rPr lang="en-US" sz="1000" dirty="0" smtClean="0">
-                <a:latin typeface="Arial" panose="020B0604020202020204" pitchFamily="34" charset="0"/>
-                <a:cs typeface="Arial" panose="020B0604020202020204" pitchFamily="34" charset="0"/>
-              </a:rPr>
-              <a:t>active state. </a:t>
+              <a:t>the Wallet application which now enters an active state. </a:t>
             </a:r>
             <a:endParaRPr lang="en-US" sz="1000" dirty="0">
               <a:latin typeface="Arial" panose="020B0604020202020204" pitchFamily="34" charset="0"/>
@@ -16963,14 +17132,7 @@
                 <a:latin typeface="Arial" panose="020B0604020202020204" pitchFamily="34" charset="0"/>
                 <a:cs typeface="Arial" panose="020B0604020202020204" pitchFamily="34" charset="0"/>
               </a:rPr>
-              <a:t>for the user to accept </a:t>
-            </a:r>
-            <a:r>
-              <a:rPr lang="en-US" sz="1000" dirty="0" smtClean="0">
-                <a:latin typeface="Arial" panose="020B0604020202020204" pitchFamily="34" charset="0"/>
-                <a:cs typeface="Arial" panose="020B0604020202020204" pitchFamily="34" charset="0"/>
-              </a:rPr>
-              <a:t>or reject.</a:t>
+              <a:t>for the user to accept or reject.</a:t>
             </a:r>
             <a:r>
               <a:rPr lang="en-US" sz="300" dirty="0" smtClean="0">
@@ -17441,21 +17603,7 @@
                 <a:latin typeface="Arial" panose="020B0604020202020204" pitchFamily="34" charset="0"/>
                 <a:cs typeface="Arial" panose="020B0604020202020204" pitchFamily="34" charset="0"/>
               </a:rPr>
-              <a:t>to the </a:t>
-            </a:r>
-            <a:r>
-              <a:rPr lang="en-US" sz="1000" dirty="0" smtClean="0">
-                <a:latin typeface="Arial" panose="020B0604020202020204" pitchFamily="34" charset="0"/>
-                <a:cs typeface="Arial" panose="020B0604020202020204" pitchFamily="34" charset="0"/>
-              </a:rPr>
-              <a:t>payment page </a:t>
-            </a:r>
-            <a:r>
-              <a:rPr lang="en-US" sz="1000" dirty="0" smtClean="0">
-                <a:latin typeface="Arial" panose="020B0604020202020204" pitchFamily="34" charset="0"/>
-                <a:cs typeface="Arial" panose="020B0604020202020204" pitchFamily="34" charset="0"/>
-              </a:rPr>
-              <a:t>as a </a:t>
+              <a:t>to the payment page as a </a:t>
             </a:r>
             <a:r>
               <a:rPr lang="en-US" sz="1000" dirty="0" err="1" smtClean="0">
@@ -17584,21 +17732,7 @@
                 <a:latin typeface="Arial" panose="020B0604020202020204" pitchFamily="34" charset="0"/>
                 <a:cs typeface="Arial" panose="020B0604020202020204" pitchFamily="34" charset="0"/>
               </a:rPr>
-              <a:t>creates another container </a:t>
-            </a:r>
-            <a:r>
-              <a:rPr lang="en-US" sz="1000" dirty="0" smtClean="0">
-                <a:latin typeface="Arial" panose="020B0604020202020204" pitchFamily="34" charset="0"/>
-                <a:cs typeface="Arial" panose="020B0604020202020204" pitchFamily="34" charset="0"/>
-              </a:rPr>
-              <a:t>object with </a:t>
-            </a:r>
-            <a:r>
-              <a:rPr lang="en-US" sz="1000" dirty="0" smtClean="0">
-                <a:latin typeface="Arial" panose="020B0604020202020204" pitchFamily="34" charset="0"/>
-                <a:cs typeface="Arial" panose="020B0604020202020204" pitchFamily="34" charset="0"/>
-              </a:rPr>
-              <a:t>the encrypted authorized transaction request plus some other information, and finally signs it with its Merchant key.</a:t>
+              <a:t>creates another container object with the encrypted authorized transaction request plus some other information, and finally signs it with its Merchant key.</a:t>
             </a:r>
             <a:r>
               <a:rPr lang="en-US" sz="300" dirty="0" smtClean="0">
@@ -17747,28 +17881,7 @@
                 <a:latin typeface="Arial" panose="020B0604020202020204" pitchFamily="34" charset="0"/>
                 <a:cs typeface="Arial" panose="020B0604020202020204" pitchFamily="34" charset="0"/>
               </a:rPr>
-              <a:t>” (one-time) </a:t>
-            </a:r>
-            <a:r>
-              <a:rPr lang="en-US" sz="1000" dirty="0" smtClean="0">
-                <a:latin typeface="Arial" panose="020B0604020202020204" pitchFamily="34" charset="0"/>
-                <a:cs typeface="Arial" panose="020B0604020202020204" pitchFamily="34" charset="0"/>
-              </a:rPr>
-              <a:t>payer </a:t>
-            </a:r>
-            <a:r>
-              <a:rPr lang="en-US" sz="1000" dirty="0" smtClean="0">
-                <a:latin typeface="Arial" panose="020B0604020202020204" pitchFamily="34" charset="0"/>
-                <a:cs typeface="Arial" panose="020B0604020202020204" pitchFamily="34" charset="0"/>
-              </a:rPr>
-              <a:t>data and then signed by the Payment Provider.  The assembled </a:t>
-            </a:r>
-            <a:r>
-              <a:rPr lang="en-US" sz="1000" dirty="0" smtClean="0">
-                <a:latin typeface="Arial" panose="020B0604020202020204" pitchFamily="34" charset="0"/>
-                <a:cs typeface="Arial" panose="020B0604020202020204" pitchFamily="34" charset="0"/>
-              </a:rPr>
-              <a:t>object (</a:t>
+              <a:t>” (one-time) payer data and then signed by the Payment Provider.  The assembled object (</a:t>
             </a:r>
             <a:r>
               <a:rPr lang="en-US" sz="1000" dirty="0" err="1" smtClean="0">
